--- a/_teaching/csci112-fall-2023/lectures/ppts/Chapter7.pptx
+++ b/_teaching/csci112-fall-2023/lectures/ppts/Chapter7.pptx
@@ -5,39 +5,38 @@
     <p:sldMasterId id="2147483696" r:id="rId1"/>
   </p:sldMasterIdLst>
   <p:notesMasterIdLst>
-    <p:notesMasterId r:id="rId32"/>
+    <p:notesMasterId r:id="rId31"/>
   </p:notesMasterIdLst>
   <p:sldIdLst>
-    <p:sldId id="326" r:id="rId2"/>
-    <p:sldId id="256" r:id="rId3"/>
-    <p:sldId id="267" r:id="rId4"/>
-    <p:sldId id="270" r:id="rId5"/>
-    <p:sldId id="271" r:id="rId6"/>
-    <p:sldId id="272" r:id="rId7"/>
-    <p:sldId id="273" r:id="rId8"/>
-    <p:sldId id="274" r:id="rId9"/>
-    <p:sldId id="275" r:id="rId10"/>
-    <p:sldId id="277" r:id="rId11"/>
-    <p:sldId id="327" r:id="rId12"/>
-    <p:sldId id="279" r:id="rId13"/>
-    <p:sldId id="328" r:id="rId14"/>
-    <p:sldId id="295" r:id="rId15"/>
-    <p:sldId id="314" r:id="rId16"/>
-    <p:sldId id="287" r:id="rId17"/>
-    <p:sldId id="315" r:id="rId18"/>
-    <p:sldId id="316" r:id="rId19"/>
-    <p:sldId id="288" r:id="rId20"/>
-    <p:sldId id="286" r:id="rId21"/>
-    <p:sldId id="289" r:id="rId22"/>
-    <p:sldId id="290" r:id="rId23"/>
-    <p:sldId id="291" r:id="rId24"/>
-    <p:sldId id="292" r:id="rId25"/>
-    <p:sldId id="293" r:id="rId26"/>
-    <p:sldId id="294" r:id="rId27"/>
-    <p:sldId id="301" r:id="rId28"/>
-    <p:sldId id="303" r:id="rId29"/>
-    <p:sldId id="304" r:id="rId30"/>
-    <p:sldId id="269" r:id="rId31"/>
+    <p:sldId id="256" r:id="rId2"/>
+    <p:sldId id="267" r:id="rId3"/>
+    <p:sldId id="270" r:id="rId4"/>
+    <p:sldId id="271" r:id="rId5"/>
+    <p:sldId id="272" r:id="rId6"/>
+    <p:sldId id="273" r:id="rId7"/>
+    <p:sldId id="274" r:id="rId8"/>
+    <p:sldId id="275" r:id="rId9"/>
+    <p:sldId id="277" r:id="rId10"/>
+    <p:sldId id="327" r:id="rId11"/>
+    <p:sldId id="279" r:id="rId12"/>
+    <p:sldId id="328" r:id="rId13"/>
+    <p:sldId id="295" r:id="rId14"/>
+    <p:sldId id="314" r:id="rId15"/>
+    <p:sldId id="287" r:id="rId16"/>
+    <p:sldId id="315" r:id="rId17"/>
+    <p:sldId id="316" r:id="rId18"/>
+    <p:sldId id="288" r:id="rId19"/>
+    <p:sldId id="286" r:id="rId20"/>
+    <p:sldId id="289" r:id="rId21"/>
+    <p:sldId id="290" r:id="rId22"/>
+    <p:sldId id="291" r:id="rId23"/>
+    <p:sldId id="292" r:id="rId24"/>
+    <p:sldId id="293" r:id="rId25"/>
+    <p:sldId id="294" r:id="rId26"/>
+    <p:sldId id="301" r:id="rId27"/>
+    <p:sldId id="303" r:id="rId28"/>
+    <p:sldId id="304" r:id="rId29"/>
+    <p:sldId id="269" r:id="rId30"/>
   </p:sldIdLst>
   <p:sldSz cx="9144000" cy="6858000" type="screen4x3"/>
   <p:notesSz cx="6858000" cy="9144000"/>
@@ -237,7 +236,7 @@
           <a:p>
             <a:fld id="{E98CB7A6-F9BD-49C3-9ECF-4DAF095CBB1C}" type="datetimeFigureOut">
               <a:rPr lang="en-US" smtClean="0"/>
-              <a:t>2/24/23</a:t>
+              <a:t>9/20/23</a:t>
             </a:fld>
             <a:endParaRPr lang="en-US"/>
           </a:p>
@@ -683,7 +682,7 @@
           <a:p>
             <a:fld id="{E3D5AC34-6369-47AD-9227-C94D863A9CC0}" type="datetime1">
               <a:rPr lang="en-US" smtClean="0"/>
-              <a:t>2/24/23</a:t>
+              <a:t>9/20/23</a:t>
             </a:fld>
             <a:endParaRPr lang="en-US"/>
           </a:p>
@@ -854,7 +853,7 @@
           <a:p>
             <a:fld id="{072AE9C9-84B0-4CCC-8BB5-D31EF955DABF}" type="datetime1">
               <a:rPr lang="en-US" smtClean="0"/>
-              <a:t>2/24/23</a:t>
+              <a:t>9/20/23</a:t>
             </a:fld>
             <a:endParaRPr lang="en-US"/>
           </a:p>
@@ -1035,7 +1034,7 @@
           <a:p>
             <a:fld id="{418459C9-6810-46A7-8E27-73A52524CA34}" type="datetime1">
               <a:rPr lang="en-US" smtClean="0"/>
-              <a:t>2/24/23</a:t>
+              <a:t>9/20/23</a:t>
             </a:fld>
             <a:endParaRPr lang="en-US"/>
           </a:p>
@@ -1206,7 +1205,7 @@
           <a:p>
             <a:fld id="{F7BCA306-D31B-4E3C-AD40-EA3294957AA6}" type="datetime1">
               <a:rPr lang="en-US" smtClean="0"/>
-              <a:t>2/24/23</a:t>
+              <a:t>9/20/23</a:t>
             </a:fld>
             <a:endParaRPr lang="en-US"/>
           </a:p>
@@ -1454,7 +1453,7 @@
           <a:p>
             <a:fld id="{5C41660C-86E2-43CF-B22A-29E62815AB7D}" type="datetime1">
               <a:rPr lang="en-US" smtClean="0"/>
-              <a:t>2/24/23</a:t>
+              <a:t>9/20/23</a:t>
             </a:fld>
             <a:endParaRPr lang="en-US"/>
           </a:p>
@@ -1742,7 +1741,7 @@
           <a:p>
             <a:fld id="{94543629-6BC7-4BF9-A2A1-981038F36C55}" type="datetime1">
               <a:rPr lang="en-US" smtClean="0"/>
-              <a:t>2/24/23</a:t>
+              <a:t>9/20/23</a:t>
             </a:fld>
             <a:endParaRPr lang="en-US"/>
           </a:p>
@@ -2164,7 +2163,7 @@
           <a:p>
             <a:fld id="{EB5B99CF-F104-4BC6-A098-3ABC219C8A7D}" type="datetime1">
               <a:rPr lang="en-US" smtClean="0"/>
-              <a:t>2/24/23</a:t>
+              <a:t>9/20/23</a:t>
             </a:fld>
             <a:endParaRPr lang="en-US"/>
           </a:p>
@@ -2284,7 +2283,7 @@
           <a:p>
             <a:fld id="{C07800F5-980D-47D4-9F20-E5F458E76937}" type="datetime1">
               <a:rPr lang="en-US" smtClean="0"/>
-              <a:t>2/24/23</a:t>
+              <a:t>9/20/23</a:t>
             </a:fld>
             <a:endParaRPr lang="en-US"/>
           </a:p>
@@ -2382,7 +2381,7 @@
           <a:p>
             <a:fld id="{913B0C59-39A1-4E7B-8276-56A7060F0A3E}" type="datetime1">
               <a:rPr lang="en-US" smtClean="0"/>
-              <a:t>2/24/23</a:t>
+              <a:t>9/20/23</a:t>
             </a:fld>
             <a:endParaRPr lang="en-US"/>
           </a:p>
@@ -2660,7 +2659,7 @@
           <a:p>
             <a:fld id="{C453B8A8-F829-4B10-8A5D-952BBAE5F11B}" type="datetime1">
               <a:rPr lang="en-US" smtClean="0"/>
-              <a:t>2/24/23</a:t>
+              <a:t>9/20/23</a:t>
             </a:fld>
             <a:endParaRPr lang="en-US"/>
           </a:p>
@@ -2915,7 +2914,7 @@
           <a:p>
             <a:fld id="{805C8FAD-01C2-4C81-8B26-770D72A95E71}" type="datetime1">
               <a:rPr lang="en-US" smtClean="0"/>
-              <a:t>2/24/23</a:t>
+              <a:t>9/20/23</a:t>
             </a:fld>
             <a:endParaRPr lang="en-US"/>
           </a:p>
@@ -3129,7 +3128,7 @@
           <a:p>
             <a:fld id="{3E62D69C-6875-48F7-B20D-CB317DFF406B}" type="datetime1">
               <a:rPr lang="en-US" smtClean="0"/>
-              <a:t>2/24/23</a:t>
+              <a:t>9/20/23</a:t>
             </a:fld>
             <a:endParaRPr lang="en-US"/>
           </a:p>
@@ -3515,35 +3514,13 @@
             <a:spLocks noGrp="1"/>
           </p:cNvSpPr>
           <p:nvPr>
-            <p:ph type="title"/>
-          </p:nvPr>
-        </p:nvSpPr>
-        <p:spPr/>
-        <p:txBody>
-          <a:bodyPr/>
-          <a:lstStyle/>
-          <a:p>
-            <a:r>
-              <a:rPr lang="en-US" dirty="0"/>
-              <a:t>Conditional operator</a:t>
-            </a:r>
-          </a:p>
-        </p:txBody>
-      </p:sp>
-      <p:sp>
-        <p:nvSpPr>
-          <p:cNvPr id="3" name="Content Placeholder 2"/>
-          <p:cNvSpPr>
-            <a:spLocks noGrp="1"/>
-          </p:cNvSpPr>
-          <p:nvPr>
-            <p:ph idx="1"/>
+            <p:ph type="ctrTitle"/>
           </p:nvPr>
         </p:nvSpPr>
         <p:spPr>
           <a:xfrm>
-            <a:off x="304800" y="1524000"/>
-            <a:ext cx="8382000" cy="4602163"/>
+            <a:off x="685800" y="609600"/>
+            <a:ext cx="7772400" cy="1470025"/>
           </a:xfrm>
         </p:spPr>
         <p:txBody>
@@ -3552,91 +3529,105 @@
           </a:bodyPr>
           <a:lstStyle/>
           <a:p>
-            <a:pPr marL="0" indent="0">
-              <a:buNone/>
-            </a:pPr>
-            <a:r>
-              <a:rPr lang="en-US" sz="2400" dirty="0"/>
-              <a:t>A very compact if-else.</a:t>
-            </a:r>
-            <a:endParaRPr lang="en-US" sz="2400" i="1" dirty="0"/>
-          </a:p>
-          <a:p>
-            <a:pPr marL="0" indent="0">
-              <a:buNone/>
-            </a:pPr>
+            <a:r>
+              <a:rPr lang="en-US" dirty="0"/>
+              <a:t>Array Pointers</a:t>
+            </a:r>
+            <a:br>
+              <a:rPr lang="en-US" dirty="0"/>
+            </a:br>
+            <a:r>
+              <a:rPr lang="en-US" sz="4000" dirty="0"/>
+              <a:t>Chapter 7</a:t>
+            </a:r>
+            <a:endParaRPr lang="en-US" dirty="0"/>
+          </a:p>
+        </p:txBody>
+      </p:sp>
+      <p:sp>
+        <p:nvSpPr>
+          <p:cNvPr id="3" name="Subtitle 2"/>
+          <p:cNvSpPr>
+            <a:spLocks noGrp="1"/>
+          </p:cNvSpPr>
+          <p:nvPr>
+            <p:ph type="subTitle" idx="1"/>
+          </p:nvPr>
+        </p:nvSpPr>
+        <p:spPr>
+          <a:xfrm>
+            <a:off x="1066800" y="2286000"/>
+            <a:ext cx="6934200" cy="3352800"/>
+          </a:xfrm>
+        </p:spPr>
+        <p:txBody>
+          <a:bodyPr/>
+          <a:lstStyle/>
+          <a:p>
             <a:r>
               <a:rPr lang="en-US" i="1" dirty="0">
-                <a:effectLst/>
+                <a:solidFill>
+                  <a:srgbClr val="0000FF"/>
+                </a:solidFill>
               </a:rPr>
-              <a:t>(condition) ? expression2 : expression3</a:t>
-            </a:r>
-            <a:endParaRPr lang="en-US" sz="2000" i="1" dirty="0">
-              <a:effectLst/>
+              <a:t>Problem Solving &amp; Program Design in C</a:t>
+            </a:r>
+          </a:p>
+          <a:p>
+            <a:endParaRPr lang="en-US" i="1" dirty="0">
+              <a:solidFill>
+                <a:srgbClr val="0000FF"/>
+              </a:solidFill>
             </a:endParaRPr>
           </a:p>
           <a:p>
-            <a:pPr marL="0" indent="0">
-              <a:buNone/>
-            </a:pPr>
-            <a:r>
-              <a:rPr lang="en-US" sz="2400" dirty="0"/>
-              <a:t>means</a:t>
-            </a:r>
-          </a:p>
-          <a:p>
-            <a:pPr marL="0" indent="0">
-              <a:buNone/>
-            </a:pPr>
-            <a:r>
-              <a:rPr lang="en-US" sz="3800" i="1" dirty="0">
-                <a:effectLst/>
+            <a:r>
+              <a:rPr lang="en-US" sz="2400" i="1" dirty="0">
+                <a:solidFill>
+                  <a:srgbClr val="0000FF"/>
+                </a:solidFill>
               </a:rPr>
-              <a:t>if (condition) </a:t>
-            </a:r>
-          </a:p>
-          <a:p>
-            <a:pPr marL="0" indent="0">
-              <a:buNone/>
-            </a:pPr>
-            <a:r>
-              <a:rPr lang="en-US" sz="3800" i="1" dirty="0"/>
-              <a:t>	e</a:t>
-            </a:r>
-            <a:r>
-              <a:rPr lang="en-US" sz="3800" i="1" dirty="0">
-                <a:effectLst/>
+              <a:t>Eighth Edition</a:t>
+            </a:r>
+          </a:p>
+          <a:p>
+            <a:r>
+              <a:rPr lang="en-US" sz="2400" i="1" dirty="0">
+                <a:solidFill>
+                  <a:srgbClr val="0000FF"/>
+                </a:solidFill>
               </a:rPr>
-              <a:t>xpression2</a:t>
-            </a:r>
-          </a:p>
-          <a:p>
-            <a:pPr marL="0" indent="0">
-              <a:buNone/>
-            </a:pPr>
-            <a:r>
-              <a:rPr lang="en-US" sz="3800" i="1" dirty="0">
-                <a:effectLst/>
+              <a:t>Jeri R. </a:t>
+            </a:r>
+            <a:r>
+              <a:rPr lang="en-US" sz="2400" i="1" dirty="0" err="1">
+                <a:solidFill>
+                  <a:srgbClr val="0000FF"/>
+                </a:solidFill>
               </a:rPr>
-              <a:t>else </a:t>
-            </a:r>
-          </a:p>
-          <a:p>
-            <a:pPr marL="0" indent="0">
-              <a:buNone/>
-            </a:pPr>
-            <a:r>
-              <a:rPr lang="en-US" sz="3800" i="1" dirty="0">
-                <a:effectLst/>
+              <a:t>Hanly</a:t>
+            </a:r>
+            <a:r>
+              <a:rPr lang="en-US" sz="2400" i="1" dirty="0">
+                <a:solidFill>
+                  <a:srgbClr val="0000FF"/>
+                </a:solidFill>
               </a:rPr>
-              <a:t>	expression3</a:t>
-            </a:r>
-          </a:p>
-          <a:p>
-            <a:pPr marL="0" indent="0">
-              <a:buNone/>
-            </a:pPr>
-            <a:endParaRPr lang="en-US" sz="2400" dirty="0"/>
+              <a:t> &amp; Elliot B. </a:t>
+            </a:r>
+            <a:r>
+              <a:rPr lang="en-US" sz="2400" i="1" dirty="0" err="1">
+                <a:solidFill>
+                  <a:srgbClr val="0000FF"/>
+                </a:solidFill>
+              </a:rPr>
+              <a:t>Koffman</a:t>
+            </a:r>
+            <a:endParaRPr lang="en-US" sz="2400" dirty="0">
+              <a:solidFill>
+                <a:srgbClr val="0000FF"/>
+              </a:solidFill>
+            </a:endParaRPr>
           </a:p>
         </p:txBody>
       </p:sp>
@@ -3688,7 +3679,7 @@
     </p:spTree>
     <p:extLst>
       <p:ext uri="{BB962C8B-B14F-4D97-AF65-F5344CB8AC3E}">
-        <p14:creationId xmlns:p14="http://schemas.microsoft.com/office/powerpoint/2010/main" val="839774578"/>
+        <p14:creationId xmlns:p14="http://schemas.microsoft.com/office/powerpoint/2010/main" val="3386831956"/>
       </p:ext>
     </p:extLst>
   </p:cSld>
@@ -3717,252 +3708,6 @@
       </p:grpSpPr>
       <p:sp>
         <p:nvSpPr>
-          <p:cNvPr id="2" name="Title 1"/>
-          <p:cNvSpPr>
-            <a:spLocks noGrp="1"/>
-          </p:cNvSpPr>
-          <p:nvPr>
-            <p:ph type="title"/>
-          </p:nvPr>
-        </p:nvSpPr>
-        <p:spPr/>
-        <p:txBody>
-          <a:bodyPr/>
-          <a:lstStyle/>
-          <a:p>
-            <a:r>
-              <a:rPr lang="en-US" dirty="0"/>
-              <a:t>Array Subscripts</a:t>
-            </a:r>
-          </a:p>
-        </p:txBody>
-      </p:sp>
-      <p:sp>
-        <p:nvSpPr>
-          <p:cNvPr id="5" name="Content Placeholder 4"/>
-          <p:cNvSpPr>
-            <a:spLocks noGrp="1"/>
-          </p:cNvSpPr>
-          <p:nvPr>
-            <p:ph idx="1"/>
-          </p:nvPr>
-        </p:nvSpPr>
-        <p:spPr>
-          <a:xfrm>
-            <a:off x="457200" y="1371600"/>
-            <a:ext cx="8229600" cy="3276600"/>
-          </a:xfrm>
-        </p:spPr>
-        <p:txBody>
-          <a:bodyPr>
-            <a:normAutofit/>
-          </a:bodyPr>
-          <a:lstStyle/>
-          <a:p>
-            <a:r>
-              <a:rPr lang="en-US" sz="2800" dirty="0"/>
-              <a:t>Syntax:</a:t>
-            </a:r>
-            <a:br>
-              <a:rPr lang="en-US" sz="2800" dirty="0"/>
-            </a:br>
-            <a:r>
-              <a:rPr lang="en-US" sz="2800" dirty="0"/>
-              <a:t> 		</a:t>
-            </a:r>
-            <a:r>
-              <a:rPr lang="en-US" sz="2800" i="1" dirty="0" err="1"/>
-              <a:t>aname</a:t>
-            </a:r>
-            <a:r>
-              <a:rPr lang="en-US" sz="2800" i="1" dirty="0"/>
-              <a:t> [subscript]</a:t>
-            </a:r>
-            <a:endParaRPr lang="en-US" sz="2800" dirty="0"/>
-          </a:p>
-          <a:p>
-            <a:r>
-              <a:rPr lang="en-US" sz="2800" dirty="0"/>
-              <a:t>Examples:</a:t>
-            </a:r>
-            <a:br>
-              <a:rPr lang="en-US" sz="2800" dirty="0"/>
-            </a:br>
-            <a:r>
-              <a:rPr lang="en-US" sz="2800" dirty="0"/>
-              <a:t>		</a:t>
-            </a:r>
-            <a:r>
-              <a:rPr lang="en-US" sz="2800" dirty="0">
-                <a:solidFill>
-                  <a:srgbClr val="7030A0"/>
-                </a:solidFill>
-              </a:rPr>
-              <a:t>x[3]</a:t>
-            </a:r>
-          </a:p>
-          <a:p>
-            <a:pPr marL="0" indent="0">
-              <a:buNone/>
-            </a:pPr>
-            <a:r>
-              <a:rPr lang="en-US" sz="2800" dirty="0">
-                <a:solidFill>
-                  <a:srgbClr val="7030A0"/>
-                </a:solidFill>
-              </a:rPr>
-              <a:t>		x[</a:t>
-            </a:r>
-            <a:r>
-              <a:rPr lang="en-US" sz="2800" dirty="0" err="1">
-                <a:solidFill>
-                  <a:srgbClr val="7030A0"/>
-                </a:solidFill>
-              </a:rPr>
-              <a:t>i</a:t>
-            </a:r>
-            <a:r>
-              <a:rPr lang="en-US" sz="2800" dirty="0">
-                <a:solidFill>
-                  <a:srgbClr val="7030A0"/>
-                </a:solidFill>
-              </a:rPr>
-              <a:t> + 1]</a:t>
-            </a:r>
-          </a:p>
-        </p:txBody>
-      </p:sp>
-      <p:sp>
-        <p:nvSpPr>
-          <p:cNvPr id="3" name="Footer Placeholder 2"/>
-          <p:cNvSpPr>
-            <a:spLocks noGrp="1"/>
-          </p:cNvSpPr>
-          <p:nvPr>
-            <p:ph type="ftr" sz="quarter" idx="11"/>
-          </p:nvPr>
-        </p:nvSpPr>
-        <p:spPr/>
-        <p:txBody>
-          <a:bodyPr/>
-          <a:lstStyle/>
-          <a:p>
-            <a:r>
-              <a:rPr lang="en-US"/>
-              <a:t>© 2016 Pearson Education, Inc., Hoboken, NJ.  All rights reserved.</a:t>
-            </a:r>
-          </a:p>
-        </p:txBody>
-      </p:sp>
-      <p:sp>
-        <p:nvSpPr>
-          <p:cNvPr id="4" name="Slide Number Placeholder 3"/>
-          <p:cNvSpPr>
-            <a:spLocks noGrp="1"/>
-          </p:cNvSpPr>
-          <p:nvPr>
-            <p:ph type="sldNum" sz="quarter" idx="12"/>
-          </p:nvPr>
-        </p:nvSpPr>
-        <p:spPr/>
-        <p:txBody>
-          <a:bodyPr/>
-          <a:lstStyle/>
-          <a:p>
-            <a:fld id="{85A8DA42-601D-40A8-83CA-2F2CBDE5F9F0}" type="slidenum">
-              <a:rPr lang="en-US" smtClean="0"/>
-              <a:t>10</a:t>
-            </a:fld>
-            <a:endParaRPr lang="en-US"/>
-          </a:p>
-        </p:txBody>
-      </p:sp>
-      <p:pic>
-        <p:nvPicPr>
-          <p:cNvPr id="4098" name="Picture 2"/>
-          <p:cNvPicPr>
-            <a:picLocks noChangeAspect="1" noChangeArrowheads="1"/>
-          </p:cNvPicPr>
-          <p:nvPr/>
-        </p:nvPicPr>
-        <p:blipFill>
-          <a:blip r:embed="rId2">
-            <a:extLst>
-              <a:ext uri="{28A0092B-C50C-407E-A947-70E740481C1C}">
-                <a14:useLocalDpi xmlns:a14="http://schemas.microsoft.com/office/drawing/2010/main" val="0"/>
-              </a:ext>
-            </a:extLst>
-          </a:blip>
-          <a:srcRect/>
-          <a:stretch>
-            <a:fillRect/>
-          </a:stretch>
-        </p:blipFill>
-        <p:spPr bwMode="auto">
-          <a:xfrm>
-            <a:off x="1290711" y="3886200"/>
-            <a:ext cx="6062100" cy="1590675"/>
-          </a:xfrm>
-          <a:prstGeom prst="rect">
-            <a:avLst/>
-          </a:prstGeom>
-          <a:noFill/>
-          <a:ln>
-            <a:noFill/>
-          </a:ln>
-          <a:extLst>
-            <a:ext uri="{909E8E84-426E-40DD-AFC4-6F175D3DCCD1}">
-              <a14:hiddenFill xmlns:a14="http://schemas.microsoft.com/office/drawing/2010/main">
-                <a:solidFill>
-                  <a:schemeClr val="accent1"/>
-                </a:solidFill>
-              </a14:hiddenFill>
-            </a:ext>
-            <a:ext uri="{91240B29-F687-4F45-9708-019B960494DF}">
-              <a14:hiddenLine xmlns:a14="http://schemas.microsoft.com/office/drawing/2010/main" w="9525">
-                <a:solidFill>
-                  <a:schemeClr val="tx1"/>
-                </a:solidFill>
-                <a:miter lim="800000"/>
-                <a:headEnd/>
-                <a:tailEnd/>
-              </a14:hiddenLine>
-            </a:ext>
-          </a:extLst>
-        </p:spPr>
-      </p:pic>
-    </p:spTree>
-    <p:extLst>
-      <p:ext uri="{BB962C8B-B14F-4D97-AF65-F5344CB8AC3E}">
-        <p14:creationId xmlns:p14="http://schemas.microsoft.com/office/powerpoint/2010/main" val="2727173568"/>
-      </p:ext>
-    </p:extLst>
-  </p:cSld>
-  <p:clrMapOvr>
-    <a:masterClrMapping/>
-  </p:clrMapOvr>
-</p:sld>
-</file>
-
-<file path=ppt/slides/slide11.xml><?xml version="1.0" encoding="utf-8"?>
-<p:sld xmlns:a="http://schemas.openxmlformats.org/drawingml/2006/main" xmlns:r="http://schemas.openxmlformats.org/officeDocument/2006/relationships" xmlns:p="http://schemas.openxmlformats.org/presentationml/2006/main">
-  <p:cSld>
-    <p:spTree>
-      <p:nvGrpSpPr>
-        <p:cNvPr id="1" name=""/>
-        <p:cNvGrpSpPr/>
-        <p:nvPr/>
-      </p:nvGrpSpPr>
-      <p:grpSpPr>
-        <a:xfrm>
-          <a:off x="0" y="0"/>
-          <a:ext cx="0" cy="0"/>
-          <a:chOff x="0" y="0"/>
-          <a:chExt cx="0" cy="0"/>
-        </a:xfrm>
-      </p:grpSpPr>
-      <p:sp>
-        <p:nvSpPr>
           <p:cNvPr id="3" name="Content Placeholder 2">
             <a:extLst>
               <a:ext uri="{FF2B5EF4-FFF2-40B4-BE49-F238E27FC236}">
@@ -4037,7 +3782,7 @@
           <a:p>
             <a:fld id="{85A8DA42-601D-40A8-83CA-2F2CBDE5F9F0}" type="slidenum">
               <a:rPr lang="en-US" smtClean="0"/>
-              <a:t>11</a:t>
+              <a:t>10</a:t>
             </a:fld>
             <a:endParaRPr lang="en-US"/>
           </a:p>
@@ -4103,7 +3848,7 @@
 </p:sld>
 </file>
 
-<file path=ppt/slides/slide12.xml><?xml version="1.0" encoding="utf-8"?>
+<file path=ppt/slides/slide11.xml><?xml version="1.0" encoding="utf-8"?>
 <p:sld xmlns:a="http://schemas.openxmlformats.org/drawingml/2006/main" xmlns:r="http://schemas.openxmlformats.org/officeDocument/2006/relationships" xmlns:p="http://schemas.openxmlformats.org/presentationml/2006/main">
   <p:cSld>
     <p:spTree>
@@ -4353,7 +4098,7 @@
           <a:p>
             <a:fld id="{85A8DA42-601D-40A8-83CA-2F2CBDE5F9F0}" type="slidenum">
               <a:rPr lang="en-US" smtClean="0"/>
-              <a:t>12</a:t>
+              <a:t>11</a:t>
             </a:fld>
             <a:endParaRPr lang="en-US"/>
           </a:p>
@@ -4426,7 +4171,7 @@
 </p:sld>
 </file>
 
-<file path=ppt/slides/slide13.xml><?xml version="1.0" encoding="utf-8"?>
+<file path=ppt/slides/slide12.xml><?xml version="1.0" encoding="utf-8"?>
 <p:sld xmlns:a="http://schemas.openxmlformats.org/drawingml/2006/main" xmlns:r="http://schemas.openxmlformats.org/officeDocument/2006/relationships" xmlns:p="http://schemas.openxmlformats.org/presentationml/2006/main">
   <p:cSld>
     <p:spTree>
@@ -4519,7 +4264,7 @@
           <a:p>
             <a:fld id="{85A8DA42-601D-40A8-83CA-2F2CBDE5F9F0}" type="slidenum">
               <a:rPr lang="en-US" smtClean="0"/>
-              <a:t>13</a:t>
+              <a:t>12</a:t>
             </a:fld>
             <a:endParaRPr lang="en-US"/>
           </a:p>
@@ -4620,6 +4365,139 @@
 </p:sld>
 </file>
 
+<file path=ppt/slides/slide13.xml><?xml version="1.0" encoding="utf-8"?>
+<p:sld xmlns:a="http://schemas.openxmlformats.org/drawingml/2006/main" xmlns:r="http://schemas.openxmlformats.org/officeDocument/2006/relationships" xmlns:p="http://schemas.openxmlformats.org/presentationml/2006/main">
+  <p:cSld>
+    <p:spTree>
+      <p:nvGrpSpPr>
+        <p:cNvPr id="1" name=""/>
+        <p:cNvGrpSpPr/>
+        <p:nvPr/>
+      </p:nvGrpSpPr>
+      <p:grpSpPr>
+        <a:xfrm>
+          <a:off x="0" y="0"/>
+          <a:ext cx="0" cy="0"/>
+          <a:chOff x="0" y="0"/>
+          <a:chExt cx="0" cy="0"/>
+        </a:xfrm>
+      </p:grpSpPr>
+      <p:sp>
+        <p:nvSpPr>
+          <p:cNvPr id="2" name="Title 1"/>
+          <p:cNvSpPr>
+            <a:spLocks noGrp="1"/>
+          </p:cNvSpPr>
+          <p:nvPr>
+            <p:ph type="title"/>
+          </p:nvPr>
+        </p:nvSpPr>
+        <p:spPr/>
+        <p:txBody>
+          <a:bodyPr/>
+          <a:lstStyle/>
+          <a:p>
+            <a:r>
+              <a:rPr lang="en-US" dirty="0"/>
+              <a:t>Partially Filled Arrays</a:t>
+            </a:r>
+          </a:p>
+        </p:txBody>
+      </p:sp>
+      <p:sp>
+        <p:nvSpPr>
+          <p:cNvPr id="3" name="Content Placeholder 2"/>
+          <p:cNvSpPr>
+            <a:spLocks noGrp="1"/>
+          </p:cNvSpPr>
+          <p:nvPr>
+            <p:ph idx="1"/>
+          </p:nvPr>
+        </p:nvSpPr>
+        <p:spPr/>
+        <p:txBody>
+          <a:bodyPr>
+            <a:normAutofit lnSpcReduction="10000"/>
+          </a:bodyPr>
+          <a:lstStyle/>
+          <a:p>
+            <a:r>
+              <a:rPr lang="en-US" dirty="0"/>
+              <a:t>A program may need to process many lists of similar data but the lists may not all be the same length.</a:t>
+            </a:r>
+          </a:p>
+          <a:p>
+            <a:r>
+              <a:rPr lang="en-US" dirty="0"/>
+              <a:t>In order to reuse an array for processing more than one data set, you can declare an array large enough to hold the largest data set anticipated.</a:t>
+            </a:r>
+          </a:p>
+          <a:p>
+            <a:r>
+              <a:rPr lang="en-US" dirty="0"/>
+              <a:t>Then your program should keep track of how many array elements are actually in use.</a:t>
+            </a:r>
+          </a:p>
+        </p:txBody>
+      </p:sp>
+      <p:sp>
+        <p:nvSpPr>
+          <p:cNvPr id="4" name="Footer Placeholder 3"/>
+          <p:cNvSpPr>
+            <a:spLocks noGrp="1"/>
+          </p:cNvSpPr>
+          <p:nvPr>
+            <p:ph type="ftr" sz="quarter" idx="11"/>
+          </p:nvPr>
+        </p:nvSpPr>
+        <p:spPr/>
+        <p:txBody>
+          <a:bodyPr/>
+          <a:lstStyle/>
+          <a:p>
+            <a:r>
+              <a:rPr lang="en-US"/>
+              <a:t>© 2016 Pearson Education, Inc., Hoboken, NJ.  All rights reserved.</a:t>
+            </a:r>
+          </a:p>
+        </p:txBody>
+      </p:sp>
+      <p:sp>
+        <p:nvSpPr>
+          <p:cNvPr id="5" name="Slide Number Placeholder 4"/>
+          <p:cNvSpPr>
+            <a:spLocks noGrp="1"/>
+          </p:cNvSpPr>
+          <p:nvPr>
+            <p:ph type="sldNum" sz="quarter" idx="12"/>
+          </p:nvPr>
+        </p:nvSpPr>
+        <p:spPr/>
+        <p:txBody>
+          <a:bodyPr/>
+          <a:lstStyle/>
+          <a:p>
+            <a:fld id="{85A8DA42-601D-40A8-83CA-2F2CBDE5F9F0}" type="slidenum">
+              <a:rPr lang="en-US" smtClean="0"/>
+              <a:t>13</a:t>
+            </a:fld>
+            <a:endParaRPr lang="en-US"/>
+          </a:p>
+        </p:txBody>
+      </p:sp>
+    </p:spTree>
+    <p:extLst>
+      <p:ext uri="{BB962C8B-B14F-4D97-AF65-F5344CB8AC3E}">
+        <p14:creationId xmlns:p14="http://schemas.microsoft.com/office/powerpoint/2010/main" val="2361900578"/>
+      </p:ext>
+    </p:extLst>
+  </p:cSld>
+  <p:clrMapOvr>
+    <a:masterClrMapping/>
+  </p:clrMapOvr>
+</p:sld>
+</file>
+
 <file path=ppt/slides/slide14.xml><?xml version="1.0" encoding="utf-8"?>
 <p:sld xmlns:a="http://schemas.openxmlformats.org/drawingml/2006/main" xmlns:r="http://schemas.openxmlformats.org/officeDocument/2006/relationships" xmlns:p="http://schemas.openxmlformats.org/presentationml/2006/main">
   <p:cSld>
@@ -4654,139 +4532,6 @@
           <a:p>
             <a:r>
               <a:rPr lang="en-US" dirty="0"/>
-              <a:t>Partially Filled Arrays</a:t>
-            </a:r>
-          </a:p>
-        </p:txBody>
-      </p:sp>
-      <p:sp>
-        <p:nvSpPr>
-          <p:cNvPr id="3" name="Content Placeholder 2"/>
-          <p:cNvSpPr>
-            <a:spLocks noGrp="1"/>
-          </p:cNvSpPr>
-          <p:nvPr>
-            <p:ph idx="1"/>
-          </p:nvPr>
-        </p:nvSpPr>
-        <p:spPr/>
-        <p:txBody>
-          <a:bodyPr>
-            <a:normAutofit lnSpcReduction="10000"/>
-          </a:bodyPr>
-          <a:lstStyle/>
-          <a:p>
-            <a:r>
-              <a:rPr lang="en-US" dirty="0"/>
-              <a:t>A program may need to process many lists of similar data but the lists may not all be the same length.</a:t>
-            </a:r>
-          </a:p>
-          <a:p>
-            <a:r>
-              <a:rPr lang="en-US" dirty="0"/>
-              <a:t>In order to reuse an array for processing more than one data set, you can declare an array large enough to hold the largest data set anticipated.</a:t>
-            </a:r>
-          </a:p>
-          <a:p>
-            <a:r>
-              <a:rPr lang="en-US" dirty="0"/>
-              <a:t>Then your program should keep track of how many array elements are actually in use.</a:t>
-            </a:r>
-          </a:p>
-        </p:txBody>
-      </p:sp>
-      <p:sp>
-        <p:nvSpPr>
-          <p:cNvPr id="4" name="Footer Placeholder 3"/>
-          <p:cNvSpPr>
-            <a:spLocks noGrp="1"/>
-          </p:cNvSpPr>
-          <p:nvPr>
-            <p:ph type="ftr" sz="quarter" idx="11"/>
-          </p:nvPr>
-        </p:nvSpPr>
-        <p:spPr/>
-        <p:txBody>
-          <a:bodyPr/>
-          <a:lstStyle/>
-          <a:p>
-            <a:r>
-              <a:rPr lang="en-US"/>
-              <a:t>© 2016 Pearson Education, Inc., Hoboken, NJ.  All rights reserved.</a:t>
-            </a:r>
-          </a:p>
-        </p:txBody>
-      </p:sp>
-      <p:sp>
-        <p:nvSpPr>
-          <p:cNvPr id="5" name="Slide Number Placeholder 4"/>
-          <p:cNvSpPr>
-            <a:spLocks noGrp="1"/>
-          </p:cNvSpPr>
-          <p:nvPr>
-            <p:ph type="sldNum" sz="quarter" idx="12"/>
-          </p:nvPr>
-        </p:nvSpPr>
-        <p:spPr/>
-        <p:txBody>
-          <a:bodyPr/>
-          <a:lstStyle/>
-          <a:p>
-            <a:fld id="{85A8DA42-601D-40A8-83CA-2F2CBDE5F9F0}" type="slidenum">
-              <a:rPr lang="en-US" smtClean="0"/>
-              <a:t>14</a:t>
-            </a:fld>
-            <a:endParaRPr lang="en-US"/>
-          </a:p>
-        </p:txBody>
-      </p:sp>
-    </p:spTree>
-    <p:extLst>
-      <p:ext uri="{BB962C8B-B14F-4D97-AF65-F5344CB8AC3E}">
-        <p14:creationId xmlns:p14="http://schemas.microsoft.com/office/powerpoint/2010/main" val="2361900578"/>
-      </p:ext>
-    </p:extLst>
-  </p:cSld>
-  <p:clrMapOvr>
-    <a:masterClrMapping/>
-  </p:clrMapOvr>
-</p:sld>
-</file>
-
-<file path=ppt/slides/slide15.xml><?xml version="1.0" encoding="utf-8"?>
-<p:sld xmlns:a="http://schemas.openxmlformats.org/drawingml/2006/main" xmlns:r="http://schemas.openxmlformats.org/officeDocument/2006/relationships" xmlns:p="http://schemas.openxmlformats.org/presentationml/2006/main">
-  <p:cSld>
-    <p:spTree>
-      <p:nvGrpSpPr>
-        <p:cNvPr id="1" name=""/>
-        <p:cNvGrpSpPr/>
-        <p:nvPr/>
-      </p:nvGrpSpPr>
-      <p:grpSpPr>
-        <a:xfrm>
-          <a:off x="0" y="0"/>
-          <a:ext cx="0" cy="0"/>
-          <a:chOff x="0" y="0"/>
-          <a:chExt cx="0" cy="0"/>
-        </a:xfrm>
-      </p:grpSpPr>
-      <p:sp>
-        <p:nvSpPr>
-          <p:cNvPr id="2" name="Title 1"/>
-          <p:cNvSpPr>
-            <a:spLocks noGrp="1"/>
-          </p:cNvSpPr>
-          <p:nvPr>
-            <p:ph type="title"/>
-          </p:nvPr>
-        </p:nvSpPr>
-        <p:spPr/>
-        <p:txBody>
-          <a:bodyPr/>
-          <a:lstStyle/>
-          <a:p>
-            <a:r>
-              <a:rPr lang="en-US" dirty="0"/>
               <a:t>Multidimensional Arrays</a:t>
             </a:r>
           </a:p>
@@ -4888,7 +4633,7 @@
           <a:p>
             <a:fld id="{85A8DA42-601D-40A8-83CA-2F2CBDE5F9F0}" type="slidenum">
               <a:rPr lang="en-US" smtClean="0"/>
-              <a:t>15</a:t>
+              <a:t>14</a:t>
             </a:fld>
             <a:endParaRPr lang="en-US"/>
           </a:p>
@@ -4961,6 +4706,170 @@
 </p:sld>
 </file>
 
+<file path=ppt/slides/slide15.xml><?xml version="1.0" encoding="utf-8"?>
+<p:sld xmlns:a="http://schemas.openxmlformats.org/drawingml/2006/main" xmlns:r="http://schemas.openxmlformats.org/officeDocument/2006/relationships" xmlns:p="http://schemas.openxmlformats.org/presentationml/2006/main">
+  <p:cSld>
+    <p:spTree>
+      <p:nvGrpSpPr>
+        <p:cNvPr id="1" name=""/>
+        <p:cNvGrpSpPr/>
+        <p:nvPr/>
+      </p:nvGrpSpPr>
+      <p:grpSpPr>
+        <a:xfrm>
+          <a:off x="0" y="0"/>
+          <a:ext cx="0" cy="0"/>
+          <a:chOff x="0" y="0"/>
+          <a:chExt cx="0" cy="0"/>
+        </a:xfrm>
+      </p:grpSpPr>
+      <p:sp>
+        <p:nvSpPr>
+          <p:cNvPr id="2" name="Title 1"/>
+          <p:cNvSpPr>
+            <a:spLocks noGrp="1"/>
+          </p:cNvSpPr>
+          <p:nvPr>
+            <p:ph type="title"/>
+          </p:nvPr>
+        </p:nvSpPr>
+        <p:spPr/>
+        <p:txBody>
+          <a:bodyPr>
+            <a:normAutofit fontScale="90000"/>
+          </a:bodyPr>
+          <a:lstStyle/>
+          <a:p>
+            <a:r>
+              <a:rPr lang="en-US" dirty="0"/>
+              <a:t>Using Array Elements as</a:t>
+            </a:r>
+            <a:br>
+              <a:rPr lang="en-US" dirty="0"/>
+            </a:br>
+            <a:r>
+              <a:rPr lang="en-US" dirty="0"/>
+              <a:t>Function Arguments</a:t>
+            </a:r>
+          </a:p>
+        </p:txBody>
+      </p:sp>
+      <p:sp>
+        <p:nvSpPr>
+          <p:cNvPr id="3" name="Content Placeholder 2"/>
+          <p:cNvSpPr>
+            <a:spLocks noGrp="1"/>
+          </p:cNvSpPr>
+          <p:nvPr>
+            <p:ph idx="1"/>
+          </p:nvPr>
+        </p:nvSpPr>
+        <p:spPr>
+          <a:xfrm>
+            <a:off x="2286000" y="2057400"/>
+            <a:ext cx="4724400" cy="2514600"/>
+          </a:xfrm>
+        </p:spPr>
+        <p:txBody>
+          <a:bodyPr/>
+          <a:lstStyle/>
+          <a:p>
+            <a:pPr marL="0" indent="0">
+              <a:buNone/>
+            </a:pPr>
+            <a:r>
+              <a:rPr lang="en-US" dirty="0" err="1">
+                <a:solidFill>
+                  <a:srgbClr val="7030A0"/>
+                </a:solidFill>
+              </a:rPr>
+              <a:t>scanf</a:t>
+            </a:r>
+            <a:r>
+              <a:rPr lang="en-US" dirty="0">
+                <a:solidFill>
+                  <a:srgbClr val="7030A0"/>
+                </a:solidFill>
+              </a:rPr>
+              <a:t>(“%lf”,  &amp;x[</a:t>
+            </a:r>
+            <a:r>
+              <a:rPr lang="en-US" dirty="0" err="1">
+                <a:solidFill>
+                  <a:srgbClr val="7030A0"/>
+                </a:solidFill>
+              </a:rPr>
+              <a:t>i</a:t>
+            </a:r>
+            <a:r>
+              <a:rPr lang="en-US" dirty="0">
+                <a:solidFill>
+                  <a:srgbClr val="7030A0"/>
+                </a:solidFill>
+              </a:rPr>
+              <a:t>]);</a:t>
+            </a:r>
+          </a:p>
+        </p:txBody>
+      </p:sp>
+      <p:sp>
+        <p:nvSpPr>
+          <p:cNvPr id="4" name="Footer Placeholder 3"/>
+          <p:cNvSpPr>
+            <a:spLocks noGrp="1"/>
+          </p:cNvSpPr>
+          <p:nvPr>
+            <p:ph type="ftr" sz="quarter" idx="11"/>
+          </p:nvPr>
+        </p:nvSpPr>
+        <p:spPr/>
+        <p:txBody>
+          <a:bodyPr/>
+          <a:lstStyle/>
+          <a:p>
+            <a:r>
+              <a:rPr lang="en-US"/>
+              <a:t>© 2016 Pearson Education, Inc., Hoboken, NJ.  All rights reserved.</a:t>
+            </a:r>
+          </a:p>
+        </p:txBody>
+      </p:sp>
+      <p:sp>
+        <p:nvSpPr>
+          <p:cNvPr id="5" name="Slide Number Placeholder 4"/>
+          <p:cNvSpPr>
+            <a:spLocks noGrp="1"/>
+          </p:cNvSpPr>
+          <p:nvPr>
+            <p:ph type="sldNum" sz="quarter" idx="12"/>
+          </p:nvPr>
+        </p:nvSpPr>
+        <p:spPr/>
+        <p:txBody>
+          <a:bodyPr/>
+          <a:lstStyle/>
+          <a:p>
+            <a:fld id="{85A8DA42-601D-40A8-83CA-2F2CBDE5F9F0}" type="slidenum">
+              <a:rPr lang="en-US" smtClean="0"/>
+              <a:t>15</a:t>
+            </a:fld>
+            <a:endParaRPr lang="en-US"/>
+          </a:p>
+        </p:txBody>
+      </p:sp>
+    </p:spTree>
+    <p:extLst>
+      <p:ext uri="{BB962C8B-B14F-4D97-AF65-F5344CB8AC3E}">
+        <p14:creationId xmlns:p14="http://schemas.microsoft.com/office/powerpoint/2010/main" val="1571058722"/>
+      </p:ext>
+    </p:extLst>
+  </p:cSld>
+  <p:clrMapOvr>
+    <a:masterClrMapping/>
+  </p:clrMapOvr>
+</p:sld>
+</file>
+
 <file path=ppt/slides/slide16.xml><?xml version="1.0" encoding="utf-8"?>
 <p:sld xmlns:a="http://schemas.openxmlformats.org/drawingml/2006/main" xmlns:r="http://schemas.openxmlformats.org/officeDocument/2006/relationships" xmlns:p="http://schemas.openxmlformats.org/presentationml/2006/main">
   <p:cSld>
@@ -4980,96 +4889,7 @@
       </p:grpSpPr>
       <p:sp>
         <p:nvSpPr>
-          <p:cNvPr id="2" name="Title 1"/>
-          <p:cNvSpPr>
-            <a:spLocks noGrp="1"/>
-          </p:cNvSpPr>
-          <p:nvPr>
-            <p:ph type="title"/>
-          </p:nvPr>
-        </p:nvSpPr>
-        <p:spPr/>
-        <p:txBody>
-          <a:bodyPr>
-            <a:normAutofit fontScale="90000"/>
-          </a:bodyPr>
-          <a:lstStyle/>
-          <a:p>
-            <a:r>
-              <a:rPr lang="en-US" dirty="0"/>
-              <a:t>Using Array Elements as</a:t>
-            </a:r>
-            <a:br>
-              <a:rPr lang="en-US" dirty="0"/>
-            </a:br>
-            <a:r>
-              <a:rPr lang="en-US" dirty="0"/>
-              <a:t>Function Arguments</a:t>
-            </a:r>
-          </a:p>
-        </p:txBody>
-      </p:sp>
-      <p:sp>
-        <p:nvSpPr>
-          <p:cNvPr id="3" name="Content Placeholder 2"/>
-          <p:cNvSpPr>
-            <a:spLocks noGrp="1"/>
-          </p:cNvSpPr>
-          <p:nvPr>
-            <p:ph idx="1"/>
-          </p:nvPr>
-        </p:nvSpPr>
-        <p:spPr>
-          <a:xfrm>
-            <a:off x="2286000" y="2057400"/>
-            <a:ext cx="4724400" cy="2514600"/>
-          </a:xfrm>
-        </p:spPr>
-        <p:txBody>
-          <a:bodyPr/>
-          <a:lstStyle/>
-          <a:p>
-            <a:pPr marL="0" indent="0">
-              <a:buNone/>
-            </a:pPr>
-            <a:r>
-              <a:rPr lang="en-US" dirty="0" err="1">
-                <a:solidFill>
-                  <a:srgbClr val="7030A0"/>
-                </a:solidFill>
-              </a:rPr>
-              <a:t>scanf</a:t>
-            </a:r>
-            <a:r>
-              <a:rPr lang="en-US" dirty="0">
-                <a:solidFill>
-                  <a:srgbClr val="7030A0"/>
-                </a:solidFill>
-              </a:rPr>
-              <a:t>(“%lf”,  &amp;x[</a:t>
-            </a:r>
-            <a:r>
-              <a:rPr lang="en-US" dirty="0" err="1">
-                <a:solidFill>
-                  <a:srgbClr val="7030A0"/>
-                </a:solidFill>
-              </a:rPr>
-              <a:t>i</a:t>
-            </a:r>
-            <a:r>
-              <a:rPr lang="en-US" dirty="0">
-                <a:solidFill>
-                  <a:srgbClr val="7030A0"/>
-                </a:solidFill>
-              </a:rPr>
-              <a:t>]);</a:t>
-            </a:r>
-          </a:p>
-        </p:txBody>
-      </p:sp>
-      <p:sp>
-        <p:nvSpPr>
-          <p:cNvPr id="4" name="Footer Placeholder 3"/>
+          <p:cNvPr id="2" name="Footer Placeholder 1"/>
           <p:cNvSpPr>
             <a:spLocks noGrp="1"/>
           </p:cNvSpPr>
@@ -5091,7 +4911,7 @@
       </p:sp>
       <p:sp>
         <p:nvSpPr>
-          <p:cNvPr id="5" name="Slide Number Placeholder 4"/>
+          <p:cNvPr id="3" name="Slide Number Placeholder 2"/>
           <p:cNvSpPr>
             <a:spLocks noGrp="1"/>
           </p:cNvSpPr>
@@ -5107,81 +4927,6 @@
             <a:fld id="{85A8DA42-601D-40A8-83CA-2F2CBDE5F9F0}" type="slidenum">
               <a:rPr lang="en-US" smtClean="0"/>
               <a:t>16</a:t>
-            </a:fld>
-            <a:endParaRPr lang="en-US"/>
-          </a:p>
-        </p:txBody>
-      </p:sp>
-    </p:spTree>
-    <p:extLst>
-      <p:ext uri="{BB962C8B-B14F-4D97-AF65-F5344CB8AC3E}">
-        <p14:creationId xmlns:p14="http://schemas.microsoft.com/office/powerpoint/2010/main" val="1571058722"/>
-      </p:ext>
-    </p:extLst>
-  </p:cSld>
-  <p:clrMapOvr>
-    <a:masterClrMapping/>
-  </p:clrMapOvr>
-</p:sld>
-</file>
-
-<file path=ppt/slides/slide17.xml><?xml version="1.0" encoding="utf-8"?>
-<p:sld xmlns:a="http://schemas.openxmlformats.org/drawingml/2006/main" xmlns:r="http://schemas.openxmlformats.org/officeDocument/2006/relationships" xmlns:p="http://schemas.openxmlformats.org/presentationml/2006/main">
-  <p:cSld>
-    <p:spTree>
-      <p:nvGrpSpPr>
-        <p:cNvPr id="1" name=""/>
-        <p:cNvGrpSpPr/>
-        <p:nvPr/>
-      </p:nvGrpSpPr>
-      <p:grpSpPr>
-        <a:xfrm>
-          <a:off x="0" y="0"/>
-          <a:ext cx="0" cy="0"/>
-          <a:chOff x="0" y="0"/>
-          <a:chExt cx="0" cy="0"/>
-        </a:xfrm>
-      </p:grpSpPr>
-      <p:sp>
-        <p:nvSpPr>
-          <p:cNvPr id="2" name="Footer Placeholder 1"/>
-          <p:cNvSpPr>
-            <a:spLocks noGrp="1"/>
-          </p:cNvSpPr>
-          <p:nvPr>
-            <p:ph type="ftr" sz="quarter" idx="11"/>
-          </p:nvPr>
-        </p:nvSpPr>
-        <p:spPr/>
-        <p:txBody>
-          <a:bodyPr/>
-          <a:lstStyle/>
-          <a:p>
-            <a:r>
-              <a:rPr lang="en-US"/>
-              <a:t>© 2016 Pearson Education, Inc., Hoboken, NJ.  All rights reserved.</a:t>
-            </a:r>
-          </a:p>
-        </p:txBody>
-      </p:sp>
-      <p:sp>
-        <p:nvSpPr>
-          <p:cNvPr id="3" name="Slide Number Placeholder 2"/>
-          <p:cNvSpPr>
-            <a:spLocks noGrp="1"/>
-          </p:cNvSpPr>
-          <p:nvPr>
-            <p:ph type="sldNum" sz="quarter" idx="12"/>
-          </p:nvPr>
-        </p:nvSpPr>
-        <p:spPr/>
-        <p:txBody>
-          <a:bodyPr/>
-          <a:lstStyle/>
-          <a:p>
-            <a:fld id="{85A8DA42-601D-40A8-83CA-2F2CBDE5F9F0}" type="slidenum">
-              <a:rPr lang="en-US" smtClean="0"/>
-              <a:t>17</a:t>
             </a:fld>
             <a:endParaRPr lang="en-US"/>
           </a:p>
@@ -5254,7 +4999,7 @@
 </p:sld>
 </file>
 
-<file path=ppt/slides/slide18.xml><?xml version="1.0" encoding="utf-8"?>
+<file path=ppt/slides/slide17.xml><?xml version="1.0" encoding="utf-8"?>
 <p:sld xmlns:a="http://schemas.openxmlformats.org/drawingml/2006/main" xmlns:r="http://schemas.openxmlformats.org/officeDocument/2006/relationships" xmlns:p="http://schemas.openxmlformats.org/presentationml/2006/main">
   <p:cSld>
     <p:spTree>
@@ -5310,7 +5055,7 @@
           <a:p>
             <a:fld id="{85A8DA42-601D-40A8-83CA-2F2CBDE5F9F0}" type="slidenum">
               <a:rPr lang="en-US" smtClean="0"/>
-              <a:t>18</a:t>
+              <a:t>17</a:t>
             </a:fld>
             <a:endParaRPr lang="en-US"/>
           </a:p>
@@ -5383,6 +5128,135 @@
 </p:sld>
 </file>
 
+<file path=ppt/slides/slide18.xml><?xml version="1.0" encoding="utf-8"?>
+<p:sld xmlns:a="http://schemas.openxmlformats.org/drawingml/2006/main" xmlns:r="http://schemas.openxmlformats.org/officeDocument/2006/relationships" xmlns:p="http://schemas.openxmlformats.org/presentationml/2006/main">
+  <p:cSld>
+    <p:spTree>
+      <p:nvGrpSpPr>
+        <p:cNvPr id="1" name=""/>
+        <p:cNvGrpSpPr/>
+        <p:nvPr/>
+      </p:nvGrpSpPr>
+      <p:grpSpPr>
+        <a:xfrm>
+          <a:off x="0" y="0"/>
+          <a:ext cx="0" cy="0"/>
+          <a:chOff x="0" y="0"/>
+          <a:chExt cx="0" cy="0"/>
+        </a:xfrm>
+      </p:grpSpPr>
+      <p:sp>
+        <p:nvSpPr>
+          <p:cNvPr id="2" name="Title 1"/>
+          <p:cNvSpPr>
+            <a:spLocks noGrp="1"/>
+          </p:cNvSpPr>
+          <p:nvPr>
+            <p:ph type="title"/>
+          </p:nvPr>
+        </p:nvSpPr>
+        <p:spPr/>
+        <p:txBody>
+          <a:bodyPr/>
+          <a:lstStyle/>
+          <a:p>
+            <a:r>
+              <a:rPr lang="en-US" dirty="0"/>
+              <a:t>Array Arguments</a:t>
+            </a:r>
+          </a:p>
+        </p:txBody>
+      </p:sp>
+      <p:sp>
+        <p:nvSpPr>
+          <p:cNvPr id="3" name="Content Placeholder 2"/>
+          <p:cNvSpPr>
+            <a:spLocks noGrp="1"/>
+          </p:cNvSpPr>
+          <p:nvPr>
+            <p:ph idx="1"/>
+          </p:nvPr>
+        </p:nvSpPr>
+        <p:spPr/>
+        <p:txBody>
+          <a:bodyPr/>
+          <a:lstStyle/>
+          <a:p>
+            <a:r>
+              <a:rPr lang="en-US" dirty="0"/>
+              <a:t>We can write functions that have arrays as arguments.</a:t>
+            </a:r>
+            <a:br>
+              <a:rPr lang="en-US" dirty="0"/>
+            </a:br>
+            <a:endParaRPr lang="en-US" dirty="0"/>
+          </a:p>
+          <a:p>
+            <a:r>
+              <a:rPr lang="en-US" dirty="0"/>
+              <a:t>Such functions can manipulate some, or all, of the elements corresponding to an actual array argument.</a:t>
+            </a:r>
+          </a:p>
+        </p:txBody>
+      </p:sp>
+      <p:sp>
+        <p:nvSpPr>
+          <p:cNvPr id="4" name="Footer Placeholder 3"/>
+          <p:cNvSpPr>
+            <a:spLocks noGrp="1"/>
+          </p:cNvSpPr>
+          <p:nvPr>
+            <p:ph type="ftr" sz="quarter" idx="11"/>
+          </p:nvPr>
+        </p:nvSpPr>
+        <p:spPr/>
+        <p:txBody>
+          <a:bodyPr/>
+          <a:lstStyle/>
+          <a:p>
+            <a:r>
+              <a:rPr lang="en-US"/>
+              <a:t>© 2016 Pearson Education, Inc., Hoboken, NJ.  All rights reserved.</a:t>
+            </a:r>
+          </a:p>
+        </p:txBody>
+      </p:sp>
+      <p:sp>
+        <p:nvSpPr>
+          <p:cNvPr id="5" name="Slide Number Placeholder 4"/>
+          <p:cNvSpPr>
+            <a:spLocks noGrp="1"/>
+          </p:cNvSpPr>
+          <p:nvPr>
+            <p:ph type="sldNum" sz="quarter" idx="12"/>
+          </p:nvPr>
+        </p:nvSpPr>
+        <p:spPr/>
+        <p:txBody>
+          <a:bodyPr/>
+          <a:lstStyle/>
+          <a:p>
+            <a:fld id="{85A8DA42-601D-40A8-83CA-2F2CBDE5F9F0}" type="slidenum">
+              <a:rPr lang="en-US" smtClean="0"/>
+              <a:t>18</a:t>
+            </a:fld>
+            <a:endParaRPr lang="en-US"/>
+          </a:p>
+        </p:txBody>
+      </p:sp>
+    </p:spTree>
+    <p:extLst>
+      <p:ext uri="{BB962C8B-B14F-4D97-AF65-F5344CB8AC3E}">
+        <p14:creationId xmlns:p14="http://schemas.microsoft.com/office/powerpoint/2010/main" val="4003145486"/>
+      </p:ext>
+    </p:extLst>
+  </p:cSld>
+  <p:clrMapOvr>
+    <a:masterClrMapping/>
+  </p:clrMapOvr>
+</p:sld>
+</file>
+
 <file path=ppt/slides/slide19.xml><?xml version="1.0" encoding="utf-8"?>
 <p:sld xmlns:a="http://schemas.openxmlformats.org/drawingml/2006/main" xmlns:r="http://schemas.openxmlformats.org/officeDocument/2006/relationships" xmlns:p="http://schemas.openxmlformats.org/presentationml/2006/main">
   <p:cSld>
@@ -5402,61 +5276,7 @@
       </p:grpSpPr>
       <p:sp>
         <p:nvSpPr>
-          <p:cNvPr id="2" name="Title 1"/>
-          <p:cNvSpPr>
-            <a:spLocks noGrp="1"/>
-          </p:cNvSpPr>
-          <p:nvPr>
-            <p:ph type="title"/>
-          </p:nvPr>
-        </p:nvSpPr>
-        <p:spPr/>
-        <p:txBody>
-          <a:bodyPr/>
-          <a:lstStyle/>
-          <a:p>
-            <a:r>
-              <a:rPr lang="en-US" dirty="0"/>
-              <a:t>Array Arguments</a:t>
-            </a:r>
-          </a:p>
-        </p:txBody>
-      </p:sp>
-      <p:sp>
-        <p:nvSpPr>
-          <p:cNvPr id="3" name="Content Placeholder 2"/>
-          <p:cNvSpPr>
-            <a:spLocks noGrp="1"/>
-          </p:cNvSpPr>
-          <p:nvPr>
-            <p:ph idx="1"/>
-          </p:nvPr>
-        </p:nvSpPr>
-        <p:spPr/>
-        <p:txBody>
-          <a:bodyPr/>
-          <a:lstStyle/>
-          <a:p>
-            <a:r>
-              <a:rPr lang="en-US" dirty="0"/>
-              <a:t>We can write functions that have arrays as arguments.</a:t>
-            </a:r>
-            <a:br>
-              <a:rPr lang="en-US" dirty="0"/>
-            </a:br>
-            <a:endParaRPr lang="en-US" dirty="0"/>
-          </a:p>
-          <a:p>
-            <a:r>
-              <a:rPr lang="en-US" dirty="0"/>
-              <a:t>Such functions can manipulate some, or all, of the elements corresponding to an actual array argument.</a:t>
-            </a:r>
-          </a:p>
-        </p:txBody>
-      </p:sp>
-      <p:sp>
-        <p:nvSpPr>
-          <p:cNvPr id="4" name="Footer Placeholder 3"/>
+          <p:cNvPr id="2" name="Footer Placeholder 1"/>
           <p:cNvSpPr>
             <a:spLocks noGrp="1"/>
           </p:cNvSpPr>
@@ -5478,7 +5298,7 @@
       </p:sp>
       <p:sp>
         <p:nvSpPr>
-          <p:cNvPr id="5" name="Slide Number Placeholder 4"/>
+          <p:cNvPr id="3" name="Slide Number Placeholder 2"/>
           <p:cNvSpPr>
             <a:spLocks noGrp="1"/>
           </p:cNvSpPr>
@@ -5494,280 +5314,6 @@
             <a:fld id="{85A8DA42-601D-40A8-83CA-2F2CBDE5F9F0}" type="slidenum">
               <a:rPr lang="en-US" smtClean="0"/>
               <a:t>19</a:t>
-            </a:fld>
-            <a:endParaRPr lang="en-US"/>
-          </a:p>
-        </p:txBody>
-      </p:sp>
-    </p:spTree>
-    <p:extLst>
-      <p:ext uri="{BB962C8B-B14F-4D97-AF65-F5344CB8AC3E}">
-        <p14:creationId xmlns:p14="http://schemas.microsoft.com/office/powerpoint/2010/main" val="4003145486"/>
-      </p:ext>
-    </p:extLst>
-  </p:cSld>
-  <p:clrMapOvr>
-    <a:masterClrMapping/>
-  </p:clrMapOvr>
-</p:sld>
-</file>
-
-<file path=ppt/slides/slide2.xml><?xml version="1.0" encoding="utf-8"?>
-<p:sld xmlns:a="http://schemas.openxmlformats.org/drawingml/2006/main" xmlns:r="http://schemas.openxmlformats.org/officeDocument/2006/relationships" xmlns:p="http://schemas.openxmlformats.org/presentationml/2006/main">
-  <p:cSld>
-    <p:spTree>
-      <p:nvGrpSpPr>
-        <p:cNvPr id="1" name=""/>
-        <p:cNvGrpSpPr/>
-        <p:nvPr/>
-      </p:nvGrpSpPr>
-      <p:grpSpPr>
-        <a:xfrm>
-          <a:off x="0" y="0"/>
-          <a:ext cx="0" cy="0"/>
-          <a:chOff x="0" y="0"/>
-          <a:chExt cx="0" cy="0"/>
-        </a:xfrm>
-      </p:grpSpPr>
-      <p:sp>
-        <p:nvSpPr>
-          <p:cNvPr id="2" name="Title 1"/>
-          <p:cNvSpPr>
-            <a:spLocks noGrp="1"/>
-          </p:cNvSpPr>
-          <p:nvPr>
-            <p:ph type="ctrTitle"/>
-          </p:nvPr>
-        </p:nvSpPr>
-        <p:spPr>
-          <a:xfrm>
-            <a:off x="685800" y="609600"/>
-            <a:ext cx="7772400" cy="1470025"/>
-          </a:xfrm>
-        </p:spPr>
-        <p:txBody>
-          <a:bodyPr>
-            <a:normAutofit/>
-          </a:bodyPr>
-          <a:lstStyle/>
-          <a:p>
-            <a:r>
-              <a:rPr lang="en-US" dirty="0"/>
-              <a:t>Array Pointers</a:t>
-            </a:r>
-            <a:br>
-              <a:rPr lang="en-US" dirty="0"/>
-            </a:br>
-            <a:r>
-              <a:rPr lang="en-US" sz="4000" dirty="0"/>
-              <a:t>Chapter 7</a:t>
-            </a:r>
-            <a:endParaRPr lang="en-US" dirty="0"/>
-          </a:p>
-        </p:txBody>
-      </p:sp>
-      <p:sp>
-        <p:nvSpPr>
-          <p:cNvPr id="3" name="Subtitle 2"/>
-          <p:cNvSpPr>
-            <a:spLocks noGrp="1"/>
-          </p:cNvSpPr>
-          <p:nvPr>
-            <p:ph type="subTitle" idx="1"/>
-          </p:nvPr>
-        </p:nvSpPr>
-        <p:spPr>
-          <a:xfrm>
-            <a:off x="1066800" y="2286000"/>
-            <a:ext cx="6934200" cy="3352800"/>
-          </a:xfrm>
-        </p:spPr>
-        <p:txBody>
-          <a:bodyPr/>
-          <a:lstStyle/>
-          <a:p>
-            <a:r>
-              <a:rPr lang="en-US" i="1" dirty="0">
-                <a:solidFill>
-                  <a:srgbClr val="0000FF"/>
-                </a:solidFill>
-              </a:rPr>
-              <a:t>Problem Solving &amp; Program Design in C</a:t>
-            </a:r>
-          </a:p>
-          <a:p>
-            <a:endParaRPr lang="en-US" i="1" dirty="0">
-              <a:solidFill>
-                <a:srgbClr val="0000FF"/>
-              </a:solidFill>
-            </a:endParaRPr>
-          </a:p>
-          <a:p>
-            <a:r>
-              <a:rPr lang="en-US" sz="2400" i="1" dirty="0">
-                <a:solidFill>
-                  <a:srgbClr val="0000FF"/>
-                </a:solidFill>
-              </a:rPr>
-              <a:t>Eighth Edition</a:t>
-            </a:r>
-          </a:p>
-          <a:p>
-            <a:r>
-              <a:rPr lang="en-US" sz="2400" i="1" dirty="0">
-                <a:solidFill>
-                  <a:srgbClr val="0000FF"/>
-                </a:solidFill>
-              </a:rPr>
-              <a:t>Jeri R. </a:t>
-            </a:r>
-            <a:r>
-              <a:rPr lang="en-US" sz="2400" i="1" dirty="0" err="1">
-                <a:solidFill>
-                  <a:srgbClr val="0000FF"/>
-                </a:solidFill>
-              </a:rPr>
-              <a:t>Hanly</a:t>
-            </a:r>
-            <a:r>
-              <a:rPr lang="en-US" sz="2400" i="1" dirty="0">
-                <a:solidFill>
-                  <a:srgbClr val="0000FF"/>
-                </a:solidFill>
-              </a:rPr>
-              <a:t> &amp; Elliot B. </a:t>
-            </a:r>
-            <a:r>
-              <a:rPr lang="en-US" sz="2400" i="1" dirty="0" err="1">
-                <a:solidFill>
-                  <a:srgbClr val="0000FF"/>
-                </a:solidFill>
-              </a:rPr>
-              <a:t>Koffman</a:t>
-            </a:r>
-            <a:endParaRPr lang="en-US" sz="2400" dirty="0">
-              <a:solidFill>
-                <a:srgbClr val="0000FF"/>
-              </a:solidFill>
-            </a:endParaRPr>
-          </a:p>
-        </p:txBody>
-      </p:sp>
-      <p:sp>
-        <p:nvSpPr>
-          <p:cNvPr id="4" name="Footer Placeholder 3"/>
-          <p:cNvSpPr>
-            <a:spLocks noGrp="1"/>
-          </p:cNvSpPr>
-          <p:nvPr>
-            <p:ph type="ftr" sz="quarter" idx="11"/>
-          </p:nvPr>
-        </p:nvSpPr>
-        <p:spPr/>
-        <p:txBody>
-          <a:bodyPr/>
-          <a:lstStyle/>
-          <a:p>
-            <a:r>
-              <a:rPr lang="en-US"/>
-              <a:t>© 2016 Pearson Education, Inc., Hoboken, NJ.  All rights reserved.</a:t>
-            </a:r>
-          </a:p>
-        </p:txBody>
-      </p:sp>
-      <p:sp>
-        <p:nvSpPr>
-          <p:cNvPr id="5" name="Slide Number Placeholder 4"/>
-          <p:cNvSpPr>
-            <a:spLocks noGrp="1"/>
-          </p:cNvSpPr>
-          <p:nvPr>
-            <p:ph type="sldNum" sz="quarter" idx="12"/>
-          </p:nvPr>
-        </p:nvSpPr>
-        <p:spPr/>
-        <p:txBody>
-          <a:bodyPr/>
-          <a:lstStyle/>
-          <a:p>
-            <a:fld id="{85A8DA42-601D-40A8-83CA-2F2CBDE5F9F0}" type="slidenum">
-              <a:rPr lang="en-US" smtClean="0"/>
-              <a:t>2</a:t>
-            </a:fld>
-            <a:endParaRPr lang="en-US"/>
-          </a:p>
-        </p:txBody>
-      </p:sp>
-    </p:spTree>
-    <p:extLst>
-      <p:ext uri="{BB962C8B-B14F-4D97-AF65-F5344CB8AC3E}">
-        <p14:creationId xmlns:p14="http://schemas.microsoft.com/office/powerpoint/2010/main" val="3386831956"/>
-      </p:ext>
-    </p:extLst>
-  </p:cSld>
-  <p:clrMapOvr>
-    <a:masterClrMapping/>
-  </p:clrMapOvr>
-</p:sld>
-</file>
-
-<file path=ppt/slides/slide20.xml><?xml version="1.0" encoding="utf-8"?>
-<p:sld xmlns:a="http://schemas.openxmlformats.org/drawingml/2006/main" xmlns:r="http://schemas.openxmlformats.org/officeDocument/2006/relationships" xmlns:p="http://schemas.openxmlformats.org/presentationml/2006/main">
-  <p:cSld>
-    <p:spTree>
-      <p:nvGrpSpPr>
-        <p:cNvPr id="1" name=""/>
-        <p:cNvGrpSpPr/>
-        <p:nvPr/>
-      </p:nvGrpSpPr>
-      <p:grpSpPr>
-        <a:xfrm>
-          <a:off x="0" y="0"/>
-          <a:ext cx="0" cy="0"/>
-          <a:chOff x="0" y="0"/>
-          <a:chExt cx="0" cy="0"/>
-        </a:xfrm>
-      </p:grpSpPr>
-      <p:sp>
-        <p:nvSpPr>
-          <p:cNvPr id="2" name="Footer Placeholder 1"/>
-          <p:cNvSpPr>
-            <a:spLocks noGrp="1"/>
-          </p:cNvSpPr>
-          <p:nvPr>
-            <p:ph type="ftr" sz="quarter" idx="11"/>
-          </p:nvPr>
-        </p:nvSpPr>
-        <p:spPr/>
-        <p:txBody>
-          <a:bodyPr/>
-          <a:lstStyle/>
-          <a:p>
-            <a:r>
-              <a:rPr lang="en-US"/>
-              <a:t>© 2016 Pearson Education, Inc., Hoboken, NJ.  All rights reserved.</a:t>
-            </a:r>
-          </a:p>
-        </p:txBody>
-      </p:sp>
-      <p:sp>
-        <p:nvSpPr>
-          <p:cNvPr id="3" name="Slide Number Placeholder 2"/>
-          <p:cNvSpPr>
-            <a:spLocks noGrp="1"/>
-          </p:cNvSpPr>
-          <p:nvPr>
-            <p:ph type="sldNum" sz="quarter" idx="12"/>
-          </p:nvPr>
-        </p:nvSpPr>
-        <p:spPr/>
-        <p:txBody>
-          <a:bodyPr/>
-          <a:lstStyle/>
-          <a:p>
-            <a:fld id="{85A8DA42-601D-40A8-83CA-2F2CBDE5F9F0}" type="slidenum">
-              <a:rPr lang="en-US" smtClean="0"/>
-              <a:t>20</a:t>
             </a:fld>
             <a:endParaRPr lang="en-US"/>
           </a:p>
@@ -5840,7 +5386,7 @@
 </p:sld>
 </file>
 
-<file path=ppt/slides/slide21.xml><?xml version="1.0" encoding="utf-8"?>
+<file path=ppt/slides/slide2.xml><?xml version="1.0" encoding="utf-8"?>
 <p:sld xmlns:a="http://schemas.openxmlformats.org/drawingml/2006/main" xmlns:r="http://schemas.openxmlformats.org/officeDocument/2006/relationships" xmlns:p="http://schemas.openxmlformats.org/presentationml/2006/main">
   <p:cSld>
     <p:spTree>
@@ -5859,7 +5405,65 @@
       </p:grpSpPr>
       <p:sp>
         <p:nvSpPr>
-          <p:cNvPr id="2" name="Footer Placeholder 1"/>
+          <p:cNvPr id="2" name="Title 1"/>
+          <p:cNvSpPr>
+            <a:spLocks noGrp="1"/>
+          </p:cNvSpPr>
+          <p:nvPr>
+            <p:ph type="title"/>
+          </p:nvPr>
+        </p:nvSpPr>
+        <p:spPr/>
+        <p:txBody>
+          <a:bodyPr/>
+          <a:lstStyle/>
+          <a:p>
+            <a:r>
+              <a:rPr lang="en-US" dirty="0"/>
+              <a:t>Chapter Objectives</a:t>
+            </a:r>
+          </a:p>
+        </p:txBody>
+      </p:sp>
+      <p:sp>
+        <p:nvSpPr>
+          <p:cNvPr id="3" name="Content Placeholder 2"/>
+          <p:cNvSpPr>
+            <a:spLocks noGrp="1"/>
+          </p:cNvSpPr>
+          <p:nvPr>
+            <p:ph idx="1"/>
+          </p:nvPr>
+        </p:nvSpPr>
+        <p:spPr/>
+        <p:txBody>
+          <a:bodyPr>
+            <a:normAutofit/>
+          </a:bodyPr>
+          <a:lstStyle/>
+          <a:p>
+            <a:r>
+              <a:rPr lang="en-US" dirty="0"/>
+              <a:t>To learn how to declare and use arrays for storing collections of values of the same type</a:t>
+            </a:r>
+          </a:p>
+          <a:p>
+            <a:r>
+              <a:rPr lang="en-US" dirty="0"/>
+              <a:t>To understand how to use a subscript to reference the individual values in an array</a:t>
+            </a:r>
+          </a:p>
+          <a:p>
+            <a:r>
+              <a:rPr lang="en-US" dirty="0"/>
+              <a:t>To learn how to process the elements of an array in sequential order using loops</a:t>
+            </a:r>
+          </a:p>
+        </p:txBody>
+      </p:sp>
+      <p:sp>
+        <p:nvSpPr>
+          <p:cNvPr id="4" name="Footer Placeholder 3"/>
           <p:cNvSpPr>
             <a:spLocks noGrp="1"/>
           </p:cNvSpPr>
@@ -5881,7 +5485,7 @@
       </p:sp>
       <p:sp>
         <p:nvSpPr>
-          <p:cNvPr id="3" name="Slide Number Placeholder 2"/>
+          <p:cNvPr id="5" name="Slide Number Placeholder 4"/>
           <p:cNvSpPr>
             <a:spLocks noGrp="1"/>
           </p:cNvSpPr>
@@ -5896,7 +5500,82 @@
           <a:p>
             <a:fld id="{85A8DA42-601D-40A8-83CA-2F2CBDE5F9F0}" type="slidenum">
               <a:rPr lang="en-US" smtClean="0"/>
-              <a:t>21</a:t>
+              <a:t>2</a:t>
+            </a:fld>
+            <a:endParaRPr lang="en-US"/>
+          </a:p>
+        </p:txBody>
+      </p:sp>
+    </p:spTree>
+    <p:extLst>
+      <p:ext uri="{BB962C8B-B14F-4D97-AF65-F5344CB8AC3E}">
+        <p14:creationId xmlns:p14="http://schemas.microsoft.com/office/powerpoint/2010/main" val="2944743484"/>
+      </p:ext>
+    </p:extLst>
+  </p:cSld>
+  <p:clrMapOvr>
+    <a:masterClrMapping/>
+  </p:clrMapOvr>
+</p:sld>
+</file>
+
+<file path=ppt/slides/slide20.xml><?xml version="1.0" encoding="utf-8"?>
+<p:sld xmlns:a="http://schemas.openxmlformats.org/drawingml/2006/main" xmlns:r="http://schemas.openxmlformats.org/officeDocument/2006/relationships" xmlns:p="http://schemas.openxmlformats.org/presentationml/2006/main">
+  <p:cSld>
+    <p:spTree>
+      <p:nvGrpSpPr>
+        <p:cNvPr id="1" name=""/>
+        <p:cNvGrpSpPr/>
+        <p:nvPr/>
+      </p:nvGrpSpPr>
+      <p:grpSpPr>
+        <a:xfrm>
+          <a:off x="0" y="0"/>
+          <a:ext cx="0" cy="0"/>
+          <a:chOff x="0" y="0"/>
+          <a:chExt cx="0" cy="0"/>
+        </a:xfrm>
+      </p:grpSpPr>
+      <p:sp>
+        <p:nvSpPr>
+          <p:cNvPr id="2" name="Footer Placeholder 1"/>
+          <p:cNvSpPr>
+            <a:spLocks noGrp="1"/>
+          </p:cNvSpPr>
+          <p:nvPr>
+            <p:ph type="ftr" sz="quarter" idx="11"/>
+          </p:nvPr>
+        </p:nvSpPr>
+        <p:spPr/>
+        <p:txBody>
+          <a:bodyPr/>
+          <a:lstStyle/>
+          <a:p>
+            <a:r>
+              <a:rPr lang="en-US"/>
+              <a:t>© 2016 Pearson Education, Inc., Hoboken, NJ.  All rights reserved.</a:t>
+            </a:r>
+          </a:p>
+        </p:txBody>
+      </p:sp>
+      <p:sp>
+        <p:nvSpPr>
+          <p:cNvPr id="3" name="Slide Number Placeholder 2"/>
+          <p:cNvSpPr>
+            <a:spLocks noGrp="1"/>
+          </p:cNvSpPr>
+          <p:nvPr>
+            <p:ph type="sldNum" sz="quarter" idx="12"/>
+          </p:nvPr>
+        </p:nvSpPr>
+        <p:spPr/>
+        <p:txBody>
+          <a:bodyPr/>
+          <a:lstStyle/>
+          <a:p>
+            <a:fld id="{85A8DA42-601D-40A8-83CA-2F2CBDE5F9F0}" type="slidenum">
+              <a:rPr lang="en-US" smtClean="0"/>
+              <a:t>20</a:t>
             </a:fld>
             <a:endParaRPr lang="en-US"/>
           </a:p>
@@ -5969,6 +5648,153 @@
 </p:sld>
 </file>
 
+<file path=ppt/slides/slide21.xml><?xml version="1.0" encoding="utf-8"?>
+<p:sld xmlns:a="http://schemas.openxmlformats.org/drawingml/2006/main" xmlns:r="http://schemas.openxmlformats.org/officeDocument/2006/relationships" xmlns:p="http://schemas.openxmlformats.org/presentationml/2006/main">
+  <p:cSld>
+    <p:spTree>
+      <p:nvGrpSpPr>
+        <p:cNvPr id="1" name=""/>
+        <p:cNvGrpSpPr/>
+        <p:nvPr/>
+      </p:nvGrpSpPr>
+      <p:grpSpPr>
+        <a:xfrm>
+          <a:off x="0" y="0"/>
+          <a:ext cx="0" cy="0"/>
+          <a:chOff x="0" y="0"/>
+          <a:chExt cx="0" cy="0"/>
+        </a:xfrm>
+      </p:grpSpPr>
+      <p:sp>
+        <p:nvSpPr>
+          <p:cNvPr id="2" name="Title 1"/>
+          <p:cNvSpPr>
+            <a:spLocks noGrp="1"/>
+          </p:cNvSpPr>
+          <p:nvPr>
+            <p:ph type="title"/>
+          </p:nvPr>
+        </p:nvSpPr>
+        <p:spPr/>
+        <p:txBody>
+          <a:bodyPr/>
+          <a:lstStyle/>
+          <a:p>
+            <a:r>
+              <a:rPr lang="en-US" dirty="0"/>
+              <a:t>Arrays as Input Arguments</a:t>
+            </a:r>
+          </a:p>
+        </p:txBody>
+      </p:sp>
+      <p:sp>
+        <p:nvSpPr>
+          <p:cNvPr id="3" name="Content Placeholder 2"/>
+          <p:cNvSpPr>
+            <a:spLocks noGrp="1"/>
+          </p:cNvSpPr>
+          <p:nvPr>
+            <p:ph idx="1"/>
+          </p:nvPr>
+        </p:nvSpPr>
+        <p:spPr/>
+        <p:txBody>
+          <a:bodyPr>
+            <a:normAutofit lnSpcReduction="10000"/>
+          </a:bodyPr>
+          <a:lstStyle/>
+          <a:p>
+            <a:r>
+              <a:rPr lang="en-US" dirty="0"/>
+              <a:t>ANSI C provides a qualifier that we can include in the declaration of the array formal parameter in order to notify the C compiler that the array is only an input to the function and the function does not intend to modify the array.</a:t>
+            </a:r>
+          </a:p>
+          <a:p>
+            <a:r>
+              <a:rPr lang="en-US" dirty="0"/>
+              <a:t>The qualifier </a:t>
+            </a:r>
+            <a:r>
+              <a:rPr lang="en-US" dirty="0" err="1">
+                <a:solidFill>
+                  <a:srgbClr val="7030A0"/>
+                </a:solidFill>
+              </a:rPr>
+              <a:t>const</a:t>
+            </a:r>
+            <a:r>
+              <a:rPr lang="en-US" dirty="0">
+                <a:solidFill>
+                  <a:srgbClr val="7030A0"/>
+                </a:solidFill>
+              </a:rPr>
+              <a:t> </a:t>
+            </a:r>
+            <a:r>
+              <a:rPr lang="en-US" dirty="0"/>
+              <a:t>allows the compiler to mark as an error any attempt to change an array element within the function.</a:t>
+            </a:r>
+          </a:p>
+        </p:txBody>
+      </p:sp>
+      <p:sp>
+        <p:nvSpPr>
+          <p:cNvPr id="4" name="Footer Placeholder 3"/>
+          <p:cNvSpPr>
+            <a:spLocks noGrp="1"/>
+          </p:cNvSpPr>
+          <p:nvPr>
+            <p:ph type="ftr" sz="quarter" idx="11"/>
+          </p:nvPr>
+        </p:nvSpPr>
+        <p:spPr/>
+        <p:txBody>
+          <a:bodyPr/>
+          <a:lstStyle/>
+          <a:p>
+            <a:r>
+              <a:rPr lang="en-US"/>
+              <a:t>© 2016 Pearson Education, Inc., Hoboken, NJ.  All rights reserved.</a:t>
+            </a:r>
+          </a:p>
+        </p:txBody>
+      </p:sp>
+      <p:sp>
+        <p:nvSpPr>
+          <p:cNvPr id="5" name="Slide Number Placeholder 4"/>
+          <p:cNvSpPr>
+            <a:spLocks noGrp="1"/>
+          </p:cNvSpPr>
+          <p:nvPr>
+            <p:ph type="sldNum" sz="quarter" idx="12"/>
+          </p:nvPr>
+        </p:nvSpPr>
+        <p:spPr/>
+        <p:txBody>
+          <a:bodyPr/>
+          <a:lstStyle/>
+          <a:p>
+            <a:fld id="{85A8DA42-601D-40A8-83CA-2F2CBDE5F9F0}" type="slidenum">
+              <a:rPr lang="en-US" smtClean="0"/>
+              <a:t>21</a:t>
+            </a:fld>
+            <a:endParaRPr lang="en-US"/>
+          </a:p>
+        </p:txBody>
+      </p:sp>
+    </p:spTree>
+    <p:extLst>
+      <p:ext uri="{BB962C8B-B14F-4D97-AF65-F5344CB8AC3E}">
+        <p14:creationId xmlns:p14="http://schemas.microsoft.com/office/powerpoint/2010/main" val="3157541672"/>
+      </p:ext>
+    </p:extLst>
+  </p:cSld>
+  <p:clrMapOvr>
+    <a:masterClrMapping/>
+  </p:clrMapOvr>
+</p:sld>
+</file>
+
 <file path=ppt/slides/slide22.xml><?xml version="1.0" encoding="utf-8"?>
 <p:sld xmlns:a="http://schemas.openxmlformats.org/drawingml/2006/main" xmlns:r="http://schemas.openxmlformats.org/officeDocument/2006/relationships" xmlns:p="http://schemas.openxmlformats.org/presentationml/2006/main">
   <p:cSld>
@@ -5988,79 +5814,7 @@
       </p:grpSpPr>
       <p:sp>
         <p:nvSpPr>
-          <p:cNvPr id="2" name="Title 1"/>
-          <p:cNvSpPr>
-            <a:spLocks noGrp="1"/>
-          </p:cNvSpPr>
-          <p:nvPr>
-            <p:ph type="title"/>
-          </p:nvPr>
-        </p:nvSpPr>
-        <p:spPr/>
-        <p:txBody>
-          <a:bodyPr/>
-          <a:lstStyle/>
-          <a:p>
-            <a:r>
-              <a:rPr lang="en-US" dirty="0"/>
-              <a:t>Arrays as Input Arguments</a:t>
-            </a:r>
-          </a:p>
-        </p:txBody>
-      </p:sp>
-      <p:sp>
-        <p:nvSpPr>
-          <p:cNvPr id="3" name="Content Placeholder 2"/>
-          <p:cNvSpPr>
-            <a:spLocks noGrp="1"/>
-          </p:cNvSpPr>
-          <p:nvPr>
-            <p:ph idx="1"/>
-          </p:nvPr>
-        </p:nvSpPr>
-        <p:spPr/>
-        <p:txBody>
-          <a:bodyPr>
-            <a:normAutofit lnSpcReduction="10000"/>
-          </a:bodyPr>
-          <a:lstStyle/>
-          <a:p>
-            <a:r>
-              <a:rPr lang="en-US" dirty="0"/>
-              <a:t>ANSI C provides a qualifier that we can include in the declaration of the array formal parameter in order to notify the C compiler that the array is only an input to the function and the function does not intend to modify the array.</a:t>
-            </a:r>
-          </a:p>
-          <a:p>
-            <a:r>
-              <a:rPr lang="en-US" dirty="0"/>
-              <a:t>The qualifier </a:t>
-            </a:r>
-            <a:r>
-              <a:rPr lang="en-US" dirty="0" err="1">
-                <a:solidFill>
-                  <a:srgbClr val="7030A0"/>
-                </a:solidFill>
-              </a:rPr>
-              <a:t>const</a:t>
-            </a:r>
-            <a:r>
-              <a:rPr lang="en-US" dirty="0">
-                <a:solidFill>
-                  <a:srgbClr val="7030A0"/>
-                </a:solidFill>
-              </a:rPr>
-              <a:t> </a:t>
-            </a:r>
-            <a:r>
-              <a:rPr lang="en-US" dirty="0"/>
-              <a:t>allows the compiler to mark as an error any attempt to change an array element within the function.</a:t>
-            </a:r>
-          </a:p>
-        </p:txBody>
-      </p:sp>
-      <p:sp>
-        <p:nvSpPr>
-          <p:cNvPr id="4" name="Footer Placeholder 3"/>
+          <p:cNvPr id="2" name="Footer Placeholder 1"/>
           <p:cNvSpPr>
             <a:spLocks noGrp="1"/>
           </p:cNvSpPr>
@@ -6082,7 +5836,7 @@
       </p:sp>
       <p:sp>
         <p:nvSpPr>
-          <p:cNvPr id="5" name="Slide Number Placeholder 4"/>
+          <p:cNvPr id="3" name="Slide Number Placeholder 2"/>
           <p:cNvSpPr>
             <a:spLocks noGrp="1"/>
           </p:cNvSpPr>
@@ -6098,81 +5852,6 @@
             <a:fld id="{85A8DA42-601D-40A8-83CA-2F2CBDE5F9F0}" type="slidenum">
               <a:rPr lang="en-US" smtClean="0"/>
               <a:t>22</a:t>
-            </a:fld>
-            <a:endParaRPr lang="en-US"/>
-          </a:p>
-        </p:txBody>
-      </p:sp>
-    </p:spTree>
-    <p:extLst>
-      <p:ext uri="{BB962C8B-B14F-4D97-AF65-F5344CB8AC3E}">
-        <p14:creationId xmlns:p14="http://schemas.microsoft.com/office/powerpoint/2010/main" val="3157541672"/>
-      </p:ext>
-    </p:extLst>
-  </p:cSld>
-  <p:clrMapOvr>
-    <a:masterClrMapping/>
-  </p:clrMapOvr>
-</p:sld>
-</file>
-
-<file path=ppt/slides/slide23.xml><?xml version="1.0" encoding="utf-8"?>
-<p:sld xmlns:a="http://schemas.openxmlformats.org/drawingml/2006/main" xmlns:r="http://schemas.openxmlformats.org/officeDocument/2006/relationships" xmlns:p="http://schemas.openxmlformats.org/presentationml/2006/main">
-  <p:cSld>
-    <p:spTree>
-      <p:nvGrpSpPr>
-        <p:cNvPr id="1" name=""/>
-        <p:cNvGrpSpPr/>
-        <p:nvPr/>
-      </p:nvGrpSpPr>
-      <p:grpSpPr>
-        <a:xfrm>
-          <a:off x="0" y="0"/>
-          <a:ext cx="0" cy="0"/>
-          <a:chOff x="0" y="0"/>
-          <a:chExt cx="0" cy="0"/>
-        </a:xfrm>
-      </p:grpSpPr>
-      <p:sp>
-        <p:nvSpPr>
-          <p:cNvPr id="2" name="Footer Placeholder 1"/>
-          <p:cNvSpPr>
-            <a:spLocks noGrp="1"/>
-          </p:cNvSpPr>
-          <p:nvPr>
-            <p:ph type="ftr" sz="quarter" idx="11"/>
-          </p:nvPr>
-        </p:nvSpPr>
-        <p:spPr/>
-        <p:txBody>
-          <a:bodyPr/>
-          <a:lstStyle/>
-          <a:p>
-            <a:r>
-              <a:rPr lang="en-US"/>
-              <a:t>© 2016 Pearson Education, Inc., Hoboken, NJ.  All rights reserved.</a:t>
-            </a:r>
-          </a:p>
-        </p:txBody>
-      </p:sp>
-      <p:sp>
-        <p:nvSpPr>
-          <p:cNvPr id="3" name="Slide Number Placeholder 2"/>
-          <p:cNvSpPr>
-            <a:spLocks noGrp="1"/>
-          </p:cNvSpPr>
-          <p:nvPr>
-            <p:ph type="sldNum" sz="quarter" idx="12"/>
-          </p:nvPr>
-        </p:nvSpPr>
-        <p:spPr/>
-        <p:txBody>
-          <a:bodyPr/>
-          <a:lstStyle/>
-          <a:p>
-            <a:fld id="{85A8DA42-601D-40A8-83CA-2F2CBDE5F9F0}" type="slidenum">
-              <a:rPr lang="en-US" smtClean="0"/>
-              <a:t>23</a:t>
             </a:fld>
             <a:endParaRPr lang="en-US"/>
           </a:p>
@@ -6281,7 +5960,7 @@
 </p:sld>
 </file>
 
-<file path=ppt/slides/slide24.xml><?xml version="1.0" encoding="utf-8"?>
+<file path=ppt/slides/slide23.xml><?xml version="1.0" encoding="utf-8"?>
 <p:sld xmlns:a="http://schemas.openxmlformats.org/drawingml/2006/main" xmlns:r="http://schemas.openxmlformats.org/officeDocument/2006/relationships" xmlns:p="http://schemas.openxmlformats.org/presentationml/2006/main">
   <p:cSld>
     <p:spTree>
@@ -6392,7 +6071,7 @@
           <a:p>
             <a:fld id="{85A8DA42-601D-40A8-83CA-2F2CBDE5F9F0}" type="slidenum">
               <a:rPr lang="en-US" smtClean="0"/>
-              <a:t>24</a:t>
+              <a:t>23</a:t>
             </a:fld>
             <a:endParaRPr lang="en-US"/>
           </a:p>
@@ -6465,7 +6144,7 @@
 </p:sld>
 </file>
 
-<file path=ppt/slides/slide25.xml><?xml version="1.0" encoding="utf-8"?>
+<file path=ppt/slides/slide24.xml><?xml version="1.0" encoding="utf-8"?>
 <p:sld xmlns:a="http://schemas.openxmlformats.org/drawingml/2006/main" xmlns:r="http://schemas.openxmlformats.org/officeDocument/2006/relationships" xmlns:p="http://schemas.openxmlformats.org/presentationml/2006/main">
   <p:cSld>
     <p:spTree>
@@ -6521,7 +6200,7 @@
           <a:p>
             <a:fld id="{85A8DA42-601D-40A8-83CA-2F2CBDE5F9F0}" type="slidenum">
               <a:rPr lang="en-US" smtClean="0"/>
-              <a:t>25</a:t>
+              <a:t>24</a:t>
             </a:fld>
             <a:endParaRPr lang="en-US"/>
           </a:p>
@@ -6594,7 +6273,7 @@
 </p:sld>
 </file>
 
-<file path=ppt/slides/slide26.xml><?xml version="1.0" encoding="utf-8"?>
+<file path=ppt/slides/slide25.xml><?xml version="1.0" encoding="utf-8"?>
 <p:sld xmlns:a="http://schemas.openxmlformats.org/drawingml/2006/main" xmlns:r="http://schemas.openxmlformats.org/officeDocument/2006/relationships" xmlns:p="http://schemas.openxmlformats.org/presentationml/2006/main">
   <p:cSld>
     <p:spTree>
@@ -6650,7 +6329,7 @@
           <a:p>
             <a:fld id="{85A8DA42-601D-40A8-83CA-2F2CBDE5F9F0}" type="slidenum">
               <a:rPr lang="en-US" smtClean="0"/>
-              <a:t>26</a:t>
+              <a:t>25</a:t>
             </a:fld>
             <a:endParaRPr lang="en-US"/>
           </a:p>
@@ -6723,6 +6402,248 @@
 </p:sld>
 </file>
 
+<file path=ppt/slides/slide26.xml><?xml version="1.0" encoding="utf-8"?>
+<p:sld xmlns:a="http://schemas.openxmlformats.org/drawingml/2006/main" xmlns:r="http://schemas.openxmlformats.org/officeDocument/2006/relationships" xmlns:p="http://schemas.openxmlformats.org/presentationml/2006/main">
+  <p:cSld>
+    <p:spTree>
+      <p:nvGrpSpPr>
+        <p:cNvPr id="1" name=""/>
+        <p:cNvGrpSpPr/>
+        <p:nvPr/>
+      </p:nvGrpSpPr>
+      <p:grpSpPr>
+        <a:xfrm>
+          <a:off x="0" y="0"/>
+          <a:ext cx="0" cy="0"/>
+          <a:chOff x="0" y="0"/>
+          <a:chExt cx="0" cy="0"/>
+        </a:xfrm>
+      </p:grpSpPr>
+      <p:sp>
+        <p:nvSpPr>
+          <p:cNvPr id="2" name="Title 1"/>
+          <p:cNvSpPr>
+            <a:spLocks noGrp="1"/>
+          </p:cNvSpPr>
+          <p:nvPr>
+            <p:ph type="title"/>
+          </p:nvPr>
+        </p:nvSpPr>
+        <p:spPr>
+          <a:xfrm>
+            <a:off x="457200" y="228600"/>
+            <a:ext cx="8229600" cy="715962"/>
+          </a:xfrm>
+        </p:spPr>
+        <p:txBody>
+          <a:bodyPr>
+            <a:normAutofit/>
+          </a:bodyPr>
+          <a:lstStyle/>
+          <a:p>
+            <a:r>
+              <a:rPr lang="en-US" sz="3600" dirty="0"/>
+              <a:t>Array Search</a:t>
+            </a:r>
+          </a:p>
+        </p:txBody>
+      </p:sp>
+      <p:sp>
+        <p:nvSpPr>
+          <p:cNvPr id="3" name="Content Placeholder 2"/>
+          <p:cNvSpPr>
+            <a:spLocks noGrp="1"/>
+          </p:cNvSpPr>
+          <p:nvPr>
+            <p:ph idx="1"/>
+          </p:nvPr>
+        </p:nvSpPr>
+        <p:spPr>
+          <a:xfrm>
+            <a:off x="457200" y="914400"/>
+            <a:ext cx="8229600" cy="5211763"/>
+          </a:xfrm>
+        </p:spPr>
+        <p:txBody>
+          <a:bodyPr>
+            <a:normAutofit fontScale="92500" lnSpcReduction="20000"/>
+          </a:bodyPr>
+          <a:lstStyle/>
+          <a:p>
+            <a:pPr marL="514350" indent="-514350">
+              <a:buFont typeface="+mj-lt"/>
+              <a:buAutoNum type="arabicPeriod"/>
+            </a:pPr>
+            <a:r>
+              <a:rPr lang="en-US" dirty="0"/>
+              <a:t>Assume the target has not been found.</a:t>
+            </a:r>
+          </a:p>
+          <a:p>
+            <a:pPr marL="514350" indent="-514350">
+              <a:buFont typeface="+mj-lt"/>
+              <a:buAutoNum type="arabicPeriod"/>
+            </a:pPr>
+            <a:r>
+              <a:rPr lang="en-US" dirty="0"/>
+              <a:t>Start with the initial array element.</a:t>
+            </a:r>
+          </a:p>
+          <a:p>
+            <a:pPr marL="514350" indent="-514350">
+              <a:buFont typeface="+mj-lt"/>
+              <a:buAutoNum type="arabicPeriod"/>
+            </a:pPr>
+            <a:r>
+              <a:rPr lang="en-US" dirty="0"/>
+              <a:t>repeat while the target is not found and there are more array elements</a:t>
+            </a:r>
+          </a:p>
+          <a:p>
+            <a:pPr marL="914400" lvl="1" indent="-514350">
+              <a:buFont typeface="+mj-lt"/>
+              <a:buAutoNum type="arabicPeriod" startAt="4"/>
+            </a:pPr>
+            <a:r>
+              <a:rPr lang="en-US" dirty="0"/>
+              <a:t>if the current element matches the target</a:t>
+            </a:r>
+          </a:p>
+          <a:p>
+            <a:pPr marL="1314450" lvl="2" indent="-514350">
+              <a:buFont typeface="+mj-lt"/>
+              <a:buAutoNum type="arabicPeriod" startAt="5"/>
+            </a:pPr>
+            <a:r>
+              <a:rPr lang="en-US" dirty="0"/>
+              <a:t>Set a flag to indicate that the target has been found</a:t>
+            </a:r>
+          </a:p>
+          <a:p>
+            <a:pPr marL="800100" lvl="2" indent="0">
+              <a:buNone/>
+            </a:pPr>
+            <a:r>
+              <a:rPr lang="en-US" dirty="0"/>
+              <a:t>else</a:t>
+            </a:r>
+          </a:p>
+          <a:p>
+            <a:pPr marL="1257300" lvl="2" indent="-457200">
+              <a:buFont typeface="+mj-lt"/>
+              <a:buAutoNum type="arabicPeriod" startAt="6"/>
+            </a:pPr>
+            <a:r>
+              <a:rPr lang="en-US" dirty="0"/>
+              <a:t>Advance to the next array element.</a:t>
+            </a:r>
+          </a:p>
+          <a:p>
+            <a:pPr marL="514350" indent="-514350">
+              <a:buFont typeface="+mj-lt"/>
+              <a:buAutoNum type="arabicPeriod" startAt="7"/>
+            </a:pPr>
+            <a:r>
+              <a:rPr lang="en-US" dirty="0"/>
+              <a:t>if the target was found</a:t>
+            </a:r>
+          </a:p>
+          <a:p>
+            <a:pPr marL="914400" lvl="1" indent="-514350">
+              <a:buFont typeface="+mj-lt"/>
+              <a:buAutoNum type="arabicPeriod" startAt="8"/>
+            </a:pPr>
+            <a:r>
+              <a:rPr lang="en-US" dirty="0"/>
+              <a:t>Return the target index as the search result</a:t>
+            </a:r>
+          </a:p>
+          <a:p>
+            <a:pPr marL="400050" lvl="1" indent="0">
+              <a:buNone/>
+            </a:pPr>
+            <a:r>
+              <a:rPr lang="en-US" dirty="0"/>
+              <a:t>else</a:t>
+            </a:r>
+          </a:p>
+          <a:p>
+            <a:pPr marL="914400" lvl="1" indent="-514350">
+              <a:buFont typeface="+mj-lt"/>
+              <a:buAutoNum type="arabicPeriod" startAt="9"/>
+            </a:pPr>
+            <a:r>
+              <a:rPr lang="en-US" dirty="0"/>
+              <a:t>Return -1 as the search result.</a:t>
+            </a:r>
+          </a:p>
+          <a:p>
+            <a:pPr marL="1314450" lvl="2" indent="-514350">
+              <a:buFont typeface="+mj-lt"/>
+              <a:buAutoNum type="arabicPeriod" startAt="5"/>
+            </a:pPr>
+            <a:endParaRPr lang="en-US" dirty="0"/>
+          </a:p>
+        </p:txBody>
+      </p:sp>
+      <p:sp>
+        <p:nvSpPr>
+          <p:cNvPr id="4" name="Footer Placeholder 3"/>
+          <p:cNvSpPr>
+            <a:spLocks noGrp="1"/>
+          </p:cNvSpPr>
+          <p:nvPr>
+            <p:ph type="ftr" sz="quarter" idx="11"/>
+          </p:nvPr>
+        </p:nvSpPr>
+        <p:spPr/>
+        <p:txBody>
+          <a:bodyPr/>
+          <a:lstStyle/>
+          <a:p>
+            <a:r>
+              <a:rPr lang="en-US"/>
+              <a:t>© 2016 Pearson Education, Inc., Hoboken, NJ.  All rights reserved.</a:t>
+            </a:r>
+          </a:p>
+        </p:txBody>
+      </p:sp>
+      <p:sp>
+        <p:nvSpPr>
+          <p:cNvPr id="5" name="Slide Number Placeholder 4"/>
+          <p:cNvSpPr>
+            <a:spLocks noGrp="1"/>
+          </p:cNvSpPr>
+          <p:nvPr>
+            <p:ph type="sldNum" sz="quarter" idx="12"/>
+          </p:nvPr>
+        </p:nvSpPr>
+        <p:spPr/>
+        <p:txBody>
+          <a:bodyPr/>
+          <a:lstStyle/>
+          <a:p>
+            <a:fld id="{85A8DA42-601D-40A8-83CA-2F2CBDE5F9F0}" type="slidenum">
+              <a:rPr lang="en-US" smtClean="0"/>
+              <a:t>26</a:t>
+            </a:fld>
+            <a:endParaRPr lang="en-US"/>
+          </a:p>
+        </p:txBody>
+      </p:sp>
+    </p:spTree>
+    <p:extLst>
+      <p:ext uri="{BB962C8B-B14F-4D97-AF65-F5344CB8AC3E}">
+        <p14:creationId xmlns:p14="http://schemas.microsoft.com/office/powerpoint/2010/main" val="2835748219"/>
+      </p:ext>
+    </p:extLst>
+  </p:cSld>
+  <p:clrMapOvr>
+    <a:masterClrMapping/>
+  </p:clrMapOvr>
+</p:sld>
+</file>
+
 <file path=ppt/slides/slide27.xml><?xml version="1.0" encoding="utf-8"?>
 <p:sld xmlns:a="http://schemas.openxmlformats.org/drawingml/2006/main" xmlns:r="http://schemas.openxmlformats.org/officeDocument/2006/relationships" xmlns:p="http://schemas.openxmlformats.org/presentationml/2006/main">
   <p:cSld>
@@ -6750,21 +6671,14 @@
             <p:ph type="title"/>
           </p:nvPr>
         </p:nvSpPr>
-        <p:spPr>
-          <a:xfrm>
-            <a:off x="457200" y="228600"/>
-            <a:ext cx="8229600" cy="715962"/>
-          </a:xfrm>
-        </p:spPr>
-        <p:txBody>
-          <a:bodyPr>
-            <a:normAutofit/>
-          </a:bodyPr>
-          <a:lstStyle/>
-          <a:p>
-            <a:r>
-              <a:rPr lang="en-US" sz="3600" dirty="0"/>
-              <a:t>Array Search</a:t>
+        <p:spPr/>
+        <p:txBody>
+          <a:bodyPr/>
+          <a:lstStyle/>
+          <a:p>
+            <a:r>
+              <a:rPr lang="en-US" dirty="0"/>
+              <a:t>Selection Sort</a:t>
             </a:r>
           </a:p>
         </p:txBody>
@@ -6779,16 +6693,9 @@
             <p:ph idx="1"/>
           </p:nvPr>
         </p:nvSpPr>
-        <p:spPr>
-          <a:xfrm>
-            <a:off x="457200" y="914400"/>
-            <a:ext cx="8229600" cy="5211763"/>
-          </a:xfrm>
-        </p:spPr>
-        <p:txBody>
-          <a:bodyPr>
-            <a:normAutofit fontScale="92500" lnSpcReduction="20000"/>
-          </a:bodyPr>
+        <p:spPr/>
+        <p:txBody>
+          <a:bodyPr/>
           <a:lstStyle/>
           <a:p>
             <a:pPr marL="514350" indent="-514350">
@@ -6797,113 +6704,163 @@
             </a:pPr>
             <a:r>
               <a:rPr lang="en-US" dirty="0"/>
-              <a:t>Assume the target has not been found.</a:t>
-            </a:r>
-          </a:p>
-          <a:p>
-            <a:pPr marL="514350" indent="-514350">
+              <a:t>for each value of </a:t>
+            </a:r>
+            <a:r>
+              <a:rPr lang="en-US" dirty="0">
+                <a:solidFill>
+                  <a:srgbClr val="7030A0"/>
+                </a:solidFill>
+                <a:latin typeface="Cambria" panose="02040503050406030204" pitchFamily="18" charset="0"/>
+              </a:rPr>
+              <a:t>fill</a:t>
+            </a:r>
+            <a:r>
+              <a:rPr lang="en-US" dirty="0">
+                <a:solidFill>
+                  <a:srgbClr val="7030A0"/>
+                </a:solidFill>
+              </a:rPr>
+              <a:t> </a:t>
+            </a:r>
+            <a:r>
+              <a:rPr lang="en-US" dirty="0"/>
+              <a:t>from </a:t>
+            </a:r>
+            <a:r>
+              <a:rPr lang="en-US" dirty="0">
+                <a:solidFill>
+                  <a:srgbClr val="7030A0"/>
+                </a:solidFill>
+                <a:latin typeface="Cambria" panose="02040503050406030204" pitchFamily="18" charset="0"/>
+              </a:rPr>
+              <a:t>0</a:t>
+            </a:r>
+            <a:r>
+              <a:rPr lang="en-US" dirty="0"/>
+              <a:t> to </a:t>
+            </a:r>
+            <a:r>
+              <a:rPr lang="en-US" dirty="0">
+                <a:solidFill>
+                  <a:srgbClr val="7030A0"/>
+                </a:solidFill>
+                <a:latin typeface="Cambria" panose="02040503050406030204" pitchFamily="18" charset="0"/>
+              </a:rPr>
+              <a:t>n-2</a:t>
+            </a:r>
+          </a:p>
+          <a:p>
+            <a:pPr marL="914400" lvl="1" indent="-514350">
               <a:buFont typeface="+mj-lt"/>
-              <a:buAutoNum type="arabicPeriod"/>
+              <a:buAutoNum type="arabicPeriod" startAt="2"/>
             </a:pPr>
             <a:r>
               <a:rPr lang="en-US" dirty="0"/>
-              <a:t>Start with the initial array element.</a:t>
-            </a:r>
-          </a:p>
-          <a:p>
-            <a:pPr marL="514350" indent="-514350">
+              <a:t>Find </a:t>
+            </a:r>
+            <a:r>
+              <a:rPr lang="en-US" dirty="0" err="1">
+                <a:solidFill>
+                  <a:srgbClr val="7030A0"/>
+                </a:solidFill>
+                <a:latin typeface="Cambria" panose="02040503050406030204" pitchFamily="18" charset="0"/>
+              </a:rPr>
+              <a:t>index_of_min</a:t>
+            </a:r>
+            <a:r>
+              <a:rPr lang="en-US" dirty="0"/>
+              <a:t>, the index of the smallest element in the unsorted subarray </a:t>
+            </a:r>
+            <a:r>
+              <a:rPr lang="en-US" dirty="0">
+                <a:solidFill>
+                  <a:srgbClr val="7030A0"/>
+                </a:solidFill>
+                <a:latin typeface="Cambria" panose="02040503050406030204" pitchFamily="18" charset="0"/>
+              </a:rPr>
+              <a:t>list[fill]</a:t>
+            </a:r>
+            <a:r>
+              <a:rPr lang="en-US" dirty="0">
+                <a:solidFill>
+                  <a:srgbClr val="7030A0"/>
+                </a:solidFill>
+              </a:rPr>
+              <a:t> </a:t>
+            </a:r>
+            <a:r>
+              <a:rPr lang="en-US" dirty="0"/>
+              <a:t>through </a:t>
+            </a:r>
+            <a:r>
+              <a:rPr lang="en-US" dirty="0">
+                <a:solidFill>
+                  <a:srgbClr val="7030A0"/>
+                </a:solidFill>
+                <a:latin typeface="Cambria" panose="02040503050406030204" pitchFamily="18" charset="0"/>
+              </a:rPr>
+              <a:t>list[n-1]</a:t>
+            </a:r>
+          </a:p>
+          <a:p>
+            <a:pPr marL="914400" lvl="1" indent="-514350">
               <a:buFont typeface="+mj-lt"/>
-              <a:buAutoNum type="arabicPeriod"/>
+              <a:buAutoNum type="arabicPeriod" startAt="2"/>
             </a:pPr>
             <a:r>
               <a:rPr lang="en-US" dirty="0"/>
-              <a:t>repeat while the target is not found and there are more array elements</a:t>
-            </a:r>
-          </a:p>
-          <a:p>
-            <a:pPr marL="914400" lvl="1" indent="-514350">
+              <a:t>if </a:t>
+            </a:r>
+            <a:r>
+              <a:rPr lang="en-US" dirty="0">
+                <a:solidFill>
+                  <a:srgbClr val="7030A0"/>
+                </a:solidFill>
+                <a:latin typeface="Cambria" panose="02040503050406030204" pitchFamily="18" charset="0"/>
+              </a:rPr>
+              <a:t>fill</a:t>
+            </a:r>
+            <a:r>
+              <a:rPr lang="en-US" dirty="0"/>
+              <a:t> is not the position of the smallest element (</a:t>
+            </a:r>
+            <a:r>
+              <a:rPr lang="en-US" dirty="0" err="1">
+                <a:solidFill>
+                  <a:srgbClr val="7030A0"/>
+                </a:solidFill>
+                <a:latin typeface="Cambria" panose="02040503050406030204" pitchFamily="18" charset="0"/>
+              </a:rPr>
+              <a:t>index_of_min</a:t>
+            </a:r>
+            <a:r>
+              <a:rPr lang="en-US" dirty="0"/>
+              <a:t>)</a:t>
+            </a:r>
+          </a:p>
+          <a:p>
+            <a:pPr marL="1314450" lvl="2" indent="-514350">
               <a:buFont typeface="+mj-lt"/>
               <a:buAutoNum type="arabicPeriod" startAt="4"/>
             </a:pPr>
             <a:r>
               <a:rPr lang="en-US" dirty="0"/>
-              <a:t>if the current element matches the target</a:t>
-            </a:r>
-          </a:p>
-          <a:p>
-            <a:pPr marL="1314450" lvl="2" indent="-514350">
-              <a:buFont typeface="+mj-lt"/>
-              <a:buAutoNum type="arabicPeriod" startAt="5"/>
-            </a:pPr>
+              <a:t>Exchange the smallest element with the one at position </a:t>
+            </a:r>
+            <a:r>
+              <a:rPr lang="en-US" dirty="0">
+                <a:solidFill>
+                  <a:srgbClr val="7030A0"/>
+                </a:solidFill>
+                <a:latin typeface="Cambria" panose="02040503050406030204" pitchFamily="18" charset="0"/>
+              </a:rPr>
+              <a:t>fill</a:t>
+            </a:r>
             <a:r>
               <a:rPr lang="en-US" dirty="0"/>
-              <a:t>Set a flag to indicate that the target has been found</a:t>
-            </a:r>
-          </a:p>
-          <a:p>
-            <a:pPr marL="800100" lvl="2" indent="0">
-              <a:buNone/>
-            </a:pPr>
-            <a:r>
-              <a:rPr lang="en-US" dirty="0"/>
-              <a:t>else</a:t>
-            </a:r>
-          </a:p>
-          <a:p>
-            <a:pPr marL="1257300" lvl="2" indent="-457200">
-              <a:buFont typeface="+mj-lt"/>
-              <a:buAutoNum type="arabicPeriod" startAt="6"/>
-            </a:pPr>
-            <a:r>
-              <a:rPr lang="en-US" dirty="0"/>
-              <a:t>Advance to the next array element.</a:t>
-            </a:r>
-          </a:p>
-          <a:p>
-            <a:pPr marL="514350" indent="-514350">
-              <a:buFont typeface="+mj-lt"/>
-              <a:buAutoNum type="arabicPeriod" startAt="7"/>
-            </a:pPr>
-            <a:r>
-              <a:rPr lang="en-US" dirty="0"/>
-              <a:t>if the target was found</a:t>
-            </a:r>
-          </a:p>
-          <a:p>
-            <a:pPr marL="914400" lvl="1" indent="-514350">
-              <a:buFont typeface="+mj-lt"/>
-              <a:buAutoNum type="arabicPeriod" startAt="8"/>
-            </a:pPr>
-            <a:r>
-              <a:rPr lang="en-US" dirty="0"/>
-              <a:t>Return the target index as the search result</a:t>
-            </a:r>
-          </a:p>
-          <a:p>
-            <a:pPr marL="400050" lvl="1" indent="0">
-              <a:buNone/>
-            </a:pPr>
-            <a:r>
-              <a:rPr lang="en-US" dirty="0"/>
-              <a:t>else</a:t>
-            </a:r>
-          </a:p>
-          <a:p>
-            <a:pPr marL="914400" lvl="1" indent="-514350">
-              <a:buFont typeface="+mj-lt"/>
-              <a:buAutoNum type="arabicPeriod" startAt="9"/>
-            </a:pPr>
-            <a:r>
-              <a:rPr lang="en-US" dirty="0"/>
-              <a:t>Return -1 as the search result.</a:t>
-            </a:r>
-          </a:p>
-          <a:p>
-            <a:pPr marL="1314450" lvl="2" indent="-514350">
-              <a:buFont typeface="+mj-lt"/>
-              <a:buAutoNum type="arabicPeriod" startAt="5"/>
-            </a:pPr>
-            <a:endParaRPr lang="en-US" dirty="0"/>
+              <a:t>.</a:t>
+            </a:r>
           </a:p>
         </p:txBody>
       </p:sp>
@@ -6955,7 +6912,7 @@
     </p:spTree>
     <p:extLst>
       <p:ext uri="{BB962C8B-B14F-4D97-AF65-F5344CB8AC3E}">
-        <p14:creationId xmlns:p14="http://schemas.microsoft.com/office/powerpoint/2010/main" val="2835748219"/>
+        <p14:creationId xmlns:p14="http://schemas.microsoft.com/office/powerpoint/2010/main" val="1101985771"/>
       </p:ext>
     </p:extLst>
   </p:cSld>
@@ -6984,210 +6941,7 @@
       </p:grpSpPr>
       <p:sp>
         <p:nvSpPr>
-          <p:cNvPr id="2" name="Title 1"/>
-          <p:cNvSpPr>
-            <a:spLocks noGrp="1"/>
-          </p:cNvSpPr>
-          <p:nvPr>
-            <p:ph type="title"/>
-          </p:nvPr>
-        </p:nvSpPr>
-        <p:spPr/>
-        <p:txBody>
-          <a:bodyPr/>
-          <a:lstStyle/>
-          <a:p>
-            <a:r>
-              <a:rPr lang="en-US" dirty="0"/>
-              <a:t>Selection Sort</a:t>
-            </a:r>
-          </a:p>
-        </p:txBody>
-      </p:sp>
-      <p:sp>
-        <p:nvSpPr>
-          <p:cNvPr id="3" name="Content Placeholder 2"/>
-          <p:cNvSpPr>
-            <a:spLocks noGrp="1"/>
-          </p:cNvSpPr>
-          <p:nvPr>
-            <p:ph idx="1"/>
-          </p:nvPr>
-        </p:nvSpPr>
-        <p:spPr/>
-        <p:txBody>
-          <a:bodyPr/>
-          <a:lstStyle/>
-          <a:p>
-            <a:pPr marL="514350" indent="-514350">
-              <a:buFont typeface="+mj-lt"/>
-              <a:buAutoNum type="arabicPeriod"/>
-            </a:pPr>
-            <a:r>
-              <a:rPr lang="en-US" dirty="0"/>
-              <a:t>for each value of </a:t>
-            </a:r>
-            <a:r>
-              <a:rPr lang="en-US" dirty="0">
-                <a:solidFill>
-                  <a:srgbClr val="7030A0"/>
-                </a:solidFill>
-                <a:latin typeface="Cambria" panose="02040503050406030204" pitchFamily="18" charset="0"/>
-              </a:rPr>
-              <a:t>fill</a:t>
-            </a:r>
-            <a:r>
-              <a:rPr lang="en-US" dirty="0">
-                <a:solidFill>
-                  <a:srgbClr val="7030A0"/>
-                </a:solidFill>
-              </a:rPr>
-              <a:t> </a:t>
-            </a:r>
-            <a:r>
-              <a:rPr lang="en-US" dirty="0"/>
-              <a:t>from </a:t>
-            </a:r>
-            <a:r>
-              <a:rPr lang="en-US" dirty="0">
-                <a:solidFill>
-                  <a:srgbClr val="7030A0"/>
-                </a:solidFill>
-                <a:latin typeface="Cambria" panose="02040503050406030204" pitchFamily="18" charset="0"/>
-              </a:rPr>
-              <a:t>0</a:t>
-            </a:r>
-            <a:r>
-              <a:rPr lang="en-US" dirty="0"/>
-              <a:t> to </a:t>
-            </a:r>
-            <a:r>
-              <a:rPr lang="en-US" dirty="0">
-                <a:solidFill>
-                  <a:srgbClr val="7030A0"/>
-                </a:solidFill>
-                <a:latin typeface="Cambria" panose="02040503050406030204" pitchFamily="18" charset="0"/>
-              </a:rPr>
-              <a:t>n-2</a:t>
-            </a:r>
-          </a:p>
-          <a:p>
-            <a:pPr marL="914400" lvl="1" indent="-514350">
-              <a:buFont typeface="+mj-lt"/>
-              <a:buAutoNum type="arabicPeriod" startAt="2"/>
-            </a:pPr>
-            <a:r>
-              <a:rPr lang="en-US" dirty="0"/>
-              <a:t>Find </a:t>
-            </a:r>
-            <a:r>
-              <a:rPr lang="en-US" dirty="0" err="1">
-                <a:solidFill>
-                  <a:srgbClr val="7030A0"/>
-                </a:solidFill>
-                <a:latin typeface="Cambria" panose="02040503050406030204" pitchFamily="18" charset="0"/>
-              </a:rPr>
-              <a:t>index_of_min</a:t>
-            </a:r>
-            <a:r>
-              <a:rPr lang="en-US" dirty="0"/>
-              <a:t>, the index of the smallest element in the unsorted subarray </a:t>
-            </a:r>
-            <a:r>
-              <a:rPr lang="en-US" dirty="0">
-                <a:solidFill>
-                  <a:srgbClr val="7030A0"/>
-                </a:solidFill>
-                <a:latin typeface="Cambria" panose="02040503050406030204" pitchFamily="18" charset="0"/>
-              </a:rPr>
-              <a:t>list[fill]</a:t>
-            </a:r>
-            <a:r>
-              <a:rPr lang="en-US" dirty="0">
-                <a:solidFill>
-                  <a:srgbClr val="7030A0"/>
-                </a:solidFill>
-              </a:rPr>
-              <a:t> </a:t>
-            </a:r>
-            <a:r>
-              <a:rPr lang="en-US" dirty="0"/>
-              <a:t>through </a:t>
-            </a:r>
-            <a:r>
-              <a:rPr lang="en-US" dirty="0">
-                <a:solidFill>
-                  <a:srgbClr val="7030A0"/>
-                </a:solidFill>
-                <a:latin typeface="Cambria" panose="02040503050406030204" pitchFamily="18" charset="0"/>
-              </a:rPr>
-              <a:t>list[n-1]</a:t>
-            </a:r>
-          </a:p>
-          <a:p>
-            <a:pPr marL="914400" lvl="1" indent="-514350">
-              <a:buFont typeface="+mj-lt"/>
-              <a:buAutoNum type="arabicPeriod" startAt="2"/>
-            </a:pPr>
-            <a:r>
-              <a:rPr lang="en-US" dirty="0"/>
-              <a:t>if </a:t>
-            </a:r>
-            <a:r>
-              <a:rPr lang="en-US" dirty="0">
-                <a:solidFill>
-                  <a:srgbClr val="7030A0"/>
-                </a:solidFill>
-                <a:latin typeface="Cambria" panose="02040503050406030204" pitchFamily="18" charset="0"/>
-              </a:rPr>
-              <a:t>fill</a:t>
-            </a:r>
-            <a:r>
-              <a:rPr lang="en-US" dirty="0"/>
-              <a:t> is not the position of the smallest element (</a:t>
-            </a:r>
-            <a:r>
-              <a:rPr lang="en-US" dirty="0" err="1">
-                <a:solidFill>
-                  <a:srgbClr val="7030A0"/>
-                </a:solidFill>
-                <a:latin typeface="Cambria" panose="02040503050406030204" pitchFamily="18" charset="0"/>
-              </a:rPr>
-              <a:t>index_of_min</a:t>
-            </a:r>
-            <a:r>
-              <a:rPr lang="en-US" dirty="0"/>
-              <a:t>)</a:t>
-            </a:r>
-          </a:p>
-          <a:p>
-            <a:pPr marL="1314450" lvl="2" indent="-514350">
-              <a:buFont typeface="+mj-lt"/>
-              <a:buAutoNum type="arabicPeriod" startAt="4"/>
-            </a:pPr>
-            <a:r>
-              <a:rPr lang="en-US" dirty="0"/>
-              <a:t>Exchange the smallest element with the one at position </a:t>
-            </a:r>
-            <a:r>
-              <a:rPr lang="en-US" dirty="0">
-                <a:solidFill>
-                  <a:srgbClr val="7030A0"/>
-                </a:solidFill>
-                <a:latin typeface="Cambria" panose="02040503050406030204" pitchFamily="18" charset="0"/>
-              </a:rPr>
-              <a:t>fill</a:t>
-            </a:r>
-            <a:r>
-              <a:rPr lang="en-US" dirty="0"/>
-              <a:t>.</a:t>
-            </a:r>
-          </a:p>
-        </p:txBody>
-      </p:sp>
-      <p:sp>
-        <p:nvSpPr>
-          <p:cNvPr id="4" name="Footer Placeholder 3"/>
+          <p:cNvPr id="2" name="Footer Placeholder 1"/>
           <p:cNvSpPr>
             <a:spLocks noGrp="1"/>
           </p:cNvSpPr>
@@ -7209,7 +6963,7 @@
       </p:sp>
       <p:sp>
         <p:nvSpPr>
-          <p:cNvPr id="5" name="Slide Number Placeholder 4"/>
+          <p:cNvPr id="3" name="Slide Number Placeholder 2"/>
           <p:cNvSpPr>
             <a:spLocks noGrp="1"/>
           </p:cNvSpPr>
@@ -7225,81 +6979,6 @@
             <a:fld id="{85A8DA42-601D-40A8-83CA-2F2CBDE5F9F0}" type="slidenum">
               <a:rPr lang="en-US" smtClean="0"/>
               <a:t>28</a:t>
-            </a:fld>
-            <a:endParaRPr lang="en-US"/>
-          </a:p>
-        </p:txBody>
-      </p:sp>
-    </p:spTree>
-    <p:extLst>
-      <p:ext uri="{BB962C8B-B14F-4D97-AF65-F5344CB8AC3E}">
-        <p14:creationId xmlns:p14="http://schemas.microsoft.com/office/powerpoint/2010/main" val="1101985771"/>
-      </p:ext>
-    </p:extLst>
-  </p:cSld>
-  <p:clrMapOvr>
-    <a:masterClrMapping/>
-  </p:clrMapOvr>
-</p:sld>
-</file>
-
-<file path=ppt/slides/slide29.xml><?xml version="1.0" encoding="utf-8"?>
-<p:sld xmlns:a="http://schemas.openxmlformats.org/drawingml/2006/main" xmlns:r="http://schemas.openxmlformats.org/officeDocument/2006/relationships" xmlns:p="http://schemas.openxmlformats.org/presentationml/2006/main">
-  <p:cSld>
-    <p:spTree>
-      <p:nvGrpSpPr>
-        <p:cNvPr id="1" name=""/>
-        <p:cNvGrpSpPr/>
-        <p:nvPr/>
-      </p:nvGrpSpPr>
-      <p:grpSpPr>
-        <a:xfrm>
-          <a:off x="0" y="0"/>
-          <a:ext cx="0" cy="0"/>
-          <a:chOff x="0" y="0"/>
-          <a:chExt cx="0" cy="0"/>
-        </a:xfrm>
-      </p:grpSpPr>
-      <p:sp>
-        <p:nvSpPr>
-          <p:cNvPr id="2" name="Footer Placeholder 1"/>
-          <p:cNvSpPr>
-            <a:spLocks noGrp="1"/>
-          </p:cNvSpPr>
-          <p:nvPr>
-            <p:ph type="ftr" sz="quarter" idx="11"/>
-          </p:nvPr>
-        </p:nvSpPr>
-        <p:spPr/>
-        <p:txBody>
-          <a:bodyPr/>
-          <a:lstStyle/>
-          <a:p>
-            <a:r>
-              <a:rPr lang="en-US"/>
-              <a:t>© 2016 Pearson Education, Inc., Hoboken, NJ.  All rights reserved.</a:t>
-            </a:r>
-          </a:p>
-        </p:txBody>
-      </p:sp>
-      <p:sp>
-        <p:nvSpPr>
-          <p:cNvPr id="3" name="Slide Number Placeholder 2"/>
-          <p:cNvSpPr>
-            <a:spLocks noGrp="1"/>
-          </p:cNvSpPr>
-          <p:nvPr>
-            <p:ph type="sldNum" sz="quarter" idx="12"/>
-          </p:nvPr>
-        </p:nvSpPr>
-        <p:spPr/>
-        <p:txBody>
-          <a:bodyPr/>
-          <a:lstStyle/>
-          <a:p>
-            <a:fld id="{85A8DA42-601D-40A8-83CA-2F2CBDE5F9F0}" type="slidenum">
-              <a:rPr lang="en-US" smtClean="0"/>
-              <a:t>29</a:t>
             </a:fld>
             <a:endParaRPr lang="en-US"/>
           </a:p>
@@ -7372,6 +7051,139 @@
 </p:sld>
 </file>
 
+<file path=ppt/slides/slide29.xml><?xml version="1.0" encoding="utf-8"?>
+<p:sld xmlns:a="http://schemas.openxmlformats.org/drawingml/2006/main" xmlns:r="http://schemas.openxmlformats.org/officeDocument/2006/relationships" xmlns:p="http://schemas.openxmlformats.org/presentationml/2006/main">
+  <p:cSld>
+    <p:spTree>
+      <p:nvGrpSpPr>
+        <p:cNvPr id="1" name=""/>
+        <p:cNvGrpSpPr/>
+        <p:nvPr/>
+      </p:nvGrpSpPr>
+      <p:grpSpPr>
+        <a:xfrm>
+          <a:off x="0" y="0"/>
+          <a:ext cx="0" cy="0"/>
+          <a:chOff x="0" y="0"/>
+          <a:chExt cx="0" cy="0"/>
+        </a:xfrm>
+      </p:grpSpPr>
+      <p:sp>
+        <p:nvSpPr>
+          <p:cNvPr id="2" name="Title 1"/>
+          <p:cNvSpPr>
+            <a:spLocks noGrp="1"/>
+          </p:cNvSpPr>
+          <p:nvPr>
+            <p:ph type="title"/>
+          </p:nvPr>
+        </p:nvSpPr>
+        <p:spPr/>
+        <p:txBody>
+          <a:bodyPr/>
+          <a:lstStyle/>
+          <a:p>
+            <a:r>
+              <a:rPr lang="en-US" dirty="0"/>
+              <a:t>Wrap Up</a:t>
+            </a:r>
+          </a:p>
+        </p:txBody>
+      </p:sp>
+      <p:sp>
+        <p:nvSpPr>
+          <p:cNvPr id="3" name="Content Placeholder 2"/>
+          <p:cNvSpPr>
+            <a:spLocks noGrp="1"/>
+          </p:cNvSpPr>
+          <p:nvPr>
+            <p:ph idx="1"/>
+          </p:nvPr>
+        </p:nvSpPr>
+        <p:spPr/>
+        <p:txBody>
+          <a:bodyPr>
+            <a:normAutofit/>
+          </a:bodyPr>
+          <a:lstStyle/>
+          <a:p>
+            <a:r>
+              <a:rPr lang="en-US" dirty="0"/>
+              <a:t>A data structure is a grouping of related data items in memory.</a:t>
+            </a:r>
+          </a:p>
+          <a:p>
+            <a:endParaRPr lang="en-US" dirty="0"/>
+          </a:p>
+          <a:p>
+            <a:r>
+              <a:rPr lang="en-US" dirty="0"/>
+              <a:t>An array is a data structure used to store a collection of data items of the same type.</a:t>
+            </a:r>
+          </a:p>
+          <a:p>
+            <a:endParaRPr lang="en-US" dirty="0"/>
+          </a:p>
+        </p:txBody>
+      </p:sp>
+      <p:sp>
+        <p:nvSpPr>
+          <p:cNvPr id="4" name="Footer Placeholder 3"/>
+          <p:cNvSpPr>
+            <a:spLocks noGrp="1"/>
+          </p:cNvSpPr>
+          <p:nvPr>
+            <p:ph type="ftr" sz="quarter" idx="11"/>
+          </p:nvPr>
+        </p:nvSpPr>
+        <p:spPr/>
+        <p:txBody>
+          <a:bodyPr/>
+          <a:lstStyle/>
+          <a:p>
+            <a:r>
+              <a:rPr lang="en-US"/>
+              <a:t>© 2016 Pearson Education, Inc., Hoboken, NJ.  All rights reserved.</a:t>
+            </a:r>
+          </a:p>
+        </p:txBody>
+      </p:sp>
+      <p:sp>
+        <p:nvSpPr>
+          <p:cNvPr id="5" name="Slide Number Placeholder 4"/>
+          <p:cNvSpPr>
+            <a:spLocks noGrp="1"/>
+          </p:cNvSpPr>
+          <p:nvPr>
+            <p:ph type="sldNum" sz="quarter" idx="12"/>
+          </p:nvPr>
+        </p:nvSpPr>
+        <p:spPr/>
+        <p:txBody>
+          <a:bodyPr/>
+          <a:lstStyle/>
+          <a:p>
+            <a:fld id="{85A8DA42-601D-40A8-83CA-2F2CBDE5F9F0}" type="slidenum">
+              <a:rPr lang="en-US" smtClean="0"/>
+              <a:t>29</a:t>
+            </a:fld>
+            <a:endParaRPr lang="en-US"/>
+          </a:p>
+        </p:txBody>
+      </p:sp>
+    </p:spTree>
+    <p:extLst>
+      <p:ext uri="{BB962C8B-B14F-4D97-AF65-F5344CB8AC3E}">
+        <p14:creationId xmlns:p14="http://schemas.microsoft.com/office/powerpoint/2010/main" val="3142733257"/>
+      </p:ext>
+    </p:extLst>
+  </p:cSld>
+  <p:clrMapOvr>
+    <a:masterClrMapping/>
+  </p:clrMapOvr>
+</p:sld>
+</file>
+
 <file path=ppt/slides/slide3.xml><?xml version="1.0" encoding="utf-8"?>
 <p:sld xmlns:a="http://schemas.openxmlformats.org/drawingml/2006/main" xmlns:r="http://schemas.openxmlformats.org/officeDocument/2006/relationships" xmlns:p="http://schemas.openxmlformats.org/presentationml/2006/main">
   <p:cSld>
@@ -7424,25 +7236,43 @@
         <p:spPr/>
         <p:txBody>
           <a:bodyPr>
-            <a:normAutofit/>
+            <a:normAutofit fontScale="92500" lnSpcReduction="20000"/>
           </a:bodyPr>
           <a:lstStyle/>
           <a:p>
             <a:r>
               <a:rPr lang="en-US" dirty="0"/>
-              <a:t>To learn how to declare and use arrays for storing collections of values of the same type</a:t>
+              <a:t>To understand how to pass individual array elements and entire arrays through function arguments</a:t>
             </a:r>
           </a:p>
           <a:p>
             <a:r>
               <a:rPr lang="en-US" dirty="0"/>
-              <a:t>To understand how to use a subscript to reference the individual values in an array</a:t>
+              <a:t>To learn a method for searching an array</a:t>
             </a:r>
           </a:p>
           <a:p>
             <a:r>
               <a:rPr lang="en-US" dirty="0"/>
-              <a:t>To learn how to process the elements of an array in sequential order using loops</a:t>
+              <a:t>To learn a method for sorting an array</a:t>
+            </a:r>
+          </a:p>
+          <a:p>
+            <a:r>
+              <a:rPr lang="en-US" dirty="0"/>
+              <a:t>To learn how to use multidimensional arrays for storing tables of data</a:t>
+            </a:r>
+          </a:p>
+          <a:p>
+            <a:r>
+              <a:rPr lang="en-US" dirty="0"/>
+              <a:t>To understand the concept of parallel arrays</a:t>
+            </a:r>
+          </a:p>
+          <a:p>
+            <a:r>
+              <a:rPr lang="en-US" dirty="0"/>
+              <a:t>To learn how to declare and use your own data types</a:t>
             </a:r>
           </a:p>
         </p:txBody>
@@ -7495,140 +7325,7 @@
     </p:spTree>
     <p:extLst>
       <p:ext uri="{BB962C8B-B14F-4D97-AF65-F5344CB8AC3E}">
-        <p14:creationId xmlns:p14="http://schemas.microsoft.com/office/powerpoint/2010/main" val="2944743484"/>
-      </p:ext>
-    </p:extLst>
-  </p:cSld>
-  <p:clrMapOvr>
-    <a:masterClrMapping/>
-  </p:clrMapOvr>
-</p:sld>
-</file>
-
-<file path=ppt/slides/slide30.xml><?xml version="1.0" encoding="utf-8"?>
-<p:sld xmlns:a="http://schemas.openxmlformats.org/drawingml/2006/main" xmlns:r="http://schemas.openxmlformats.org/officeDocument/2006/relationships" xmlns:p="http://schemas.openxmlformats.org/presentationml/2006/main">
-  <p:cSld>
-    <p:spTree>
-      <p:nvGrpSpPr>
-        <p:cNvPr id="1" name=""/>
-        <p:cNvGrpSpPr/>
-        <p:nvPr/>
-      </p:nvGrpSpPr>
-      <p:grpSpPr>
-        <a:xfrm>
-          <a:off x="0" y="0"/>
-          <a:ext cx="0" cy="0"/>
-          <a:chOff x="0" y="0"/>
-          <a:chExt cx="0" cy="0"/>
-        </a:xfrm>
-      </p:grpSpPr>
-      <p:sp>
-        <p:nvSpPr>
-          <p:cNvPr id="2" name="Title 1"/>
-          <p:cNvSpPr>
-            <a:spLocks noGrp="1"/>
-          </p:cNvSpPr>
-          <p:nvPr>
-            <p:ph type="title"/>
-          </p:nvPr>
-        </p:nvSpPr>
-        <p:spPr/>
-        <p:txBody>
-          <a:bodyPr/>
-          <a:lstStyle/>
-          <a:p>
-            <a:r>
-              <a:rPr lang="en-US" dirty="0"/>
-              <a:t>Wrap Up</a:t>
-            </a:r>
-          </a:p>
-        </p:txBody>
-      </p:sp>
-      <p:sp>
-        <p:nvSpPr>
-          <p:cNvPr id="3" name="Content Placeholder 2"/>
-          <p:cNvSpPr>
-            <a:spLocks noGrp="1"/>
-          </p:cNvSpPr>
-          <p:nvPr>
-            <p:ph idx="1"/>
-          </p:nvPr>
-        </p:nvSpPr>
-        <p:spPr/>
-        <p:txBody>
-          <a:bodyPr>
-            <a:normAutofit/>
-          </a:bodyPr>
-          <a:lstStyle/>
-          <a:p>
-            <a:r>
-              <a:rPr lang="en-US" dirty="0"/>
-              <a:t>A data structure is a grouping of related data items in memory.</a:t>
-            </a:r>
-          </a:p>
-          <a:p>
-            <a:endParaRPr lang="en-US" dirty="0"/>
-          </a:p>
-          <a:p>
-            <a:r>
-              <a:rPr lang="en-US" dirty="0"/>
-              <a:t>An array is a data structure used to store a collection of data items of the same type.</a:t>
-            </a:r>
-          </a:p>
-          <a:p>
-            <a:endParaRPr lang="en-US" dirty="0"/>
-          </a:p>
-        </p:txBody>
-      </p:sp>
-      <p:sp>
-        <p:nvSpPr>
-          <p:cNvPr id="4" name="Footer Placeholder 3"/>
-          <p:cNvSpPr>
-            <a:spLocks noGrp="1"/>
-          </p:cNvSpPr>
-          <p:nvPr>
-            <p:ph type="ftr" sz="quarter" idx="11"/>
-          </p:nvPr>
-        </p:nvSpPr>
-        <p:spPr/>
-        <p:txBody>
-          <a:bodyPr/>
-          <a:lstStyle/>
-          <a:p>
-            <a:r>
-              <a:rPr lang="en-US"/>
-              <a:t>© 2016 Pearson Education, Inc., Hoboken, NJ.  All rights reserved.</a:t>
-            </a:r>
-          </a:p>
-        </p:txBody>
-      </p:sp>
-      <p:sp>
-        <p:nvSpPr>
-          <p:cNvPr id="5" name="Slide Number Placeholder 4"/>
-          <p:cNvSpPr>
-            <a:spLocks noGrp="1"/>
-          </p:cNvSpPr>
-          <p:nvPr>
-            <p:ph type="sldNum" sz="quarter" idx="12"/>
-          </p:nvPr>
-        </p:nvSpPr>
-        <p:spPr/>
-        <p:txBody>
-          <a:bodyPr/>
-          <a:lstStyle/>
-          <a:p>
-            <a:fld id="{85A8DA42-601D-40A8-83CA-2F2CBDE5F9F0}" type="slidenum">
-              <a:rPr lang="en-US" smtClean="0"/>
-              <a:t>30</a:t>
-            </a:fld>
-            <a:endParaRPr lang="en-US"/>
-          </a:p>
-        </p:txBody>
-      </p:sp>
-    </p:spTree>
-    <p:extLst>
-      <p:ext uri="{BB962C8B-B14F-4D97-AF65-F5344CB8AC3E}">
-        <p14:creationId xmlns:p14="http://schemas.microsoft.com/office/powerpoint/2010/main" val="3142733257"/>
+        <p14:creationId xmlns:p14="http://schemas.microsoft.com/office/powerpoint/2010/main" val="4092185238"/>
       </p:ext>
     </p:extLst>
   </p:cSld>
@@ -7672,7 +7369,7 @@
           <a:p>
             <a:r>
               <a:rPr lang="en-US" dirty="0"/>
-              <a:t>Chapter Objectives</a:t>
+              <a:t>Basic Terminology</a:t>
             </a:r>
           </a:p>
         </p:txBody>
@@ -7689,44 +7386,36 @@
         </p:nvSpPr>
         <p:spPr/>
         <p:txBody>
-          <a:bodyPr>
-            <a:normAutofit fontScale="92500" lnSpcReduction="20000"/>
-          </a:bodyPr>
+          <a:bodyPr/>
           <a:lstStyle/>
           <a:p>
             <a:r>
               <a:rPr lang="en-US" dirty="0"/>
-              <a:t>To understand how to pass individual array elements and entire arrays through function arguments</a:t>
-            </a:r>
-          </a:p>
-          <a:p>
+              <a:t>data structure</a:t>
+            </a:r>
+          </a:p>
+          <a:p>
+            <a:pPr lvl="1"/>
             <a:r>
               <a:rPr lang="en-US" dirty="0"/>
-              <a:t>To learn a method for searching an array</a:t>
-            </a:r>
+              <a:t>a composite of related data items stored under the same name</a:t>
+            </a:r>
+          </a:p>
+          <a:p>
+            <a:pPr lvl="1"/>
+            <a:endParaRPr lang="en-US" dirty="0"/>
           </a:p>
           <a:p>
             <a:r>
               <a:rPr lang="en-US" dirty="0"/>
-              <a:t>To learn a method for sorting an array</a:t>
-            </a:r>
-          </a:p>
-          <a:p>
+              <a:t>array</a:t>
+            </a:r>
+          </a:p>
+          <a:p>
+            <a:pPr lvl="1"/>
             <a:r>
               <a:rPr lang="en-US" dirty="0"/>
-              <a:t>To learn how to use multidimensional arrays for storing tables of data</a:t>
-            </a:r>
-          </a:p>
-          <a:p>
-            <a:r>
-              <a:rPr lang="en-US" dirty="0"/>
-              <a:t>To understand the concept of parallel arrays</a:t>
-            </a:r>
-          </a:p>
-          <a:p>
-            <a:r>
-              <a:rPr lang="en-US" dirty="0"/>
-              <a:t>To learn how to declare and use your own data types</a:t>
+              <a:t>a collection of data items of the same type</a:t>
             </a:r>
           </a:p>
         </p:txBody>
@@ -7779,7 +7468,7 @@
     </p:spTree>
     <p:extLst>
       <p:ext uri="{BB962C8B-B14F-4D97-AF65-F5344CB8AC3E}">
-        <p14:creationId xmlns:p14="http://schemas.microsoft.com/office/powerpoint/2010/main" val="4092185238"/>
+        <p14:creationId xmlns:p14="http://schemas.microsoft.com/office/powerpoint/2010/main" val="57200644"/>
       </p:ext>
     </p:extLst>
   </p:cSld>
@@ -7823,7 +7512,7 @@
           <a:p>
             <a:r>
               <a:rPr lang="en-US" dirty="0"/>
-              <a:t>Basic Terminology</a:t>
+              <a:t>Declaring and Referencing Arrays</a:t>
             </a:r>
           </a:p>
         </p:txBody>
@@ -7840,36 +7529,47 @@
         </p:nvSpPr>
         <p:spPr/>
         <p:txBody>
-          <a:bodyPr/>
+          <a:bodyPr>
+            <a:normAutofit lnSpcReduction="10000"/>
+          </a:bodyPr>
           <a:lstStyle/>
           <a:p>
             <a:r>
               <a:rPr lang="en-US" dirty="0"/>
-              <a:t>data structure</a:t>
+              <a:t>array element</a:t>
             </a:r>
           </a:p>
           <a:p>
             <a:pPr lvl="1"/>
             <a:r>
               <a:rPr lang="en-US" dirty="0"/>
-              <a:t>a composite of related data items stored under the same name</a:t>
+              <a:t>a data item that is part of an array</a:t>
+            </a:r>
+          </a:p>
+          <a:p>
+            <a:r>
+              <a:rPr lang="en-US" dirty="0"/>
+              <a:t>subscripted variable</a:t>
             </a:r>
           </a:p>
           <a:p>
             <a:pPr lvl="1"/>
-            <a:endParaRPr lang="en-US" dirty="0"/>
-          </a:p>
-          <a:p>
             <a:r>
               <a:rPr lang="en-US" dirty="0"/>
-              <a:t>array</a:t>
+              <a:t>a variable followed by a subscript in brackets, designating an array element</a:t>
+            </a:r>
+          </a:p>
+          <a:p>
+            <a:r>
+              <a:rPr lang="en-US" dirty="0"/>
+              <a:t>array subscript</a:t>
             </a:r>
           </a:p>
           <a:p>
             <a:pPr lvl="1"/>
             <a:r>
               <a:rPr lang="en-US" dirty="0"/>
-              <a:t>a collection of data items of the same type</a:t>
+              <a:t>a value or expression enclosed in brackets after the array name, specifying which array element to access</a:t>
             </a:r>
           </a:p>
         </p:txBody>
@@ -7922,7 +7622,7 @@
     </p:spTree>
     <p:extLst>
       <p:ext uri="{BB962C8B-B14F-4D97-AF65-F5344CB8AC3E}">
-        <p14:creationId xmlns:p14="http://schemas.microsoft.com/office/powerpoint/2010/main" val="57200644"/>
+        <p14:creationId xmlns:p14="http://schemas.microsoft.com/office/powerpoint/2010/main" val="3723552881"/>
       </p:ext>
     </p:extLst>
   </p:cSld>
@@ -7951,86 +7651,7 @@
       </p:grpSpPr>
       <p:sp>
         <p:nvSpPr>
-          <p:cNvPr id="2" name="Title 1"/>
-          <p:cNvSpPr>
-            <a:spLocks noGrp="1"/>
-          </p:cNvSpPr>
-          <p:nvPr>
-            <p:ph type="title"/>
-          </p:nvPr>
-        </p:nvSpPr>
-        <p:spPr/>
-        <p:txBody>
-          <a:bodyPr/>
-          <a:lstStyle/>
-          <a:p>
-            <a:r>
-              <a:rPr lang="en-US" dirty="0"/>
-              <a:t>Declaring and Referencing Arrays</a:t>
-            </a:r>
-          </a:p>
-        </p:txBody>
-      </p:sp>
-      <p:sp>
-        <p:nvSpPr>
-          <p:cNvPr id="3" name="Content Placeholder 2"/>
-          <p:cNvSpPr>
-            <a:spLocks noGrp="1"/>
-          </p:cNvSpPr>
-          <p:nvPr>
-            <p:ph idx="1"/>
-          </p:nvPr>
-        </p:nvSpPr>
-        <p:spPr/>
-        <p:txBody>
-          <a:bodyPr>
-            <a:normAutofit lnSpcReduction="10000"/>
-          </a:bodyPr>
-          <a:lstStyle/>
-          <a:p>
-            <a:r>
-              <a:rPr lang="en-US" dirty="0"/>
-              <a:t>array element</a:t>
-            </a:r>
-          </a:p>
-          <a:p>
-            <a:pPr lvl="1"/>
-            <a:r>
-              <a:rPr lang="en-US" dirty="0"/>
-              <a:t>a data item that is part of an array</a:t>
-            </a:r>
-          </a:p>
-          <a:p>
-            <a:r>
-              <a:rPr lang="en-US" dirty="0"/>
-              <a:t>subscripted variable</a:t>
-            </a:r>
-          </a:p>
-          <a:p>
-            <a:pPr lvl="1"/>
-            <a:r>
-              <a:rPr lang="en-US" dirty="0"/>
-              <a:t>a variable followed by a subscript in brackets, designating an array element</a:t>
-            </a:r>
-          </a:p>
-          <a:p>
-            <a:r>
-              <a:rPr lang="en-US" dirty="0"/>
-              <a:t>array subscript</a:t>
-            </a:r>
-          </a:p>
-          <a:p>
-            <a:pPr lvl="1"/>
-            <a:r>
-              <a:rPr lang="en-US" dirty="0"/>
-              <a:t>a value or expression enclosed in brackets after the array name, specifying which array element to access</a:t>
-            </a:r>
-          </a:p>
-        </p:txBody>
-      </p:sp>
-      <p:sp>
-        <p:nvSpPr>
-          <p:cNvPr id="4" name="Footer Placeholder 3"/>
+          <p:cNvPr id="2" name="Footer Placeholder 1"/>
           <p:cNvSpPr>
             <a:spLocks noGrp="1"/>
           </p:cNvSpPr>
@@ -8052,7 +7673,7 @@
       </p:sp>
       <p:sp>
         <p:nvSpPr>
-          <p:cNvPr id="5" name="Slide Number Placeholder 4"/>
+          <p:cNvPr id="3" name="Slide Number Placeholder 2"/>
           <p:cNvSpPr>
             <a:spLocks noGrp="1"/>
           </p:cNvSpPr>
@@ -8068,81 +7689,6 @@
             <a:fld id="{85A8DA42-601D-40A8-83CA-2F2CBDE5F9F0}" type="slidenum">
               <a:rPr lang="en-US" smtClean="0"/>
               <a:t>6</a:t>
-            </a:fld>
-            <a:endParaRPr lang="en-US"/>
-          </a:p>
-        </p:txBody>
-      </p:sp>
-    </p:spTree>
-    <p:extLst>
-      <p:ext uri="{BB962C8B-B14F-4D97-AF65-F5344CB8AC3E}">
-        <p14:creationId xmlns:p14="http://schemas.microsoft.com/office/powerpoint/2010/main" val="3723552881"/>
-      </p:ext>
-    </p:extLst>
-  </p:cSld>
-  <p:clrMapOvr>
-    <a:masterClrMapping/>
-  </p:clrMapOvr>
-</p:sld>
-</file>
-
-<file path=ppt/slides/slide7.xml><?xml version="1.0" encoding="utf-8"?>
-<p:sld xmlns:a="http://schemas.openxmlformats.org/drawingml/2006/main" xmlns:r="http://schemas.openxmlformats.org/officeDocument/2006/relationships" xmlns:p="http://schemas.openxmlformats.org/presentationml/2006/main">
-  <p:cSld>
-    <p:spTree>
-      <p:nvGrpSpPr>
-        <p:cNvPr id="1" name=""/>
-        <p:cNvGrpSpPr/>
-        <p:nvPr/>
-      </p:nvGrpSpPr>
-      <p:grpSpPr>
-        <a:xfrm>
-          <a:off x="0" y="0"/>
-          <a:ext cx="0" cy="0"/>
-          <a:chOff x="0" y="0"/>
-          <a:chExt cx="0" cy="0"/>
-        </a:xfrm>
-      </p:grpSpPr>
-      <p:sp>
-        <p:nvSpPr>
-          <p:cNvPr id="2" name="Footer Placeholder 1"/>
-          <p:cNvSpPr>
-            <a:spLocks noGrp="1"/>
-          </p:cNvSpPr>
-          <p:nvPr>
-            <p:ph type="ftr" sz="quarter" idx="11"/>
-          </p:nvPr>
-        </p:nvSpPr>
-        <p:spPr/>
-        <p:txBody>
-          <a:bodyPr/>
-          <a:lstStyle/>
-          <a:p>
-            <a:r>
-              <a:rPr lang="en-US"/>
-              <a:t>© 2016 Pearson Education, Inc., Hoboken, NJ.  All rights reserved.</a:t>
-            </a:r>
-          </a:p>
-        </p:txBody>
-      </p:sp>
-      <p:sp>
-        <p:nvSpPr>
-          <p:cNvPr id="3" name="Slide Number Placeholder 2"/>
-          <p:cNvSpPr>
-            <a:spLocks noGrp="1"/>
-          </p:cNvSpPr>
-          <p:nvPr>
-            <p:ph type="sldNum" sz="quarter" idx="12"/>
-          </p:nvPr>
-        </p:nvSpPr>
-        <p:spPr/>
-        <p:txBody>
-          <a:bodyPr/>
-          <a:lstStyle/>
-          <a:p>
-            <a:fld id="{85A8DA42-601D-40A8-83CA-2F2CBDE5F9F0}" type="slidenum">
-              <a:rPr lang="en-US" smtClean="0"/>
-              <a:t>7</a:t>
             </a:fld>
             <a:endParaRPr lang="en-US"/>
           </a:p>
@@ -8215,7 +7761,7 @@
 </p:sld>
 </file>
 
-<file path=ppt/slides/slide8.xml><?xml version="1.0" encoding="utf-8"?>
+<file path=ppt/slides/slide7.xml><?xml version="1.0" encoding="utf-8"?>
 <p:sld xmlns:a="http://schemas.openxmlformats.org/drawingml/2006/main" xmlns:r="http://schemas.openxmlformats.org/officeDocument/2006/relationships" xmlns:p="http://schemas.openxmlformats.org/presentationml/2006/main">
   <p:cSld>
     <p:spTree>
@@ -8271,7 +7817,7 @@
           <a:p>
             <a:fld id="{85A8DA42-601D-40A8-83CA-2F2CBDE5F9F0}" type="slidenum">
               <a:rPr lang="en-US" smtClean="0"/>
-              <a:t>8</a:t>
+              <a:t>7</a:t>
             </a:fld>
             <a:endParaRPr lang="en-US"/>
           </a:p>
@@ -8344,6 +7890,160 @@
 </p:sld>
 </file>
 
+<file path=ppt/slides/slide8.xml><?xml version="1.0" encoding="utf-8"?>
+<p:sld xmlns:a="http://schemas.openxmlformats.org/drawingml/2006/main" xmlns:r="http://schemas.openxmlformats.org/officeDocument/2006/relationships" xmlns:p="http://schemas.openxmlformats.org/presentationml/2006/main">
+  <p:cSld>
+    <p:spTree>
+      <p:nvGrpSpPr>
+        <p:cNvPr id="1" name=""/>
+        <p:cNvGrpSpPr/>
+        <p:nvPr/>
+      </p:nvGrpSpPr>
+      <p:grpSpPr>
+        <a:xfrm>
+          <a:off x="0" y="0"/>
+          <a:ext cx="0" cy="0"/>
+          <a:chOff x="0" y="0"/>
+          <a:chExt cx="0" cy="0"/>
+        </a:xfrm>
+      </p:grpSpPr>
+      <p:sp>
+        <p:nvSpPr>
+          <p:cNvPr id="2" name="Title 1"/>
+          <p:cNvSpPr>
+            <a:spLocks noGrp="1"/>
+          </p:cNvSpPr>
+          <p:nvPr>
+            <p:ph type="title"/>
+          </p:nvPr>
+        </p:nvSpPr>
+        <p:spPr/>
+        <p:txBody>
+          <a:bodyPr/>
+          <a:lstStyle/>
+          <a:p>
+            <a:r>
+              <a:rPr lang="en-US" dirty="0"/>
+              <a:t>Array Initialization</a:t>
+            </a:r>
+          </a:p>
+        </p:txBody>
+      </p:sp>
+      <p:sp>
+        <p:nvSpPr>
+          <p:cNvPr id="3" name="Content Placeholder 2"/>
+          <p:cNvSpPr>
+            <a:spLocks noGrp="1"/>
+          </p:cNvSpPr>
+          <p:nvPr>
+            <p:ph idx="1"/>
+          </p:nvPr>
+        </p:nvSpPr>
+        <p:spPr/>
+        <p:txBody>
+          <a:bodyPr/>
+          <a:lstStyle/>
+          <a:p>
+            <a:pPr marL="0" indent="0">
+              <a:buNone/>
+            </a:pPr>
+            <a:r>
+              <a:rPr lang="en-US" dirty="0"/>
+              <a:t>int prime_lt_100[] = {2, 3, 5, 7, 11, 13, 17, 19,</a:t>
+            </a:r>
+          </a:p>
+          <a:p>
+            <a:pPr marL="0" indent="0">
+              <a:buNone/>
+            </a:pPr>
+            <a:r>
+              <a:rPr lang="en-US" dirty="0"/>
+              <a:t>		23, 29, 31, 37, 41, 43, 47, 53, 59, 61, 		67, 71, 73, 79, 83, 89, 97}</a:t>
+            </a:r>
+          </a:p>
+          <a:p>
+            <a:pPr marL="0" indent="0">
+              <a:buNone/>
+            </a:pPr>
+            <a:endParaRPr lang="en-US" dirty="0"/>
+          </a:p>
+          <a:p>
+            <a:pPr marL="0" indent="0">
+              <a:buNone/>
+            </a:pPr>
+            <a:r>
+              <a:rPr lang="en-US" dirty="0"/>
+              <a:t>char vowels[] = {‘a’, ‘e’, ‘</a:t>
+            </a:r>
+            <a:r>
+              <a:rPr lang="en-US" dirty="0" err="1"/>
+              <a:t>i</a:t>
+            </a:r>
+            <a:r>
+              <a:rPr lang="en-US" dirty="0"/>
+              <a:t>’, ‘o’, ‘u’, ‘y’}</a:t>
+            </a:r>
+          </a:p>
+        </p:txBody>
+      </p:sp>
+      <p:sp>
+        <p:nvSpPr>
+          <p:cNvPr id="4" name="Footer Placeholder 3"/>
+          <p:cNvSpPr>
+            <a:spLocks noGrp="1"/>
+          </p:cNvSpPr>
+          <p:nvPr>
+            <p:ph type="ftr" sz="quarter" idx="11"/>
+          </p:nvPr>
+        </p:nvSpPr>
+        <p:spPr/>
+        <p:txBody>
+          <a:bodyPr/>
+          <a:lstStyle/>
+          <a:p>
+            <a:r>
+              <a:rPr lang="en-US"/>
+              <a:t>© 2016 Pearson Education, Inc., Hoboken, NJ.  All rights reserved.</a:t>
+            </a:r>
+          </a:p>
+        </p:txBody>
+      </p:sp>
+      <p:sp>
+        <p:nvSpPr>
+          <p:cNvPr id="5" name="Slide Number Placeholder 4"/>
+          <p:cNvSpPr>
+            <a:spLocks noGrp="1"/>
+          </p:cNvSpPr>
+          <p:nvPr>
+            <p:ph type="sldNum" sz="quarter" idx="12"/>
+          </p:nvPr>
+        </p:nvSpPr>
+        <p:spPr/>
+        <p:txBody>
+          <a:bodyPr/>
+          <a:lstStyle/>
+          <a:p>
+            <a:fld id="{85A8DA42-601D-40A8-83CA-2F2CBDE5F9F0}" type="slidenum">
+              <a:rPr lang="en-US" smtClean="0"/>
+              <a:t>8</a:t>
+            </a:fld>
+            <a:endParaRPr lang="en-US"/>
+          </a:p>
+        </p:txBody>
+      </p:sp>
+    </p:spTree>
+    <p:extLst>
+      <p:ext uri="{BB962C8B-B14F-4D97-AF65-F5344CB8AC3E}">
+        <p14:creationId xmlns:p14="http://schemas.microsoft.com/office/powerpoint/2010/main" val="2067321751"/>
+      </p:ext>
+    </p:extLst>
+  </p:cSld>
+  <p:clrMapOvr>
+    <a:masterClrMapping/>
+  </p:clrMapOvr>
+</p:sld>
+</file>
+
 <file path=ppt/slides/slide9.xml><?xml version="1.0" encoding="utf-8"?>
 <p:sld xmlns:a="http://schemas.openxmlformats.org/drawingml/2006/main" xmlns:r="http://schemas.openxmlformats.org/officeDocument/2006/relationships" xmlns:p="http://schemas.openxmlformats.org/presentationml/2006/main">
   <p:cSld>
@@ -8378,14 +8078,14 @@
           <a:p>
             <a:r>
               <a:rPr lang="en-US" dirty="0"/>
-              <a:t>Array Initialization</a:t>
-            </a:r>
-          </a:p>
-        </p:txBody>
-      </p:sp>
-      <p:sp>
-        <p:nvSpPr>
-          <p:cNvPr id="3" name="Content Placeholder 2"/>
+              <a:t>Array Subscripts</a:t>
+            </a:r>
+          </a:p>
+        </p:txBody>
+      </p:sp>
+      <p:sp>
+        <p:nvSpPr>
+          <p:cNvPr id="5" name="Content Placeholder 4"/>
           <p:cNvSpPr>
             <a:spLocks noGrp="1"/>
           </p:cNvSpPr>
@@ -8393,56 +8093,94 @@
             <p:ph idx="1"/>
           </p:nvPr>
         </p:nvSpPr>
-        <p:spPr/>
-        <p:txBody>
-          <a:bodyPr/>
-          <a:lstStyle/>
+        <p:spPr>
+          <a:xfrm>
+            <a:off x="457200" y="1371600"/>
+            <a:ext cx="8229600" cy="3276600"/>
+          </a:xfrm>
+        </p:spPr>
+        <p:txBody>
+          <a:bodyPr>
+            <a:normAutofit/>
+          </a:bodyPr>
+          <a:lstStyle/>
+          <a:p>
+            <a:r>
+              <a:rPr lang="en-US" sz="2800" dirty="0"/>
+              <a:t>Syntax:</a:t>
+            </a:r>
+            <a:br>
+              <a:rPr lang="en-US" sz="2800" dirty="0"/>
+            </a:br>
+            <a:r>
+              <a:rPr lang="en-US" sz="2800" dirty="0"/>
+              <a:t> 		</a:t>
+            </a:r>
+            <a:r>
+              <a:rPr lang="en-US" sz="2800" i="1" dirty="0" err="1"/>
+              <a:t>aname</a:t>
+            </a:r>
+            <a:r>
+              <a:rPr lang="en-US" sz="2800" i="1" dirty="0"/>
+              <a:t> [subscript]</a:t>
+            </a:r>
+            <a:endParaRPr lang="en-US" sz="2800" dirty="0"/>
+          </a:p>
+          <a:p>
+            <a:r>
+              <a:rPr lang="en-US" sz="2800" dirty="0"/>
+              <a:t>Examples:</a:t>
+            </a:r>
+            <a:br>
+              <a:rPr lang="en-US" sz="2800" dirty="0"/>
+            </a:br>
+            <a:r>
+              <a:rPr lang="en-US" sz="2800" dirty="0"/>
+              <a:t>		</a:t>
+            </a:r>
+            <a:r>
+              <a:rPr lang="en-US" sz="2800" dirty="0">
+                <a:solidFill>
+                  <a:srgbClr val="7030A0"/>
+                </a:solidFill>
+              </a:rPr>
+              <a:t>x[3]</a:t>
+            </a:r>
+          </a:p>
           <a:p>
             <a:pPr marL="0" indent="0">
               <a:buNone/>
             </a:pPr>
             <a:r>
-              <a:rPr lang="en-US" dirty="0"/>
-              <a:t>int prime_lt_100[] = {2, 3, 5, 7, 11, 13, 17, 19,</a:t>
-            </a:r>
-          </a:p>
-          <a:p>
-            <a:pPr marL="0" indent="0">
-              <a:buNone/>
-            </a:pPr>
-            <a:r>
-              <a:rPr lang="en-US" dirty="0"/>
-              <a:t>		23, 29, 31, 37, 41, 43, 47, 53, 59, 61, 		67, 71, 73, 79, 83, 89, 97}</a:t>
-            </a:r>
-          </a:p>
-          <a:p>
-            <a:pPr marL="0" indent="0">
-              <a:buNone/>
-            </a:pPr>
-            <a:endParaRPr lang="en-US" dirty="0"/>
-          </a:p>
-          <a:p>
-            <a:pPr marL="0" indent="0">
-              <a:buNone/>
-            </a:pPr>
-            <a:r>
-              <a:rPr lang="en-US" dirty="0"/>
-              <a:t>char vowels[] = {‘a’, ‘e’, ‘</a:t>
-            </a:r>
-            <a:r>
-              <a:rPr lang="en-US" dirty="0" err="1"/>
+              <a:rPr lang="en-US" sz="2800" dirty="0">
+                <a:solidFill>
+                  <a:srgbClr val="7030A0"/>
+                </a:solidFill>
+              </a:rPr>
+              <a:t>		x[</a:t>
+            </a:r>
+            <a:r>
+              <a:rPr lang="en-US" sz="2800" dirty="0" err="1">
+                <a:solidFill>
+                  <a:srgbClr val="7030A0"/>
+                </a:solidFill>
+              </a:rPr>
               <a:t>i</a:t>
             </a:r>
             <a:r>
-              <a:rPr lang="en-US" dirty="0"/>
-              <a:t>’, ‘o’, ‘u’, ‘y’}</a:t>
-            </a:r>
-          </a:p>
-        </p:txBody>
-      </p:sp>
-      <p:sp>
-        <p:nvSpPr>
-          <p:cNvPr id="4" name="Footer Placeholder 3"/>
+              <a:rPr lang="en-US" sz="2800" dirty="0">
+                <a:solidFill>
+                  <a:srgbClr val="7030A0"/>
+                </a:solidFill>
+              </a:rPr>
+              <a:t> + 1]</a:t>
+            </a:r>
+          </a:p>
+        </p:txBody>
+      </p:sp>
+      <p:sp>
+        <p:nvSpPr>
+          <p:cNvPr id="3" name="Footer Placeholder 2"/>
           <p:cNvSpPr>
             <a:spLocks noGrp="1"/>
           </p:cNvSpPr>
@@ -8464,7 +8202,7 @@
       </p:sp>
       <p:sp>
         <p:nvSpPr>
-          <p:cNvPr id="5" name="Slide Number Placeholder 4"/>
+          <p:cNvPr id="4" name="Slide Number Placeholder 3"/>
           <p:cNvSpPr>
             <a:spLocks noGrp="1"/>
           </p:cNvSpPr>
@@ -8485,10 +8223,64 @@
           </a:p>
         </p:txBody>
       </p:sp>
+      <p:pic>
+        <p:nvPicPr>
+          <p:cNvPr id="4098" name="Picture 2"/>
+          <p:cNvPicPr>
+            <a:picLocks noChangeAspect="1" noChangeArrowheads="1"/>
+          </p:cNvPicPr>
+          <p:nvPr/>
+        </p:nvPicPr>
+        <p:blipFill>
+          <a:blip r:embed="rId2">
+            <a:extLst>
+              <a:ext uri="{28A0092B-C50C-407E-A947-70E740481C1C}">
+                <a14:useLocalDpi xmlns:a14="http://schemas.microsoft.com/office/drawing/2010/main" val="0"/>
+              </a:ext>
+            </a:extLst>
+          </a:blip>
+          <a:srcRect/>
+          <a:stretch>
+            <a:fillRect/>
+          </a:stretch>
+        </p:blipFill>
+        <p:spPr bwMode="auto">
+          <a:xfrm>
+            <a:off x="1290711" y="3886200"/>
+            <a:ext cx="6062100" cy="1590675"/>
+          </a:xfrm>
+          <a:prstGeom prst="rect">
+            <a:avLst/>
+          </a:prstGeom>
+          <a:noFill/>
+          <a:ln>
+            <a:noFill/>
+          </a:ln>
+          <a:extLst>
+            <a:ext uri="{909E8E84-426E-40DD-AFC4-6F175D3DCCD1}">
+              <a14:hiddenFill xmlns:a14="http://schemas.microsoft.com/office/drawing/2010/main">
+                <a:solidFill>
+                  <a:schemeClr val="accent1"/>
+                </a:solidFill>
+              </a14:hiddenFill>
+            </a:ext>
+            <a:ext uri="{91240B29-F687-4F45-9708-019B960494DF}">
+              <a14:hiddenLine xmlns:a14="http://schemas.microsoft.com/office/drawing/2010/main" w="9525">
+                <a:solidFill>
+                  <a:schemeClr val="tx1"/>
+                </a:solidFill>
+                <a:miter lim="800000"/>
+                <a:headEnd/>
+                <a:tailEnd/>
+              </a14:hiddenLine>
+            </a:ext>
+          </a:extLst>
+        </p:spPr>
+      </p:pic>
     </p:spTree>
     <p:extLst>
       <p:ext uri="{BB962C8B-B14F-4D97-AF65-F5344CB8AC3E}">
-        <p14:creationId xmlns:p14="http://schemas.microsoft.com/office/powerpoint/2010/main" val="2067321751"/>
+        <p14:creationId xmlns:p14="http://schemas.microsoft.com/office/powerpoint/2010/main" val="2727173568"/>
       </p:ext>
     </p:extLst>
   </p:cSld>

--- a/_teaching/csci112-fall-2023/lectures/ppts/Chapter7.pptx
+++ b/_teaching/csci112-fall-2023/lectures/ppts/Chapter7.pptx
@@ -14,11 +14,11 @@
     <p:sldId id="271" r:id="rId5"/>
     <p:sldId id="272" r:id="rId6"/>
     <p:sldId id="273" r:id="rId7"/>
-    <p:sldId id="274" r:id="rId8"/>
-    <p:sldId id="275" r:id="rId9"/>
-    <p:sldId id="277" r:id="rId10"/>
-    <p:sldId id="327" r:id="rId11"/>
-    <p:sldId id="279" r:id="rId12"/>
+    <p:sldId id="275" r:id="rId8"/>
+    <p:sldId id="279" r:id="rId9"/>
+    <p:sldId id="274" r:id="rId10"/>
+    <p:sldId id="277" r:id="rId11"/>
+    <p:sldId id="327" r:id="rId12"/>
     <p:sldId id="328" r:id="rId13"/>
     <p:sldId id="295" r:id="rId14"/>
     <p:sldId id="314" r:id="rId15"/>
@@ -236,7 +236,7 @@
           <a:p>
             <a:fld id="{E98CB7A6-F9BD-49C3-9ECF-4DAF095CBB1C}" type="datetimeFigureOut">
               <a:rPr lang="en-US" smtClean="0"/>
-              <a:t>9/20/23</a:t>
+              <a:t>9/21/23</a:t>
             </a:fld>
             <a:endParaRPr lang="en-US"/>
           </a:p>
@@ -682,7 +682,7 @@
           <a:p>
             <a:fld id="{E3D5AC34-6369-47AD-9227-C94D863A9CC0}" type="datetime1">
               <a:rPr lang="en-US" smtClean="0"/>
-              <a:t>9/20/23</a:t>
+              <a:t>9/21/23</a:t>
             </a:fld>
             <a:endParaRPr lang="en-US"/>
           </a:p>
@@ -853,7 +853,7 @@
           <a:p>
             <a:fld id="{072AE9C9-84B0-4CCC-8BB5-D31EF955DABF}" type="datetime1">
               <a:rPr lang="en-US" smtClean="0"/>
-              <a:t>9/20/23</a:t>
+              <a:t>9/21/23</a:t>
             </a:fld>
             <a:endParaRPr lang="en-US"/>
           </a:p>
@@ -1034,7 +1034,7 @@
           <a:p>
             <a:fld id="{418459C9-6810-46A7-8E27-73A52524CA34}" type="datetime1">
               <a:rPr lang="en-US" smtClean="0"/>
-              <a:t>9/20/23</a:t>
+              <a:t>9/21/23</a:t>
             </a:fld>
             <a:endParaRPr lang="en-US"/>
           </a:p>
@@ -1205,7 +1205,7 @@
           <a:p>
             <a:fld id="{F7BCA306-D31B-4E3C-AD40-EA3294957AA6}" type="datetime1">
               <a:rPr lang="en-US" smtClean="0"/>
-              <a:t>9/20/23</a:t>
+              <a:t>9/21/23</a:t>
             </a:fld>
             <a:endParaRPr lang="en-US"/>
           </a:p>
@@ -1453,7 +1453,7 @@
           <a:p>
             <a:fld id="{5C41660C-86E2-43CF-B22A-29E62815AB7D}" type="datetime1">
               <a:rPr lang="en-US" smtClean="0"/>
-              <a:t>9/20/23</a:t>
+              <a:t>9/21/23</a:t>
             </a:fld>
             <a:endParaRPr lang="en-US"/>
           </a:p>
@@ -1741,7 +1741,7 @@
           <a:p>
             <a:fld id="{94543629-6BC7-4BF9-A2A1-981038F36C55}" type="datetime1">
               <a:rPr lang="en-US" smtClean="0"/>
-              <a:t>9/20/23</a:t>
+              <a:t>9/21/23</a:t>
             </a:fld>
             <a:endParaRPr lang="en-US"/>
           </a:p>
@@ -2163,7 +2163,7 @@
           <a:p>
             <a:fld id="{EB5B99CF-F104-4BC6-A098-3ABC219C8A7D}" type="datetime1">
               <a:rPr lang="en-US" smtClean="0"/>
-              <a:t>9/20/23</a:t>
+              <a:t>9/21/23</a:t>
             </a:fld>
             <a:endParaRPr lang="en-US"/>
           </a:p>
@@ -2283,7 +2283,7 @@
           <a:p>
             <a:fld id="{C07800F5-980D-47D4-9F20-E5F458E76937}" type="datetime1">
               <a:rPr lang="en-US" smtClean="0"/>
-              <a:t>9/20/23</a:t>
+              <a:t>9/21/23</a:t>
             </a:fld>
             <a:endParaRPr lang="en-US"/>
           </a:p>
@@ -2381,7 +2381,7 @@
           <a:p>
             <a:fld id="{913B0C59-39A1-4E7B-8276-56A7060F0A3E}" type="datetime1">
               <a:rPr lang="en-US" smtClean="0"/>
-              <a:t>9/20/23</a:t>
+              <a:t>9/21/23</a:t>
             </a:fld>
             <a:endParaRPr lang="en-US"/>
           </a:p>
@@ -2659,7 +2659,7 @@
           <a:p>
             <a:fld id="{C453B8A8-F829-4B10-8A5D-952BBAE5F11B}" type="datetime1">
               <a:rPr lang="en-US" smtClean="0"/>
-              <a:t>9/20/23</a:t>
+              <a:t>9/21/23</a:t>
             </a:fld>
             <a:endParaRPr lang="en-US"/>
           </a:p>
@@ -2914,7 +2914,7 @@
           <a:p>
             <a:fld id="{805C8FAD-01C2-4C81-8B26-770D72A95E71}" type="datetime1">
               <a:rPr lang="en-US" smtClean="0"/>
-              <a:t>9/20/23</a:t>
+              <a:t>9/21/23</a:t>
             </a:fld>
             <a:endParaRPr lang="en-US"/>
           </a:p>
@@ -3128,7 +3128,7 @@
           <a:p>
             <a:fld id="{3E62D69C-6875-48F7-B20D-CB317DFF406B}" type="datetime1">
               <a:rPr lang="en-US" smtClean="0"/>
-              <a:t>9/20/23</a:t>
+              <a:t>9/21/23</a:t>
             </a:fld>
             <a:endParaRPr lang="en-US"/>
           </a:p>
@@ -3531,7 +3531,7 @@
           <a:p>
             <a:r>
               <a:rPr lang="en-US" dirty="0"/>
-              <a:t>Array Pointers</a:t>
+              <a:t>Arrays</a:t>
             </a:r>
             <a:br>
               <a:rPr lang="en-US" dirty="0"/>
@@ -3708,6 +3708,252 @@
       </p:grpSpPr>
       <p:sp>
         <p:nvSpPr>
+          <p:cNvPr id="2" name="Title 1"/>
+          <p:cNvSpPr>
+            <a:spLocks noGrp="1"/>
+          </p:cNvSpPr>
+          <p:nvPr>
+            <p:ph type="title"/>
+          </p:nvPr>
+        </p:nvSpPr>
+        <p:spPr/>
+        <p:txBody>
+          <a:bodyPr/>
+          <a:lstStyle/>
+          <a:p>
+            <a:r>
+              <a:rPr lang="en-US" dirty="0"/>
+              <a:t>Array Subscripts</a:t>
+            </a:r>
+          </a:p>
+        </p:txBody>
+      </p:sp>
+      <p:sp>
+        <p:nvSpPr>
+          <p:cNvPr id="5" name="Content Placeholder 4"/>
+          <p:cNvSpPr>
+            <a:spLocks noGrp="1"/>
+          </p:cNvSpPr>
+          <p:nvPr>
+            <p:ph idx="1"/>
+          </p:nvPr>
+        </p:nvSpPr>
+        <p:spPr>
+          <a:xfrm>
+            <a:off x="457200" y="1371600"/>
+            <a:ext cx="8229600" cy="3276600"/>
+          </a:xfrm>
+        </p:spPr>
+        <p:txBody>
+          <a:bodyPr>
+            <a:normAutofit/>
+          </a:bodyPr>
+          <a:lstStyle/>
+          <a:p>
+            <a:r>
+              <a:rPr lang="en-US" sz="2800" dirty="0"/>
+              <a:t>Syntax:</a:t>
+            </a:r>
+            <a:br>
+              <a:rPr lang="en-US" sz="2800" dirty="0"/>
+            </a:br>
+            <a:r>
+              <a:rPr lang="en-US" sz="2800" dirty="0"/>
+              <a:t> 		</a:t>
+            </a:r>
+            <a:r>
+              <a:rPr lang="en-US" sz="2800" i="1" dirty="0" err="1"/>
+              <a:t>aname</a:t>
+            </a:r>
+            <a:r>
+              <a:rPr lang="en-US" sz="2800" i="1" dirty="0"/>
+              <a:t> [subscript]</a:t>
+            </a:r>
+            <a:endParaRPr lang="en-US" sz="2800" dirty="0"/>
+          </a:p>
+          <a:p>
+            <a:r>
+              <a:rPr lang="en-US" sz="2800" dirty="0"/>
+              <a:t>Examples:</a:t>
+            </a:r>
+            <a:br>
+              <a:rPr lang="en-US" sz="2800" dirty="0"/>
+            </a:br>
+            <a:r>
+              <a:rPr lang="en-US" sz="2800" dirty="0"/>
+              <a:t>		</a:t>
+            </a:r>
+            <a:r>
+              <a:rPr lang="en-US" sz="2800" dirty="0">
+                <a:solidFill>
+                  <a:srgbClr val="7030A0"/>
+                </a:solidFill>
+              </a:rPr>
+              <a:t>x[3]</a:t>
+            </a:r>
+          </a:p>
+          <a:p>
+            <a:pPr marL="0" indent="0">
+              <a:buNone/>
+            </a:pPr>
+            <a:r>
+              <a:rPr lang="en-US" sz="2800" dirty="0">
+                <a:solidFill>
+                  <a:srgbClr val="7030A0"/>
+                </a:solidFill>
+              </a:rPr>
+              <a:t>		x[</a:t>
+            </a:r>
+            <a:r>
+              <a:rPr lang="en-US" sz="2800" dirty="0" err="1">
+                <a:solidFill>
+                  <a:srgbClr val="7030A0"/>
+                </a:solidFill>
+              </a:rPr>
+              <a:t>i</a:t>
+            </a:r>
+            <a:r>
+              <a:rPr lang="en-US" sz="2800" dirty="0">
+                <a:solidFill>
+                  <a:srgbClr val="7030A0"/>
+                </a:solidFill>
+              </a:rPr>
+              <a:t> + 1]</a:t>
+            </a:r>
+          </a:p>
+        </p:txBody>
+      </p:sp>
+      <p:sp>
+        <p:nvSpPr>
+          <p:cNvPr id="3" name="Footer Placeholder 2"/>
+          <p:cNvSpPr>
+            <a:spLocks noGrp="1"/>
+          </p:cNvSpPr>
+          <p:nvPr>
+            <p:ph type="ftr" sz="quarter" idx="11"/>
+          </p:nvPr>
+        </p:nvSpPr>
+        <p:spPr/>
+        <p:txBody>
+          <a:bodyPr/>
+          <a:lstStyle/>
+          <a:p>
+            <a:r>
+              <a:rPr lang="en-US"/>
+              <a:t>© 2016 Pearson Education, Inc., Hoboken, NJ.  All rights reserved.</a:t>
+            </a:r>
+          </a:p>
+        </p:txBody>
+      </p:sp>
+      <p:sp>
+        <p:nvSpPr>
+          <p:cNvPr id="4" name="Slide Number Placeholder 3"/>
+          <p:cNvSpPr>
+            <a:spLocks noGrp="1"/>
+          </p:cNvSpPr>
+          <p:nvPr>
+            <p:ph type="sldNum" sz="quarter" idx="12"/>
+          </p:nvPr>
+        </p:nvSpPr>
+        <p:spPr/>
+        <p:txBody>
+          <a:bodyPr/>
+          <a:lstStyle/>
+          <a:p>
+            <a:fld id="{85A8DA42-601D-40A8-83CA-2F2CBDE5F9F0}" type="slidenum">
+              <a:rPr lang="en-US" smtClean="0"/>
+              <a:t>10</a:t>
+            </a:fld>
+            <a:endParaRPr lang="en-US"/>
+          </a:p>
+        </p:txBody>
+      </p:sp>
+      <p:pic>
+        <p:nvPicPr>
+          <p:cNvPr id="4098" name="Picture 2"/>
+          <p:cNvPicPr>
+            <a:picLocks noChangeAspect="1" noChangeArrowheads="1"/>
+          </p:cNvPicPr>
+          <p:nvPr/>
+        </p:nvPicPr>
+        <p:blipFill>
+          <a:blip r:embed="rId2">
+            <a:extLst>
+              <a:ext uri="{28A0092B-C50C-407E-A947-70E740481C1C}">
+                <a14:useLocalDpi xmlns:a14="http://schemas.microsoft.com/office/drawing/2010/main" val="0"/>
+              </a:ext>
+            </a:extLst>
+          </a:blip>
+          <a:srcRect/>
+          <a:stretch>
+            <a:fillRect/>
+          </a:stretch>
+        </p:blipFill>
+        <p:spPr bwMode="auto">
+          <a:xfrm>
+            <a:off x="1290711" y="3886200"/>
+            <a:ext cx="6062100" cy="1590675"/>
+          </a:xfrm>
+          <a:prstGeom prst="rect">
+            <a:avLst/>
+          </a:prstGeom>
+          <a:noFill/>
+          <a:ln>
+            <a:noFill/>
+          </a:ln>
+          <a:extLst>
+            <a:ext uri="{909E8E84-426E-40DD-AFC4-6F175D3DCCD1}">
+              <a14:hiddenFill xmlns:a14="http://schemas.microsoft.com/office/drawing/2010/main">
+                <a:solidFill>
+                  <a:schemeClr val="accent1"/>
+                </a:solidFill>
+              </a14:hiddenFill>
+            </a:ext>
+            <a:ext uri="{91240B29-F687-4F45-9708-019B960494DF}">
+              <a14:hiddenLine xmlns:a14="http://schemas.microsoft.com/office/drawing/2010/main" w="9525">
+                <a:solidFill>
+                  <a:schemeClr val="tx1"/>
+                </a:solidFill>
+                <a:miter lim="800000"/>
+                <a:headEnd/>
+                <a:tailEnd/>
+              </a14:hiddenLine>
+            </a:ext>
+          </a:extLst>
+        </p:spPr>
+      </p:pic>
+    </p:spTree>
+    <p:extLst>
+      <p:ext uri="{BB962C8B-B14F-4D97-AF65-F5344CB8AC3E}">
+        <p14:creationId xmlns:p14="http://schemas.microsoft.com/office/powerpoint/2010/main" val="2727173568"/>
+      </p:ext>
+    </p:extLst>
+  </p:cSld>
+  <p:clrMapOvr>
+    <a:masterClrMapping/>
+  </p:clrMapOvr>
+</p:sld>
+</file>
+
+<file path=ppt/slides/slide11.xml><?xml version="1.0" encoding="utf-8"?>
+<p:sld xmlns:a="http://schemas.openxmlformats.org/drawingml/2006/main" xmlns:r="http://schemas.openxmlformats.org/officeDocument/2006/relationships" xmlns:p="http://schemas.openxmlformats.org/presentationml/2006/main">
+  <p:cSld>
+    <p:spTree>
+      <p:nvGrpSpPr>
+        <p:cNvPr id="1" name=""/>
+        <p:cNvGrpSpPr/>
+        <p:nvPr/>
+      </p:nvGrpSpPr>
+      <p:grpSpPr>
+        <a:xfrm>
+          <a:off x="0" y="0"/>
+          <a:ext cx="0" cy="0"/>
+          <a:chOff x="0" y="0"/>
+          <a:chExt cx="0" cy="0"/>
+        </a:xfrm>
+      </p:grpSpPr>
+      <p:sp>
+        <p:nvSpPr>
           <p:cNvPr id="3" name="Content Placeholder 2">
             <a:extLst>
               <a:ext uri="{FF2B5EF4-FFF2-40B4-BE49-F238E27FC236}">
@@ -3782,7 +4028,7 @@
           <a:p>
             <a:fld id="{85A8DA42-601D-40A8-83CA-2F2CBDE5F9F0}" type="slidenum">
               <a:rPr lang="en-US" smtClean="0"/>
-              <a:t>10</a:t>
+              <a:t>11</a:t>
             </a:fld>
             <a:endParaRPr lang="en-US"/>
           </a:p>
@@ -3839,329 +4085,6 @@
     <p:extLst>
       <p:ext uri="{BB962C8B-B14F-4D97-AF65-F5344CB8AC3E}">
         <p14:creationId xmlns:p14="http://schemas.microsoft.com/office/powerpoint/2010/main" val="1862048030"/>
-      </p:ext>
-    </p:extLst>
-  </p:cSld>
-  <p:clrMapOvr>
-    <a:masterClrMapping/>
-  </p:clrMapOvr>
-</p:sld>
-</file>
-
-<file path=ppt/slides/slide11.xml><?xml version="1.0" encoding="utf-8"?>
-<p:sld xmlns:a="http://schemas.openxmlformats.org/drawingml/2006/main" xmlns:r="http://schemas.openxmlformats.org/officeDocument/2006/relationships" xmlns:p="http://schemas.openxmlformats.org/presentationml/2006/main">
-  <p:cSld>
-    <p:spTree>
-      <p:nvGrpSpPr>
-        <p:cNvPr id="1" name=""/>
-        <p:cNvGrpSpPr/>
-        <p:nvPr/>
-      </p:nvGrpSpPr>
-      <p:grpSpPr>
-        <a:xfrm>
-          <a:off x="0" y="0"/>
-          <a:ext cx="0" cy="0"/>
-          <a:chOff x="0" y="0"/>
-          <a:chExt cx="0" cy="0"/>
-        </a:xfrm>
-      </p:grpSpPr>
-      <p:sp>
-        <p:nvSpPr>
-          <p:cNvPr id="2" name="Title 1"/>
-          <p:cNvSpPr>
-            <a:spLocks noGrp="1"/>
-          </p:cNvSpPr>
-          <p:nvPr>
-            <p:ph type="title"/>
-          </p:nvPr>
-        </p:nvSpPr>
-        <p:spPr/>
-        <p:txBody>
-          <a:bodyPr>
-            <a:normAutofit fontScale="90000"/>
-          </a:bodyPr>
-          <a:lstStyle/>
-          <a:p>
-            <a:r>
-              <a:rPr lang="en-US" dirty="0"/>
-              <a:t>Using </a:t>
-            </a:r>
-            <a:r>
-              <a:rPr lang="en-US" dirty="0">
-                <a:solidFill>
-                  <a:srgbClr val="7030A0"/>
-                </a:solidFill>
-                <a:latin typeface="Cambria" panose="02040503050406030204" pitchFamily="18" charset="0"/>
-              </a:rPr>
-              <a:t>for</a:t>
-            </a:r>
-            <a:r>
-              <a:rPr lang="en-US" dirty="0">
-                <a:solidFill>
-                  <a:srgbClr val="7030A0"/>
-                </a:solidFill>
-              </a:rPr>
-              <a:t> </a:t>
-            </a:r>
-            <a:r>
-              <a:rPr lang="en-US" dirty="0"/>
-              <a:t>Loops for Sequential Access</a:t>
-            </a:r>
-          </a:p>
-        </p:txBody>
-      </p:sp>
-      <p:sp>
-        <p:nvSpPr>
-          <p:cNvPr id="3" name="Content Placeholder 2"/>
-          <p:cNvSpPr>
-            <a:spLocks noGrp="1"/>
-          </p:cNvSpPr>
-          <p:nvPr>
-            <p:ph idx="1"/>
-          </p:nvPr>
-        </p:nvSpPr>
-        <p:spPr>
-          <a:xfrm>
-            <a:off x="1914525" y="1828800"/>
-            <a:ext cx="5029200" cy="1447800"/>
-          </a:xfrm>
-        </p:spPr>
-        <p:txBody>
-          <a:bodyPr>
-            <a:normAutofit/>
-          </a:bodyPr>
-          <a:lstStyle/>
-          <a:p>
-            <a:pPr marL="0" indent="0">
-              <a:buNone/>
-            </a:pPr>
-            <a:r>
-              <a:rPr lang="en-US" sz="2800" dirty="0"/>
-              <a:t>	</a:t>
-            </a:r>
-            <a:r>
-              <a:rPr lang="en-US" sz="2800" dirty="0">
-                <a:solidFill>
-                  <a:srgbClr val="7030A0"/>
-                </a:solidFill>
-              </a:rPr>
-              <a:t>for (</a:t>
-            </a:r>
-            <a:r>
-              <a:rPr lang="en-US" sz="2800" dirty="0" err="1">
-                <a:solidFill>
-                  <a:srgbClr val="7030A0"/>
-                </a:solidFill>
-              </a:rPr>
-              <a:t>i</a:t>
-            </a:r>
-            <a:r>
-              <a:rPr lang="en-US" sz="2800" dirty="0">
-                <a:solidFill>
-                  <a:srgbClr val="7030A0"/>
-                </a:solidFill>
-              </a:rPr>
-              <a:t> = 0; </a:t>
-            </a:r>
-            <a:r>
-              <a:rPr lang="en-US" sz="2800" dirty="0" err="1">
-                <a:solidFill>
-                  <a:srgbClr val="7030A0"/>
-                </a:solidFill>
-              </a:rPr>
-              <a:t>i</a:t>
-            </a:r>
-            <a:r>
-              <a:rPr lang="en-US" sz="2800" dirty="0">
-                <a:solidFill>
-                  <a:srgbClr val="7030A0"/>
-                </a:solidFill>
-              </a:rPr>
-              <a:t> &lt; SIZE; ++</a:t>
-            </a:r>
-            <a:r>
-              <a:rPr lang="en-US" sz="2800" dirty="0" err="1">
-                <a:solidFill>
-                  <a:srgbClr val="7030A0"/>
-                </a:solidFill>
-              </a:rPr>
-              <a:t>i</a:t>
-            </a:r>
-            <a:r>
-              <a:rPr lang="en-US" sz="2800" dirty="0">
-                <a:solidFill>
-                  <a:srgbClr val="7030A0"/>
-                </a:solidFill>
-              </a:rPr>
-              <a:t>)</a:t>
-            </a:r>
-          </a:p>
-          <a:p>
-            <a:pPr marL="0" indent="0">
-              <a:buNone/>
-            </a:pPr>
-            <a:r>
-              <a:rPr lang="en-US" sz="2800" dirty="0">
-                <a:solidFill>
-                  <a:srgbClr val="7030A0"/>
-                </a:solidFill>
-              </a:rPr>
-              <a:t>		square[</a:t>
-            </a:r>
-            <a:r>
-              <a:rPr lang="en-US" sz="2800" dirty="0" err="1">
-                <a:solidFill>
-                  <a:srgbClr val="7030A0"/>
-                </a:solidFill>
-              </a:rPr>
-              <a:t>i</a:t>
-            </a:r>
-            <a:r>
-              <a:rPr lang="en-US" sz="2800" dirty="0">
-                <a:solidFill>
-                  <a:srgbClr val="7030A0"/>
-                </a:solidFill>
-              </a:rPr>
-              <a:t>] = </a:t>
-            </a:r>
-            <a:r>
-              <a:rPr lang="en-US" sz="2800" dirty="0" err="1">
-                <a:solidFill>
-                  <a:srgbClr val="7030A0"/>
-                </a:solidFill>
-              </a:rPr>
-              <a:t>i</a:t>
-            </a:r>
-            <a:r>
-              <a:rPr lang="en-US" sz="2800" dirty="0">
-                <a:solidFill>
-                  <a:srgbClr val="7030A0"/>
-                </a:solidFill>
-              </a:rPr>
-              <a:t> * </a:t>
-            </a:r>
-            <a:r>
-              <a:rPr lang="en-US" sz="2800" dirty="0" err="1">
-                <a:solidFill>
-                  <a:srgbClr val="7030A0"/>
-                </a:solidFill>
-              </a:rPr>
-              <a:t>i</a:t>
-            </a:r>
-            <a:r>
-              <a:rPr lang="en-US" sz="2800" dirty="0">
-                <a:solidFill>
-                  <a:srgbClr val="7030A0"/>
-                </a:solidFill>
-              </a:rPr>
-              <a:t>;</a:t>
-            </a:r>
-          </a:p>
-        </p:txBody>
-      </p:sp>
-      <p:sp>
-        <p:nvSpPr>
-          <p:cNvPr id="4" name="Footer Placeholder 3"/>
-          <p:cNvSpPr>
-            <a:spLocks noGrp="1"/>
-          </p:cNvSpPr>
-          <p:nvPr>
-            <p:ph type="ftr" sz="quarter" idx="11"/>
-          </p:nvPr>
-        </p:nvSpPr>
-        <p:spPr/>
-        <p:txBody>
-          <a:bodyPr/>
-          <a:lstStyle/>
-          <a:p>
-            <a:r>
-              <a:rPr lang="en-US"/>
-              <a:t>© 2016 Pearson Education, Inc., Hoboken, NJ.  All rights reserved.</a:t>
-            </a:r>
-          </a:p>
-        </p:txBody>
-      </p:sp>
-      <p:sp>
-        <p:nvSpPr>
-          <p:cNvPr id="5" name="Slide Number Placeholder 4"/>
-          <p:cNvSpPr>
-            <a:spLocks noGrp="1"/>
-          </p:cNvSpPr>
-          <p:nvPr>
-            <p:ph type="sldNum" sz="quarter" idx="12"/>
-          </p:nvPr>
-        </p:nvSpPr>
-        <p:spPr/>
-        <p:txBody>
-          <a:bodyPr/>
-          <a:lstStyle/>
-          <a:p>
-            <a:fld id="{85A8DA42-601D-40A8-83CA-2F2CBDE5F9F0}" type="slidenum">
-              <a:rPr lang="en-US" smtClean="0"/>
-              <a:t>11</a:t>
-            </a:fld>
-            <a:endParaRPr lang="en-US"/>
-          </a:p>
-        </p:txBody>
-      </p:sp>
-      <p:pic>
-        <p:nvPicPr>
-          <p:cNvPr id="6147" name="Picture 3"/>
-          <p:cNvPicPr>
-            <a:picLocks noChangeAspect="1" noChangeArrowheads="1"/>
-          </p:cNvPicPr>
-          <p:nvPr/>
-        </p:nvPicPr>
-        <p:blipFill>
-          <a:blip r:embed="rId2">
-            <a:extLst>
-              <a:ext uri="{28A0092B-C50C-407E-A947-70E740481C1C}">
-                <a14:useLocalDpi xmlns:a14="http://schemas.microsoft.com/office/drawing/2010/main" val="0"/>
-              </a:ext>
-            </a:extLst>
-          </a:blip>
-          <a:srcRect/>
-          <a:stretch>
-            <a:fillRect/>
-          </a:stretch>
-        </p:blipFill>
-        <p:spPr bwMode="auto">
-          <a:xfrm>
-            <a:off x="1828800" y="3451274"/>
-            <a:ext cx="5200650" cy="1200150"/>
-          </a:xfrm>
-          <a:prstGeom prst="rect">
-            <a:avLst/>
-          </a:prstGeom>
-          <a:noFill/>
-          <a:ln>
-            <a:noFill/>
-          </a:ln>
-          <a:extLst>
-            <a:ext uri="{909E8E84-426E-40DD-AFC4-6F175D3DCCD1}">
-              <a14:hiddenFill xmlns:a14="http://schemas.microsoft.com/office/drawing/2010/main">
-                <a:solidFill>
-                  <a:schemeClr val="accent1"/>
-                </a:solidFill>
-              </a14:hiddenFill>
-            </a:ext>
-            <a:ext uri="{91240B29-F687-4F45-9708-019B960494DF}">
-              <a14:hiddenLine xmlns:a14="http://schemas.microsoft.com/office/drawing/2010/main" w="9525">
-                <a:solidFill>
-                  <a:schemeClr val="tx1"/>
-                </a:solidFill>
-                <a:miter lim="800000"/>
-                <a:headEnd/>
-                <a:tailEnd/>
-              </a14:hiddenLine>
-            </a:ext>
-          </a:extLst>
-        </p:spPr>
-      </p:pic>
-    </p:spTree>
-    <p:extLst>
-      <p:ext uri="{BB962C8B-B14F-4D97-AF65-F5344CB8AC3E}">
-        <p14:creationId xmlns:p14="http://schemas.microsoft.com/office/powerpoint/2010/main" val="2064051079"/>
       </p:ext>
     </p:extLst>
   </p:cSld>
@@ -7780,7 +7703,86 @@
       </p:grpSpPr>
       <p:sp>
         <p:nvSpPr>
-          <p:cNvPr id="2" name="Footer Placeholder 1"/>
+          <p:cNvPr id="2" name="Title 1"/>
+          <p:cNvSpPr>
+            <a:spLocks noGrp="1"/>
+          </p:cNvSpPr>
+          <p:nvPr>
+            <p:ph type="title"/>
+          </p:nvPr>
+        </p:nvSpPr>
+        <p:spPr/>
+        <p:txBody>
+          <a:bodyPr/>
+          <a:lstStyle/>
+          <a:p>
+            <a:r>
+              <a:rPr lang="en-US" dirty="0"/>
+              <a:t>Array Initialization</a:t>
+            </a:r>
+          </a:p>
+        </p:txBody>
+      </p:sp>
+      <p:sp>
+        <p:nvSpPr>
+          <p:cNvPr id="3" name="Content Placeholder 2"/>
+          <p:cNvSpPr>
+            <a:spLocks noGrp="1"/>
+          </p:cNvSpPr>
+          <p:nvPr>
+            <p:ph idx="1"/>
+          </p:nvPr>
+        </p:nvSpPr>
+        <p:spPr/>
+        <p:txBody>
+          <a:bodyPr/>
+          <a:lstStyle/>
+          <a:p>
+            <a:pPr marL="0" indent="0">
+              <a:buNone/>
+            </a:pPr>
+            <a:r>
+              <a:rPr lang="en-US" dirty="0"/>
+              <a:t>int prime_lt_100[] = {2, 3, 5, 7, 11, 13, 17, 19,</a:t>
+            </a:r>
+          </a:p>
+          <a:p>
+            <a:pPr marL="0" indent="0">
+              <a:buNone/>
+            </a:pPr>
+            <a:r>
+              <a:rPr lang="en-US" dirty="0"/>
+              <a:t>		23, 29, 31, 37, 41, 43, 47, 53, 59, 61, 		67, 71, 73, 79, 83, 89, 97}</a:t>
+            </a:r>
+          </a:p>
+          <a:p>
+            <a:pPr marL="0" indent="0">
+              <a:buNone/>
+            </a:pPr>
+            <a:endParaRPr lang="en-US" dirty="0"/>
+          </a:p>
+          <a:p>
+            <a:pPr marL="0" indent="0">
+              <a:buNone/>
+            </a:pPr>
+            <a:r>
+              <a:rPr lang="en-US" dirty="0"/>
+              <a:t>char vowels[] = {‘a’, ‘e’, ‘</a:t>
+            </a:r>
+            <a:r>
+              <a:rPr lang="en-US" dirty="0" err="1"/>
+              <a:t>i</a:t>
+            </a:r>
+            <a:r>
+              <a:rPr lang="en-US" dirty="0"/>
+              <a:t>’, ‘o’, ‘u’, ‘y’}</a:t>
+            </a:r>
+          </a:p>
+        </p:txBody>
+      </p:sp>
+      <p:sp>
+        <p:nvSpPr>
+          <p:cNvPr id="4" name="Footer Placeholder 3"/>
           <p:cNvSpPr>
             <a:spLocks noGrp="1"/>
           </p:cNvSpPr>
@@ -7802,7 +7804,7 @@
       </p:sp>
       <p:sp>
         <p:nvSpPr>
-          <p:cNvPr id="3" name="Slide Number Placeholder 2"/>
+          <p:cNvPr id="5" name="Slide Number Placeholder 4"/>
           <p:cNvSpPr>
             <a:spLocks noGrp="1"/>
           </p:cNvSpPr>
@@ -7818,6 +7820,404 @@
             <a:fld id="{85A8DA42-601D-40A8-83CA-2F2CBDE5F9F0}" type="slidenum">
               <a:rPr lang="en-US" smtClean="0"/>
               <a:t>7</a:t>
+            </a:fld>
+            <a:endParaRPr lang="en-US"/>
+          </a:p>
+        </p:txBody>
+      </p:sp>
+    </p:spTree>
+    <p:extLst>
+      <p:ext uri="{BB962C8B-B14F-4D97-AF65-F5344CB8AC3E}">
+        <p14:creationId xmlns:p14="http://schemas.microsoft.com/office/powerpoint/2010/main" val="2067321751"/>
+      </p:ext>
+    </p:extLst>
+  </p:cSld>
+  <p:clrMapOvr>
+    <a:masterClrMapping/>
+  </p:clrMapOvr>
+</p:sld>
+</file>
+
+<file path=ppt/slides/slide8.xml><?xml version="1.0" encoding="utf-8"?>
+<p:sld xmlns:a="http://schemas.openxmlformats.org/drawingml/2006/main" xmlns:r="http://schemas.openxmlformats.org/officeDocument/2006/relationships" xmlns:p="http://schemas.openxmlformats.org/presentationml/2006/main">
+  <p:cSld>
+    <p:spTree>
+      <p:nvGrpSpPr>
+        <p:cNvPr id="1" name=""/>
+        <p:cNvGrpSpPr/>
+        <p:nvPr/>
+      </p:nvGrpSpPr>
+      <p:grpSpPr>
+        <a:xfrm>
+          <a:off x="0" y="0"/>
+          <a:ext cx="0" cy="0"/>
+          <a:chOff x="0" y="0"/>
+          <a:chExt cx="0" cy="0"/>
+        </a:xfrm>
+      </p:grpSpPr>
+      <p:sp>
+        <p:nvSpPr>
+          <p:cNvPr id="2" name="Title 1"/>
+          <p:cNvSpPr>
+            <a:spLocks noGrp="1"/>
+          </p:cNvSpPr>
+          <p:nvPr>
+            <p:ph type="title"/>
+          </p:nvPr>
+        </p:nvSpPr>
+        <p:spPr/>
+        <p:txBody>
+          <a:bodyPr>
+            <a:normAutofit fontScale="90000"/>
+          </a:bodyPr>
+          <a:lstStyle/>
+          <a:p>
+            <a:r>
+              <a:rPr lang="en-US" dirty="0"/>
+              <a:t>Using </a:t>
+            </a:r>
+            <a:r>
+              <a:rPr lang="en-US" dirty="0">
+                <a:solidFill>
+                  <a:srgbClr val="7030A0"/>
+                </a:solidFill>
+                <a:latin typeface="Cambria" panose="02040503050406030204" pitchFamily="18" charset="0"/>
+              </a:rPr>
+              <a:t>for</a:t>
+            </a:r>
+            <a:r>
+              <a:rPr lang="en-US" dirty="0">
+                <a:solidFill>
+                  <a:srgbClr val="7030A0"/>
+                </a:solidFill>
+              </a:rPr>
+              <a:t> </a:t>
+            </a:r>
+            <a:r>
+              <a:rPr lang="en-US" dirty="0"/>
+              <a:t>Loops for Sequential Access</a:t>
+            </a:r>
+          </a:p>
+        </p:txBody>
+      </p:sp>
+      <p:sp>
+        <p:nvSpPr>
+          <p:cNvPr id="3" name="Content Placeholder 2"/>
+          <p:cNvSpPr>
+            <a:spLocks noGrp="1"/>
+          </p:cNvSpPr>
+          <p:nvPr>
+            <p:ph idx="1"/>
+          </p:nvPr>
+        </p:nvSpPr>
+        <p:spPr>
+          <a:xfrm>
+            <a:off x="1914525" y="1828800"/>
+            <a:ext cx="5029200" cy="1447800"/>
+          </a:xfrm>
+        </p:spPr>
+        <p:txBody>
+          <a:bodyPr>
+            <a:normAutofit/>
+          </a:bodyPr>
+          <a:lstStyle/>
+          <a:p>
+            <a:pPr marL="0" indent="0">
+              <a:buNone/>
+            </a:pPr>
+            <a:r>
+              <a:rPr lang="en-US" sz="2800" dirty="0"/>
+              <a:t>	</a:t>
+            </a:r>
+            <a:r>
+              <a:rPr lang="en-US" sz="2800" dirty="0">
+                <a:solidFill>
+                  <a:srgbClr val="7030A0"/>
+                </a:solidFill>
+              </a:rPr>
+              <a:t>for (</a:t>
+            </a:r>
+            <a:r>
+              <a:rPr lang="en-US" sz="2800" dirty="0" err="1">
+                <a:solidFill>
+                  <a:srgbClr val="7030A0"/>
+                </a:solidFill>
+              </a:rPr>
+              <a:t>i</a:t>
+            </a:r>
+            <a:r>
+              <a:rPr lang="en-US" sz="2800" dirty="0">
+                <a:solidFill>
+                  <a:srgbClr val="7030A0"/>
+                </a:solidFill>
+              </a:rPr>
+              <a:t> = 0; </a:t>
+            </a:r>
+            <a:r>
+              <a:rPr lang="en-US" sz="2800" dirty="0" err="1">
+                <a:solidFill>
+                  <a:srgbClr val="7030A0"/>
+                </a:solidFill>
+              </a:rPr>
+              <a:t>i</a:t>
+            </a:r>
+            <a:r>
+              <a:rPr lang="en-US" sz="2800" dirty="0">
+                <a:solidFill>
+                  <a:srgbClr val="7030A0"/>
+                </a:solidFill>
+              </a:rPr>
+              <a:t> &lt; SIZE; ++</a:t>
+            </a:r>
+            <a:r>
+              <a:rPr lang="en-US" sz="2800" dirty="0" err="1">
+                <a:solidFill>
+                  <a:srgbClr val="7030A0"/>
+                </a:solidFill>
+              </a:rPr>
+              <a:t>i</a:t>
+            </a:r>
+            <a:r>
+              <a:rPr lang="en-US" sz="2800" dirty="0">
+                <a:solidFill>
+                  <a:srgbClr val="7030A0"/>
+                </a:solidFill>
+              </a:rPr>
+              <a:t>)</a:t>
+            </a:r>
+          </a:p>
+          <a:p>
+            <a:pPr marL="0" indent="0">
+              <a:buNone/>
+            </a:pPr>
+            <a:r>
+              <a:rPr lang="en-US" sz="2800" dirty="0">
+                <a:solidFill>
+                  <a:srgbClr val="7030A0"/>
+                </a:solidFill>
+              </a:rPr>
+              <a:t>		square[</a:t>
+            </a:r>
+            <a:r>
+              <a:rPr lang="en-US" sz="2800" dirty="0" err="1">
+                <a:solidFill>
+                  <a:srgbClr val="7030A0"/>
+                </a:solidFill>
+              </a:rPr>
+              <a:t>i</a:t>
+            </a:r>
+            <a:r>
+              <a:rPr lang="en-US" sz="2800" dirty="0">
+                <a:solidFill>
+                  <a:srgbClr val="7030A0"/>
+                </a:solidFill>
+              </a:rPr>
+              <a:t>] = </a:t>
+            </a:r>
+            <a:r>
+              <a:rPr lang="en-US" sz="2800" dirty="0" err="1">
+                <a:solidFill>
+                  <a:srgbClr val="7030A0"/>
+                </a:solidFill>
+              </a:rPr>
+              <a:t>i</a:t>
+            </a:r>
+            <a:r>
+              <a:rPr lang="en-US" sz="2800" dirty="0">
+                <a:solidFill>
+                  <a:srgbClr val="7030A0"/>
+                </a:solidFill>
+              </a:rPr>
+              <a:t> * </a:t>
+            </a:r>
+            <a:r>
+              <a:rPr lang="en-US" sz="2800" dirty="0" err="1">
+                <a:solidFill>
+                  <a:srgbClr val="7030A0"/>
+                </a:solidFill>
+              </a:rPr>
+              <a:t>i</a:t>
+            </a:r>
+            <a:r>
+              <a:rPr lang="en-US" sz="2800" dirty="0">
+                <a:solidFill>
+                  <a:srgbClr val="7030A0"/>
+                </a:solidFill>
+              </a:rPr>
+              <a:t>;</a:t>
+            </a:r>
+          </a:p>
+        </p:txBody>
+      </p:sp>
+      <p:sp>
+        <p:nvSpPr>
+          <p:cNvPr id="4" name="Footer Placeholder 3"/>
+          <p:cNvSpPr>
+            <a:spLocks noGrp="1"/>
+          </p:cNvSpPr>
+          <p:nvPr>
+            <p:ph type="ftr" sz="quarter" idx="11"/>
+          </p:nvPr>
+        </p:nvSpPr>
+        <p:spPr/>
+        <p:txBody>
+          <a:bodyPr/>
+          <a:lstStyle/>
+          <a:p>
+            <a:r>
+              <a:rPr lang="en-US"/>
+              <a:t>© 2016 Pearson Education, Inc., Hoboken, NJ.  All rights reserved.</a:t>
+            </a:r>
+          </a:p>
+        </p:txBody>
+      </p:sp>
+      <p:sp>
+        <p:nvSpPr>
+          <p:cNvPr id="5" name="Slide Number Placeholder 4"/>
+          <p:cNvSpPr>
+            <a:spLocks noGrp="1"/>
+          </p:cNvSpPr>
+          <p:nvPr>
+            <p:ph type="sldNum" sz="quarter" idx="12"/>
+          </p:nvPr>
+        </p:nvSpPr>
+        <p:spPr/>
+        <p:txBody>
+          <a:bodyPr/>
+          <a:lstStyle/>
+          <a:p>
+            <a:fld id="{85A8DA42-601D-40A8-83CA-2F2CBDE5F9F0}" type="slidenum">
+              <a:rPr lang="en-US" smtClean="0"/>
+              <a:t>8</a:t>
+            </a:fld>
+            <a:endParaRPr lang="en-US"/>
+          </a:p>
+        </p:txBody>
+      </p:sp>
+      <p:pic>
+        <p:nvPicPr>
+          <p:cNvPr id="6147" name="Picture 3"/>
+          <p:cNvPicPr>
+            <a:picLocks noChangeAspect="1" noChangeArrowheads="1"/>
+          </p:cNvPicPr>
+          <p:nvPr/>
+        </p:nvPicPr>
+        <p:blipFill>
+          <a:blip r:embed="rId2">
+            <a:extLst>
+              <a:ext uri="{28A0092B-C50C-407E-A947-70E740481C1C}">
+                <a14:useLocalDpi xmlns:a14="http://schemas.microsoft.com/office/drawing/2010/main" val="0"/>
+              </a:ext>
+            </a:extLst>
+          </a:blip>
+          <a:srcRect/>
+          <a:stretch>
+            <a:fillRect/>
+          </a:stretch>
+        </p:blipFill>
+        <p:spPr bwMode="auto">
+          <a:xfrm>
+            <a:off x="1828800" y="3451274"/>
+            <a:ext cx="5200650" cy="1200150"/>
+          </a:xfrm>
+          <a:prstGeom prst="rect">
+            <a:avLst/>
+          </a:prstGeom>
+          <a:noFill/>
+          <a:ln>
+            <a:noFill/>
+          </a:ln>
+          <a:extLst>
+            <a:ext uri="{909E8E84-426E-40DD-AFC4-6F175D3DCCD1}">
+              <a14:hiddenFill xmlns:a14="http://schemas.microsoft.com/office/drawing/2010/main">
+                <a:solidFill>
+                  <a:schemeClr val="accent1"/>
+                </a:solidFill>
+              </a14:hiddenFill>
+            </a:ext>
+            <a:ext uri="{91240B29-F687-4F45-9708-019B960494DF}">
+              <a14:hiddenLine xmlns:a14="http://schemas.microsoft.com/office/drawing/2010/main" w="9525">
+                <a:solidFill>
+                  <a:schemeClr val="tx1"/>
+                </a:solidFill>
+                <a:miter lim="800000"/>
+                <a:headEnd/>
+                <a:tailEnd/>
+              </a14:hiddenLine>
+            </a:ext>
+          </a:extLst>
+        </p:spPr>
+      </p:pic>
+    </p:spTree>
+    <p:extLst>
+      <p:ext uri="{BB962C8B-B14F-4D97-AF65-F5344CB8AC3E}">
+        <p14:creationId xmlns:p14="http://schemas.microsoft.com/office/powerpoint/2010/main" val="926711131"/>
+      </p:ext>
+    </p:extLst>
+  </p:cSld>
+  <p:clrMapOvr>
+    <a:masterClrMapping/>
+  </p:clrMapOvr>
+</p:sld>
+</file>
+
+<file path=ppt/slides/slide9.xml><?xml version="1.0" encoding="utf-8"?>
+<p:sld xmlns:a="http://schemas.openxmlformats.org/drawingml/2006/main" xmlns:r="http://schemas.openxmlformats.org/officeDocument/2006/relationships" xmlns:p="http://schemas.openxmlformats.org/presentationml/2006/main">
+  <p:cSld>
+    <p:spTree>
+      <p:nvGrpSpPr>
+        <p:cNvPr id="1" name=""/>
+        <p:cNvGrpSpPr/>
+        <p:nvPr/>
+      </p:nvGrpSpPr>
+      <p:grpSpPr>
+        <a:xfrm>
+          <a:off x="0" y="0"/>
+          <a:ext cx="0" cy="0"/>
+          <a:chOff x="0" y="0"/>
+          <a:chExt cx="0" cy="0"/>
+        </a:xfrm>
+      </p:grpSpPr>
+      <p:sp>
+        <p:nvSpPr>
+          <p:cNvPr id="2" name="Footer Placeholder 1"/>
+          <p:cNvSpPr>
+            <a:spLocks noGrp="1"/>
+          </p:cNvSpPr>
+          <p:nvPr>
+            <p:ph type="ftr" sz="quarter" idx="11"/>
+          </p:nvPr>
+        </p:nvSpPr>
+        <p:spPr/>
+        <p:txBody>
+          <a:bodyPr/>
+          <a:lstStyle/>
+          <a:p>
+            <a:r>
+              <a:rPr lang="en-US"/>
+              <a:t>© 2016 Pearson Education, Inc., Hoboken, NJ.  All rights reserved.</a:t>
+            </a:r>
+          </a:p>
+        </p:txBody>
+      </p:sp>
+      <p:sp>
+        <p:nvSpPr>
+          <p:cNvPr id="3" name="Slide Number Placeholder 2"/>
+          <p:cNvSpPr>
+            <a:spLocks noGrp="1"/>
+          </p:cNvSpPr>
+          <p:nvPr>
+            <p:ph type="sldNum" sz="quarter" idx="12"/>
+          </p:nvPr>
+        </p:nvSpPr>
+        <p:spPr/>
+        <p:txBody>
+          <a:bodyPr/>
+          <a:lstStyle/>
+          <a:p>
+            <a:fld id="{85A8DA42-601D-40A8-83CA-2F2CBDE5F9F0}" type="slidenum">
+              <a:rPr lang="en-US" smtClean="0"/>
+              <a:t>9</a:t>
             </a:fld>
             <a:endParaRPr lang="en-US"/>
           </a:p>
@@ -7881,406 +8281,6 @@
     <p:extLst>
       <p:ext uri="{BB962C8B-B14F-4D97-AF65-F5344CB8AC3E}">
         <p14:creationId xmlns:p14="http://schemas.microsoft.com/office/powerpoint/2010/main" val="877433052"/>
-      </p:ext>
-    </p:extLst>
-  </p:cSld>
-  <p:clrMapOvr>
-    <a:masterClrMapping/>
-  </p:clrMapOvr>
-</p:sld>
-</file>
-
-<file path=ppt/slides/slide8.xml><?xml version="1.0" encoding="utf-8"?>
-<p:sld xmlns:a="http://schemas.openxmlformats.org/drawingml/2006/main" xmlns:r="http://schemas.openxmlformats.org/officeDocument/2006/relationships" xmlns:p="http://schemas.openxmlformats.org/presentationml/2006/main">
-  <p:cSld>
-    <p:spTree>
-      <p:nvGrpSpPr>
-        <p:cNvPr id="1" name=""/>
-        <p:cNvGrpSpPr/>
-        <p:nvPr/>
-      </p:nvGrpSpPr>
-      <p:grpSpPr>
-        <a:xfrm>
-          <a:off x="0" y="0"/>
-          <a:ext cx="0" cy="0"/>
-          <a:chOff x="0" y="0"/>
-          <a:chExt cx="0" cy="0"/>
-        </a:xfrm>
-      </p:grpSpPr>
-      <p:sp>
-        <p:nvSpPr>
-          <p:cNvPr id="2" name="Title 1"/>
-          <p:cNvSpPr>
-            <a:spLocks noGrp="1"/>
-          </p:cNvSpPr>
-          <p:nvPr>
-            <p:ph type="title"/>
-          </p:nvPr>
-        </p:nvSpPr>
-        <p:spPr/>
-        <p:txBody>
-          <a:bodyPr/>
-          <a:lstStyle/>
-          <a:p>
-            <a:r>
-              <a:rPr lang="en-US" dirty="0"/>
-              <a:t>Array Initialization</a:t>
-            </a:r>
-          </a:p>
-        </p:txBody>
-      </p:sp>
-      <p:sp>
-        <p:nvSpPr>
-          <p:cNvPr id="3" name="Content Placeholder 2"/>
-          <p:cNvSpPr>
-            <a:spLocks noGrp="1"/>
-          </p:cNvSpPr>
-          <p:nvPr>
-            <p:ph idx="1"/>
-          </p:nvPr>
-        </p:nvSpPr>
-        <p:spPr/>
-        <p:txBody>
-          <a:bodyPr/>
-          <a:lstStyle/>
-          <a:p>
-            <a:pPr marL="0" indent="0">
-              <a:buNone/>
-            </a:pPr>
-            <a:r>
-              <a:rPr lang="en-US" dirty="0"/>
-              <a:t>int prime_lt_100[] = {2, 3, 5, 7, 11, 13, 17, 19,</a:t>
-            </a:r>
-          </a:p>
-          <a:p>
-            <a:pPr marL="0" indent="0">
-              <a:buNone/>
-            </a:pPr>
-            <a:r>
-              <a:rPr lang="en-US" dirty="0"/>
-              <a:t>		23, 29, 31, 37, 41, 43, 47, 53, 59, 61, 		67, 71, 73, 79, 83, 89, 97}</a:t>
-            </a:r>
-          </a:p>
-          <a:p>
-            <a:pPr marL="0" indent="0">
-              <a:buNone/>
-            </a:pPr>
-            <a:endParaRPr lang="en-US" dirty="0"/>
-          </a:p>
-          <a:p>
-            <a:pPr marL="0" indent="0">
-              <a:buNone/>
-            </a:pPr>
-            <a:r>
-              <a:rPr lang="en-US" dirty="0"/>
-              <a:t>char vowels[] = {‘a’, ‘e’, ‘</a:t>
-            </a:r>
-            <a:r>
-              <a:rPr lang="en-US" dirty="0" err="1"/>
-              <a:t>i</a:t>
-            </a:r>
-            <a:r>
-              <a:rPr lang="en-US" dirty="0"/>
-              <a:t>’, ‘o’, ‘u’, ‘y’}</a:t>
-            </a:r>
-          </a:p>
-        </p:txBody>
-      </p:sp>
-      <p:sp>
-        <p:nvSpPr>
-          <p:cNvPr id="4" name="Footer Placeholder 3"/>
-          <p:cNvSpPr>
-            <a:spLocks noGrp="1"/>
-          </p:cNvSpPr>
-          <p:nvPr>
-            <p:ph type="ftr" sz="quarter" idx="11"/>
-          </p:nvPr>
-        </p:nvSpPr>
-        <p:spPr/>
-        <p:txBody>
-          <a:bodyPr/>
-          <a:lstStyle/>
-          <a:p>
-            <a:r>
-              <a:rPr lang="en-US"/>
-              <a:t>© 2016 Pearson Education, Inc., Hoboken, NJ.  All rights reserved.</a:t>
-            </a:r>
-          </a:p>
-        </p:txBody>
-      </p:sp>
-      <p:sp>
-        <p:nvSpPr>
-          <p:cNvPr id="5" name="Slide Number Placeholder 4"/>
-          <p:cNvSpPr>
-            <a:spLocks noGrp="1"/>
-          </p:cNvSpPr>
-          <p:nvPr>
-            <p:ph type="sldNum" sz="quarter" idx="12"/>
-          </p:nvPr>
-        </p:nvSpPr>
-        <p:spPr/>
-        <p:txBody>
-          <a:bodyPr/>
-          <a:lstStyle/>
-          <a:p>
-            <a:fld id="{85A8DA42-601D-40A8-83CA-2F2CBDE5F9F0}" type="slidenum">
-              <a:rPr lang="en-US" smtClean="0"/>
-              <a:t>8</a:t>
-            </a:fld>
-            <a:endParaRPr lang="en-US"/>
-          </a:p>
-        </p:txBody>
-      </p:sp>
-    </p:spTree>
-    <p:extLst>
-      <p:ext uri="{BB962C8B-B14F-4D97-AF65-F5344CB8AC3E}">
-        <p14:creationId xmlns:p14="http://schemas.microsoft.com/office/powerpoint/2010/main" val="2067321751"/>
-      </p:ext>
-    </p:extLst>
-  </p:cSld>
-  <p:clrMapOvr>
-    <a:masterClrMapping/>
-  </p:clrMapOvr>
-</p:sld>
-</file>
-
-<file path=ppt/slides/slide9.xml><?xml version="1.0" encoding="utf-8"?>
-<p:sld xmlns:a="http://schemas.openxmlformats.org/drawingml/2006/main" xmlns:r="http://schemas.openxmlformats.org/officeDocument/2006/relationships" xmlns:p="http://schemas.openxmlformats.org/presentationml/2006/main">
-  <p:cSld>
-    <p:spTree>
-      <p:nvGrpSpPr>
-        <p:cNvPr id="1" name=""/>
-        <p:cNvGrpSpPr/>
-        <p:nvPr/>
-      </p:nvGrpSpPr>
-      <p:grpSpPr>
-        <a:xfrm>
-          <a:off x="0" y="0"/>
-          <a:ext cx="0" cy="0"/>
-          <a:chOff x="0" y="0"/>
-          <a:chExt cx="0" cy="0"/>
-        </a:xfrm>
-      </p:grpSpPr>
-      <p:sp>
-        <p:nvSpPr>
-          <p:cNvPr id="2" name="Title 1"/>
-          <p:cNvSpPr>
-            <a:spLocks noGrp="1"/>
-          </p:cNvSpPr>
-          <p:nvPr>
-            <p:ph type="title"/>
-          </p:nvPr>
-        </p:nvSpPr>
-        <p:spPr/>
-        <p:txBody>
-          <a:bodyPr/>
-          <a:lstStyle/>
-          <a:p>
-            <a:r>
-              <a:rPr lang="en-US" dirty="0"/>
-              <a:t>Array Subscripts</a:t>
-            </a:r>
-          </a:p>
-        </p:txBody>
-      </p:sp>
-      <p:sp>
-        <p:nvSpPr>
-          <p:cNvPr id="5" name="Content Placeholder 4"/>
-          <p:cNvSpPr>
-            <a:spLocks noGrp="1"/>
-          </p:cNvSpPr>
-          <p:nvPr>
-            <p:ph idx="1"/>
-          </p:nvPr>
-        </p:nvSpPr>
-        <p:spPr>
-          <a:xfrm>
-            <a:off x="457200" y="1371600"/>
-            <a:ext cx="8229600" cy="3276600"/>
-          </a:xfrm>
-        </p:spPr>
-        <p:txBody>
-          <a:bodyPr>
-            <a:normAutofit/>
-          </a:bodyPr>
-          <a:lstStyle/>
-          <a:p>
-            <a:r>
-              <a:rPr lang="en-US" sz="2800" dirty="0"/>
-              <a:t>Syntax:</a:t>
-            </a:r>
-            <a:br>
-              <a:rPr lang="en-US" sz="2800" dirty="0"/>
-            </a:br>
-            <a:r>
-              <a:rPr lang="en-US" sz="2800" dirty="0"/>
-              <a:t> 		</a:t>
-            </a:r>
-            <a:r>
-              <a:rPr lang="en-US" sz="2800" i="1" dirty="0" err="1"/>
-              <a:t>aname</a:t>
-            </a:r>
-            <a:r>
-              <a:rPr lang="en-US" sz="2800" i="1" dirty="0"/>
-              <a:t> [subscript]</a:t>
-            </a:r>
-            <a:endParaRPr lang="en-US" sz="2800" dirty="0"/>
-          </a:p>
-          <a:p>
-            <a:r>
-              <a:rPr lang="en-US" sz="2800" dirty="0"/>
-              <a:t>Examples:</a:t>
-            </a:r>
-            <a:br>
-              <a:rPr lang="en-US" sz="2800" dirty="0"/>
-            </a:br>
-            <a:r>
-              <a:rPr lang="en-US" sz="2800" dirty="0"/>
-              <a:t>		</a:t>
-            </a:r>
-            <a:r>
-              <a:rPr lang="en-US" sz="2800" dirty="0">
-                <a:solidFill>
-                  <a:srgbClr val="7030A0"/>
-                </a:solidFill>
-              </a:rPr>
-              <a:t>x[3]</a:t>
-            </a:r>
-          </a:p>
-          <a:p>
-            <a:pPr marL="0" indent="0">
-              <a:buNone/>
-            </a:pPr>
-            <a:r>
-              <a:rPr lang="en-US" sz="2800" dirty="0">
-                <a:solidFill>
-                  <a:srgbClr val="7030A0"/>
-                </a:solidFill>
-              </a:rPr>
-              <a:t>		x[</a:t>
-            </a:r>
-            <a:r>
-              <a:rPr lang="en-US" sz="2800" dirty="0" err="1">
-                <a:solidFill>
-                  <a:srgbClr val="7030A0"/>
-                </a:solidFill>
-              </a:rPr>
-              <a:t>i</a:t>
-            </a:r>
-            <a:r>
-              <a:rPr lang="en-US" sz="2800" dirty="0">
-                <a:solidFill>
-                  <a:srgbClr val="7030A0"/>
-                </a:solidFill>
-              </a:rPr>
-              <a:t> + 1]</a:t>
-            </a:r>
-          </a:p>
-        </p:txBody>
-      </p:sp>
-      <p:sp>
-        <p:nvSpPr>
-          <p:cNvPr id="3" name="Footer Placeholder 2"/>
-          <p:cNvSpPr>
-            <a:spLocks noGrp="1"/>
-          </p:cNvSpPr>
-          <p:nvPr>
-            <p:ph type="ftr" sz="quarter" idx="11"/>
-          </p:nvPr>
-        </p:nvSpPr>
-        <p:spPr/>
-        <p:txBody>
-          <a:bodyPr/>
-          <a:lstStyle/>
-          <a:p>
-            <a:r>
-              <a:rPr lang="en-US"/>
-              <a:t>© 2016 Pearson Education, Inc., Hoboken, NJ.  All rights reserved.</a:t>
-            </a:r>
-          </a:p>
-        </p:txBody>
-      </p:sp>
-      <p:sp>
-        <p:nvSpPr>
-          <p:cNvPr id="4" name="Slide Number Placeholder 3"/>
-          <p:cNvSpPr>
-            <a:spLocks noGrp="1"/>
-          </p:cNvSpPr>
-          <p:nvPr>
-            <p:ph type="sldNum" sz="quarter" idx="12"/>
-          </p:nvPr>
-        </p:nvSpPr>
-        <p:spPr/>
-        <p:txBody>
-          <a:bodyPr/>
-          <a:lstStyle/>
-          <a:p>
-            <a:fld id="{85A8DA42-601D-40A8-83CA-2F2CBDE5F9F0}" type="slidenum">
-              <a:rPr lang="en-US" smtClean="0"/>
-              <a:t>9</a:t>
-            </a:fld>
-            <a:endParaRPr lang="en-US"/>
-          </a:p>
-        </p:txBody>
-      </p:sp>
-      <p:pic>
-        <p:nvPicPr>
-          <p:cNvPr id="4098" name="Picture 2"/>
-          <p:cNvPicPr>
-            <a:picLocks noChangeAspect="1" noChangeArrowheads="1"/>
-          </p:cNvPicPr>
-          <p:nvPr/>
-        </p:nvPicPr>
-        <p:blipFill>
-          <a:blip r:embed="rId2">
-            <a:extLst>
-              <a:ext uri="{28A0092B-C50C-407E-A947-70E740481C1C}">
-                <a14:useLocalDpi xmlns:a14="http://schemas.microsoft.com/office/drawing/2010/main" val="0"/>
-              </a:ext>
-            </a:extLst>
-          </a:blip>
-          <a:srcRect/>
-          <a:stretch>
-            <a:fillRect/>
-          </a:stretch>
-        </p:blipFill>
-        <p:spPr bwMode="auto">
-          <a:xfrm>
-            <a:off x="1290711" y="3886200"/>
-            <a:ext cx="6062100" cy="1590675"/>
-          </a:xfrm>
-          <a:prstGeom prst="rect">
-            <a:avLst/>
-          </a:prstGeom>
-          <a:noFill/>
-          <a:ln>
-            <a:noFill/>
-          </a:ln>
-          <a:extLst>
-            <a:ext uri="{909E8E84-426E-40DD-AFC4-6F175D3DCCD1}">
-              <a14:hiddenFill xmlns:a14="http://schemas.microsoft.com/office/drawing/2010/main">
-                <a:solidFill>
-                  <a:schemeClr val="accent1"/>
-                </a:solidFill>
-              </a14:hiddenFill>
-            </a:ext>
-            <a:ext uri="{91240B29-F687-4F45-9708-019B960494DF}">
-              <a14:hiddenLine xmlns:a14="http://schemas.microsoft.com/office/drawing/2010/main" w="9525">
-                <a:solidFill>
-                  <a:schemeClr val="tx1"/>
-                </a:solidFill>
-                <a:miter lim="800000"/>
-                <a:headEnd/>
-                <a:tailEnd/>
-              </a14:hiddenLine>
-            </a:ext>
-          </a:extLst>
-        </p:spPr>
-      </p:pic>
-    </p:spTree>
-    <p:extLst>
-      <p:ext uri="{BB962C8B-B14F-4D97-AF65-F5344CB8AC3E}">
-        <p14:creationId xmlns:p14="http://schemas.microsoft.com/office/powerpoint/2010/main" val="2727173568"/>
       </p:ext>
     </p:extLst>
   </p:cSld>

--- a/_teaching/csci112-fall-2023/lectures/ppts/Chapter7.pptx
+++ b/_teaching/csci112-fall-2023/lectures/ppts/Chapter7.pptx
@@ -5,7 +5,7 @@
     <p:sldMasterId id="2147483696" r:id="rId1"/>
   </p:sldMasterIdLst>
   <p:notesMasterIdLst>
-    <p:notesMasterId r:id="rId31"/>
+    <p:notesMasterId r:id="rId45"/>
   </p:notesMasterIdLst>
   <p:sldIdLst>
     <p:sldId id="256" r:id="rId2"/>
@@ -25,18 +25,32 @@
     <p:sldId id="287" r:id="rId16"/>
     <p:sldId id="315" r:id="rId17"/>
     <p:sldId id="316" r:id="rId18"/>
-    <p:sldId id="288" r:id="rId19"/>
-    <p:sldId id="286" r:id="rId20"/>
-    <p:sldId id="289" r:id="rId21"/>
-    <p:sldId id="290" r:id="rId22"/>
-    <p:sldId id="291" r:id="rId23"/>
-    <p:sldId id="292" r:id="rId24"/>
-    <p:sldId id="293" r:id="rId25"/>
-    <p:sldId id="294" r:id="rId26"/>
-    <p:sldId id="301" r:id="rId27"/>
-    <p:sldId id="303" r:id="rId28"/>
-    <p:sldId id="304" r:id="rId29"/>
-    <p:sldId id="269" r:id="rId30"/>
+    <p:sldId id="329" r:id="rId19"/>
+    <p:sldId id="288" r:id="rId20"/>
+    <p:sldId id="330" r:id="rId21"/>
+    <p:sldId id="334" r:id="rId22"/>
+    <p:sldId id="335" r:id="rId23"/>
+    <p:sldId id="336" r:id="rId24"/>
+    <p:sldId id="337" r:id="rId25"/>
+    <p:sldId id="338" r:id="rId26"/>
+    <p:sldId id="340" r:id="rId27"/>
+    <p:sldId id="342" r:id="rId28"/>
+    <p:sldId id="343" r:id="rId29"/>
+    <p:sldId id="344" r:id="rId30"/>
+    <p:sldId id="345" r:id="rId31"/>
+    <p:sldId id="346" r:id="rId32"/>
+    <p:sldId id="347" r:id="rId33"/>
+    <p:sldId id="286" r:id="rId34"/>
+    <p:sldId id="289" r:id="rId35"/>
+    <p:sldId id="290" r:id="rId36"/>
+    <p:sldId id="291" r:id="rId37"/>
+    <p:sldId id="292" r:id="rId38"/>
+    <p:sldId id="293" r:id="rId39"/>
+    <p:sldId id="294" r:id="rId40"/>
+    <p:sldId id="301" r:id="rId41"/>
+    <p:sldId id="303" r:id="rId42"/>
+    <p:sldId id="304" r:id="rId43"/>
+    <p:sldId id="269" r:id="rId44"/>
   </p:sldIdLst>
   <p:sldSz cx="9144000" cy="6858000" type="screen4x3"/>
   <p:notesSz cx="6858000" cy="9144000"/>
@@ -236,7 +250,7 @@
           <a:p>
             <a:fld id="{E98CB7A6-F9BD-49C3-9ECF-4DAF095CBB1C}" type="datetimeFigureOut">
               <a:rPr lang="en-US" smtClean="0"/>
-              <a:t>9/21/23</a:t>
+              <a:t>9/25/23</a:t>
             </a:fld>
             <a:endParaRPr lang="en-US"/>
           </a:p>
@@ -682,7 +696,7 @@
           <a:p>
             <a:fld id="{E3D5AC34-6369-47AD-9227-C94D863A9CC0}" type="datetime1">
               <a:rPr lang="en-US" smtClean="0"/>
-              <a:t>9/21/23</a:t>
+              <a:t>9/25/23</a:t>
             </a:fld>
             <a:endParaRPr lang="en-US"/>
           </a:p>
@@ -853,7 +867,7 @@
           <a:p>
             <a:fld id="{072AE9C9-84B0-4CCC-8BB5-D31EF955DABF}" type="datetime1">
               <a:rPr lang="en-US" smtClean="0"/>
-              <a:t>9/21/23</a:t>
+              <a:t>9/25/23</a:t>
             </a:fld>
             <a:endParaRPr lang="en-US"/>
           </a:p>
@@ -1034,7 +1048,7 @@
           <a:p>
             <a:fld id="{418459C9-6810-46A7-8E27-73A52524CA34}" type="datetime1">
               <a:rPr lang="en-US" smtClean="0"/>
-              <a:t>9/21/23</a:t>
+              <a:t>9/25/23</a:t>
             </a:fld>
             <a:endParaRPr lang="en-US"/>
           </a:p>
@@ -1205,7 +1219,7 @@
           <a:p>
             <a:fld id="{F7BCA306-D31B-4E3C-AD40-EA3294957AA6}" type="datetime1">
               <a:rPr lang="en-US" smtClean="0"/>
-              <a:t>9/21/23</a:t>
+              <a:t>9/25/23</a:t>
             </a:fld>
             <a:endParaRPr lang="en-US"/>
           </a:p>
@@ -1453,7 +1467,7 @@
           <a:p>
             <a:fld id="{5C41660C-86E2-43CF-B22A-29E62815AB7D}" type="datetime1">
               <a:rPr lang="en-US" smtClean="0"/>
-              <a:t>9/21/23</a:t>
+              <a:t>9/25/23</a:t>
             </a:fld>
             <a:endParaRPr lang="en-US"/>
           </a:p>
@@ -1741,7 +1755,7 @@
           <a:p>
             <a:fld id="{94543629-6BC7-4BF9-A2A1-981038F36C55}" type="datetime1">
               <a:rPr lang="en-US" smtClean="0"/>
-              <a:t>9/21/23</a:t>
+              <a:t>9/25/23</a:t>
             </a:fld>
             <a:endParaRPr lang="en-US"/>
           </a:p>
@@ -2163,7 +2177,7 @@
           <a:p>
             <a:fld id="{EB5B99CF-F104-4BC6-A098-3ABC219C8A7D}" type="datetime1">
               <a:rPr lang="en-US" smtClean="0"/>
-              <a:t>9/21/23</a:t>
+              <a:t>9/25/23</a:t>
             </a:fld>
             <a:endParaRPr lang="en-US"/>
           </a:p>
@@ -2283,7 +2297,7 @@
           <a:p>
             <a:fld id="{C07800F5-980D-47D4-9F20-E5F458E76937}" type="datetime1">
               <a:rPr lang="en-US" smtClean="0"/>
-              <a:t>9/21/23</a:t>
+              <a:t>9/25/23</a:t>
             </a:fld>
             <a:endParaRPr lang="en-US"/>
           </a:p>
@@ -2381,7 +2395,7 @@
           <a:p>
             <a:fld id="{913B0C59-39A1-4E7B-8276-56A7060F0A3E}" type="datetime1">
               <a:rPr lang="en-US" smtClean="0"/>
-              <a:t>9/21/23</a:t>
+              <a:t>9/25/23</a:t>
             </a:fld>
             <a:endParaRPr lang="en-US"/>
           </a:p>
@@ -2659,7 +2673,7 @@
           <a:p>
             <a:fld id="{C453B8A8-F829-4B10-8A5D-952BBAE5F11B}" type="datetime1">
               <a:rPr lang="en-US" smtClean="0"/>
-              <a:t>9/21/23</a:t>
+              <a:t>9/25/23</a:t>
             </a:fld>
             <a:endParaRPr lang="en-US"/>
           </a:p>
@@ -2914,7 +2928,7 @@
           <a:p>
             <a:fld id="{805C8FAD-01C2-4C81-8B26-770D72A95E71}" type="datetime1">
               <a:rPr lang="en-US" smtClean="0"/>
-              <a:t>9/21/23</a:t>
+              <a:t>9/25/23</a:t>
             </a:fld>
             <a:endParaRPr lang="en-US"/>
           </a:p>
@@ -3128,7 +3142,7 @@
           <a:p>
             <a:fld id="{3E62D69C-6875-48F7-B20D-CB317DFF406B}" type="datetime1">
               <a:rPr lang="en-US" smtClean="0"/>
-              <a:t>9/21/23</a:t>
+              <a:t>9/25/23</a:t>
             </a:fld>
             <a:endParaRPr lang="en-US"/>
           </a:p>
@@ -5170,7 +5184,7 @@
     </p:spTree>
     <p:extLst>
       <p:ext uri="{BB962C8B-B14F-4D97-AF65-F5344CB8AC3E}">
-        <p14:creationId xmlns:p14="http://schemas.microsoft.com/office/powerpoint/2010/main" val="4003145486"/>
+        <p14:creationId xmlns:p14="http://schemas.microsoft.com/office/powerpoint/2010/main" val="2225935919"/>
       </p:ext>
     </p:extLst>
   </p:cSld>
@@ -5199,7 +5213,57 @@
       </p:grpSpPr>
       <p:sp>
         <p:nvSpPr>
-          <p:cNvPr id="2" name="Footer Placeholder 1"/>
+          <p:cNvPr id="2" name="Title 1"/>
+          <p:cNvSpPr>
+            <a:spLocks noGrp="1"/>
+          </p:cNvSpPr>
+          <p:nvPr>
+            <p:ph type="title"/>
+          </p:nvPr>
+        </p:nvSpPr>
+        <p:spPr/>
+        <p:txBody>
+          <a:bodyPr/>
+          <a:lstStyle/>
+          <a:p>
+            <a:r>
+              <a:rPr lang="en-US" dirty="0"/>
+              <a:t>Variable scope</a:t>
+            </a:r>
+          </a:p>
+        </p:txBody>
+      </p:sp>
+      <p:sp>
+        <p:nvSpPr>
+          <p:cNvPr id="3" name="Content Placeholder 2"/>
+          <p:cNvSpPr>
+            <a:spLocks noGrp="1"/>
+          </p:cNvSpPr>
+          <p:nvPr>
+            <p:ph idx="1"/>
+          </p:nvPr>
+        </p:nvSpPr>
+        <p:spPr/>
+        <p:txBody>
+          <a:bodyPr/>
+          <a:lstStyle/>
+          <a:p>
+            <a:r>
+              <a:rPr lang="en-US" dirty="0"/>
+              <a:t>Part of a program where a variable is accessible</a:t>
+            </a:r>
+          </a:p>
+          <a:p>
+            <a:r>
+              <a:rPr lang="en-US" dirty="0"/>
+              <a:t>Lifetime of a variable</a:t>
+            </a:r>
+          </a:p>
+        </p:txBody>
+      </p:sp>
+      <p:sp>
+        <p:nvSpPr>
+          <p:cNvPr id="4" name="Footer Placeholder 3"/>
           <p:cNvSpPr>
             <a:spLocks noGrp="1"/>
           </p:cNvSpPr>
@@ -5221,7 +5285,7 @@
       </p:sp>
       <p:sp>
         <p:nvSpPr>
-          <p:cNvPr id="3" name="Slide Number Placeholder 2"/>
+          <p:cNvPr id="5" name="Slide Number Placeholder 4"/>
           <p:cNvSpPr>
             <a:spLocks noGrp="1"/>
           </p:cNvSpPr>
@@ -5237,6 +5301,6994 @@
             <a:fld id="{85A8DA42-601D-40A8-83CA-2F2CBDE5F9F0}" type="slidenum">
               <a:rPr lang="en-US" smtClean="0"/>
               <a:t>19</a:t>
+            </a:fld>
+            <a:endParaRPr lang="en-US"/>
+          </a:p>
+        </p:txBody>
+      </p:sp>
+    </p:spTree>
+    <p:extLst>
+      <p:ext uri="{BB962C8B-B14F-4D97-AF65-F5344CB8AC3E}">
+        <p14:creationId xmlns:p14="http://schemas.microsoft.com/office/powerpoint/2010/main" val="4003145486"/>
+      </p:ext>
+    </p:extLst>
+  </p:cSld>
+  <p:clrMapOvr>
+    <a:masterClrMapping/>
+  </p:clrMapOvr>
+</p:sld>
+</file>
+
+<file path=ppt/slides/slide2.xml><?xml version="1.0" encoding="utf-8"?>
+<p:sld xmlns:a="http://schemas.openxmlformats.org/drawingml/2006/main" xmlns:r="http://schemas.openxmlformats.org/officeDocument/2006/relationships" xmlns:p="http://schemas.openxmlformats.org/presentationml/2006/main">
+  <p:cSld>
+    <p:spTree>
+      <p:nvGrpSpPr>
+        <p:cNvPr id="1" name=""/>
+        <p:cNvGrpSpPr/>
+        <p:nvPr/>
+      </p:nvGrpSpPr>
+      <p:grpSpPr>
+        <a:xfrm>
+          <a:off x="0" y="0"/>
+          <a:ext cx="0" cy="0"/>
+          <a:chOff x="0" y="0"/>
+          <a:chExt cx="0" cy="0"/>
+        </a:xfrm>
+      </p:grpSpPr>
+      <p:sp>
+        <p:nvSpPr>
+          <p:cNvPr id="2" name="Title 1"/>
+          <p:cNvSpPr>
+            <a:spLocks noGrp="1"/>
+          </p:cNvSpPr>
+          <p:nvPr>
+            <p:ph type="title"/>
+          </p:nvPr>
+        </p:nvSpPr>
+        <p:spPr/>
+        <p:txBody>
+          <a:bodyPr/>
+          <a:lstStyle/>
+          <a:p>
+            <a:r>
+              <a:rPr lang="en-US" dirty="0"/>
+              <a:t>Chapter Objectives</a:t>
+            </a:r>
+          </a:p>
+        </p:txBody>
+      </p:sp>
+      <p:sp>
+        <p:nvSpPr>
+          <p:cNvPr id="3" name="Content Placeholder 2"/>
+          <p:cNvSpPr>
+            <a:spLocks noGrp="1"/>
+          </p:cNvSpPr>
+          <p:nvPr>
+            <p:ph idx="1"/>
+          </p:nvPr>
+        </p:nvSpPr>
+        <p:spPr/>
+        <p:txBody>
+          <a:bodyPr>
+            <a:normAutofit/>
+          </a:bodyPr>
+          <a:lstStyle/>
+          <a:p>
+            <a:r>
+              <a:rPr lang="en-US" dirty="0"/>
+              <a:t>To learn how to declare and use arrays for storing collections of values of the same type</a:t>
+            </a:r>
+          </a:p>
+          <a:p>
+            <a:r>
+              <a:rPr lang="en-US" dirty="0"/>
+              <a:t>To understand how to use a subscript to reference the individual values in an array</a:t>
+            </a:r>
+          </a:p>
+          <a:p>
+            <a:r>
+              <a:rPr lang="en-US" dirty="0"/>
+              <a:t>To learn how to process the elements of an array in sequential order using loops</a:t>
+            </a:r>
+          </a:p>
+        </p:txBody>
+      </p:sp>
+      <p:sp>
+        <p:nvSpPr>
+          <p:cNvPr id="4" name="Footer Placeholder 3"/>
+          <p:cNvSpPr>
+            <a:spLocks noGrp="1"/>
+          </p:cNvSpPr>
+          <p:nvPr>
+            <p:ph type="ftr" sz="quarter" idx="11"/>
+          </p:nvPr>
+        </p:nvSpPr>
+        <p:spPr/>
+        <p:txBody>
+          <a:bodyPr/>
+          <a:lstStyle/>
+          <a:p>
+            <a:r>
+              <a:rPr lang="en-US"/>
+              <a:t>© 2016 Pearson Education, Inc., Hoboken, NJ.  All rights reserved.</a:t>
+            </a:r>
+          </a:p>
+        </p:txBody>
+      </p:sp>
+      <p:sp>
+        <p:nvSpPr>
+          <p:cNvPr id="5" name="Slide Number Placeholder 4"/>
+          <p:cNvSpPr>
+            <a:spLocks noGrp="1"/>
+          </p:cNvSpPr>
+          <p:nvPr>
+            <p:ph type="sldNum" sz="quarter" idx="12"/>
+          </p:nvPr>
+        </p:nvSpPr>
+        <p:spPr/>
+        <p:txBody>
+          <a:bodyPr/>
+          <a:lstStyle/>
+          <a:p>
+            <a:fld id="{85A8DA42-601D-40A8-83CA-2F2CBDE5F9F0}" type="slidenum">
+              <a:rPr lang="en-US" smtClean="0"/>
+              <a:t>2</a:t>
+            </a:fld>
+            <a:endParaRPr lang="en-US"/>
+          </a:p>
+        </p:txBody>
+      </p:sp>
+    </p:spTree>
+    <p:extLst>
+      <p:ext uri="{BB962C8B-B14F-4D97-AF65-F5344CB8AC3E}">
+        <p14:creationId xmlns:p14="http://schemas.microsoft.com/office/powerpoint/2010/main" val="2944743484"/>
+      </p:ext>
+    </p:extLst>
+  </p:cSld>
+  <p:clrMapOvr>
+    <a:masterClrMapping/>
+  </p:clrMapOvr>
+</p:sld>
+</file>
+
+<file path=ppt/slides/slide20.xml><?xml version="1.0" encoding="utf-8"?>
+<p:sld xmlns:a="http://schemas.openxmlformats.org/drawingml/2006/main" xmlns:r="http://schemas.openxmlformats.org/officeDocument/2006/relationships" xmlns:p="http://schemas.openxmlformats.org/presentationml/2006/main">
+  <p:cSld>
+    <p:spTree>
+      <p:nvGrpSpPr>
+        <p:cNvPr id="1" name=""/>
+        <p:cNvGrpSpPr/>
+        <p:nvPr/>
+      </p:nvGrpSpPr>
+      <p:grpSpPr>
+        <a:xfrm>
+          <a:off x="0" y="0"/>
+          <a:ext cx="0" cy="0"/>
+          <a:chOff x="0" y="0"/>
+          <a:chExt cx="0" cy="0"/>
+        </a:xfrm>
+      </p:grpSpPr>
+      <p:sp>
+        <p:nvSpPr>
+          <p:cNvPr id="4" name="Footer Placeholder 3">
+            <a:extLst>
+              <a:ext uri="{FF2B5EF4-FFF2-40B4-BE49-F238E27FC236}">
+                <a16:creationId xmlns:a16="http://schemas.microsoft.com/office/drawing/2014/main" id="{2B8638F2-FC22-9C4C-8FEB-3A774C2E675F}"/>
+              </a:ext>
+            </a:extLst>
+          </p:cNvPr>
+          <p:cNvSpPr>
+            <a:spLocks noGrp="1"/>
+          </p:cNvSpPr>
+          <p:nvPr>
+            <p:ph type="ftr" sz="quarter" idx="11"/>
+          </p:nvPr>
+        </p:nvSpPr>
+        <p:spPr/>
+        <p:txBody>
+          <a:bodyPr/>
+          <a:lstStyle/>
+          <a:p>
+            <a:r>
+              <a:rPr lang="en-US"/>
+              <a:t>© 2016 Pearson Education, Inc., Hoboken, NJ.  All rights reserved.</a:t>
+            </a:r>
+          </a:p>
+        </p:txBody>
+      </p:sp>
+      <p:sp>
+        <p:nvSpPr>
+          <p:cNvPr id="5" name="Slide Number Placeholder 4">
+            <a:extLst>
+              <a:ext uri="{FF2B5EF4-FFF2-40B4-BE49-F238E27FC236}">
+                <a16:creationId xmlns:a16="http://schemas.microsoft.com/office/drawing/2014/main" id="{5BE5DE56-09CD-6F4F-880E-F194CA1828DC}"/>
+              </a:ext>
+            </a:extLst>
+          </p:cNvPr>
+          <p:cNvSpPr>
+            <a:spLocks noGrp="1"/>
+          </p:cNvSpPr>
+          <p:nvPr>
+            <p:ph type="sldNum" sz="quarter" idx="12"/>
+          </p:nvPr>
+        </p:nvSpPr>
+        <p:spPr/>
+        <p:txBody>
+          <a:bodyPr/>
+          <a:lstStyle/>
+          <a:p>
+            <a:fld id="{85A8DA42-601D-40A8-83CA-2F2CBDE5F9F0}" type="slidenum">
+              <a:rPr lang="en-US" smtClean="0"/>
+              <a:t>20</a:t>
+            </a:fld>
+            <a:endParaRPr lang="en-US"/>
+          </a:p>
+        </p:txBody>
+      </p:sp>
+      <p:pic>
+        <p:nvPicPr>
+          <p:cNvPr id="6" name="Picture 5">
+            <a:extLst>
+              <a:ext uri="{FF2B5EF4-FFF2-40B4-BE49-F238E27FC236}">
+                <a16:creationId xmlns:a16="http://schemas.microsoft.com/office/drawing/2014/main" id="{710E87FD-6625-8E48-B322-8AD35B212987}"/>
+              </a:ext>
+            </a:extLst>
+          </p:cNvPr>
+          <p:cNvPicPr>
+            <a:picLocks noChangeAspect="1" noChangeArrowheads="1"/>
+          </p:cNvPicPr>
+          <p:nvPr/>
+        </p:nvPicPr>
+        <p:blipFill>
+          <a:blip r:embed="rId2">
+            <a:extLst>
+              <a:ext uri="{28A0092B-C50C-407E-A947-70E740481C1C}">
+                <a14:useLocalDpi xmlns:a14="http://schemas.microsoft.com/office/drawing/2010/main" val="0"/>
+              </a:ext>
+            </a:extLst>
+          </a:blip>
+          <a:srcRect/>
+          <a:stretch>
+            <a:fillRect/>
+          </a:stretch>
+        </p:blipFill>
+        <p:spPr bwMode="auto">
+          <a:xfrm>
+            <a:off x="1066800" y="-870"/>
+            <a:ext cx="6080614" cy="6920564"/>
+          </a:xfrm>
+          <a:prstGeom prst="rect">
+            <a:avLst/>
+          </a:prstGeom>
+          <a:noFill/>
+          <a:ln>
+            <a:noFill/>
+          </a:ln>
+          <a:extLst>
+            <a:ext uri="{909E8E84-426E-40DD-AFC4-6F175D3DCCD1}">
+              <a14:hiddenFill xmlns:a14="http://schemas.microsoft.com/office/drawing/2010/main">
+                <a:solidFill>
+                  <a:srgbClr val="FFFFFF"/>
+                </a:solidFill>
+              </a14:hiddenFill>
+            </a:ext>
+            <a:ext uri="{91240B29-F687-4F45-9708-019B960494DF}">
+              <a14:hiddenLine xmlns:a14="http://schemas.microsoft.com/office/drawing/2010/main" w="9525">
+                <a:solidFill>
+                  <a:srgbClr val="000000"/>
+                </a:solidFill>
+                <a:miter lim="800000"/>
+                <a:headEnd/>
+                <a:tailEnd/>
+              </a14:hiddenLine>
+            </a:ext>
+          </a:extLst>
+        </p:spPr>
+      </p:pic>
+    </p:spTree>
+    <p:extLst>
+      <p:ext uri="{BB962C8B-B14F-4D97-AF65-F5344CB8AC3E}">
+        <p14:creationId xmlns:p14="http://schemas.microsoft.com/office/powerpoint/2010/main" val="3123282246"/>
+      </p:ext>
+    </p:extLst>
+  </p:cSld>
+  <p:clrMapOvr>
+    <a:masterClrMapping/>
+  </p:clrMapOvr>
+</p:sld>
+</file>
+
+<file path=ppt/slides/slide21.xml><?xml version="1.0" encoding="utf-8"?>
+<p:sld xmlns:a="http://schemas.openxmlformats.org/drawingml/2006/main" xmlns:r="http://schemas.openxmlformats.org/officeDocument/2006/relationships" xmlns:p="http://schemas.openxmlformats.org/presentationml/2006/main">
+  <p:cSld>
+    <p:spTree>
+      <p:nvGrpSpPr>
+        <p:cNvPr id="1" name=""/>
+        <p:cNvGrpSpPr/>
+        <p:nvPr/>
+      </p:nvGrpSpPr>
+      <p:grpSpPr>
+        <a:xfrm>
+          <a:off x="0" y="0"/>
+          <a:ext cx="0" cy="0"/>
+          <a:chOff x="0" y="0"/>
+          <a:chExt cx="0" cy="0"/>
+        </a:xfrm>
+      </p:grpSpPr>
+      <p:sp>
+        <p:nvSpPr>
+          <p:cNvPr id="2" name="Title 1">
+            <a:extLst>
+              <a:ext uri="{FF2B5EF4-FFF2-40B4-BE49-F238E27FC236}">
+                <a16:creationId xmlns:a16="http://schemas.microsoft.com/office/drawing/2014/main" id="{5BA53607-33FD-F54D-8702-AE3D19476B4D}"/>
+              </a:ext>
+            </a:extLst>
+          </p:cNvPr>
+          <p:cNvSpPr>
+            <a:spLocks noGrp="1"/>
+          </p:cNvSpPr>
+          <p:nvPr>
+            <p:ph type="title"/>
+          </p:nvPr>
+        </p:nvSpPr>
+        <p:spPr>
+          <a:xfrm>
+            <a:off x="152400" y="228600"/>
+            <a:ext cx="5791200" cy="1143000"/>
+          </a:xfrm>
+        </p:spPr>
+        <p:txBody>
+          <a:bodyPr>
+            <a:normAutofit fontScale="90000"/>
+          </a:bodyPr>
+          <a:lstStyle/>
+          <a:p>
+            <a:pPr algn="l"/>
+            <a:r>
+              <a:rPr lang="en-US" dirty="0"/>
+              <a:t>What happens when we run our executable file?</a:t>
+            </a:r>
+          </a:p>
+        </p:txBody>
+      </p:sp>
+      <p:sp>
+        <p:nvSpPr>
+          <p:cNvPr id="4" name="Footer Placeholder 3">
+            <a:extLst>
+              <a:ext uri="{FF2B5EF4-FFF2-40B4-BE49-F238E27FC236}">
+                <a16:creationId xmlns:a16="http://schemas.microsoft.com/office/drawing/2014/main" id="{EC46FAB2-42F5-EA47-B9F9-FA24D3A6BABC}"/>
+              </a:ext>
+            </a:extLst>
+          </p:cNvPr>
+          <p:cNvSpPr>
+            <a:spLocks noGrp="1"/>
+          </p:cNvSpPr>
+          <p:nvPr>
+            <p:ph type="ftr" sz="quarter" idx="11"/>
+          </p:nvPr>
+        </p:nvSpPr>
+        <p:spPr/>
+        <p:txBody>
+          <a:bodyPr/>
+          <a:lstStyle/>
+          <a:p>
+            <a:r>
+              <a:rPr lang="en-US"/>
+              <a:t>© 2016 Pearson Education, Inc., Hoboken, NJ.  All rights reserved.</a:t>
+            </a:r>
+          </a:p>
+        </p:txBody>
+      </p:sp>
+      <p:sp>
+        <p:nvSpPr>
+          <p:cNvPr id="5" name="Slide Number Placeholder 4">
+            <a:extLst>
+              <a:ext uri="{FF2B5EF4-FFF2-40B4-BE49-F238E27FC236}">
+                <a16:creationId xmlns:a16="http://schemas.microsoft.com/office/drawing/2014/main" id="{CF225639-41CB-C84A-A45E-6B54E69D6EA2}"/>
+              </a:ext>
+            </a:extLst>
+          </p:cNvPr>
+          <p:cNvSpPr>
+            <a:spLocks noGrp="1"/>
+          </p:cNvSpPr>
+          <p:nvPr>
+            <p:ph type="sldNum" sz="quarter" idx="12"/>
+          </p:nvPr>
+        </p:nvSpPr>
+        <p:spPr/>
+        <p:txBody>
+          <a:bodyPr/>
+          <a:lstStyle/>
+          <a:p>
+            <a:fld id="{85A8DA42-601D-40A8-83CA-2F2CBDE5F9F0}" type="slidenum">
+              <a:rPr lang="en-US" smtClean="0"/>
+              <a:t>21</a:t>
+            </a:fld>
+            <a:endParaRPr lang="en-US"/>
+          </a:p>
+        </p:txBody>
+      </p:sp>
+      <p:sp>
+        <p:nvSpPr>
+          <p:cNvPr id="6" name="TextBox 5">
+            <a:extLst>
+              <a:ext uri="{FF2B5EF4-FFF2-40B4-BE49-F238E27FC236}">
+                <a16:creationId xmlns:a16="http://schemas.microsoft.com/office/drawing/2014/main" id="{50DC082E-8F94-D042-9C36-A979691D14ED}"/>
+              </a:ext>
+            </a:extLst>
+          </p:cNvPr>
+          <p:cNvSpPr txBox="1"/>
+          <p:nvPr/>
+        </p:nvSpPr>
+        <p:spPr>
+          <a:xfrm>
+            <a:off x="381000" y="1715294"/>
+            <a:ext cx="3004797" cy="4832092"/>
+          </a:xfrm>
+          <a:prstGeom prst="rect">
+            <a:avLst/>
+          </a:prstGeom>
+          <a:noFill/>
+        </p:spPr>
+        <p:txBody>
+          <a:bodyPr wrap="none" lIns="91440" tIns="45720" rIns="91440" bIns="45720" rtlCol="0" anchor="t">
+            <a:spAutoFit/>
+          </a:bodyPr>
+          <a:lstStyle/>
+          <a:p>
+            <a:r>
+              <a:rPr lang="en-US" sz="2800" dirty="0"/>
+              <a:t>func2() {</a:t>
+            </a:r>
+          </a:p>
+          <a:p>
+            <a:r>
+              <a:rPr lang="en-US" sz="2800" dirty="0"/>
+              <a:t>    </a:t>
+            </a:r>
+            <a:r>
+              <a:rPr lang="en-US" sz="2800" dirty="0" err="1"/>
+              <a:t>printf</a:t>
+            </a:r>
+            <a:r>
+              <a:rPr lang="en-US" sz="2800" dirty="0"/>
+              <a:t>(“%d\n”, x);</a:t>
+            </a:r>
+          </a:p>
+          <a:p>
+            <a:r>
+              <a:rPr lang="en-US" sz="2800" dirty="0"/>
+              <a:t>}</a:t>
+            </a:r>
+          </a:p>
+          <a:p>
+            <a:r>
+              <a:rPr lang="en-US" sz="2800" dirty="0"/>
+              <a:t>func1() {</a:t>
+            </a:r>
+          </a:p>
+          <a:p>
+            <a:r>
+              <a:rPr lang="en-US" sz="2800" dirty="0"/>
+              <a:t>    int x = 1;</a:t>
+            </a:r>
+          </a:p>
+          <a:p>
+            <a:r>
+              <a:rPr lang="en-US" sz="2800" dirty="0"/>
+              <a:t>    func2();</a:t>
+            </a:r>
+          </a:p>
+          <a:p>
+            <a:r>
+              <a:rPr lang="en-US" sz="2800" dirty="0"/>
+              <a:t>}</a:t>
+            </a:r>
+          </a:p>
+          <a:p>
+            <a:r>
+              <a:rPr lang="en-US" sz="2800" dirty="0"/>
+              <a:t>int main(void) {</a:t>
+            </a:r>
+          </a:p>
+          <a:p>
+            <a:r>
+              <a:rPr lang="en-US" sz="2800" dirty="0"/>
+              <a:t>    char letter=’c’</a:t>
+            </a:r>
+          </a:p>
+          <a:p>
+            <a:r>
+              <a:rPr lang="en-US" sz="2800" dirty="0"/>
+              <a:t>    func1();</a:t>
+            </a:r>
+          </a:p>
+          <a:p>
+            <a:r>
+              <a:rPr lang="en-US" sz="2800" dirty="0"/>
+              <a:t>}</a:t>
+            </a:r>
+          </a:p>
+        </p:txBody>
+      </p:sp>
+      <p:sp>
+        <p:nvSpPr>
+          <p:cNvPr id="10" name="TextBox 9">
+            <a:extLst>
+              <a:ext uri="{FF2B5EF4-FFF2-40B4-BE49-F238E27FC236}">
+                <a16:creationId xmlns:a16="http://schemas.microsoft.com/office/drawing/2014/main" id="{3B56C694-A236-ED47-9EFF-95E8E47DAC0D}"/>
+              </a:ext>
+            </a:extLst>
+          </p:cNvPr>
+          <p:cNvSpPr txBox="1"/>
+          <p:nvPr/>
+        </p:nvSpPr>
+        <p:spPr>
+          <a:xfrm>
+            <a:off x="5851635" y="1569107"/>
+            <a:ext cx="2012730" cy="707886"/>
+          </a:xfrm>
+          <a:prstGeom prst="rect">
+            <a:avLst/>
+          </a:prstGeom>
+          <a:noFill/>
+        </p:spPr>
+        <p:txBody>
+          <a:bodyPr wrap="none" rtlCol="0">
+            <a:spAutoFit/>
+          </a:bodyPr>
+          <a:lstStyle/>
+          <a:p>
+            <a:r>
+              <a:rPr lang="en-US" sz="4000" b="1" dirty="0"/>
+              <a:t>Memory</a:t>
+            </a:r>
+          </a:p>
+        </p:txBody>
+      </p:sp>
+      <p:pic>
+        <p:nvPicPr>
+          <p:cNvPr id="12" name="Picture 11">
+            <a:extLst>
+              <a:ext uri="{FF2B5EF4-FFF2-40B4-BE49-F238E27FC236}">
+                <a16:creationId xmlns:a16="http://schemas.microsoft.com/office/drawing/2014/main" id="{634D96A3-D02E-2B47-BBA1-85EB85814E6C}"/>
+              </a:ext>
+            </a:extLst>
+          </p:cNvPr>
+          <p:cNvPicPr>
+            <a:picLocks noChangeAspect="1"/>
+          </p:cNvPicPr>
+          <p:nvPr/>
+        </p:nvPicPr>
+        <p:blipFill>
+          <a:blip r:embed="rId2"/>
+          <a:stretch>
+            <a:fillRect/>
+          </a:stretch>
+        </p:blipFill>
+        <p:spPr>
+          <a:xfrm>
+            <a:off x="5410200" y="178341"/>
+            <a:ext cx="3340100" cy="1358900"/>
+          </a:xfrm>
+          <a:prstGeom prst="rect">
+            <a:avLst/>
+          </a:prstGeom>
+        </p:spPr>
+      </p:pic>
+      <p:sp>
+        <p:nvSpPr>
+          <p:cNvPr id="13" name="Rectangle 12">
+            <a:extLst>
+              <a:ext uri="{FF2B5EF4-FFF2-40B4-BE49-F238E27FC236}">
+                <a16:creationId xmlns:a16="http://schemas.microsoft.com/office/drawing/2014/main" id="{129AE26D-6811-D54C-82DF-27CBAF9889CF}"/>
+              </a:ext>
+            </a:extLst>
+          </p:cNvPr>
+          <p:cNvSpPr/>
+          <p:nvPr/>
+        </p:nvSpPr>
+        <p:spPr>
+          <a:xfrm>
+            <a:off x="5410200" y="2286000"/>
+            <a:ext cx="3340100" cy="3726656"/>
+          </a:xfrm>
+          <a:prstGeom prst="rect">
+            <a:avLst/>
+          </a:prstGeom>
+          <a:solidFill>
+            <a:srgbClr val="3A92FC">
+              <a:alpha val="36863"/>
+            </a:srgbClr>
+          </a:solidFill>
+        </p:spPr>
+        <p:style>
+          <a:lnRef idx="2">
+            <a:schemeClr val="accent1">
+              <a:shade val="50000"/>
+            </a:schemeClr>
+          </a:lnRef>
+          <a:fillRef idx="1">
+            <a:schemeClr val="accent1"/>
+          </a:fillRef>
+          <a:effectRef idx="0">
+            <a:schemeClr val="accent1"/>
+          </a:effectRef>
+          <a:fontRef idx="minor">
+            <a:schemeClr val="lt1"/>
+          </a:fontRef>
+        </p:style>
+        <p:txBody>
+          <a:bodyPr rtlCol="0" anchor="ctr"/>
+          <a:lstStyle/>
+          <a:p>
+            <a:pPr algn="ctr"/>
+            <a:endParaRPr lang="en-US"/>
+          </a:p>
+        </p:txBody>
+      </p:sp>
+    </p:spTree>
+    <p:extLst>
+      <p:ext uri="{BB962C8B-B14F-4D97-AF65-F5344CB8AC3E}">
+        <p14:creationId xmlns:p14="http://schemas.microsoft.com/office/powerpoint/2010/main" val="1885706451"/>
+      </p:ext>
+    </p:extLst>
+  </p:cSld>
+  <p:clrMapOvr>
+    <a:masterClrMapping/>
+  </p:clrMapOvr>
+</p:sld>
+</file>
+
+<file path=ppt/slides/slide22.xml><?xml version="1.0" encoding="utf-8"?>
+<p:sld xmlns:a="http://schemas.openxmlformats.org/drawingml/2006/main" xmlns:r="http://schemas.openxmlformats.org/officeDocument/2006/relationships" xmlns:p="http://schemas.openxmlformats.org/presentationml/2006/main">
+  <p:cSld>
+    <p:spTree>
+      <p:nvGrpSpPr>
+        <p:cNvPr id="1" name=""/>
+        <p:cNvGrpSpPr/>
+        <p:nvPr/>
+      </p:nvGrpSpPr>
+      <p:grpSpPr>
+        <a:xfrm>
+          <a:off x="0" y="0"/>
+          <a:ext cx="0" cy="0"/>
+          <a:chOff x="0" y="0"/>
+          <a:chExt cx="0" cy="0"/>
+        </a:xfrm>
+      </p:grpSpPr>
+      <p:sp>
+        <p:nvSpPr>
+          <p:cNvPr id="2" name="Title 1">
+            <a:extLst>
+              <a:ext uri="{FF2B5EF4-FFF2-40B4-BE49-F238E27FC236}">
+                <a16:creationId xmlns:a16="http://schemas.microsoft.com/office/drawing/2014/main" id="{5BA53607-33FD-F54D-8702-AE3D19476B4D}"/>
+              </a:ext>
+            </a:extLst>
+          </p:cNvPr>
+          <p:cNvSpPr>
+            <a:spLocks noGrp="1"/>
+          </p:cNvSpPr>
+          <p:nvPr>
+            <p:ph type="title"/>
+          </p:nvPr>
+        </p:nvSpPr>
+        <p:spPr>
+          <a:xfrm>
+            <a:off x="152400" y="228600"/>
+            <a:ext cx="5791200" cy="1143000"/>
+          </a:xfrm>
+        </p:spPr>
+        <p:txBody>
+          <a:bodyPr>
+            <a:normAutofit fontScale="90000"/>
+          </a:bodyPr>
+          <a:lstStyle/>
+          <a:p>
+            <a:pPr algn="l"/>
+            <a:r>
+              <a:rPr lang="en-US" dirty="0"/>
+              <a:t>What happens when we run our executable file?</a:t>
+            </a:r>
+          </a:p>
+        </p:txBody>
+      </p:sp>
+      <p:sp>
+        <p:nvSpPr>
+          <p:cNvPr id="4" name="Footer Placeholder 3">
+            <a:extLst>
+              <a:ext uri="{FF2B5EF4-FFF2-40B4-BE49-F238E27FC236}">
+                <a16:creationId xmlns:a16="http://schemas.microsoft.com/office/drawing/2014/main" id="{EC46FAB2-42F5-EA47-B9F9-FA24D3A6BABC}"/>
+              </a:ext>
+            </a:extLst>
+          </p:cNvPr>
+          <p:cNvSpPr>
+            <a:spLocks noGrp="1"/>
+          </p:cNvSpPr>
+          <p:nvPr>
+            <p:ph type="ftr" sz="quarter" idx="11"/>
+          </p:nvPr>
+        </p:nvSpPr>
+        <p:spPr/>
+        <p:txBody>
+          <a:bodyPr/>
+          <a:lstStyle/>
+          <a:p>
+            <a:r>
+              <a:rPr lang="en-US"/>
+              <a:t>© 2016 Pearson Education, Inc., Hoboken, NJ.  All rights reserved.</a:t>
+            </a:r>
+          </a:p>
+        </p:txBody>
+      </p:sp>
+      <p:sp>
+        <p:nvSpPr>
+          <p:cNvPr id="5" name="Slide Number Placeholder 4">
+            <a:extLst>
+              <a:ext uri="{FF2B5EF4-FFF2-40B4-BE49-F238E27FC236}">
+                <a16:creationId xmlns:a16="http://schemas.microsoft.com/office/drawing/2014/main" id="{CF225639-41CB-C84A-A45E-6B54E69D6EA2}"/>
+              </a:ext>
+            </a:extLst>
+          </p:cNvPr>
+          <p:cNvSpPr>
+            <a:spLocks noGrp="1"/>
+          </p:cNvSpPr>
+          <p:nvPr>
+            <p:ph type="sldNum" sz="quarter" idx="12"/>
+          </p:nvPr>
+        </p:nvSpPr>
+        <p:spPr/>
+        <p:txBody>
+          <a:bodyPr/>
+          <a:lstStyle/>
+          <a:p>
+            <a:fld id="{85A8DA42-601D-40A8-83CA-2F2CBDE5F9F0}" type="slidenum">
+              <a:rPr lang="en-US" smtClean="0"/>
+              <a:t>22</a:t>
+            </a:fld>
+            <a:endParaRPr lang="en-US"/>
+          </a:p>
+        </p:txBody>
+      </p:sp>
+      <p:sp>
+        <p:nvSpPr>
+          <p:cNvPr id="6" name="TextBox 5">
+            <a:extLst>
+              <a:ext uri="{FF2B5EF4-FFF2-40B4-BE49-F238E27FC236}">
+                <a16:creationId xmlns:a16="http://schemas.microsoft.com/office/drawing/2014/main" id="{50DC082E-8F94-D042-9C36-A979691D14ED}"/>
+              </a:ext>
+            </a:extLst>
+          </p:cNvPr>
+          <p:cNvSpPr txBox="1"/>
+          <p:nvPr/>
+        </p:nvSpPr>
+        <p:spPr>
+          <a:xfrm>
+            <a:off x="381000" y="1715294"/>
+            <a:ext cx="3004797" cy="4832092"/>
+          </a:xfrm>
+          <a:prstGeom prst="rect">
+            <a:avLst/>
+          </a:prstGeom>
+          <a:noFill/>
+        </p:spPr>
+        <p:txBody>
+          <a:bodyPr wrap="none" lIns="91440" tIns="45720" rIns="91440" bIns="45720" rtlCol="0" anchor="t">
+            <a:spAutoFit/>
+          </a:bodyPr>
+          <a:lstStyle/>
+          <a:p>
+            <a:r>
+              <a:rPr lang="en-US" sz="2800" dirty="0"/>
+              <a:t>func2() {</a:t>
+            </a:r>
+          </a:p>
+          <a:p>
+            <a:r>
+              <a:rPr lang="en-US" sz="2800" dirty="0"/>
+              <a:t>    </a:t>
+            </a:r>
+            <a:r>
+              <a:rPr lang="en-US" sz="2800" dirty="0" err="1"/>
+              <a:t>printf</a:t>
+            </a:r>
+            <a:r>
+              <a:rPr lang="en-US" sz="2800" dirty="0"/>
+              <a:t>(“%d\n”, x);</a:t>
+            </a:r>
+          </a:p>
+          <a:p>
+            <a:r>
+              <a:rPr lang="en-US" sz="2800" dirty="0"/>
+              <a:t>}</a:t>
+            </a:r>
+          </a:p>
+          <a:p>
+            <a:r>
+              <a:rPr lang="en-US" sz="2800" dirty="0"/>
+              <a:t>func1() {</a:t>
+            </a:r>
+          </a:p>
+          <a:p>
+            <a:r>
+              <a:rPr lang="en-US" sz="2800" dirty="0"/>
+              <a:t>    int x = 1;</a:t>
+            </a:r>
+          </a:p>
+          <a:p>
+            <a:r>
+              <a:rPr lang="en-US" sz="2800" dirty="0"/>
+              <a:t>    func2();</a:t>
+            </a:r>
+          </a:p>
+          <a:p>
+            <a:r>
+              <a:rPr lang="en-US" sz="2800" dirty="0"/>
+              <a:t>}</a:t>
+            </a:r>
+          </a:p>
+          <a:p>
+            <a:r>
+              <a:rPr lang="en-US" sz="2800" b="1" dirty="0"/>
+              <a:t>int main(void) {</a:t>
+            </a:r>
+          </a:p>
+          <a:p>
+            <a:r>
+              <a:rPr lang="en-US" sz="2800" dirty="0"/>
+              <a:t>    char letter=’c’</a:t>
+            </a:r>
+          </a:p>
+          <a:p>
+            <a:r>
+              <a:rPr lang="en-US" sz="2800" dirty="0"/>
+              <a:t>    func1();</a:t>
+            </a:r>
+          </a:p>
+          <a:p>
+            <a:r>
+              <a:rPr lang="en-US" sz="2800" dirty="0"/>
+              <a:t>}</a:t>
+            </a:r>
+          </a:p>
+        </p:txBody>
+      </p:sp>
+      <p:sp>
+        <p:nvSpPr>
+          <p:cNvPr id="10" name="TextBox 9">
+            <a:extLst>
+              <a:ext uri="{FF2B5EF4-FFF2-40B4-BE49-F238E27FC236}">
+                <a16:creationId xmlns:a16="http://schemas.microsoft.com/office/drawing/2014/main" id="{3B56C694-A236-ED47-9EFF-95E8E47DAC0D}"/>
+              </a:ext>
+            </a:extLst>
+          </p:cNvPr>
+          <p:cNvSpPr txBox="1"/>
+          <p:nvPr/>
+        </p:nvSpPr>
+        <p:spPr>
+          <a:xfrm>
+            <a:off x="5851635" y="1569107"/>
+            <a:ext cx="2012730" cy="707886"/>
+          </a:xfrm>
+          <a:prstGeom prst="rect">
+            <a:avLst/>
+          </a:prstGeom>
+          <a:noFill/>
+        </p:spPr>
+        <p:txBody>
+          <a:bodyPr wrap="none" rtlCol="0">
+            <a:spAutoFit/>
+          </a:bodyPr>
+          <a:lstStyle/>
+          <a:p>
+            <a:r>
+              <a:rPr lang="en-US" sz="4000" b="1" dirty="0"/>
+              <a:t>Memory</a:t>
+            </a:r>
+          </a:p>
+        </p:txBody>
+      </p:sp>
+      <p:pic>
+        <p:nvPicPr>
+          <p:cNvPr id="12" name="Picture 11">
+            <a:extLst>
+              <a:ext uri="{FF2B5EF4-FFF2-40B4-BE49-F238E27FC236}">
+                <a16:creationId xmlns:a16="http://schemas.microsoft.com/office/drawing/2014/main" id="{634D96A3-D02E-2B47-BBA1-85EB85814E6C}"/>
+              </a:ext>
+            </a:extLst>
+          </p:cNvPr>
+          <p:cNvPicPr>
+            <a:picLocks noChangeAspect="1"/>
+          </p:cNvPicPr>
+          <p:nvPr/>
+        </p:nvPicPr>
+        <p:blipFill>
+          <a:blip r:embed="rId2"/>
+          <a:stretch>
+            <a:fillRect/>
+          </a:stretch>
+        </p:blipFill>
+        <p:spPr>
+          <a:xfrm>
+            <a:off x="5410200" y="178341"/>
+            <a:ext cx="3340100" cy="1358900"/>
+          </a:xfrm>
+          <a:prstGeom prst="rect">
+            <a:avLst/>
+          </a:prstGeom>
+        </p:spPr>
+      </p:pic>
+      <p:sp>
+        <p:nvSpPr>
+          <p:cNvPr id="13" name="Rectangle 12">
+            <a:extLst>
+              <a:ext uri="{FF2B5EF4-FFF2-40B4-BE49-F238E27FC236}">
+                <a16:creationId xmlns:a16="http://schemas.microsoft.com/office/drawing/2014/main" id="{129AE26D-6811-D54C-82DF-27CBAF9889CF}"/>
+              </a:ext>
+            </a:extLst>
+          </p:cNvPr>
+          <p:cNvSpPr/>
+          <p:nvPr/>
+        </p:nvSpPr>
+        <p:spPr>
+          <a:xfrm>
+            <a:off x="5410200" y="2286000"/>
+            <a:ext cx="3340100" cy="3726656"/>
+          </a:xfrm>
+          <a:prstGeom prst="rect">
+            <a:avLst/>
+          </a:prstGeom>
+          <a:solidFill>
+            <a:srgbClr val="3A92FC">
+              <a:alpha val="36863"/>
+            </a:srgbClr>
+          </a:solidFill>
+        </p:spPr>
+        <p:style>
+          <a:lnRef idx="2">
+            <a:schemeClr val="accent1">
+              <a:shade val="50000"/>
+            </a:schemeClr>
+          </a:lnRef>
+          <a:fillRef idx="1">
+            <a:schemeClr val="accent1"/>
+          </a:fillRef>
+          <a:effectRef idx="0">
+            <a:schemeClr val="accent1"/>
+          </a:effectRef>
+          <a:fontRef idx="minor">
+            <a:schemeClr val="lt1"/>
+          </a:fontRef>
+        </p:style>
+        <p:txBody>
+          <a:bodyPr rtlCol="0" anchor="ctr"/>
+          <a:lstStyle/>
+          <a:p>
+            <a:pPr algn="ctr"/>
+            <a:endParaRPr lang="en-US"/>
+          </a:p>
+        </p:txBody>
+      </p:sp>
+      <p:sp>
+        <p:nvSpPr>
+          <p:cNvPr id="9" name="Rectangle 8">
+            <a:extLst>
+              <a:ext uri="{FF2B5EF4-FFF2-40B4-BE49-F238E27FC236}">
+                <a16:creationId xmlns:a16="http://schemas.microsoft.com/office/drawing/2014/main" id="{AEC1D970-8459-6849-BCCC-5227B4DD3B17}"/>
+              </a:ext>
+            </a:extLst>
+          </p:cNvPr>
+          <p:cNvSpPr/>
+          <p:nvPr/>
+        </p:nvSpPr>
+        <p:spPr>
+          <a:xfrm>
+            <a:off x="5562600" y="2360118"/>
+            <a:ext cx="2487925" cy="840282"/>
+          </a:xfrm>
+          <a:prstGeom prst="rect">
+            <a:avLst/>
+          </a:prstGeom>
+        </p:spPr>
+        <p:style>
+          <a:lnRef idx="2">
+            <a:schemeClr val="accent1">
+              <a:shade val="50000"/>
+            </a:schemeClr>
+          </a:lnRef>
+          <a:fillRef idx="1">
+            <a:schemeClr val="accent1"/>
+          </a:fillRef>
+          <a:effectRef idx="0">
+            <a:schemeClr val="accent1"/>
+          </a:effectRef>
+          <a:fontRef idx="minor">
+            <a:schemeClr val="lt1"/>
+          </a:fontRef>
+        </p:style>
+        <p:txBody>
+          <a:bodyPr rtlCol="0" anchor="ctr"/>
+          <a:lstStyle/>
+          <a:p>
+            <a:r>
+              <a:rPr lang="en-US" sz="3200" dirty="0"/>
+              <a:t>main</a:t>
+            </a:r>
+          </a:p>
+        </p:txBody>
+      </p:sp>
+    </p:spTree>
+    <p:extLst>
+      <p:ext uri="{BB962C8B-B14F-4D97-AF65-F5344CB8AC3E}">
+        <p14:creationId xmlns:p14="http://schemas.microsoft.com/office/powerpoint/2010/main" val="4169069859"/>
+      </p:ext>
+    </p:extLst>
+  </p:cSld>
+  <p:clrMapOvr>
+    <a:masterClrMapping/>
+  </p:clrMapOvr>
+</p:sld>
+</file>
+
+<file path=ppt/slides/slide23.xml><?xml version="1.0" encoding="utf-8"?>
+<p:sld xmlns:a="http://schemas.openxmlformats.org/drawingml/2006/main" xmlns:r="http://schemas.openxmlformats.org/officeDocument/2006/relationships" xmlns:p="http://schemas.openxmlformats.org/presentationml/2006/main">
+  <p:cSld>
+    <p:spTree>
+      <p:nvGrpSpPr>
+        <p:cNvPr id="1" name=""/>
+        <p:cNvGrpSpPr/>
+        <p:nvPr/>
+      </p:nvGrpSpPr>
+      <p:grpSpPr>
+        <a:xfrm>
+          <a:off x="0" y="0"/>
+          <a:ext cx="0" cy="0"/>
+          <a:chOff x="0" y="0"/>
+          <a:chExt cx="0" cy="0"/>
+        </a:xfrm>
+      </p:grpSpPr>
+      <p:sp>
+        <p:nvSpPr>
+          <p:cNvPr id="2" name="Title 1">
+            <a:extLst>
+              <a:ext uri="{FF2B5EF4-FFF2-40B4-BE49-F238E27FC236}">
+                <a16:creationId xmlns:a16="http://schemas.microsoft.com/office/drawing/2014/main" id="{5BA53607-33FD-F54D-8702-AE3D19476B4D}"/>
+              </a:ext>
+            </a:extLst>
+          </p:cNvPr>
+          <p:cNvSpPr>
+            <a:spLocks noGrp="1"/>
+          </p:cNvSpPr>
+          <p:nvPr>
+            <p:ph type="title"/>
+          </p:nvPr>
+        </p:nvSpPr>
+        <p:spPr>
+          <a:xfrm>
+            <a:off x="152400" y="228600"/>
+            <a:ext cx="5791200" cy="1143000"/>
+          </a:xfrm>
+        </p:spPr>
+        <p:txBody>
+          <a:bodyPr>
+            <a:normAutofit fontScale="90000"/>
+          </a:bodyPr>
+          <a:lstStyle/>
+          <a:p>
+            <a:pPr algn="l"/>
+            <a:r>
+              <a:rPr lang="en-US" dirty="0"/>
+              <a:t>What happens when we run our executable file?</a:t>
+            </a:r>
+          </a:p>
+        </p:txBody>
+      </p:sp>
+      <p:sp>
+        <p:nvSpPr>
+          <p:cNvPr id="4" name="Footer Placeholder 3">
+            <a:extLst>
+              <a:ext uri="{FF2B5EF4-FFF2-40B4-BE49-F238E27FC236}">
+                <a16:creationId xmlns:a16="http://schemas.microsoft.com/office/drawing/2014/main" id="{EC46FAB2-42F5-EA47-B9F9-FA24D3A6BABC}"/>
+              </a:ext>
+            </a:extLst>
+          </p:cNvPr>
+          <p:cNvSpPr>
+            <a:spLocks noGrp="1"/>
+          </p:cNvSpPr>
+          <p:nvPr>
+            <p:ph type="ftr" sz="quarter" idx="11"/>
+          </p:nvPr>
+        </p:nvSpPr>
+        <p:spPr/>
+        <p:txBody>
+          <a:bodyPr/>
+          <a:lstStyle/>
+          <a:p>
+            <a:r>
+              <a:rPr lang="en-US"/>
+              <a:t>© 2016 Pearson Education, Inc., Hoboken, NJ.  All rights reserved.</a:t>
+            </a:r>
+          </a:p>
+        </p:txBody>
+      </p:sp>
+      <p:sp>
+        <p:nvSpPr>
+          <p:cNvPr id="5" name="Slide Number Placeholder 4">
+            <a:extLst>
+              <a:ext uri="{FF2B5EF4-FFF2-40B4-BE49-F238E27FC236}">
+                <a16:creationId xmlns:a16="http://schemas.microsoft.com/office/drawing/2014/main" id="{CF225639-41CB-C84A-A45E-6B54E69D6EA2}"/>
+              </a:ext>
+            </a:extLst>
+          </p:cNvPr>
+          <p:cNvSpPr>
+            <a:spLocks noGrp="1"/>
+          </p:cNvSpPr>
+          <p:nvPr>
+            <p:ph type="sldNum" sz="quarter" idx="12"/>
+          </p:nvPr>
+        </p:nvSpPr>
+        <p:spPr/>
+        <p:txBody>
+          <a:bodyPr/>
+          <a:lstStyle/>
+          <a:p>
+            <a:fld id="{85A8DA42-601D-40A8-83CA-2F2CBDE5F9F0}" type="slidenum">
+              <a:rPr lang="en-US" smtClean="0"/>
+              <a:t>23</a:t>
+            </a:fld>
+            <a:endParaRPr lang="en-US"/>
+          </a:p>
+        </p:txBody>
+      </p:sp>
+      <p:sp>
+        <p:nvSpPr>
+          <p:cNvPr id="6" name="TextBox 5">
+            <a:extLst>
+              <a:ext uri="{FF2B5EF4-FFF2-40B4-BE49-F238E27FC236}">
+                <a16:creationId xmlns:a16="http://schemas.microsoft.com/office/drawing/2014/main" id="{50DC082E-8F94-D042-9C36-A979691D14ED}"/>
+              </a:ext>
+            </a:extLst>
+          </p:cNvPr>
+          <p:cNvSpPr txBox="1"/>
+          <p:nvPr/>
+        </p:nvSpPr>
+        <p:spPr>
+          <a:xfrm>
+            <a:off x="381000" y="1715294"/>
+            <a:ext cx="3004797" cy="4832092"/>
+          </a:xfrm>
+          <a:prstGeom prst="rect">
+            <a:avLst/>
+          </a:prstGeom>
+          <a:noFill/>
+        </p:spPr>
+        <p:txBody>
+          <a:bodyPr wrap="none" lIns="91440" tIns="45720" rIns="91440" bIns="45720" rtlCol="0" anchor="t">
+            <a:spAutoFit/>
+          </a:bodyPr>
+          <a:lstStyle/>
+          <a:p>
+            <a:r>
+              <a:rPr lang="en-US" sz="2800" dirty="0"/>
+              <a:t>func2() {</a:t>
+            </a:r>
+          </a:p>
+          <a:p>
+            <a:r>
+              <a:rPr lang="en-US" sz="2800" dirty="0"/>
+              <a:t>    </a:t>
+            </a:r>
+            <a:r>
+              <a:rPr lang="en-US" sz="2800" dirty="0" err="1"/>
+              <a:t>printf</a:t>
+            </a:r>
+            <a:r>
+              <a:rPr lang="en-US" sz="2800" dirty="0"/>
+              <a:t>(“%d\n”, x);</a:t>
+            </a:r>
+          </a:p>
+          <a:p>
+            <a:r>
+              <a:rPr lang="en-US" sz="2800" dirty="0"/>
+              <a:t>}</a:t>
+            </a:r>
+          </a:p>
+          <a:p>
+            <a:r>
+              <a:rPr lang="en-US" sz="2800" dirty="0"/>
+              <a:t>func1() {</a:t>
+            </a:r>
+          </a:p>
+          <a:p>
+            <a:r>
+              <a:rPr lang="en-US" sz="2800" dirty="0"/>
+              <a:t>    int x = 1;</a:t>
+            </a:r>
+          </a:p>
+          <a:p>
+            <a:r>
+              <a:rPr lang="en-US" sz="2800" dirty="0"/>
+              <a:t>    func2();</a:t>
+            </a:r>
+          </a:p>
+          <a:p>
+            <a:r>
+              <a:rPr lang="en-US" sz="2800" dirty="0"/>
+              <a:t>}</a:t>
+            </a:r>
+          </a:p>
+          <a:p>
+            <a:r>
+              <a:rPr lang="en-US" sz="2800" b="1" dirty="0"/>
+              <a:t>int main(void) {</a:t>
+            </a:r>
+          </a:p>
+          <a:p>
+            <a:r>
+              <a:rPr lang="en-US" sz="2800" b="1" dirty="0"/>
+              <a:t>    char letter=’c’</a:t>
+            </a:r>
+          </a:p>
+          <a:p>
+            <a:r>
+              <a:rPr lang="en-US" sz="2800" dirty="0"/>
+              <a:t>    func1();</a:t>
+            </a:r>
+          </a:p>
+          <a:p>
+            <a:r>
+              <a:rPr lang="en-US" sz="2800" dirty="0"/>
+              <a:t>}</a:t>
+            </a:r>
+          </a:p>
+        </p:txBody>
+      </p:sp>
+      <p:sp>
+        <p:nvSpPr>
+          <p:cNvPr id="10" name="TextBox 9">
+            <a:extLst>
+              <a:ext uri="{FF2B5EF4-FFF2-40B4-BE49-F238E27FC236}">
+                <a16:creationId xmlns:a16="http://schemas.microsoft.com/office/drawing/2014/main" id="{3B56C694-A236-ED47-9EFF-95E8E47DAC0D}"/>
+              </a:ext>
+            </a:extLst>
+          </p:cNvPr>
+          <p:cNvSpPr txBox="1"/>
+          <p:nvPr/>
+        </p:nvSpPr>
+        <p:spPr>
+          <a:xfrm>
+            <a:off x="5851635" y="1569107"/>
+            <a:ext cx="2012730" cy="707886"/>
+          </a:xfrm>
+          <a:prstGeom prst="rect">
+            <a:avLst/>
+          </a:prstGeom>
+          <a:noFill/>
+        </p:spPr>
+        <p:txBody>
+          <a:bodyPr wrap="none" rtlCol="0">
+            <a:spAutoFit/>
+          </a:bodyPr>
+          <a:lstStyle/>
+          <a:p>
+            <a:r>
+              <a:rPr lang="en-US" sz="4000" b="1" dirty="0"/>
+              <a:t>Memory</a:t>
+            </a:r>
+          </a:p>
+        </p:txBody>
+      </p:sp>
+      <p:pic>
+        <p:nvPicPr>
+          <p:cNvPr id="12" name="Picture 11">
+            <a:extLst>
+              <a:ext uri="{FF2B5EF4-FFF2-40B4-BE49-F238E27FC236}">
+                <a16:creationId xmlns:a16="http://schemas.microsoft.com/office/drawing/2014/main" id="{634D96A3-D02E-2B47-BBA1-85EB85814E6C}"/>
+              </a:ext>
+            </a:extLst>
+          </p:cNvPr>
+          <p:cNvPicPr>
+            <a:picLocks noChangeAspect="1"/>
+          </p:cNvPicPr>
+          <p:nvPr/>
+        </p:nvPicPr>
+        <p:blipFill>
+          <a:blip r:embed="rId2"/>
+          <a:stretch>
+            <a:fillRect/>
+          </a:stretch>
+        </p:blipFill>
+        <p:spPr>
+          <a:xfrm>
+            <a:off x="5410200" y="178341"/>
+            <a:ext cx="3340100" cy="1358900"/>
+          </a:xfrm>
+          <a:prstGeom prst="rect">
+            <a:avLst/>
+          </a:prstGeom>
+        </p:spPr>
+      </p:pic>
+      <p:sp>
+        <p:nvSpPr>
+          <p:cNvPr id="13" name="Rectangle 12">
+            <a:extLst>
+              <a:ext uri="{FF2B5EF4-FFF2-40B4-BE49-F238E27FC236}">
+                <a16:creationId xmlns:a16="http://schemas.microsoft.com/office/drawing/2014/main" id="{129AE26D-6811-D54C-82DF-27CBAF9889CF}"/>
+              </a:ext>
+            </a:extLst>
+          </p:cNvPr>
+          <p:cNvSpPr/>
+          <p:nvPr/>
+        </p:nvSpPr>
+        <p:spPr>
+          <a:xfrm>
+            <a:off x="5410200" y="2286000"/>
+            <a:ext cx="3340100" cy="3726656"/>
+          </a:xfrm>
+          <a:prstGeom prst="rect">
+            <a:avLst/>
+          </a:prstGeom>
+          <a:solidFill>
+            <a:srgbClr val="3A92FC">
+              <a:alpha val="36863"/>
+            </a:srgbClr>
+          </a:solidFill>
+        </p:spPr>
+        <p:style>
+          <a:lnRef idx="2">
+            <a:schemeClr val="accent1">
+              <a:shade val="50000"/>
+            </a:schemeClr>
+          </a:lnRef>
+          <a:fillRef idx="1">
+            <a:schemeClr val="accent1"/>
+          </a:fillRef>
+          <a:effectRef idx="0">
+            <a:schemeClr val="accent1"/>
+          </a:effectRef>
+          <a:fontRef idx="minor">
+            <a:schemeClr val="lt1"/>
+          </a:fontRef>
+        </p:style>
+        <p:txBody>
+          <a:bodyPr rtlCol="0" anchor="ctr"/>
+          <a:lstStyle/>
+          <a:p>
+            <a:pPr algn="ctr"/>
+            <a:endParaRPr lang="en-US"/>
+          </a:p>
+        </p:txBody>
+      </p:sp>
+      <p:sp>
+        <p:nvSpPr>
+          <p:cNvPr id="11" name="Rectangle 10">
+            <a:extLst>
+              <a:ext uri="{FF2B5EF4-FFF2-40B4-BE49-F238E27FC236}">
+                <a16:creationId xmlns:a16="http://schemas.microsoft.com/office/drawing/2014/main" id="{9A458B72-847C-4B4E-AE68-73F2BA34F5AF}"/>
+              </a:ext>
+            </a:extLst>
+          </p:cNvPr>
+          <p:cNvSpPr/>
+          <p:nvPr/>
+        </p:nvSpPr>
+        <p:spPr>
+          <a:xfrm>
+            <a:off x="5562600" y="2360118"/>
+            <a:ext cx="2487925" cy="840282"/>
+          </a:xfrm>
+          <a:prstGeom prst="rect">
+            <a:avLst/>
+          </a:prstGeom>
+        </p:spPr>
+        <p:style>
+          <a:lnRef idx="2">
+            <a:schemeClr val="accent1">
+              <a:shade val="50000"/>
+            </a:schemeClr>
+          </a:lnRef>
+          <a:fillRef idx="1">
+            <a:schemeClr val="accent1"/>
+          </a:fillRef>
+          <a:effectRef idx="0">
+            <a:schemeClr val="accent1"/>
+          </a:effectRef>
+          <a:fontRef idx="minor">
+            <a:schemeClr val="lt1"/>
+          </a:fontRef>
+        </p:style>
+        <p:txBody>
+          <a:bodyPr rtlCol="0" anchor="ctr"/>
+          <a:lstStyle/>
+          <a:p>
+            <a:r>
+              <a:rPr lang="en-US" sz="3200" dirty="0"/>
+              <a:t>main</a:t>
+            </a:r>
+          </a:p>
+          <a:p>
+            <a:r>
+              <a:rPr lang="en-US" sz="3200" dirty="0"/>
+              <a:t>   letter: c</a:t>
+            </a:r>
+          </a:p>
+        </p:txBody>
+      </p:sp>
+    </p:spTree>
+    <p:extLst>
+      <p:ext uri="{BB962C8B-B14F-4D97-AF65-F5344CB8AC3E}">
+        <p14:creationId xmlns:p14="http://schemas.microsoft.com/office/powerpoint/2010/main" val="936193846"/>
+      </p:ext>
+    </p:extLst>
+  </p:cSld>
+  <p:clrMapOvr>
+    <a:masterClrMapping/>
+  </p:clrMapOvr>
+</p:sld>
+</file>
+
+<file path=ppt/slides/slide24.xml><?xml version="1.0" encoding="utf-8"?>
+<p:sld xmlns:a="http://schemas.openxmlformats.org/drawingml/2006/main" xmlns:r="http://schemas.openxmlformats.org/officeDocument/2006/relationships" xmlns:p="http://schemas.openxmlformats.org/presentationml/2006/main">
+  <p:cSld>
+    <p:spTree>
+      <p:nvGrpSpPr>
+        <p:cNvPr id="1" name=""/>
+        <p:cNvGrpSpPr/>
+        <p:nvPr/>
+      </p:nvGrpSpPr>
+      <p:grpSpPr>
+        <a:xfrm>
+          <a:off x="0" y="0"/>
+          <a:ext cx="0" cy="0"/>
+          <a:chOff x="0" y="0"/>
+          <a:chExt cx="0" cy="0"/>
+        </a:xfrm>
+      </p:grpSpPr>
+      <p:sp>
+        <p:nvSpPr>
+          <p:cNvPr id="2" name="Title 1">
+            <a:extLst>
+              <a:ext uri="{FF2B5EF4-FFF2-40B4-BE49-F238E27FC236}">
+                <a16:creationId xmlns:a16="http://schemas.microsoft.com/office/drawing/2014/main" id="{5BA53607-33FD-F54D-8702-AE3D19476B4D}"/>
+              </a:ext>
+            </a:extLst>
+          </p:cNvPr>
+          <p:cNvSpPr>
+            <a:spLocks noGrp="1"/>
+          </p:cNvSpPr>
+          <p:nvPr>
+            <p:ph type="title"/>
+          </p:nvPr>
+        </p:nvSpPr>
+        <p:spPr>
+          <a:xfrm>
+            <a:off x="152400" y="228600"/>
+            <a:ext cx="5791200" cy="1143000"/>
+          </a:xfrm>
+        </p:spPr>
+        <p:txBody>
+          <a:bodyPr>
+            <a:normAutofit fontScale="90000"/>
+          </a:bodyPr>
+          <a:lstStyle/>
+          <a:p>
+            <a:pPr algn="l"/>
+            <a:r>
+              <a:rPr lang="en-US" dirty="0"/>
+              <a:t>What happens when we run our executable file?</a:t>
+            </a:r>
+          </a:p>
+        </p:txBody>
+      </p:sp>
+      <p:sp>
+        <p:nvSpPr>
+          <p:cNvPr id="4" name="Footer Placeholder 3">
+            <a:extLst>
+              <a:ext uri="{FF2B5EF4-FFF2-40B4-BE49-F238E27FC236}">
+                <a16:creationId xmlns:a16="http://schemas.microsoft.com/office/drawing/2014/main" id="{EC46FAB2-42F5-EA47-B9F9-FA24D3A6BABC}"/>
+              </a:ext>
+            </a:extLst>
+          </p:cNvPr>
+          <p:cNvSpPr>
+            <a:spLocks noGrp="1"/>
+          </p:cNvSpPr>
+          <p:nvPr>
+            <p:ph type="ftr" sz="quarter" idx="11"/>
+          </p:nvPr>
+        </p:nvSpPr>
+        <p:spPr/>
+        <p:txBody>
+          <a:bodyPr/>
+          <a:lstStyle/>
+          <a:p>
+            <a:r>
+              <a:rPr lang="en-US"/>
+              <a:t>© 2016 Pearson Education, Inc., Hoboken, NJ.  All rights reserved.</a:t>
+            </a:r>
+          </a:p>
+        </p:txBody>
+      </p:sp>
+      <p:sp>
+        <p:nvSpPr>
+          <p:cNvPr id="5" name="Slide Number Placeholder 4">
+            <a:extLst>
+              <a:ext uri="{FF2B5EF4-FFF2-40B4-BE49-F238E27FC236}">
+                <a16:creationId xmlns:a16="http://schemas.microsoft.com/office/drawing/2014/main" id="{CF225639-41CB-C84A-A45E-6B54E69D6EA2}"/>
+              </a:ext>
+            </a:extLst>
+          </p:cNvPr>
+          <p:cNvSpPr>
+            <a:spLocks noGrp="1"/>
+          </p:cNvSpPr>
+          <p:nvPr>
+            <p:ph type="sldNum" sz="quarter" idx="12"/>
+          </p:nvPr>
+        </p:nvSpPr>
+        <p:spPr/>
+        <p:txBody>
+          <a:bodyPr/>
+          <a:lstStyle/>
+          <a:p>
+            <a:fld id="{85A8DA42-601D-40A8-83CA-2F2CBDE5F9F0}" type="slidenum">
+              <a:rPr lang="en-US" smtClean="0"/>
+              <a:t>24</a:t>
+            </a:fld>
+            <a:endParaRPr lang="en-US"/>
+          </a:p>
+        </p:txBody>
+      </p:sp>
+      <p:sp>
+        <p:nvSpPr>
+          <p:cNvPr id="6" name="TextBox 5">
+            <a:extLst>
+              <a:ext uri="{FF2B5EF4-FFF2-40B4-BE49-F238E27FC236}">
+                <a16:creationId xmlns:a16="http://schemas.microsoft.com/office/drawing/2014/main" id="{50DC082E-8F94-D042-9C36-A979691D14ED}"/>
+              </a:ext>
+            </a:extLst>
+          </p:cNvPr>
+          <p:cNvSpPr txBox="1"/>
+          <p:nvPr/>
+        </p:nvSpPr>
+        <p:spPr>
+          <a:xfrm>
+            <a:off x="381000" y="1715294"/>
+            <a:ext cx="3004797" cy="4832092"/>
+          </a:xfrm>
+          <a:prstGeom prst="rect">
+            <a:avLst/>
+          </a:prstGeom>
+          <a:noFill/>
+        </p:spPr>
+        <p:txBody>
+          <a:bodyPr wrap="none" lIns="91440" tIns="45720" rIns="91440" bIns="45720" rtlCol="0" anchor="t">
+            <a:spAutoFit/>
+          </a:bodyPr>
+          <a:lstStyle/>
+          <a:p>
+            <a:r>
+              <a:rPr lang="en-US" sz="2800" dirty="0"/>
+              <a:t>func2() {</a:t>
+            </a:r>
+          </a:p>
+          <a:p>
+            <a:r>
+              <a:rPr lang="en-US" sz="2800" dirty="0"/>
+              <a:t>    </a:t>
+            </a:r>
+            <a:r>
+              <a:rPr lang="en-US" sz="2800" dirty="0" err="1"/>
+              <a:t>printf</a:t>
+            </a:r>
+            <a:r>
+              <a:rPr lang="en-US" sz="2800" dirty="0"/>
+              <a:t>(“%d\n”, x);</a:t>
+            </a:r>
+          </a:p>
+          <a:p>
+            <a:r>
+              <a:rPr lang="en-US" sz="2800" dirty="0"/>
+              <a:t>}</a:t>
+            </a:r>
+          </a:p>
+          <a:p>
+            <a:r>
+              <a:rPr lang="en-US" sz="2800" dirty="0"/>
+              <a:t>func1() {</a:t>
+            </a:r>
+          </a:p>
+          <a:p>
+            <a:r>
+              <a:rPr lang="en-US" sz="2800" dirty="0"/>
+              <a:t>    int x = 1;</a:t>
+            </a:r>
+          </a:p>
+          <a:p>
+            <a:r>
+              <a:rPr lang="en-US" sz="2800" dirty="0"/>
+              <a:t>    func2();</a:t>
+            </a:r>
+          </a:p>
+          <a:p>
+            <a:r>
+              <a:rPr lang="en-US" sz="2800" dirty="0"/>
+              <a:t>}</a:t>
+            </a:r>
+          </a:p>
+          <a:p>
+            <a:r>
+              <a:rPr lang="en-US" sz="2800" b="1" dirty="0"/>
+              <a:t>int main(void) {</a:t>
+            </a:r>
+          </a:p>
+          <a:p>
+            <a:r>
+              <a:rPr lang="en-US" sz="2800" b="1" dirty="0"/>
+              <a:t>    char letter=’c’</a:t>
+            </a:r>
+          </a:p>
+          <a:p>
+            <a:r>
+              <a:rPr lang="en-US" sz="2800" b="1" dirty="0"/>
+              <a:t>    func1();</a:t>
+            </a:r>
+          </a:p>
+          <a:p>
+            <a:r>
+              <a:rPr lang="en-US" sz="2800" dirty="0"/>
+              <a:t>}</a:t>
+            </a:r>
+          </a:p>
+        </p:txBody>
+      </p:sp>
+      <p:sp>
+        <p:nvSpPr>
+          <p:cNvPr id="10" name="TextBox 9">
+            <a:extLst>
+              <a:ext uri="{FF2B5EF4-FFF2-40B4-BE49-F238E27FC236}">
+                <a16:creationId xmlns:a16="http://schemas.microsoft.com/office/drawing/2014/main" id="{3B56C694-A236-ED47-9EFF-95E8E47DAC0D}"/>
+              </a:ext>
+            </a:extLst>
+          </p:cNvPr>
+          <p:cNvSpPr txBox="1"/>
+          <p:nvPr/>
+        </p:nvSpPr>
+        <p:spPr>
+          <a:xfrm>
+            <a:off x="5851635" y="1569107"/>
+            <a:ext cx="2012730" cy="707886"/>
+          </a:xfrm>
+          <a:prstGeom prst="rect">
+            <a:avLst/>
+          </a:prstGeom>
+          <a:noFill/>
+        </p:spPr>
+        <p:txBody>
+          <a:bodyPr wrap="none" rtlCol="0">
+            <a:spAutoFit/>
+          </a:bodyPr>
+          <a:lstStyle/>
+          <a:p>
+            <a:r>
+              <a:rPr lang="en-US" sz="4000" b="1" dirty="0"/>
+              <a:t>Memory</a:t>
+            </a:r>
+          </a:p>
+        </p:txBody>
+      </p:sp>
+      <p:pic>
+        <p:nvPicPr>
+          <p:cNvPr id="12" name="Picture 11">
+            <a:extLst>
+              <a:ext uri="{FF2B5EF4-FFF2-40B4-BE49-F238E27FC236}">
+                <a16:creationId xmlns:a16="http://schemas.microsoft.com/office/drawing/2014/main" id="{634D96A3-D02E-2B47-BBA1-85EB85814E6C}"/>
+              </a:ext>
+            </a:extLst>
+          </p:cNvPr>
+          <p:cNvPicPr>
+            <a:picLocks noChangeAspect="1"/>
+          </p:cNvPicPr>
+          <p:nvPr/>
+        </p:nvPicPr>
+        <p:blipFill>
+          <a:blip r:embed="rId2"/>
+          <a:stretch>
+            <a:fillRect/>
+          </a:stretch>
+        </p:blipFill>
+        <p:spPr>
+          <a:xfrm>
+            <a:off x="5410200" y="178341"/>
+            <a:ext cx="3340100" cy="1358900"/>
+          </a:xfrm>
+          <a:prstGeom prst="rect">
+            <a:avLst/>
+          </a:prstGeom>
+        </p:spPr>
+      </p:pic>
+      <p:sp>
+        <p:nvSpPr>
+          <p:cNvPr id="13" name="Rectangle 12">
+            <a:extLst>
+              <a:ext uri="{FF2B5EF4-FFF2-40B4-BE49-F238E27FC236}">
+                <a16:creationId xmlns:a16="http://schemas.microsoft.com/office/drawing/2014/main" id="{129AE26D-6811-D54C-82DF-27CBAF9889CF}"/>
+              </a:ext>
+            </a:extLst>
+          </p:cNvPr>
+          <p:cNvSpPr/>
+          <p:nvPr/>
+        </p:nvSpPr>
+        <p:spPr>
+          <a:xfrm>
+            <a:off x="5410200" y="2286000"/>
+            <a:ext cx="3340100" cy="3726656"/>
+          </a:xfrm>
+          <a:prstGeom prst="rect">
+            <a:avLst/>
+          </a:prstGeom>
+          <a:solidFill>
+            <a:srgbClr val="3A92FC">
+              <a:alpha val="36863"/>
+            </a:srgbClr>
+          </a:solidFill>
+        </p:spPr>
+        <p:style>
+          <a:lnRef idx="2">
+            <a:schemeClr val="accent1">
+              <a:shade val="50000"/>
+            </a:schemeClr>
+          </a:lnRef>
+          <a:fillRef idx="1">
+            <a:schemeClr val="accent1"/>
+          </a:fillRef>
+          <a:effectRef idx="0">
+            <a:schemeClr val="accent1"/>
+          </a:effectRef>
+          <a:fontRef idx="minor">
+            <a:schemeClr val="lt1"/>
+          </a:fontRef>
+        </p:style>
+        <p:txBody>
+          <a:bodyPr rtlCol="0" anchor="ctr"/>
+          <a:lstStyle/>
+          <a:p>
+            <a:pPr algn="ctr"/>
+            <a:endParaRPr lang="en-US"/>
+          </a:p>
+        </p:txBody>
+      </p:sp>
+      <p:sp>
+        <p:nvSpPr>
+          <p:cNvPr id="11" name="Rectangle 10">
+            <a:extLst>
+              <a:ext uri="{FF2B5EF4-FFF2-40B4-BE49-F238E27FC236}">
+                <a16:creationId xmlns:a16="http://schemas.microsoft.com/office/drawing/2014/main" id="{9A458B72-847C-4B4E-AE68-73F2BA34F5AF}"/>
+              </a:ext>
+            </a:extLst>
+          </p:cNvPr>
+          <p:cNvSpPr/>
+          <p:nvPr/>
+        </p:nvSpPr>
+        <p:spPr>
+          <a:xfrm>
+            <a:off x="5562600" y="2360118"/>
+            <a:ext cx="2487925" cy="840282"/>
+          </a:xfrm>
+          <a:prstGeom prst="rect">
+            <a:avLst/>
+          </a:prstGeom>
+        </p:spPr>
+        <p:style>
+          <a:lnRef idx="2">
+            <a:schemeClr val="accent1">
+              <a:shade val="50000"/>
+            </a:schemeClr>
+          </a:lnRef>
+          <a:fillRef idx="1">
+            <a:schemeClr val="accent1"/>
+          </a:fillRef>
+          <a:effectRef idx="0">
+            <a:schemeClr val="accent1"/>
+          </a:effectRef>
+          <a:fontRef idx="minor">
+            <a:schemeClr val="lt1"/>
+          </a:fontRef>
+        </p:style>
+        <p:txBody>
+          <a:bodyPr rtlCol="0" anchor="ctr"/>
+          <a:lstStyle/>
+          <a:p>
+            <a:r>
+              <a:rPr lang="en-US" sz="3200" dirty="0"/>
+              <a:t>main</a:t>
+            </a:r>
+          </a:p>
+          <a:p>
+            <a:r>
+              <a:rPr lang="en-US" sz="3200" dirty="0"/>
+              <a:t>   letter: c</a:t>
+            </a:r>
+          </a:p>
+        </p:txBody>
+      </p:sp>
+    </p:spTree>
+    <p:extLst>
+      <p:ext uri="{BB962C8B-B14F-4D97-AF65-F5344CB8AC3E}">
+        <p14:creationId xmlns:p14="http://schemas.microsoft.com/office/powerpoint/2010/main" val="423662268"/>
+      </p:ext>
+    </p:extLst>
+  </p:cSld>
+  <p:clrMapOvr>
+    <a:masterClrMapping/>
+  </p:clrMapOvr>
+</p:sld>
+</file>
+
+<file path=ppt/slides/slide25.xml><?xml version="1.0" encoding="utf-8"?>
+<p:sld xmlns:a="http://schemas.openxmlformats.org/drawingml/2006/main" xmlns:r="http://schemas.openxmlformats.org/officeDocument/2006/relationships" xmlns:p="http://schemas.openxmlformats.org/presentationml/2006/main">
+  <p:cSld>
+    <p:spTree>
+      <p:nvGrpSpPr>
+        <p:cNvPr id="1" name=""/>
+        <p:cNvGrpSpPr/>
+        <p:nvPr/>
+      </p:nvGrpSpPr>
+      <p:grpSpPr>
+        <a:xfrm>
+          <a:off x="0" y="0"/>
+          <a:ext cx="0" cy="0"/>
+          <a:chOff x="0" y="0"/>
+          <a:chExt cx="0" cy="0"/>
+        </a:xfrm>
+      </p:grpSpPr>
+      <p:sp>
+        <p:nvSpPr>
+          <p:cNvPr id="2" name="Title 1">
+            <a:extLst>
+              <a:ext uri="{FF2B5EF4-FFF2-40B4-BE49-F238E27FC236}">
+                <a16:creationId xmlns:a16="http://schemas.microsoft.com/office/drawing/2014/main" id="{5BA53607-33FD-F54D-8702-AE3D19476B4D}"/>
+              </a:ext>
+            </a:extLst>
+          </p:cNvPr>
+          <p:cNvSpPr>
+            <a:spLocks noGrp="1"/>
+          </p:cNvSpPr>
+          <p:nvPr>
+            <p:ph type="title"/>
+          </p:nvPr>
+        </p:nvSpPr>
+        <p:spPr>
+          <a:xfrm>
+            <a:off x="152400" y="228600"/>
+            <a:ext cx="5791200" cy="1143000"/>
+          </a:xfrm>
+        </p:spPr>
+        <p:txBody>
+          <a:bodyPr>
+            <a:normAutofit fontScale="90000"/>
+          </a:bodyPr>
+          <a:lstStyle/>
+          <a:p>
+            <a:pPr algn="l"/>
+            <a:r>
+              <a:rPr lang="en-US" dirty="0"/>
+              <a:t>What happens when we run our executable file?</a:t>
+            </a:r>
+          </a:p>
+        </p:txBody>
+      </p:sp>
+      <p:sp>
+        <p:nvSpPr>
+          <p:cNvPr id="4" name="Footer Placeholder 3">
+            <a:extLst>
+              <a:ext uri="{FF2B5EF4-FFF2-40B4-BE49-F238E27FC236}">
+                <a16:creationId xmlns:a16="http://schemas.microsoft.com/office/drawing/2014/main" id="{EC46FAB2-42F5-EA47-B9F9-FA24D3A6BABC}"/>
+              </a:ext>
+            </a:extLst>
+          </p:cNvPr>
+          <p:cNvSpPr>
+            <a:spLocks noGrp="1"/>
+          </p:cNvSpPr>
+          <p:nvPr>
+            <p:ph type="ftr" sz="quarter" idx="11"/>
+          </p:nvPr>
+        </p:nvSpPr>
+        <p:spPr/>
+        <p:txBody>
+          <a:bodyPr/>
+          <a:lstStyle/>
+          <a:p>
+            <a:r>
+              <a:rPr lang="en-US"/>
+              <a:t>© 2016 Pearson Education, Inc., Hoboken, NJ.  All rights reserved.</a:t>
+            </a:r>
+          </a:p>
+        </p:txBody>
+      </p:sp>
+      <p:sp>
+        <p:nvSpPr>
+          <p:cNvPr id="5" name="Slide Number Placeholder 4">
+            <a:extLst>
+              <a:ext uri="{FF2B5EF4-FFF2-40B4-BE49-F238E27FC236}">
+                <a16:creationId xmlns:a16="http://schemas.microsoft.com/office/drawing/2014/main" id="{CF225639-41CB-C84A-A45E-6B54E69D6EA2}"/>
+              </a:ext>
+            </a:extLst>
+          </p:cNvPr>
+          <p:cNvSpPr>
+            <a:spLocks noGrp="1"/>
+          </p:cNvSpPr>
+          <p:nvPr>
+            <p:ph type="sldNum" sz="quarter" idx="12"/>
+          </p:nvPr>
+        </p:nvSpPr>
+        <p:spPr/>
+        <p:txBody>
+          <a:bodyPr/>
+          <a:lstStyle/>
+          <a:p>
+            <a:fld id="{85A8DA42-601D-40A8-83CA-2F2CBDE5F9F0}" type="slidenum">
+              <a:rPr lang="en-US" smtClean="0"/>
+              <a:t>25</a:t>
+            </a:fld>
+            <a:endParaRPr lang="en-US"/>
+          </a:p>
+        </p:txBody>
+      </p:sp>
+      <p:sp>
+        <p:nvSpPr>
+          <p:cNvPr id="6" name="TextBox 5">
+            <a:extLst>
+              <a:ext uri="{FF2B5EF4-FFF2-40B4-BE49-F238E27FC236}">
+                <a16:creationId xmlns:a16="http://schemas.microsoft.com/office/drawing/2014/main" id="{50DC082E-8F94-D042-9C36-A979691D14ED}"/>
+              </a:ext>
+            </a:extLst>
+          </p:cNvPr>
+          <p:cNvSpPr txBox="1"/>
+          <p:nvPr/>
+        </p:nvSpPr>
+        <p:spPr>
+          <a:xfrm>
+            <a:off x="381000" y="1715294"/>
+            <a:ext cx="3004797" cy="4832092"/>
+          </a:xfrm>
+          <a:prstGeom prst="rect">
+            <a:avLst/>
+          </a:prstGeom>
+          <a:noFill/>
+        </p:spPr>
+        <p:txBody>
+          <a:bodyPr wrap="none" lIns="91440" tIns="45720" rIns="91440" bIns="45720" rtlCol="0" anchor="t">
+            <a:spAutoFit/>
+          </a:bodyPr>
+          <a:lstStyle/>
+          <a:p>
+            <a:r>
+              <a:rPr lang="en-US" sz="2800" dirty="0"/>
+              <a:t>func2() {</a:t>
+            </a:r>
+          </a:p>
+          <a:p>
+            <a:r>
+              <a:rPr lang="en-US" sz="2800" dirty="0"/>
+              <a:t>    </a:t>
+            </a:r>
+            <a:r>
+              <a:rPr lang="en-US" sz="2800" dirty="0" err="1"/>
+              <a:t>printf</a:t>
+            </a:r>
+            <a:r>
+              <a:rPr lang="en-US" sz="2800" dirty="0"/>
+              <a:t>(“%d\n”, x);</a:t>
+            </a:r>
+          </a:p>
+          <a:p>
+            <a:r>
+              <a:rPr lang="en-US" sz="2800" dirty="0"/>
+              <a:t>}</a:t>
+            </a:r>
+            <a:endParaRPr lang="en-US" sz="2800" b="1" dirty="0"/>
+          </a:p>
+          <a:p>
+            <a:r>
+              <a:rPr lang="en-US" sz="2800" b="1" dirty="0"/>
+              <a:t>func1() {</a:t>
+            </a:r>
+          </a:p>
+          <a:p>
+            <a:r>
+              <a:rPr lang="en-US" sz="2800" dirty="0"/>
+              <a:t>    int x = 1;</a:t>
+            </a:r>
+          </a:p>
+          <a:p>
+            <a:r>
+              <a:rPr lang="en-US" sz="2800" dirty="0"/>
+              <a:t>    func2();</a:t>
+            </a:r>
+          </a:p>
+          <a:p>
+            <a:r>
+              <a:rPr lang="en-US" sz="2800" dirty="0"/>
+              <a:t>}</a:t>
+            </a:r>
+          </a:p>
+          <a:p>
+            <a:r>
+              <a:rPr lang="en-US" sz="2800" b="1" dirty="0"/>
+              <a:t>int main(void) {</a:t>
+            </a:r>
+          </a:p>
+          <a:p>
+            <a:r>
+              <a:rPr lang="en-US" sz="2800" b="1" dirty="0"/>
+              <a:t>    char letter=’c’</a:t>
+            </a:r>
+          </a:p>
+          <a:p>
+            <a:r>
+              <a:rPr lang="en-US" sz="2800" b="1" dirty="0"/>
+              <a:t>    func1();</a:t>
+            </a:r>
+          </a:p>
+          <a:p>
+            <a:r>
+              <a:rPr lang="en-US" sz="2800" dirty="0"/>
+              <a:t>}</a:t>
+            </a:r>
+          </a:p>
+        </p:txBody>
+      </p:sp>
+      <p:sp>
+        <p:nvSpPr>
+          <p:cNvPr id="10" name="TextBox 9">
+            <a:extLst>
+              <a:ext uri="{FF2B5EF4-FFF2-40B4-BE49-F238E27FC236}">
+                <a16:creationId xmlns:a16="http://schemas.microsoft.com/office/drawing/2014/main" id="{3B56C694-A236-ED47-9EFF-95E8E47DAC0D}"/>
+              </a:ext>
+            </a:extLst>
+          </p:cNvPr>
+          <p:cNvSpPr txBox="1"/>
+          <p:nvPr/>
+        </p:nvSpPr>
+        <p:spPr>
+          <a:xfrm>
+            <a:off x="5851635" y="1569107"/>
+            <a:ext cx="2012730" cy="707886"/>
+          </a:xfrm>
+          <a:prstGeom prst="rect">
+            <a:avLst/>
+          </a:prstGeom>
+          <a:noFill/>
+        </p:spPr>
+        <p:txBody>
+          <a:bodyPr wrap="none" rtlCol="0">
+            <a:spAutoFit/>
+          </a:bodyPr>
+          <a:lstStyle/>
+          <a:p>
+            <a:r>
+              <a:rPr lang="en-US" sz="4000" b="1" dirty="0"/>
+              <a:t>Memory</a:t>
+            </a:r>
+          </a:p>
+        </p:txBody>
+      </p:sp>
+      <p:pic>
+        <p:nvPicPr>
+          <p:cNvPr id="12" name="Picture 11">
+            <a:extLst>
+              <a:ext uri="{FF2B5EF4-FFF2-40B4-BE49-F238E27FC236}">
+                <a16:creationId xmlns:a16="http://schemas.microsoft.com/office/drawing/2014/main" id="{634D96A3-D02E-2B47-BBA1-85EB85814E6C}"/>
+              </a:ext>
+            </a:extLst>
+          </p:cNvPr>
+          <p:cNvPicPr>
+            <a:picLocks noChangeAspect="1"/>
+          </p:cNvPicPr>
+          <p:nvPr/>
+        </p:nvPicPr>
+        <p:blipFill>
+          <a:blip r:embed="rId2"/>
+          <a:stretch>
+            <a:fillRect/>
+          </a:stretch>
+        </p:blipFill>
+        <p:spPr>
+          <a:xfrm>
+            <a:off x="5410200" y="178341"/>
+            <a:ext cx="3340100" cy="1358900"/>
+          </a:xfrm>
+          <a:prstGeom prst="rect">
+            <a:avLst/>
+          </a:prstGeom>
+        </p:spPr>
+      </p:pic>
+      <p:sp>
+        <p:nvSpPr>
+          <p:cNvPr id="13" name="Rectangle 12">
+            <a:extLst>
+              <a:ext uri="{FF2B5EF4-FFF2-40B4-BE49-F238E27FC236}">
+                <a16:creationId xmlns:a16="http://schemas.microsoft.com/office/drawing/2014/main" id="{129AE26D-6811-D54C-82DF-27CBAF9889CF}"/>
+              </a:ext>
+            </a:extLst>
+          </p:cNvPr>
+          <p:cNvSpPr/>
+          <p:nvPr/>
+        </p:nvSpPr>
+        <p:spPr>
+          <a:xfrm>
+            <a:off x="5410200" y="2286000"/>
+            <a:ext cx="3340100" cy="3726656"/>
+          </a:xfrm>
+          <a:prstGeom prst="rect">
+            <a:avLst/>
+          </a:prstGeom>
+          <a:solidFill>
+            <a:srgbClr val="3A92FC">
+              <a:alpha val="36863"/>
+            </a:srgbClr>
+          </a:solidFill>
+        </p:spPr>
+        <p:style>
+          <a:lnRef idx="2">
+            <a:schemeClr val="accent1">
+              <a:shade val="50000"/>
+            </a:schemeClr>
+          </a:lnRef>
+          <a:fillRef idx="1">
+            <a:schemeClr val="accent1"/>
+          </a:fillRef>
+          <a:effectRef idx="0">
+            <a:schemeClr val="accent1"/>
+          </a:effectRef>
+          <a:fontRef idx="minor">
+            <a:schemeClr val="lt1"/>
+          </a:fontRef>
+        </p:style>
+        <p:txBody>
+          <a:bodyPr rtlCol="0" anchor="ctr"/>
+          <a:lstStyle/>
+          <a:p>
+            <a:pPr algn="ctr"/>
+            <a:endParaRPr lang="en-US"/>
+          </a:p>
+        </p:txBody>
+      </p:sp>
+      <p:sp>
+        <p:nvSpPr>
+          <p:cNvPr id="11" name="Rectangle 10">
+            <a:extLst>
+              <a:ext uri="{FF2B5EF4-FFF2-40B4-BE49-F238E27FC236}">
+                <a16:creationId xmlns:a16="http://schemas.microsoft.com/office/drawing/2014/main" id="{9A458B72-847C-4B4E-AE68-73F2BA34F5AF}"/>
+              </a:ext>
+            </a:extLst>
+          </p:cNvPr>
+          <p:cNvSpPr/>
+          <p:nvPr/>
+        </p:nvSpPr>
+        <p:spPr>
+          <a:xfrm>
+            <a:off x="5562600" y="2360118"/>
+            <a:ext cx="2487925" cy="840282"/>
+          </a:xfrm>
+          <a:prstGeom prst="rect">
+            <a:avLst/>
+          </a:prstGeom>
+        </p:spPr>
+        <p:style>
+          <a:lnRef idx="2">
+            <a:schemeClr val="accent1">
+              <a:shade val="50000"/>
+            </a:schemeClr>
+          </a:lnRef>
+          <a:fillRef idx="1">
+            <a:schemeClr val="accent1"/>
+          </a:fillRef>
+          <a:effectRef idx="0">
+            <a:schemeClr val="accent1"/>
+          </a:effectRef>
+          <a:fontRef idx="minor">
+            <a:schemeClr val="lt1"/>
+          </a:fontRef>
+        </p:style>
+        <p:txBody>
+          <a:bodyPr rtlCol="0" anchor="ctr"/>
+          <a:lstStyle/>
+          <a:p>
+            <a:r>
+              <a:rPr lang="en-US" sz="3200" dirty="0"/>
+              <a:t>main</a:t>
+            </a:r>
+          </a:p>
+          <a:p>
+            <a:r>
+              <a:rPr lang="en-US" sz="3200" dirty="0"/>
+              <a:t>   letter: c</a:t>
+            </a:r>
+          </a:p>
+        </p:txBody>
+      </p:sp>
+      <p:sp>
+        <p:nvSpPr>
+          <p:cNvPr id="14" name="Rectangle 13">
+            <a:extLst>
+              <a:ext uri="{FF2B5EF4-FFF2-40B4-BE49-F238E27FC236}">
+                <a16:creationId xmlns:a16="http://schemas.microsoft.com/office/drawing/2014/main" id="{3C0E1143-48CE-9F4F-8888-7B6DC0DED773}"/>
+              </a:ext>
+            </a:extLst>
+          </p:cNvPr>
+          <p:cNvSpPr/>
+          <p:nvPr/>
+        </p:nvSpPr>
+        <p:spPr>
+          <a:xfrm>
+            <a:off x="5562600" y="3274518"/>
+            <a:ext cx="2487925" cy="992682"/>
+          </a:xfrm>
+          <a:prstGeom prst="rect">
+            <a:avLst/>
+          </a:prstGeom>
+        </p:spPr>
+        <p:style>
+          <a:lnRef idx="2">
+            <a:schemeClr val="accent1">
+              <a:shade val="50000"/>
+            </a:schemeClr>
+          </a:lnRef>
+          <a:fillRef idx="1">
+            <a:schemeClr val="accent1"/>
+          </a:fillRef>
+          <a:effectRef idx="0">
+            <a:schemeClr val="accent1"/>
+          </a:effectRef>
+          <a:fontRef idx="minor">
+            <a:schemeClr val="lt1"/>
+          </a:fontRef>
+        </p:style>
+        <p:txBody>
+          <a:bodyPr rtlCol="0" anchor="ctr"/>
+          <a:lstStyle/>
+          <a:p>
+            <a:r>
+              <a:rPr lang="en-US" sz="3200" dirty="0"/>
+              <a:t>func1</a:t>
+            </a:r>
+          </a:p>
+        </p:txBody>
+      </p:sp>
+    </p:spTree>
+    <p:extLst>
+      <p:ext uri="{BB962C8B-B14F-4D97-AF65-F5344CB8AC3E}">
+        <p14:creationId xmlns:p14="http://schemas.microsoft.com/office/powerpoint/2010/main" val="725256991"/>
+      </p:ext>
+    </p:extLst>
+  </p:cSld>
+  <p:clrMapOvr>
+    <a:masterClrMapping/>
+  </p:clrMapOvr>
+</p:sld>
+</file>
+
+<file path=ppt/slides/slide26.xml><?xml version="1.0" encoding="utf-8"?>
+<p:sld xmlns:a="http://schemas.openxmlformats.org/drawingml/2006/main" xmlns:r="http://schemas.openxmlformats.org/officeDocument/2006/relationships" xmlns:p="http://schemas.openxmlformats.org/presentationml/2006/main">
+  <p:cSld>
+    <p:spTree>
+      <p:nvGrpSpPr>
+        <p:cNvPr id="1" name=""/>
+        <p:cNvGrpSpPr/>
+        <p:nvPr/>
+      </p:nvGrpSpPr>
+      <p:grpSpPr>
+        <a:xfrm>
+          <a:off x="0" y="0"/>
+          <a:ext cx="0" cy="0"/>
+          <a:chOff x="0" y="0"/>
+          <a:chExt cx="0" cy="0"/>
+        </a:xfrm>
+      </p:grpSpPr>
+      <p:sp>
+        <p:nvSpPr>
+          <p:cNvPr id="2" name="Title 1">
+            <a:extLst>
+              <a:ext uri="{FF2B5EF4-FFF2-40B4-BE49-F238E27FC236}">
+                <a16:creationId xmlns:a16="http://schemas.microsoft.com/office/drawing/2014/main" id="{5BA53607-33FD-F54D-8702-AE3D19476B4D}"/>
+              </a:ext>
+            </a:extLst>
+          </p:cNvPr>
+          <p:cNvSpPr>
+            <a:spLocks noGrp="1"/>
+          </p:cNvSpPr>
+          <p:nvPr>
+            <p:ph type="title"/>
+          </p:nvPr>
+        </p:nvSpPr>
+        <p:spPr>
+          <a:xfrm>
+            <a:off x="152400" y="228600"/>
+            <a:ext cx="5791200" cy="1143000"/>
+          </a:xfrm>
+        </p:spPr>
+        <p:txBody>
+          <a:bodyPr>
+            <a:normAutofit fontScale="90000"/>
+          </a:bodyPr>
+          <a:lstStyle/>
+          <a:p>
+            <a:pPr algn="l"/>
+            <a:r>
+              <a:rPr lang="en-US" dirty="0"/>
+              <a:t>What happens when we run our executable file?</a:t>
+            </a:r>
+          </a:p>
+        </p:txBody>
+      </p:sp>
+      <p:sp>
+        <p:nvSpPr>
+          <p:cNvPr id="4" name="Footer Placeholder 3">
+            <a:extLst>
+              <a:ext uri="{FF2B5EF4-FFF2-40B4-BE49-F238E27FC236}">
+                <a16:creationId xmlns:a16="http://schemas.microsoft.com/office/drawing/2014/main" id="{EC46FAB2-42F5-EA47-B9F9-FA24D3A6BABC}"/>
+              </a:ext>
+            </a:extLst>
+          </p:cNvPr>
+          <p:cNvSpPr>
+            <a:spLocks noGrp="1"/>
+          </p:cNvSpPr>
+          <p:nvPr>
+            <p:ph type="ftr" sz="quarter" idx="11"/>
+          </p:nvPr>
+        </p:nvSpPr>
+        <p:spPr/>
+        <p:txBody>
+          <a:bodyPr/>
+          <a:lstStyle/>
+          <a:p>
+            <a:r>
+              <a:rPr lang="en-US"/>
+              <a:t>© 2016 Pearson Education, Inc., Hoboken, NJ.  All rights reserved.</a:t>
+            </a:r>
+          </a:p>
+        </p:txBody>
+      </p:sp>
+      <p:sp>
+        <p:nvSpPr>
+          <p:cNvPr id="5" name="Slide Number Placeholder 4">
+            <a:extLst>
+              <a:ext uri="{FF2B5EF4-FFF2-40B4-BE49-F238E27FC236}">
+                <a16:creationId xmlns:a16="http://schemas.microsoft.com/office/drawing/2014/main" id="{CF225639-41CB-C84A-A45E-6B54E69D6EA2}"/>
+              </a:ext>
+            </a:extLst>
+          </p:cNvPr>
+          <p:cNvSpPr>
+            <a:spLocks noGrp="1"/>
+          </p:cNvSpPr>
+          <p:nvPr>
+            <p:ph type="sldNum" sz="quarter" idx="12"/>
+          </p:nvPr>
+        </p:nvSpPr>
+        <p:spPr/>
+        <p:txBody>
+          <a:bodyPr/>
+          <a:lstStyle/>
+          <a:p>
+            <a:fld id="{85A8DA42-601D-40A8-83CA-2F2CBDE5F9F0}" type="slidenum">
+              <a:rPr lang="en-US" smtClean="0"/>
+              <a:t>26</a:t>
+            </a:fld>
+            <a:endParaRPr lang="en-US"/>
+          </a:p>
+        </p:txBody>
+      </p:sp>
+      <p:sp>
+        <p:nvSpPr>
+          <p:cNvPr id="6" name="TextBox 5">
+            <a:extLst>
+              <a:ext uri="{FF2B5EF4-FFF2-40B4-BE49-F238E27FC236}">
+                <a16:creationId xmlns:a16="http://schemas.microsoft.com/office/drawing/2014/main" id="{50DC082E-8F94-D042-9C36-A979691D14ED}"/>
+              </a:ext>
+            </a:extLst>
+          </p:cNvPr>
+          <p:cNvSpPr txBox="1"/>
+          <p:nvPr/>
+        </p:nvSpPr>
+        <p:spPr>
+          <a:xfrm>
+            <a:off x="381000" y="1715294"/>
+            <a:ext cx="3004797" cy="4832092"/>
+          </a:xfrm>
+          <a:prstGeom prst="rect">
+            <a:avLst/>
+          </a:prstGeom>
+          <a:noFill/>
+        </p:spPr>
+        <p:txBody>
+          <a:bodyPr wrap="none" lIns="91440" tIns="45720" rIns="91440" bIns="45720" rtlCol="0" anchor="t">
+            <a:spAutoFit/>
+          </a:bodyPr>
+          <a:lstStyle/>
+          <a:p>
+            <a:r>
+              <a:rPr lang="en-US" sz="2800" dirty="0"/>
+              <a:t>func2() {</a:t>
+            </a:r>
+          </a:p>
+          <a:p>
+            <a:r>
+              <a:rPr lang="en-US" sz="2800" dirty="0"/>
+              <a:t>    </a:t>
+            </a:r>
+            <a:r>
+              <a:rPr lang="en-US" sz="2800" dirty="0" err="1"/>
+              <a:t>printf</a:t>
+            </a:r>
+            <a:r>
+              <a:rPr lang="en-US" sz="2800" dirty="0"/>
+              <a:t>(“%d\n”, x);</a:t>
+            </a:r>
+          </a:p>
+          <a:p>
+            <a:r>
+              <a:rPr lang="en-US" sz="2800" dirty="0"/>
+              <a:t>}</a:t>
+            </a:r>
+            <a:endParaRPr lang="en-US" sz="2800" b="1" dirty="0"/>
+          </a:p>
+          <a:p>
+            <a:r>
+              <a:rPr lang="en-US" sz="2800" b="1" dirty="0"/>
+              <a:t>func1() {</a:t>
+            </a:r>
+          </a:p>
+          <a:p>
+            <a:r>
+              <a:rPr lang="en-US" sz="2800" b="1" dirty="0"/>
+              <a:t>    int x = 1;</a:t>
+            </a:r>
+          </a:p>
+          <a:p>
+            <a:r>
+              <a:rPr lang="en-US" sz="2800" dirty="0"/>
+              <a:t>    func2();</a:t>
+            </a:r>
+          </a:p>
+          <a:p>
+            <a:r>
+              <a:rPr lang="en-US" sz="2800" dirty="0"/>
+              <a:t>}</a:t>
+            </a:r>
+          </a:p>
+          <a:p>
+            <a:r>
+              <a:rPr lang="en-US" sz="2800" b="1" dirty="0"/>
+              <a:t>int main(void) {</a:t>
+            </a:r>
+          </a:p>
+          <a:p>
+            <a:r>
+              <a:rPr lang="en-US" sz="2800" b="1" dirty="0"/>
+              <a:t>    char letter=’c’</a:t>
+            </a:r>
+          </a:p>
+          <a:p>
+            <a:r>
+              <a:rPr lang="en-US" sz="2800" b="1" dirty="0"/>
+              <a:t>    func1();</a:t>
+            </a:r>
+          </a:p>
+          <a:p>
+            <a:r>
+              <a:rPr lang="en-US" sz="2800" dirty="0"/>
+              <a:t>}</a:t>
+            </a:r>
+          </a:p>
+        </p:txBody>
+      </p:sp>
+      <p:sp>
+        <p:nvSpPr>
+          <p:cNvPr id="10" name="TextBox 9">
+            <a:extLst>
+              <a:ext uri="{FF2B5EF4-FFF2-40B4-BE49-F238E27FC236}">
+                <a16:creationId xmlns:a16="http://schemas.microsoft.com/office/drawing/2014/main" id="{3B56C694-A236-ED47-9EFF-95E8E47DAC0D}"/>
+              </a:ext>
+            </a:extLst>
+          </p:cNvPr>
+          <p:cNvSpPr txBox="1"/>
+          <p:nvPr/>
+        </p:nvSpPr>
+        <p:spPr>
+          <a:xfrm>
+            <a:off x="5851635" y="1569107"/>
+            <a:ext cx="2012730" cy="707886"/>
+          </a:xfrm>
+          <a:prstGeom prst="rect">
+            <a:avLst/>
+          </a:prstGeom>
+          <a:noFill/>
+        </p:spPr>
+        <p:txBody>
+          <a:bodyPr wrap="none" rtlCol="0">
+            <a:spAutoFit/>
+          </a:bodyPr>
+          <a:lstStyle/>
+          <a:p>
+            <a:r>
+              <a:rPr lang="en-US" sz="4000" b="1" dirty="0"/>
+              <a:t>Memory</a:t>
+            </a:r>
+          </a:p>
+        </p:txBody>
+      </p:sp>
+      <p:pic>
+        <p:nvPicPr>
+          <p:cNvPr id="12" name="Picture 11">
+            <a:extLst>
+              <a:ext uri="{FF2B5EF4-FFF2-40B4-BE49-F238E27FC236}">
+                <a16:creationId xmlns:a16="http://schemas.microsoft.com/office/drawing/2014/main" id="{634D96A3-D02E-2B47-BBA1-85EB85814E6C}"/>
+              </a:ext>
+            </a:extLst>
+          </p:cNvPr>
+          <p:cNvPicPr>
+            <a:picLocks noChangeAspect="1"/>
+          </p:cNvPicPr>
+          <p:nvPr/>
+        </p:nvPicPr>
+        <p:blipFill>
+          <a:blip r:embed="rId2"/>
+          <a:stretch>
+            <a:fillRect/>
+          </a:stretch>
+        </p:blipFill>
+        <p:spPr>
+          <a:xfrm>
+            <a:off x="5410200" y="178341"/>
+            <a:ext cx="3340100" cy="1358900"/>
+          </a:xfrm>
+          <a:prstGeom prst="rect">
+            <a:avLst/>
+          </a:prstGeom>
+        </p:spPr>
+      </p:pic>
+      <p:sp>
+        <p:nvSpPr>
+          <p:cNvPr id="13" name="Rectangle 12">
+            <a:extLst>
+              <a:ext uri="{FF2B5EF4-FFF2-40B4-BE49-F238E27FC236}">
+                <a16:creationId xmlns:a16="http://schemas.microsoft.com/office/drawing/2014/main" id="{129AE26D-6811-D54C-82DF-27CBAF9889CF}"/>
+              </a:ext>
+            </a:extLst>
+          </p:cNvPr>
+          <p:cNvSpPr/>
+          <p:nvPr/>
+        </p:nvSpPr>
+        <p:spPr>
+          <a:xfrm>
+            <a:off x="5410200" y="2286000"/>
+            <a:ext cx="3340100" cy="3726656"/>
+          </a:xfrm>
+          <a:prstGeom prst="rect">
+            <a:avLst/>
+          </a:prstGeom>
+          <a:solidFill>
+            <a:srgbClr val="3A92FC">
+              <a:alpha val="36863"/>
+            </a:srgbClr>
+          </a:solidFill>
+        </p:spPr>
+        <p:style>
+          <a:lnRef idx="2">
+            <a:schemeClr val="accent1">
+              <a:shade val="50000"/>
+            </a:schemeClr>
+          </a:lnRef>
+          <a:fillRef idx="1">
+            <a:schemeClr val="accent1"/>
+          </a:fillRef>
+          <a:effectRef idx="0">
+            <a:schemeClr val="accent1"/>
+          </a:effectRef>
+          <a:fontRef idx="minor">
+            <a:schemeClr val="lt1"/>
+          </a:fontRef>
+        </p:style>
+        <p:txBody>
+          <a:bodyPr rtlCol="0" anchor="ctr"/>
+          <a:lstStyle/>
+          <a:p>
+            <a:pPr algn="ctr"/>
+            <a:endParaRPr lang="en-US"/>
+          </a:p>
+        </p:txBody>
+      </p:sp>
+      <p:sp>
+        <p:nvSpPr>
+          <p:cNvPr id="11" name="Rectangle 10">
+            <a:extLst>
+              <a:ext uri="{FF2B5EF4-FFF2-40B4-BE49-F238E27FC236}">
+                <a16:creationId xmlns:a16="http://schemas.microsoft.com/office/drawing/2014/main" id="{9A458B72-847C-4B4E-AE68-73F2BA34F5AF}"/>
+              </a:ext>
+            </a:extLst>
+          </p:cNvPr>
+          <p:cNvSpPr/>
+          <p:nvPr/>
+        </p:nvSpPr>
+        <p:spPr>
+          <a:xfrm>
+            <a:off x="5562600" y="2360118"/>
+            <a:ext cx="2487925" cy="840282"/>
+          </a:xfrm>
+          <a:prstGeom prst="rect">
+            <a:avLst/>
+          </a:prstGeom>
+        </p:spPr>
+        <p:style>
+          <a:lnRef idx="2">
+            <a:schemeClr val="accent1">
+              <a:shade val="50000"/>
+            </a:schemeClr>
+          </a:lnRef>
+          <a:fillRef idx="1">
+            <a:schemeClr val="accent1"/>
+          </a:fillRef>
+          <a:effectRef idx="0">
+            <a:schemeClr val="accent1"/>
+          </a:effectRef>
+          <a:fontRef idx="minor">
+            <a:schemeClr val="lt1"/>
+          </a:fontRef>
+        </p:style>
+        <p:txBody>
+          <a:bodyPr rtlCol="0" anchor="ctr"/>
+          <a:lstStyle/>
+          <a:p>
+            <a:r>
+              <a:rPr lang="en-US" sz="3200" dirty="0"/>
+              <a:t>main</a:t>
+            </a:r>
+          </a:p>
+          <a:p>
+            <a:r>
+              <a:rPr lang="en-US" sz="3200" dirty="0"/>
+              <a:t>   letter: c</a:t>
+            </a:r>
+          </a:p>
+        </p:txBody>
+      </p:sp>
+      <p:sp>
+        <p:nvSpPr>
+          <p:cNvPr id="15" name="Rectangle 14">
+            <a:extLst>
+              <a:ext uri="{FF2B5EF4-FFF2-40B4-BE49-F238E27FC236}">
+                <a16:creationId xmlns:a16="http://schemas.microsoft.com/office/drawing/2014/main" id="{9312F38E-9659-AE4F-A554-5906C32770BA}"/>
+              </a:ext>
+            </a:extLst>
+          </p:cNvPr>
+          <p:cNvSpPr/>
+          <p:nvPr/>
+        </p:nvSpPr>
+        <p:spPr>
+          <a:xfrm>
+            <a:off x="5562600" y="3274518"/>
+            <a:ext cx="2487925" cy="992682"/>
+          </a:xfrm>
+          <a:prstGeom prst="rect">
+            <a:avLst/>
+          </a:prstGeom>
+        </p:spPr>
+        <p:style>
+          <a:lnRef idx="2">
+            <a:schemeClr val="accent1">
+              <a:shade val="50000"/>
+            </a:schemeClr>
+          </a:lnRef>
+          <a:fillRef idx="1">
+            <a:schemeClr val="accent1"/>
+          </a:fillRef>
+          <a:effectRef idx="0">
+            <a:schemeClr val="accent1"/>
+          </a:effectRef>
+          <a:fontRef idx="minor">
+            <a:schemeClr val="lt1"/>
+          </a:fontRef>
+        </p:style>
+        <p:txBody>
+          <a:bodyPr rtlCol="0" anchor="ctr"/>
+          <a:lstStyle/>
+          <a:p>
+            <a:r>
+              <a:rPr lang="en-US" sz="3200" dirty="0"/>
+              <a:t>func1</a:t>
+            </a:r>
+          </a:p>
+          <a:p>
+            <a:r>
+              <a:rPr lang="en-US" sz="3200" dirty="0"/>
+              <a:t>    x: 1</a:t>
+            </a:r>
+          </a:p>
+        </p:txBody>
+      </p:sp>
+    </p:spTree>
+    <p:extLst>
+      <p:ext uri="{BB962C8B-B14F-4D97-AF65-F5344CB8AC3E}">
+        <p14:creationId xmlns:p14="http://schemas.microsoft.com/office/powerpoint/2010/main" val="142462947"/>
+      </p:ext>
+    </p:extLst>
+  </p:cSld>
+  <p:clrMapOvr>
+    <a:masterClrMapping/>
+  </p:clrMapOvr>
+</p:sld>
+</file>
+
+<file path=ppt/slides/slide27.xml><?xml version="1.0" encoding="utf-8"?>
+<p:sld xmlns:a="http://schemas.openxmlformats.org/drawingml/2006/main" xmlns:r="http://schemas.openxmlformats.org/officeDocument/2006/relationships" xmlns:p="http://schemas.openxmlformats.org/presentationml/2006/main">
+  <p:cSld>
+    <p:spTree>
+      <p:nvGrpSpPr>
+        <p:cNvPr id="1" name=""/>
+        <p:cNvGrpSpPr/>
+        <p:nvPr/>
+      </p:nvGrpSpPr>
+      <p:grpSpPr>
+        <a:xfrm>
+          <a:off x="0" y="0"/>
+          <a:ext cx="0" cy="0"/>
+          <a:chOff x="0" y="0"/>
+          <a:chExt cx="0" cy="0"/>
+        </a:xfrm>
+      </p:grpSpPr>
+      <p:sp>
+        <p:nvSpPr>
+          <p:cNvPr id="2" name="Title 1">
+            <a:extLst>
+              <a:ext uri="{FF2B5EF4-FFF2-40B4-BE49-F238E27FC236}">
+                <a16:creationId xmlns:a16="http://schemas.microsoft.com/office/drawing/2014/main" id="{5BA53607-33FD-F54D-8702-AE3D19476B4D}"/>
+              </a:ext>
+            </a:extLst>
+          </p:cNvPr>
+          <p:cNvSpPr>
+            <a:spLocks noGrp="1"/>
+          </p:cNvSpPr>
+          <p:nvPr>
+            <p:ph type="title"/>
+          </p:nvPr>
+        </p:nvSpPr>
+        <p:spPr>
+          <a:xfrm>
+            <a:off x="152400" y="228600"/>
+            <a:ext cx="5791200" cy="1143000"/>
+          </a:xfrm>
+        </p:spPr>
+        <p:txBody>
+          <a:bodyPr>
+            <a:normAutofit fontScale="90000"/>
+          </a:bodyPr>
+          <a:lstStyle/>
+          <a:p>
+            <a:pPr algn="l"/>
+            <a:r>
+              <a:rPr lang="en-US" dirty="0"/>
+              <a:t>What happens when we run our executable file?</a:t>
+            </a:r>
+          </a:p>
+        </p:txBody>
+      </p:sp>
+      <p:sp>
+        <p:nvSpPr>
+          <p:cNvPr id="4" name="Footer Placeholder 3">
+            <a:extLst>
+              <a:ext uri="{FF2B5EF4-FFF2-40B4-BE49-F238E27FC236}">
+                <a16:creationId xmlns:a16="http://schemas.microsoft.com/office/drawing/2014/main" id="{EC46FAB2-42F5-EA47-B9F9-FA24D3A6BABC}"/>
+              </a:ext>
+            </a:extLst>
+          </p:cNvPr>
+          <p:cNvSpPr>
+            <a:spLocks noGrp="1"/>
+          </p:cNvSpPr>
+          <p:nvPr>
+            <p:ph type="ftr" sz="quarter" idx="11"/>
+          </p:nvPr>
+        </p:nvSpPr>
+        <p:spPr/>
+        <p:txBody>
+          <a:bodyPr/>
+          <a:lstStyle/>
+          <a:p>
+            <a:r>
+              <a:rPr lang="en-US"/>
+              <a:t>© 2016 Pearson Education, Inc., Hoboken, NJ.  All rights reserved.</a:t>
+            </a:r>
+          </a:p>
+        </p:txBody>
+      </p:sp>
+      <p:sp>
+        <p:nvSpPr>
+          <p:cNvPr id="5" name="Slide Number Placeholder 4">
+            <a:extLst>
+              <a:ext uri="{FF2B5EF4-FFF2-40B4-BE49-F238E27FC236}">
+                <a16:creationId xmlns:a16="http://schemas.microsoft.com/office/drawing/2014/main" id="{CF225639-41CB-C84A-A45E-6B54E69D6EA2}"/>
+              </a:ext>
+            </a:extLst>
+          </p:cNvPr>
+          <p:cNvSpPr>
+            <a:spLocks noGrp="1"/>
+          </p:cNvSpPr>
+          <p:nvPr>
+            <p:ph type="sldNum" sz="quarter" idx="12"/>
+          </p:nvPr>
+        </p:nvSpPr>
+        <p:spPr/>
+        <p:txBody>
+          <a:bodyPr/>
+          <a:lstStyle/>
+          <a:p>
+            <a:fld id="{85A8DA42-601D-40A8-83CA-2F2CBDE5F9F0}" type="slidenum">
+              <a:rPr lang="en-US" smtClean="0"/>
+              <a:t>27</a:t>
+            </a:fld>
+            <a:endParaRPr lang="en-US"/>
+          </a:p>
+        </p:txBody>
+      </p:sp>
+      <p:sp>
+        <p:nvSpPr>
+          <p:cNvPr id="6" name="TextBox 5">
+            <a:extLst>
+              <a:ext uri="{FF2B5EF4-FFF2-40B4-BE49-F238E27FC236}">
+                <a16:creationId xmlns:a16="http://schemas.microsoft.com/office/drawing/2014/main" id="{50DC082E-8F94-D042-9C36-A979691D14ED}"/>
+              </a:ext>
+            </a:extLst>
+          </p:cNvPr>
+          <p:cNvSpPr txBox="1"/>
+          <p:nvPr/>
+        </p:nvSpPr>
+        <p:spPr>
+          <a:xfrm>
+            <a:off x="381000" y="1715294"/>
+            <a:ext cx="3004797" cy="4832092"/>
+          </a:xfrm>
+          <a:prstGeom prst="rect">
+            <a:avLst/>
+          </a:prstGeom>
+          <a:noFill/>
+        </p:spPr>
+        <p:txBody>
+          <a:bodyPr wrap="none" lIns="91440" tIns="45720" rIns="91440" bIns="45720" rtlCol="0" anchor="t">
+            <a:spAutoFit/>
+          </a:bodyPr>
+          <a:lstStyle/>
+          <a:p>
+            <a:r>
+              <a:rPr lang="en-US" sz="2800" dirty="0"/>
+              <a:t>func2() {</a:t>
+            </a:r>
+          </a:p>
+          <a:p>
+            <a:r>
+              <a:rPr lang="en-US" sz="2800" dirty="0"/>
+              <a:t>    </a:t>
+            </a:r>
+            <a:r>
+              <a:rPr lang="en-US" sz="2800" dirty="0" err="1"/>
+              <a:t>printf</a:t>
+            </a:r>
+            <a:r>
+              <a:rPr lang="en-US" sz="2800" dirty="0"/>
+              <a:t>(“%d\n”, x);</a:t>
+            </a:r>
+          </a:p>
+          <a:p>
+            <a:r>
+              <a:rPr lang="en-US" sz="2800" dirty="0"/>
+              <a:t>}</a:t>
+            </a:r>
+            <a:endParaRPr lang="en-US" sz="2800" b="1" dirty="0"/>
+          </a:p>
+          <a:p>
+            <a:r>
+              <a:rPr lang="en-US" sz="2800" b="1" dirty="0"/>
+              <a:t>func1() {</a:t>
+            </a:r>
+          </a:p>
+          <a:p>
+            <a:r>
+              <a:rPr lang="en-US" sz="2800" b="1" dirty="0"/>
+              <a:t>    int x = 1;</a:t>
+            </a:r>
+          </a:p>
+          <a:p>
+            <a:r>
+              <a:rPr lang="en-US" sz="2800" b="1" dirty="0"/>
+              <a:t>    func2();</a:t>
+            </a:r>
+          </a:p>
+          <a:p>
+            <a:r>
+              <a:rPr lang="en-US" sz="2800" dirty="0"/>
+              <a:t>}</a:t>
+            </a:r>
+          </a:p>
+          <a:p>
+            <a:r>
+              <a:rPr lang="en-US" sz="2800" b="1" dirty="0"/>
+              <a:t>int main(void) {</a:t>
+            </a:r>
+          </a:p>
+          <a:p>
+            <a:r>
+              <a:rPr lang="en-US" sz="2800" b="1" dirty="0"/>
+              <a:t>    char letter=’c’</a:t>
+            </a:r>
+          </a:p>
+          <a:p>
+            <a:r>
+              <a:rPr lang="en-US" sz="2800" b="1" dirty="0"/>
+              <a:t>    func1();</a:t>
+            </a:r>
+          </a:p>
+          <a:p>
+            <a:r>
+              <a:rPr lang="en-US" sz="2800" dirty="0"/>
+              <a:t>}</a:t>
+            </a:r>
+          </a:p>
+        </p:txBody>
+      </p:sp>
+      <p:sp>
+        <p:nvSpPr>
+          <p:cNvPr id="10" name="TextBox 9">
+            <a:extLst>
+              <a:ext uri="{FF2B5EF4-FFF2-40B4-BE49-F238E27FC236}">
+                <a16:creationId xmlns:a16="http://schemas.microsoft.com/office/drawing/2014/main" id="{3B56C694-A236-ED47-9EFF-95E8E47DAC0D}"/>
+              </a:ext>
+            </a:extLst>
+          </p:cNvPr>
+          <p:cNvSpPr txBox="1"/>
+          <p:nvPr/>
+        </p:nvSpPr>
+        <p:spPr>
+          <a:xfrm>
+            <a:off x="5851635" y="1569107"/>
+            <a:ext cx="2012730" cy="707886"/>
+          </a:xfrm>
+          <a:prstGeom prst="rect">
+            <a:avLst/>
+          </a:prstGeom>
+          <a:noFill/>
+        </p:spPr>
+        <p:txBody>
+          <a:bodyPr wrap="none" rtlCol="0">
+            <a:spAutoFit/>
+          </a:bodyPr>
+          <a:lstStyle/>
+          <a:p>
+            <a:r>
+              <a:rPr lang="en-US" sz="4000" b="1" dirty="0"/>
+              <a:t>Memory</a:t>
+            </a:r>
+          </a:p>
+        </p:txBody>
+      </p:sp>
+      <p:pic>
+        <p:nvPicPr>
+          <p:cNvPr id="12" name="Picture 11">
+            <a:extLst>
+              <a:ext uri="{FF2B5EF4-FFF2-40B4-BE49-F238E27FC236}">
+                <a16:creationId xmlns:a16="http://schemas.microsoft.com/office/drawing/2014/main" id="{634D96A3-D02E-2B47-BBA1-85EB85814E6C}"/>
+              </a:ext>
+            </a:extLst>
+          </p:cNvPr>
+          <p:cNvPicPr>
+            <a:picLocks noChangeAspect="1"/>
+          </p:cNvPicPr>
+          <p:nvPr/>
+        </p:nvPicPr>
+        <p:blipFill>
+          <a:blip r:embed="rId2"/>
+          <a:stretch>
+            <a:fillRect/>
+          </a:stretch>
+        </p:blipFill>
+        <p:spPr>
+          <a:xfrm>
+            <a:off x="5410200" y="178341"/>
+            <a:ext cx="3340100" cy="1358900"/>
+          </a:xfrm>
+          <a:prstGeom prst="rect">
+            <a:avLst/>
+          </a:prstGeom>
+        </p:spPr>
+      </p:pic>
+      <p:sp>
+        <p:nvSpPr>
+          <p:cNvPr id="13" name="Rectangle 12">
+            <a:extLst>
+              <a:ext uri="{FF2B5EF4-FFF2-40B4-BE49-F238E27FC236}">
+                <a16:creationId xmlns:a16="http://schemas.microsoft.com/office/drawing/2014/main" id="{129AE26D-6811-D54C-82DF-27CBAF9889CF}"/>
+              </a:ext>
+            </a:extLst>
+          </p:cNvPr>
+          <p:cNvSpPr/>
+          <p:nvPr/>
+        </p:nvSpPr>
+        <p:spPr>
+          <a:xfrm>
+            <a:off x="5410200" y="2286000"/>
+            <a:ext cx="3340100" cy="3726656"/>
+          </a:xfrm>
+          <a:prstGeom prst="rect">
+            <a:avLst/>
+          </a:prstGeom>
+          <a:solidFill>
+            <a:srgbClr val="3A92FC">
+              <a:alpha val="36863"/>
+            </a:srgbClr>
+          </a:solidFill>
+        </p:spPr>
+        <p:style>
+          <a:lnRef idx="2">
+            <a:schemeClr val="accent1">
+              <a:shade val="50000"/>
+            </a:schemeClr>
+          </a:lnRef>
+          <a:fillRef idx="1">
+            <a:schemeClr val="accent1"/>
+          </a:fillRef>
+          <a:effectRef idx="0">
+            <a:schemeClr val="accent1"/>
+          </a:effectRef>
+          <a:fontRef idx="minor">
+            <a:schemeClr val="lt1"/>
+          </a:fontRef>
+        </p:style>
+        <p:txBody>
+          <a:bodyPr rtlCol="0" anchor="ctr"/>
+          <a:lstStyle/>
+          <a:p>
+            <a:pPr algn="ctr"/>
+            <a:endParaRPr lang="en-US"/>
+          </a:p>
+        </p:txBody>
+      </p:sp>
+      <p:sp>
+        <p:nvSpPr>
+          <p:cNvPr id="11" name="Rectangle 10">
+            <a:extLst>
+              <a:ext uri="{FF2B5EF4-FFF2-40B4-BE49-F238E27FC236}">
+                <a16:creationId xmlns:a16="http://schemas.microsoft.com/office/drawing/2014/main" id="{9A458B72-847C-4B4E-AE68-73F2BA34F5AF}"/>
+              </a:ext>
+            </a:extLst>
+          </p:cNvPr>
+          <p:cNvSpPr/>
+          <p:nvPr/>
+        </p:nvSpPr>
+        <p:spPr>
+          <a:xfrm>
+            <a:off x="5562600" y="2360118"/>
+            <a:ext cx="2487925" cy="840282"/>
+          </a:xfrm>
+          <a:prstGeom prst="rect">
+            <a:avLst/>
+          </a:prstGeom>
+        </p:spPr>
+        <p:style>
+          <a:lnRef idx="2">
+            <a:schemeClr val="accent1">
+              <a:shade val="50000"/>
+            </a:schemeClr>
+          </a:lnRef>
+          <a:fillRef idx="1">
+            <a:schemeClr val="accent1"/>
+          </a:fillRef>
+          <a:effectRef idx="0">
+            <a:schemeClr val="accent1"/>
+          </a:effectRef>
+          <a:fontRef idx="minor">
+            <a:schemeClr val="lt1"/>
+          </a:fontRef>
+        </p:style>
+        <p:txBody>
+          <a:bodyPr rtlCol="0" anchor="ctr"/>
+          <a:lstStyle/>
+          <a:p>
+            <a:r>
+              <a:rPr lang="en-US" sz="3200" dirty="0"/>
+              <a:t>main</a:t>
+            </a:r>
+          </a:p>
+          <a:p>
+            <a:r>
+              <a:rPr lang="en-US" sz="3200" dirty="0"/>
+              <a:t>   letter: c</a:t>
+            </a:r>
+          </a:p>
+        </p:txBody>
+      </p:sp>
+      <p:sp>
+        <p:nvSpPr>
+          <p:cNvPr id="15" name="Rectangle 14">
+            <a:extLst>
+              <a:ext uri="{FF2B5EF4-FFF2-40B4-BE49-F238E27FC236}">
+                <a16:creationId xmlns:a16="http://schemas.microsoft.com/office/drawing/2014/main" id="{9312F38E-9659-AE4F-A554-5906C32770BA}"/>
+              </a:ext>
+            </a:extLst>
+          </p:cNvPr>
+          <p:cNvSpPr/>
+          <p:nvPr/>
+        </p:nvSpPr>
+        <p:spPr>
+          <a:xfrm>
+            <a:off x="5562600" y="3274518"/>
+            <a:ext cx="2487925" cy="992682"/>
+          </a:xfrm>
+          <a:prstGeom prst="rect">
+            <a:avLst/>
+          </a:prstGeom>
+        </p:spPr>
+        <p:style>
+          <a:lnRef idx="2">
+            <a:schemeClr val="accent1">
+              <a:shade val="50000"/>
+            </a:schemeClr>
+          </a:lnRef>
+          <a:fillRef idx="1">
+            <a:schemeClr val="accent1"/>
+          </a:fillRef>
+          <a:effectRef idx="0">
+            <a:schemeClr val="accent1"/>
+          </a:effectRef>
+          <a:fontRef idx="minor">
+            <a:schemeClr val="lt1"/>
+          </a:fontRef>
+        </p:style>
+        <p:txBody>
+          <a:bodyPr rtlCol="0" anchor="ctr"/>
+          <a:lstStyle/>
+          <a:p>
+            <a:r>
+              <a:rPr lang="en-US" sz="3200" dirty="0"/>
+              <a:t>func1</a:t>
+            </a:r>
+          </a:p>
+          <a:p>
+            <a:r>
+              <a:rPr lang="en-US" sz="3200" dirty="0"/>
+              <a:t>    x: 1</a:t>
+            </a:r>
+          </a:p>
+        </p:txBody>
+      </p:sp>
+    </p:spTree>
+    <p:extLst>
+      <p:ext uri="{BB962C8B-B14F-4D97-AF65-F5344CB8AC3E}">
+        <p14:creationId xmlns:p14="http://schemas.microsoft.com/office/powerpoint/2010/main" val="1858840140"/>
+      </p:ext>
+    </p:extLst>
+  </p:cSld>
+  <p:clrMapOvr>
+    <a:masterClrMapping/>
+  </p:clrMapOvr>
+</p:sld>
+</file>
+
+<file path=ppt/slides/slide28.xml><?xml version="1.0" encoding="utf-8"?>
+<p:sld xmlns:a="http://schemas.openxmlformats.org/drawingml/2006/main" xmlns:r="http://schemas.openxmlformats.org/officeDocument/2006/relationships" xmlns:p="http://schemas.openxmlformats.org/presentationml/2006/main">
+  <p:cSld>
+    <p:spTree>
+      <p:nvGrpSpPr>
+        <p:cNvPr id="1" name=""/>
+        <p:cNvGrpSpPr/>
+        <p:nvPr/>
+      </p:nvGrpSpPr>
+      <p:grpSpPr>
+        <a:xfrm>
+          <a:off x="0" y="0"/>
+          <a:ext cx="0" cy="0"/>
+          <a:chOff x="0" y="0"/>
+          <a:chExt cx="0" cy="0"/>
+        </a:xfrm>
+      </p:grpSpPr>
+      <p:sp>
+        <p:nvSpPr>
+          <p:cNvPr id="2" name="Title 1">
+            <a:extLst>
+              <a:ext uri="{FF2B5EF4-FFF2-40B4-BE49-F238E27FC236}">
+                <a16:creationId xmlns:a16="http://schemas.microsoft.com/office/drawing/2014/main" id="{5BA53607-33FD-F54D-8702-AE3D19476B4D}"/>
+              </a:ext>
+            </a:extLst>
+          </p:cNvPr>
+          <p:cNvSpPr>
+            <a:spLocks noGrp="1"/>
+          </p:cNvSpPr>
+          <p:nvPr>
+            <p:ph type="title"/>
+          </p:nvPr>
+        </p:nvSpPr>
+        <p:spPr>
+          <a:xfrm>
+            <a:off x="152400" y="228600"/>
+            <a:ext cx="5791200" cy="1143000"/>
+          </a:xfrm>
+        </p:spPr>
+        <p:txBody>
+          <a:bodyPr>
+            <a:normAutofit fontScale="90000"/>
+          </a:bodyPr>
+          <a:lstStyle/>
+          <a:p>
+            <a:pPr algn="l"/>
+            <a:r>
+              <a:rPr lang="en-US" dirty="0"/>
+              <a:t>What happens when we run our executable file?</a:t>
+            </a:r>
+          </a:p>
+        </p:txBody>
+      </p:sp>
+      <p:sp>
+        <p:nvSpPr>
+          <p:cNvPr id="4" name="Footer Placeholder 3">
+            <a:extLst>
+              <a:ext uri="{FF2B5EF4-FFF2-40B4-BE49-F238E27FC236}">
+                <a16:creationId xmlns:a16="http://schemas.microsoft.com/office/drawing/2014/main" id="{EC46FAB2-42F5-EA47-B9F9-FA24D3A6BABC}"/>
+              </a:ext>
+            </a:extLst>
+          </p:cNvPr>
+          <p:cNvSpPr>
+            <a:spLocks noGrp="1"/>
+          </p:cNvSpPr>
+          <p:nvPr>
+            <p:ph type="ftr" sz="quarter" idx="11"/>
+          </p:nvPr>
+        </p:nvSpPr>
+        <p:spPr/>
+        <p:txBody>
+          <a:bodyPr/>
+          <a:lstStyle/>
+          <a:p>
+            <a:r>
+              <a:rPr lang="en-US"/>
+              <a:t>© 2016 Pearson Education, Inc., Hoboken, NJ.  All rights reserved.</a:t>
+            </a:r>
+          </a:p>
+        </p:txBody>
+      </p:sp>
+      <p:sp>
+        <p:nvSpPr>
+          <p:cNvPr id="5" name="Slide Number Placeholder 4">
+            <a:extLst>
+              <a:ext uri="{FF2B5EF4-FFF2-40B4-BE49-F238E27FC236}">
+                <a16:creationId xmlns:a16="http://schemas.microsoft.com/office/drawing/2014/main" id="{CF225639-41CB-C84A-A45E-6B54E69D6EA2}"/>
+              </a:ext>
+            </a:extLst>
+          </p:cNvPr>
+          <p:cNvSpPr>
+            <a:spLocks noGrp="1"/>
+          </p:cNvSpPr>
+          <p:nvPr>
+            <p:ph type="sldNum" sz="quarter" idx="12"/>
+          </p:nvPr>
+        </p:nvSpPr>
+        <p:spPr/>
+        <p:txBody>
+          <a:bodyPr/>
+          <a:lstStyle/>
+          <a:p>
+            <a:fld id="{85A8DA42-601D-40A8-83CA-2F2CBDE5F9F0}" type="slidenum">
+              <a:rPr lang="en-US" smtClean="0"/>
+              <a:t>28</a:t>
+            </a:fld>
+            <a:endParaRPr lang="en-US"/>
+          </a:p>
+        </p:txBody>
+      </p:sp>
+      <p:sp>
+        <p:nvSpPr>
+          <p:cNvPr id="6" name="TextBox 5">
+            <a:extLst>
+              <a:ext uri="{FF2B5EF4-FFF2-40B4-BE49-F238E27FC236}">
+                <a16:creationId xmlns:a16="http://schemas.microsoft.com/office/drawing/2014/main" id="{50DC082E-8F94-D042-9C36-A979691D14ED}"/>
+              </a:ext>
+            </a:extLst>
+          </p:cNvPr>
+          <p:cNvSpPr txBox="1"/>
+          <p:nvPr/>
+        </p:nvSpPr>
+        <p:spPr>
+          <a:xfrm>
+            <a:off x="381000" y="1715294"/>
+            <a:ext cx="3004797" cy="4832092"/>
+          </a:xfrm>
+          <a:prstGeom prst="rect">
+            <a:avLst/>
+          </a:prstGeom>
+          <a:noFill/>
+        </p:spPr>
+        <p:txBody>
+          <a:bodyPr wrap="none" lIns="91440" tIns="45720" rIns="91440" bIns="45720" rtlCol="0" anchor="t">
+            <a:spAutoFit/>
+          </a:bodyPr>
+          <a:lstStyle/>
+          <a:p>
+            <a:r>
+              <a:rPr lang="en-US" sz="2800" b="1" dirty="0"/>
+              <a:t>func2() {</a:t>
+            </a:r>
+          </a:p>
+          <a:p>
+            <a:r>
+              <a:rPr lang="en-US" sz="2800" dirty="0"/>
+              <a:t>    </a:t>
+            </a:r>
+            <a:r>
+              <a:rPr lang="en-US" sz="2800" dirty="0" err="1"/>
+              <a:t>printf</a:t>
+            </a:r>
+            <a:r>
+              <a:rPr lang="en-US" sz="2800" dirty="0"/>
+              <a:t>(“%d\n”, x);</a:t>
+            </a:r>
+          </a:p>
+          <a:p>
+            <a:r>
+              <a:rPr lang="en-US" sz="2800" dirty="0"/>
+              <a:t>}</a:t>
+            </a:r>
+            <a:endParaRPr lang="en-US" sz="2800" b="1" dirty="0"/>
+          </a:p>
+          <a:p>
+            <a:r>
+              <a:rPr lang="en-US" sz="2800" b="1" dirty="0"/>
+              <a:t>func1() {</a:t>
+            </a:r>
+          </a:p>
+          <a:p>
+            <a:r>
+              <a:rPr lang="en-US" sz="2800" b="1" dirty="0"/>
+              <a:t>    int x = 1;</a:t>
+            </a:r>
+          </a:p>
+          <a:p>
+            <a:r>
+              <a:rPr lang="en-US" sz="2800" b="1" dirty="0"/>
+              <a:t>    func2();</a:t>
+            </a:r>
+          </a:p>
+          <a:p>
+            <a:r>
+              <a:rPr lang="en-US" sz="2800" dirty="0"/>
+              <a:t>}</a:t>
+            </a:r>
+          </a:p>
+          <a:p>
+            <a:r>
+              <a:rPr lang="en-US" sz="2800" b="1" dirty="0"/>
+              <a:t>int main(void) {</a:t>
+            </a:r>
+          </a:p>
+          <a:p>
+            <a:r>
+              <a:rPr lang="en-US" sz="2800" b="1" dirty="0"/>
+              <a:t>    char letter=’c’</a:t>
+            </a:r>
+          </a:p>
+          <a:p>
+            <a:r>
+              <a:rPr lang="en-US" sz="2800" b="1" dirty="0"/>
+              <a:t>    func1();</a:t>
+            </a:r>
+          </a:p>
+          <a:p>
+            <a:r>
+              <a:rPr lang="en-US" sz="2800" dirty="0"/>
+              <a:t>}</a:t>
+            </a:r>
+          </a:p>
+        </p:txBody>
+      </p:sp>
+      <p:sp>
+        <p:nvSpPr>
+          <p:cNvPr id="10" name="TextBox 9">
+            <a:extLst>
+              <a:ext uri="{FF2B5EF4-FFF2-40B4-BE49-F238E27FC236}">
+                <a16:creationId xmlns:a16="http://schemas.microsoft.com/office/drawing/2014/main" id="{3B56C694-A236-ED47-9EFF-95E8E47DAC0D}"/>
+              </a:ext>
+            </a:extLst>
+          </p:cNvPr>
+          <p:cNvSpPr txBox="1"/>
+          <p:nvPr/>
+        </p:nvSpPr>
+        <p:spPr>
+          <a:xfrm>
+            <a:off x="5851635" y="1569107"/>
+            <a:ext cx="2012730" cy="707886"/>
+          </a:xfrm>
+          <a:prstGeom prst="rect">
+            <a:avLst/>
+          </a:prstGeom>
+          <a:noFill/>
+        </p:spPr>
+        <p:txBody>
+          <a:bodyPr wrap="none" rtlCol="0">
+            <a:spAutoFit/>
+          </a:bodyPr>
+          <a:lstStyle/>
+          <a:p>
+            <a:r>
+              <a:rPr lang="en-US" sz="4000" b="1" dirty="0"/>
+              <a:t>Memory</a:t>
+            </a:r>
+          </a:p>
+        </p:txBody>
+      </p:sp>
+      <p:pic>
+        <p:nvPicPr>
+          <p:cNvPr id="12" name="Picture 11">
+            <a:extLst>
+              <a:ext uri="{FF2B5EF4-FFF2-40B4-BE49-F238E27FC236}">
+                <a16:creationId xmlns:a16="http://schemas.microsoft.com/office/drawing/2014/main" id="{634D96A3-D02E-2B47-BBA1-85EB85814E6C}"/>
+              </a:ext>
+            </a:extLst>
+          </p:cNvPr>
+          <p:cNvPicPr>
+            <a:picLocks noChangeAspect="1"/>
+          </p:cNvPicPr>
+          <p:nvPr/>
+        </p:nvPicPr>
+        <p:blipFill>
+          <a:blip r:embed="rId2"/>
+          <a:stretch>
+            <a:fillRect/>
+          </a:stretch>
+        </p:blipFill>
+        <p:spPr>
+          <a:xfrm>
+            <a:off x="5410200" y="178341"/>
+            <a:ext cx="3340100" cy="1358900"/>
+          </a:xfrm>
+          <a:prstGeom prst="rect">
+            <a:avLst/>
+          </a:prstGeom>
+        </p:spPr>
+      </p:pic>
+      <p:sp>
+        <p:nvSpPr>
+          <p:cNvPr id="13" name="Rectangle 12">
+            <a:extLst>
+              <a:ext uri="{FF2B5EF4-FFF2-40B4-BE49-F238E27FC236}">
+                <a16:creationId xmlns:a16="http://schemas.microsoft.com/office/drawing/2014/main" id="{129AE26D-6811-D54C-82DF-27CBAF9889CF}"/>
+              </a:ext>
+            </a:extLst>
+          </p:cNvPr>
+          <p:cNvSpPr/>
+          <p:nvPr/>
+        </p:nvSpPr>
+        <p:spPr>
+          <a:xfrm>
+            <a:off x="5410200" y="2286000"/>
+            <a:ext cx="3340100" cy="3726656"/>
+          </a:xfrm>
+          <a:prstGeom prst="rect">
+            <a:avLst/>
+          </a:prstGeom>
+          <a:solidFill>
+            <a:srgbClr val="3A92FC">
+              <a:alpha val="36863"/>
+            </a:srgbClr>
+          </a:solidFill>
+        </p:spPr>
+        <p:style>
+          <a:lnRef idx="2">
+            <a:schemeClr val="accent1">
+              <a:shade val="50000"/>
+            </a:schemeClr>
+          </a:lnRef>
+          <a:fillRef idx="1">
+            <a:schemeClr val="accent1"/>
+          </a:fillRef>
+          <a:effectRef idx="0">
+            <a:schemeClr val="accent1"/>
+          </a:effectRef>
+          <a:fontRef idx="minor">
+            <a:schemeClr val="lt1"/>
+          </a:fontRef>
+        </p:style>
+        <p:txBody>
+          <a:bodyPr rtlCol="0" anchor="ctr"/>
+          <a:lstStyle/>
+          <a:p>
+            <a:pPr algn="ctr"/>
+            <a:endParaRPr lang="en-US"/>
+          </a:p>
+        </p:txBody>
+      </p:sp>
+      <p:sp>
+        <p:nvSpPr>
+          <p:cNvPr id="11" name="Rectangle 10">
+            <a:extLst>
+              <a:ext uri="{FF2B5EF4-FFF2-40B4-BE49-F238E27FC236}">
+                <a16:creationId xmlns:a16="http://schemas.microsoft.com/office/drawing/2014/main" id="{9A458B72-847C-4B4E-AE68-73F2BA34F5AF}"/>
+              </a:ext>
+            </a:extLst>
+          </p:cNvPr>
+          <p:cNvSpPr/>
+          <p:nvPr/>
+        </p:nvSpPr>
+        <p:spPr>
+          <a:xfrm>
+            <a:off x="5562600" y="2360118"/>
+            <a:ext cx="2487925" cy="840282"/>
+          </a:xfrm>
+          <a:prstGeom prst="rect">
+            <a:avLst/>
+          </a:prstGeom>
+        </p:spPr>
+        <p:style>
+          <a:lnRef idx="2">
+            <a:schemeClr val="accent1">
+              <a:shade val="50000"/>
+            </a:schemeClr>
+          </a:lnRef>
+          <a:fillRef idx="1">
+            <a:schemeClr val="accent1"/>
+          </a:fillRef>
+          <a:effectRef idx="0">
+            <a:schemeClr val="accent1"/>
+          </a:effectRef>
+          <a:fontRef idx="minor">
+            <a:schemeClr val="lt1"/>
+          </a:fontRef>
+        </p:style>
+        <p:txBody>
+          <a:bodyPr rtlCol="0" anchor="ctr"/>
+          <a:lstStyle/>
+          <a:p>
+            <a:r>
+              <a:rPr lang="en-US" sz="3200" dirty="0"/>
+              <a:t>main</a:t>
+            </a:r>
+          </a:p>
+          <a:p>
+            <a:r>
+              <a:rPr lang="en-US" sz="3200" dirty="0"/>
+              <a:t>   letter: c</a:t>
+            </a:r>
+          </a:p>
+        </p:txBody>
+      </p:sp>
+      <p:sp>
+        <p:nvSpPr>
+          <p:cNvPr id="15" name="Rectangle 14">
+            <a:extLst>
+              <a:ext uri="{FF2B5EF4-FFF2-40B4-BE49-F238E27FC236}">
+                <a16:creationId xmlns:a16="http://schemas.microsoft.com/office/drawing/2014/main" id="{9312F38E-9659-AE4F-A554-5906C32770BA}"/>
+              </a:ext>
+            </a:extLst>
+          </p:cNvPr>
+          <p:cNvSpPr/>
+          <p:nvPr/>
+        </p:nvSpPr>
+        <p:spPr>
+          <a:xfrm>
+            <a:off x="5562600" y="3274518"/>
+            <a:ext cx="2487925" cy="992682"/>
+          </a:xfrm>
+          <a:prstGeom prst="rect">
+            <a:avLst/>
+          </a:prstGeom>
+        </p:spPr>
+        <p:style>
+          <a:lnRef idx="2">
+            <a:schemeClr val="accent1">
+              <a:shade val="50000"/>
+            </a:schemeClr>
+          </a:lnRef>
+          <a:fillRef idx="1">
+            <a:schemeClr val="accent1"/>
+          </a:fillRef>
+          <a:effectRef idx="0">
+            <a:schemeClr val="accent1"/>
+          </a:effectRef>
+          <a:fontRef idx="minor">
+            <a:schemeClr val="lt1"/>
+          </a:fontRef>
+        </p:style>
+        <p:txBody>
+          <a:bodyPr rtlCol="0" anchor="ctr"/>
+          <a:lstStyle/>
+          <a:p>
+            <a:r>
+              <a:rPr lang="en-US" sz="3200" dirty="0"/>
+              <a:t>func1</a:t>
+            </a:r>
+          </a:p>
+          <a:p>
+            <a:r>
+              <a:rPr lang="en-US" sz="3200" dirty="0"/>
+              <a:t>    x: 1</a:t>
+            </a:r>
+          </a:p>
+        </p:txBody>
+      </p:sp>
+      <p:sp>
+        <p:nvSpPr>
+          <p:cNvPr id="14" name="Rectangle 13">
+            <a:extLst>
+              <a:ext uri="{FF2B5EF4-FFF2-40B4-BE49-F238E27FC236}">
+                <a16:creationId xmlns:a16="http://schemas.microsoft.com/office/drawing/2014/main" id="{A2613353-78D2-B445-BB83-41BA722F2901}"/>
+              </a:ext>
+            </a:extLst>
+          </p:cNvPr>
+          <p:cNvSpPr/>
+          <p:nvPr/>
+        </p:nvSpPr>
+        <p:spPr>
+          <a:xfrm>
+            <a:off x="5562600" y="4341318"/>
+            <a:ext cx="2487925" cy="992682"/>
+          </a:xfrm>
+          <a:prstGeom prst="rect">
+            <a:avLst/>
+          </a:prstGeom>
+        </p:spPr>
+        <p:style>
+          <a:lnRef idx="2">
+            <a:schemeClr val="accent1">
+              <a:shade val="50000"/>
+            </a:schemeClr>
+          </a:lnRef>
+          <a:fillRef idx="1">
+            <a:schemeClr val="accent1"/>
+          </a:fillRef>
+          <a:effectRef idx="0">
+            <a:schemeClr val="accent1"/>
+          </a:effectRef>
+          <a:fontRef idx="minor">
+            <a:schemeClr val="lt1"/>
+          </a:fontRef>
+        </p:style>
+        <p:txBody>
+          <a:bodyPr rtlCol="0" anchor="ctr"/>
+          <a:lstStyle/>
+          <a:p>
+            <a:r>
+              <a:rPr lang="en-US" sz="3200" dirty="0"/>
+              <a:t>func2</a:t>
+            </a:r>
+          </a:p>
+        </p:txBody>
+      </p:sp>
+    </p:spTree>
+    <p:extLst>
+      <p:ext uri="{BB962C8B-B14F-4D97-AF65-F5344CB8AC3E}">
+        <p14:creationId xmlns:p14="http://schemas.microsoft.com/office/powerpoint/2010/main" val="1714609714"/>
+      </p:ext>
+    </p:extLst>
+  </p:cSld>
+  <p:clrMapOvr>
+    <a:masterClrMapping/>
+  </p:clrMapOvr>
+</p:sld>
+</file>
+
+<file path=ppt/slides/slide29.xml><?xml version="1.0" encoding="utf-8"?>
+<p:sld xmlns:a="http://schemas.openxmlformats.org/drawingml/2006/main" xmlns:r="http://schemas.openxmlformats.org/officeDocument/2006/relationships" xmlns:p="http://schemas.openxmlformats.org/presentationml/2006/main">
+  <p:cSld>
+    <p:spTree>
+      <p:nvGrpSpPr>
+        <p:cNvPr id="1" name=""/>
+        <p:cNvGrpSpPr/>
+        <p:nvPr/>
+      </p:nvGrpSpPr>
+      <p:grpSpPr>
+        <a:xfrm>
+          <a:off x="0" y="0"/>
+          <a:ext cx="0" cy="0"/>
+          <a:chOff x="0" y="0"/>
+          <a:chExt cx="0" cy="0"/>
+        </a:xfrm>
+      </p:grpSpPr>
+      <p:sp>
+        <p:nvSpPr>
+          <p:cNvPr id="2" name="Title 1">
+            <a:extLst>
+              <a:ext uri="{FF2B5EF4-FFF2-40B4-BE49-F238E27FC236}">
+                <a16:creationId xmlns:a16="http://schemas.microsoft.com/office/drawing/2014/main" id="{5BA53607-33FD-F54D-8702-AE3D19476B4D}"/>
+              </a:ext>
+            </a:extLst>
+          </p:cNvPr>
+          <p:cNvSpPr>
+            <a:spLocks noGrp="1"/>
+          </p:cNvSpPr>
+          <p:nvPr>
+            <p:ph type="title"/>
+          </p:nvPr>
+        </p:nvSpPr>
+        <p:spPr>
+          <a:xfrm>
+            <a:off x="152400" y="228600"/>
+            <a:ext cx="5791200" cy="1143000"/>
+          </a:xfrm>
+        </p:spPr>
+        <p:txBody>
+          <a:bodyPr>
+            <a:normAutofit fontScale="90000"/>
+          </a:bodyPr>
+          <a:lstStyle/>
+          <a:p>
+            <a:pPr algn="l"/>
+            <a:r>
+              <a:rPr lang="en-US" dirty="0"/>
+              <a:t>What happens when we run our executable file?</a:t>
+            </a:r>
+          </a:p>
+        </p:txBody>
+      </p:sp>
+      <p:sp>
+        <p:nvSpPr>
+          <p:cNvPr id="4" name="Footer Placeholder 3">
+            <a:extLst>
+              <a:ext uri="{FF2B5EF4-FFF2-40B4-BE49-F238E27FC236}">
+                <a16:creationId xmlns:a16="http://schemas.microsoft.com/office/drawing/2014/main" id="{EC46FAB2-42F5-EA47-B9F9-FA24D3A6BABC}"/>
+              </a:ext>
+            </a:extLst>
+          </p:cNvPr>
+          <p:cNvSpPr>
+            <a:spLocks noGrp="1"/>
+          </p:cNvSpPr>
+          <p:nvPr>
+            <p:ph type="ftr" sz="quarter" idx="11"/>
+          </p:nvPr>
+        </p:nvSpPr>
+        <p:spPr/>
+        <p:txBody>
+          <a:bodyPr/>
+          <a:lstStyle/>
+          <a:p>
+            <a:r>
+              <a:rPr lang="en-US"/>
+              <a:t>© 2016 Pearson Education, Inc., Hoboken, NJ.  All rights reserved.</a:t>
+            </a:r>
+          </a:p>
+        </p:txBody>
+      </p:sp>
+      <p:sp>
+        <p:nvSpPr>
+          <p:cNvPr id="5" name="Slide Number Placeholder 4">
+            <a:extLst>
+              <a:ext uri="{FF2B5EF4-FFF2-40B4-BE49-F238E27FC236}">
+                <a16:creationId xmlns:a16="http://schemas.microsoft.com/office/drawing/2014/main" id="{CF225639-41CB-C84A-A45E-6B54E69D6EA2}"/>
+              </a:ext>
+            </a:extLst>
+          </p:cNvPr>
+          <p:cNvSpPr>
+            <a:spLocks noGrp="1"/>
+          </p:cNvSpPr>
+          <p:nvPr>
+            <p:ph type="sldNum" sz="quarter" idx="12"/>
+          </p:nvPr>
+        </p:nvSpPr>
+        <p:spPr/>
+        <p:txBody>
+          <a:bodyPr/>
+          <a:lstStyle/>
+          <a:p>
+            <a:fld id="{85A8DA42-601D-40A8-83CA-2F2CBDE5F9F0}" type="slidenum">
+              <a:rPr lang="en-US" smtClean="0"/>
+              <a:t>29</a:t>
+            </a:fld>
+            <a:endParaRPr lang="en-US"/>
+          </a:p>
+        </p:txBody>
+      </p:sp>
+      <p:sp>
+        <p:nvSpPr>
+          <p:cNvPr id="6" name="TextBox 5">
+            <a:extLst>
+              <a:ext uri="{FF2B5EF4-FFF2-40B4-BE49-F238E27FC236}">
+                <a16:creationId xmlns:a16="http://schemas.microsoft.com/office/drawing/2014/main" id="{50DC082E-8F94-D042-9C36-A979691D14ED}"/>
+              </a:ext>
+            </a:extLst>
+          </p:cNvPr>
+          <p:cNvSpPr txBox="1"/>
+          <p:nvPr/>
+        </p:nvSpPr>
+        <p:spPr>
+          <a:xfrm>
+            <a:off x="381000" y="1715294"/>
+            <a:ext cx="3004797" cy="4832092"/>
+          </a:xfrm>
+          <a:prstGeom prst="rect">
+            <a:avLst/>
+          </a:prstGeom>
+          <a:noFill/>
+        </p:spPr>
+        <p:txBody>
+          <a:bodyPr wrap="none" lIns="91440" tIns="45720" rIns="91440" bIns="45720" rtlCol="0" anchor="t">
+            <a:spAutoFit/>
+          </a:bodyPr>
+          <a:lstStyle/>
+          <a:p>
+            <a:r>
+              <a:rPr lang="en-US" sz="2800" b="1" dirty="0"/>
+              <a:t>func2() {</a:t>
+            </a:r>
+          </a:p>
+          <a:p>
+            <a:r>
+              <a:rPr lang="en-US" sz="2800" dirty="0"/>
+              <a:t>    </a:t>
+            </a:r>
+            <a:r>
+              <a:rPr lang="en-US" sz="2800" dirty="0" err="1"/>
+              <a:t>printf</a:t>
+            </a:r>
+            <a:r>
+              <a:rPr lang="en-US" sz="2800" dirty="0"/>
+              <a:t>(“%d\n”, </a:t>
+            </a:r>
+            <a:r>
+              <a:rPr lang="en-US" sz="2800" dirty="0">
+                <a:solidFill>
+                  <a:srgbClr val="FF0000"/>
+                </a:solidFill>
+              </a:rPr>
+              <a:t>x</a:t>
+            </a:r>
+            <a:r>
+              <a:rPr lang="en-US" sz="2800" dirty="0"/>
+              <a:t>);</a:t>
+            </a:r>
+          </a:p>
+          <a:p>
+            <a:r>
+              <a:rPr lang="en-US" sz="2800" dirty="0"/>
+              <a:t>}</a:t>
+            </a:r>
+            <a:endParaRPr lang="en-US" sz="2800" b="1" dirty="0"/>
+          </a:p>
+          <a:p>
+            <a:r>
+              <a:rPr lang="en-US" sz="2800" b="1" dirty="0"/>
+              <a:t>func1() {</a:t>
+            </a:r>
+          </a:p>
+          <a:p>
+            <a:r>
+              <a:rPr lang="en-US" sz="2800" b="1" dirty="0"/>
+              <a:t>    int x = 1;</a:t>
+            </a:r>
+          </a:p>
+          <a:p>
+            <a:r>
+              <a:rPr lang="en-US" sz="2800" b="1" dirty="0"/>
+              <a:t>    func2();</a:t>
+            </a:r>
+          </a:p>
+          <a:p>
+            <a:r>
+              <a:rPr lang="en-US" sz="2800" dirty="0"/>
+              <a:t>}</a:t>
+            </a:r>
+          </a:p>
+          <a:p>
+            <a:r>
+              <a:rPr lang="en-US" sz="2800" b="1" dirty="0"/>
+              <a:t>int main(void) {</a:t>
+            </a:r>
+          </a:p>
+          <a:p>
+            <a:r>
+              <a:rPr lang="en-US" sz="2800" b="1" dirty="0"/>
+              <a:t>    char letter=’c’</a:t>
+            </a:r>
+          </a:p>
+          <a:p>
+            <a:r>
+              <a:rPr lang="en-US" sz="2800" b="1" dirty="0"/>
+              <a:t>    func1();</a:t>
+            </a:r>
+          </a:p>
+          <a:p>
+            <a:r>
+              <a:rPr lang="en-US" sz="2800" dirty="0"/>
+              <a:t>}</a:t>
+            </a:r>
+          </a:p>
+        </p:txBody>
+      </p:sp>
+      <p:sp>
+        <p:nvSpPr>
+          <p:cNvPr id="10" name="TextBox 9">
+            <a:extLst>
+              <a:ext uri="{FF2B5EF4-FFF2-40B4-BE49-F238E27FC236}">
+                <a16:creationId xmlns:a16="http://schemas.microsoft.com/office/drawing/2014/main" id="{3B56C694-A236-ED47-9EFF-95E8E47DAC0D}"/>
+              </a:ext>
+            </a:extLst>
+          </p:cNvPr>
+          <p:cNvSpPr txBox="1"/>
+          <p:nvPr/>
+        </p:nvSpPr>
+        <p:spPr>
+          <a:xfrm>
+            <a:off x="5851635" y="1569107"/>
+            <a:ext cx="2012730" cy="707886"/>
+          </a:xfrm>
+          <a:prstGeom prst="rect">
+            <a:avLst/>
+          </a:prstGeom>
+          <a:noFill/>
+        </p:spPr>
+        <p:txBody>
+          <a:bodyPr wrap="none" rtlCol="0">
+            <a:spAutoFit/>
+          </a:bodyPr>
+          <a:lstStyle/>
+          <a:p>
+            <a:r>
+              <a:rPr lang="en-US" sz="4000" b="1" dirty="0"/>
+              <a:t>Memory</a:t>
+            </a:r>
+          </a:p>
+        </p:txBody>
+      </p:sp>
+      <p:pic>
+        <p:nvPicPr>
+          <p:cNvPr id="12" name="Picture 11">
+            <a:extLst>
+              <a:ext uri="{FF2B5EF4-FFF2-40B4-BE49-F238E27FC236}">
+                <a16:creationId xmlns:a16="http://schemas.microsoft.com/office/drawing/2014/main" id="{634D96A3-D02E-2B47-BBA1-85EB85814E6C}"/>
+              </a:ext>
+            </a:extLst>
+          </p:cNvPr>
+          <p:cNvPicPr>
+            <a:picLocks noChangeAspect="1"/>
+          </p:cNvPicPr>
+          <p:nvPr/>
+        </p:nvPicPr>
+        <p:blipFill>
+          <a:blip r:embed="rId2"/>
+          <a:stretch>
+            <a:fillRect/>
+          </a:stretch>
+        </p:blipFill>
+        <p:spPr>
+          <a:xfrm>
+            <a:off x="5410200" y="178341"/>
+            <a:ext cx="3340100" cy="1358900"/>
+          </a:xfrm>
+          <a:prstGeom prst="rect">
+            <a:avLst/>
+          </a:prstGeom>
+        </p:spPr>
+      </p:pic>
+      <p:sp>
+        <p:nvSpPr>
+          <p:cNvPr id="13" name="Rectangle 12">
+            <a:extLst>
+              <a:ext uri="{FF2B5EF4-FFF2-40B4-BE49-F238E27FC236}">
+                <a16:creationId xmlns:a16="http://schemas.microsoft.com/office/drawing/2014/main" id="{129AE26D-6811-D54C-82DF-27CBAF9889CF}"/>
+              </a:ext>
+            </a:extLst>
+          </p:cNvPr>
+          <p:cNvSpPr/>
+          <p:nvPr/>
+        </p:nvSpPr>
+        <p:spPr>
+          <a:xfrm>
+            <a:off x="5410200" y="2286000"/>
+            <a:ext cx="3340100" cy="3726656"/>
+          </a:xfrm>
+          <a:prstGeom prst="rect">
+            <a:avLst/>
+          </a:prstGeom>
+          <a:solidFill>
+            <a:srgbClr val="3A92FC">
+              <a:alpha val="36863"/>
+            </a:srgbClr>
+          </a:solidFill>
+        </p:spPr>
+        <p:style>
+          <a:lnRef idx="2">
+            <a:schemeClr val="accent1">
+              <a:shade val="50000"/>
+            </a:schemeClr>
+          </a:lnRef>
+          <a:fillRef idx="1">
+            <a:schemeClr val="accent1"/>
+          </a:fillRef>
+          <a:effectRef idx="0">
+            <a:schemeClr val="accent1"/>
+          </a:effectRef>
+          <a:fontRef idx="minor">
+            <a:schemeClr val="lt1"/>
+          </a:fontRef>
+        </p:style>
+        <p:txBody>
+          <a:bodyPr rtlCol="0" anchor="ctr"/>
+          <a:lstStyle/>
+          <a:p>
+            <a:pPr algn="ctr"/>
+            <a:endParaRPr lang="en-US"/>
+          </a:p>
+        </p:txBody>
+      </p:sp>
+      <p:sp>
+        <p:nvSpPr>
+          <p:cNvPr id="11" name="Rectangle 10">
+            <a:extLst>
+              <a:ext uri="{FF2B5EF4-FFF2-40B4-BE49-F238E27FC236}">
+                <a16:creationId xmlns:a16="http://schemas.microsoft.com/office/drawing/2014/main" id="{9A458B72-847C-4B4E-AE68-73F2BA34F5AF}"/>
+              </a:ext>
+            </a:extLst>
+          </p:cNvPr>
+          <p:cNvSpPr/>
+          <p:nvPr/>
+        </p:nvSpPr>
+        <p:spPr>
+          <a:xfrm>
+            <a:off x="5562600" y="2360118"/>
+            <a:ext cx="2487925" cy="840282"/>
+          </a:xfrm>
+          <a:prstGeom prst="rect">
+            <a:avLst/>
+          </a:prstGeom>
+        </p:spPr>
+        <p:style>
+          <a:lnRef idx="2">
+            <a:schemeClr val="accent1">
+              <a:shade val="50000"/>
+            </a:schemeClr>
+          </a:lnRef>
+          <a:fillRef idx="1">
+            <a:schemeClr val="accent1"/>
+          </a:fillRef>
+          <a:effectRef idx="0">
+            <a:schemeClr val="accent1"/>
+          </a:effectRef>
+          <a:fontRef idx="minor">
+            <a:schemeClr val="lt1"/>
+          </a:fontRef>
+        </p:style>
+        <p:txBody>
+          <a:bodyPr rtlCol="0" anchor="ctr"/>
+          <a:lstStyle/>
+          <a:p>
+            <a:r>
+              <a:rPr lang="en-US" sz="3200" dirty="0"/>
+              <a:t>main</a:t>
+            </a:r>
+          </a:p>
+          <a:p>
+            <a:r>
+              <a:rPr lang="en-US" sz="3200" dirty="0"/>
+              <a:t>   letter: c</a:t>
+            </a:r>
+          </a:p>
+        </p:txBody>
+      </p:sp>
+      <p:sp>
+        <p:nvSpPr>
+          <p:cNvPr id="15" name="Rectangle 14">
+            <a:extLst>
+              <a:ext uri="{FF2B5EF4-FFF2-40B4-BE49-F238E27FC236}">
+                <a16:creationId xmlns:a16="http://schemas.microsoft.com/office/drawing/2014/main" id="{9312F38E-9659-AE4F-A554-5906C32770BA}"/>
+              </a:ext>
+            </a:extLst>
+          </p:cNvPr>
+          <p:cNvSpPr/>
+          <p:nvPr/>
+        </p:nvSpPr>
+        <p:spPr>
+          <a:xfrm>
+            <a:off x="5562600" y="3274518"/>
+            <a:ext cx="2487925" cy="992682"/>
+          </a:xfrm>
+          <a:prstGeom prst="rect">
+            <a:avLst/>
+          </a:prstGeom>
+        </p:spPr>
+        <p:style>
+          <a:lnRef idx="2">
+            <a:schemeClr val="accent1">
+              <a:shade val="50000"/>
+            </a:schemeClr>
+          </a:lnRef>
+          <a:fillRef idx="1">
+            <a:schemeClr val="accent1"/>
+          </a:fillRef>
+          <a:effectRef idx="0">
+            <a:schemeClr val="accent1"/>
+          </a:effectRef>
+          <a:fontRef idx="minor">
+            <a:schemeClr val="lt1"/>
+          </a:fontRef>
+        </p:style>
+        <p:txBody>
+          <a:bodyPr rtlCol="0" anchor="ctr"/>
+          <a:lstStyle/>
+          <a:p>
+            <a:r>
+              <a:rPr lang="en-US" sz="3200" dirty="0"/>
+              <a:t>func1</a:t>
+            </a:r>
+          </a:p>
+          <a:p>
+            <a:r>
+              <a:rPr lang="en-US" sz="3200" dirty="0"/>
+              <a:t>    x: 1</a:t>
+            </a:r>
+          </a:p>
+        </p:txBody>
+      </p:sp>
+      <p:sp>
+        <p:nvSpPr>
+          <p:cNvPr id="14" name="Rectangle 13">
+            <a:extLst>
+              <a:ext uri="{FF2B5EF4-FFF2-40B4-BE49-F238E27FC236}">
+                <a16:creationId xmlns:a16="http://schemas.microsoft.com/office/drawing/2014/main" id="{A2613353-78D2-B445-BB83-41BA722F2901}"/>
+              </a:ext>
+            </a:extLst>
+          </p:cNvPr>
+          <p:cNvSpPr/>
+          <p:nvPr/>
+        </p:nvSpPr>
+        <p:spPr>
+          <a:xfrm>
+            <a:off x="5562600" y="4341318"/>
+            <a:ext cx="2487925" cy="992682"/>
+          </a:xfrm>
+          <a:prstGeom prst="rect">
+            <a:avLst/>
+          </a:prstGeom>
+        </p:spPr>
+        <p:style>
+          <a:lnRef idx="2">
+            <a:schemeClr val="accent1">
+              <a:shade val="50000"/>
+            </a:schemeClr>
+          </a:lnRef>
+          <a:fillRef idx="1">
+            <a:schemeClr val="accent1"/>
+          </a:fillRef>
+          <a:effectRef idx="0">
+            <a:schemeClr val="accent1"/>
+          </a:effectRef>
+          <a:fontRef idx="minor">
+            <a:schemeClr val="lt1"/>
+          </a:fontRef>
+        </p:style>
+        <p:txBody>
+          <a:bodyPr rtlCol="0" anchor="ctr"/>
+          <a:lstStyle/>
+          <a:p>
+            <a:r>
+              <a:rPr lang="en-US" sz="3200" dirty="0"/>
+              <a:t>func2</a:t>
+            </a:r>
+          </a:p>
+        </p:txBody>
+      </p:sp>
+      <p:cxnSp>
+        <p:nvCxnSpPr>
+          <p:cNvPr id="7" name="Straight Arrow Connector 6">
+            <a:extLst>
+              <a:ext uri="{FF2B5EF4-FFF2-40B4-BE49-F238E27FC236}">
+                <a16:creationId xmlns:a16="http://schemas.microsoft.com/office/drawing/2014/main" id="{16B00F1E-6CD2-5F4C-8812-2C0573ABD5B9}"/>
+              </a:ext>
+            </a:extLst>
+          </p:cNvPr>
+          <p:cNvCxnSpPr>
+            <a:cxnSpLocks/>
+          </p:cNvCxnSpPr>
+          <p:nvPr/>
+        </p:nvCxnSpPr>
+        <p:spPr>
+          <a:xfrm flipV="1">
+            <a:off x="2971800" y="2625777"/>
+            <a:ext cx="0" cy="648741"/>
+          </a:xfrm>
+          <a:prstGeom prst="straightConnector1">
+            <a:avLst/>
+          </a:prstGeom>
+          <a:ln w="76200">
+            <a:solidFill>
+              <a:srgbClr val="FF0000"/>
+            </a:solidFill>
+            <a:tailEnd type="triangle"/>
+          </a:ln>
+        </p:spPr>
+        <p:style>
+          <a:lnRef idx="1">
+            <a:schemeClr val="accent2"/>
+          </a:lnRef>
+          <a:fillRef idx="0">
+            <a:schemeClr val="accent2"/>
+          </a:fillRef>
+          <a:effectRef idx="0">
+            <a:schemeClr val="accent2"/>
+          </a:effectRef>
+          <a:fontRef idx="minor">
+            <a:schemeClr val="tx1"/>
+          </a:fontRef>
+        </p:style>
+      </p:cxnSp>
+      <p:sp>
+        <p:nvSpPr>
+          <p:cNvPr id="16" name="TextBox 15">
+            <a:extLst>
+              <a:ext uri="{FF2B5EF4-FFF2-40B4-BE49-F238E27FC236}">
+                <a16:creationId xmlns:a16="http://schemas.microsoft.com/office/drawing/2014/main" id="{759DFF51-AEC6-A348-BF46-90B19E0B02A6}"/>
+              </a:ext>
+            </a:extLst>
+          </p:cNvPr>
+          <p:cNvSpPr txBox="1"/>
+          <p:nvPr/>
+        </p:nvSpPr>
+        <p:spPr>
+          <a:xfrm>
+            <a:off x="2651164" y="3238277"/>
+            <a:ext cx="2382191" cy="584775"/>
+          </a:xfrm>
+          <a:prstGeom prst="rect">
+            <a:avLst/>
+          </a:prstGeom>
+          <a:noFill/>
+        </p:spPr>
+        <p:txBody>
+          <a:bodyPr wrap="none" rtlCol="0">
+            <a:spAutoFit/>
+          </a:bodyPr>
+          <a:lstStyle/>
+          <a:p>
+            <a:r>
+              <a:rPr lang="en-US" sz="3200" i="1" dirty="0"/>
+              <a:t>out of scope!</a:t>
+            </a:r>
+          </a:p>
+        </p:txBody>
+      </p:sp>
+    </p:spTree>
+    <p:extLst>
+      <p:ext uri="{BB962C8B-B14F-4D97-AF65-F5344CB8AC3E}">
+        <p14:creationId xmlns:p14="http://schemas.microsoft.com/office/powerpoint/2010/main" val="335879885"/>
+      </p:ext>
+    </p:extLst>
+  </p:cSld>
+  <p:clrMapOvr>
+    <a:masterClrMapping/>
+  </p:clrMapOvr>
+</p:sld>
+</file>
+
+<file path=ppt/slides/slide3.xml><?xml version="1.0" encoding="utf-8"?>
+<p:sld xmlns:a="http://schemas.openxmlformats.org/drawingml/2006/main" xmlns:r="http://schemas.openxmlformats.org/officeDocument/2006/relationships" xmlns:p="http://schemas.openxmlformats.org/presentationml/2006/main">
+  <p:cSld>
+    <p:spTree>
+      <p:nvGrpSpPr>
+        <p:cNvPr id="1" name=""/>
+        <p:cNvGrpSpPr/>
+        <p:nvPr/>
+      </p:nvGrpSpPr>
+      <p:grpSpPr>
+        <a:xfrm>
+          <a:off x="0" y="0"/>
+          <a:ext cx="0" cy="0"/>
+          <a:chOff x="0" y="0"/>
+          <a:chExt cx="0" cy="0"/>
+        </a:xfrm>
+      </p:grpSpPr>
+      <p:sp>
+        <p:nvSpPr>
+          <p:cNvPr id="2" name="Title 1"/>
+          <p:cNvSpPr>
+            <a:spLocks noGrp="1"/>
+          </p:cNvSpPr>
+          <p:nvPr>
+            <p:ph type="title"/>
+          </p:nvPr>
+        </p:nvSpPr>
+        <p:spPr/>
+        <p:txBody>
+          <a:bodyPr/>
+          <a:lstStyle/>
+          <a:p>
+            <a:r>
+              <a:rPr lang="en-US" dirty="0"/>
+              <a:t>Chapter Objectives</a:t>
+            </a:r>
+          </a:p>
+        </p:txBody>
+      </p:sp>
+      <p:sp>
+        <p:nvSpPr>
+          <p:cNvPr id="3" name="Content Placeholder 2"/>
+          <p:cNvSpPr>
+            <a:spLocks noGrp="1"/>
+          </p:cNvSpPr>
+          <p:nvPr>
+            <p:ph idx="1"/>
+          </p:nvPr>
+        </p:nvSpPr>
+        <p:spPr/>
+        <p:txBody>
+          <a:bodyPr>
+            <a:normAutofit fontScale="92500" lnSpcReduction="20000"/>
+          </a:bodyPr>
+          <a:lstStyle/>
+          <a:p>
+            <a:r>
+              <a:rPr lang="en-US" dirty="0"/>
+              <a:t>To understand how to pass individual array elements and entire arrays through function arguments</a:t>
+            </a:r>
+          </a:p>
+          <a:p>
+            <a:r>
+              <a:rPr lang="en-US" dirty="0"/>
+              <a:t>To learn a method for searching an array</a:t>
+            </a:r>
+          </a:p>
+          <a:p>
+            <a:r>
+              <a:rPr lang="en-US" dirty="0"/>
+              <a:t>To learn a method for sorting an array</a:t>
+            </a:r>
+          </a:p>
+          <a:p>
+            <a:r>
+              <a:rPr lang="en-US" dirty="0"/>
+              <a:t>To learn how to use multidimensional arrays for storing tables of data</a:t>
+            </a:r>
+          </a:p>
+          <a:p>
+            <a:r>
+              <a:rPr lang="en-US" dirty="0"/>
+              <a:t>To understand the concept of parallel arrays</a:t>
+            </a:r>
+          </a:p>
+          <a:p>
+            <a:r>
+              <a:rPr lang="en-US" dirty="0"/>
+              <a:t>To learn how to declare and use your own data types</a:t>
+            </a:r>
+          </a:p>
+        </p:txBody>
+      </p:sp>
+      <p:sp>
+        <p:nvSpPr>
+          <p:cNvPr id="4" name="Footer Placeholder 3"/>
+          <p:cNvSpPr>
+            <a:spLocks noGrp="1"/>
+          </p:cNvSpPr>
+          <p:nvPr>
+            <p:ph type="ftr" sz="quarter" idx="11"/>
+          </p:nvPr>
+        </p:nvSpPr>
+        <p:spPr/>
+        <p:txBody>
+          <a:bodyPr/>
+          <a:lstStyle/>
+          <a:p>
+            <a:r>
+              <a:rPr lang="en-US"/>
+              <a:t>© 2016 Pearson Education, Inc., Hoboken, NJ.  All rights reserved.</a:t>
+            </a:r>
+          </a:p>
+        </p:txBody>
+      </p:sp>
+      <p:sp>
+        <p:nvSpPr>
+          <p:cNvPr id="5" name="Slide Number Placeholder 4"/>
+          <p:cNvSpPr>
+            <a:spLocks noGrp="1"/>
+          </p:cNvSpPr>
+          <p:nvPr>
+            <p:ph type="sldNum" sz="quarter" idx="12"/>
+          </p:nvPr>
+        </p:nvSpPr>
+        <p:spPr/>
+        <p:txBody>
+          <a:bodyPr/>
+          <a:lstStyle/>
+          <a:p>
+            <a:fld id="{85A8DA42-601D-40A8-83CA-2F2CBDE5F9F0}" type="slidenum">
+              <a:rPr lang="en-US" smtClean="0"/>
+              <a:t>3</a:t>
+            </a:fld>
+            <a:endParaRPr lang="en-US"/>
+          </a:p>
+        </p:txBody>
+      </p:sp>
+    </p:spTree>
+    <p:extLst>
+      <p:ext uri="{BB962C8B-B14F-4D97-AF65-F5344CB8AC3E}">
+        <p14:creationId xmlns:p14="http://schemas.microsoft.com/office/powerpoint/2010/main" val="4092185238"/>
+      </p:ext>
+    </p:extLst>
+  </p:cSld>
+  <p:clrMapOvr>
+    <a:masterClrMapping/>
+  </p:clrMapOvr>
+</p:sld>
+</file>
+
+<file path=ppt/slides/slide30.xml><?xml version="1.0" encoding="utf-8"?>
+<p:sld xmlns:a="http://schemas.openxmlformats.org/drawingml/2006/main" xmlns:r="http://schemas.openxmlformats.org/officeDocument/2006/relationships" xmlns:p="http://schemas.openxmlformats.org/presentationml/2006/main">
+  <p:cSld>
+    <p:spTree>
+      <p:nvGrpSpPr>
+        <p:cNvPr id="1" name=""/>
+        <p:cNvGrpSpPr/>
+        <p:nvPr/>
+      </p:nvGrpSpPr>
+      <p:grpSpPr>
+        <a:xfrm>
+          <a:off x="0" y="0"/>
+          <a:ext cx="0" cy="0"/>
+          <a:chOff x="0" y="0"/>
+          <a:chExt cx="0" cy="0"/>
+        </a:xfrm>
+      </p:grpSpPr>
+      <p:sp>
+        <p:nvSpPr>
+          <p:cNvPr id="2" name="Title 1">
+            <a:extLst>
+              <a:ext uri="{FF2B5EF4-FFF2-40B4-BE49-F238E27FC236}">
+                <a16:creationId xmlns:a16="http://schemas.microsoft.com/office/drawing/2014/main" id="{5BA53607-33FD-F54D-8702-AE3D19476B4D}"/>
+              </a:ext>
+            </a:extLst>
+          </p:cNvPr>
+          <p:cNvSpPr>
+            <a:spLocks noGrp="1"/>
+          </p:cNvSpPr>
+          <p:nvPr>
+            <p:ph type="title"/>
+          </p:nvPr>
+        </p:nvSpPr>
+        <p:spPr>
+          <a:xfrm>
+            <a:off x="152400" y="228600"/>
+            <a:ext cx="5791200" cy="1143000"/>
+          </a:xfrm>
+        </p:spPr>
+        <p:txBody>
+          <a:bodyPr>
+            <a:normAutofit fontScale="90000"/>
+          </a:bodyPr>
+          <a:lstStyle/>
+          <a:p>
+            <a:pPr algn="l"/>
+            <a:r>
+              <a:rPr lang="en-US" dirty="0"/>
+              <a:t>What happens when we run our executable file?</a:t>
+            </a:r>
+          </a:p>
+        </p:txBody>
+      </p:sp>
+      <p:sp>
+        <p:nvSpPr>
+          <p:cNvPr id="4" name="Footer Placeholder 3">
+            <a:extLst>
+              <a:ext uri="{FF2B5EF4-FFF2-40B4-BE49-F238E27FC236}">
+                <a16:creationId xmlns:a16="http://schemas.microsoft.com/office/drawing/2014/main" id="{EC46FAB2-42F5-EA47-B9F9-FA24D3A6BABC}"/>
+              </a:ext>
+            </a:extLst>
+          </p:cNvPr>
+          <p:cNvSpPr>
+            <a:spLocks noGrp="1"/>
+          </p:cNvSpPr>
+          <p:nvPr>
+            <p:ph type="ftr" sz="quarter" idx="11"/>
+          </p:nvPr>
+        </p:nvSpPr>
+        <p:spPr/>
+        <p:txBody>
+          <a:bodyPr/>
+          <a:lstStyle/>
+          <a:p>
+            <a:r>
+              <a:rPr lang="en-US"/>
+              <a:t>© 2016 Pearson Education, Inc., Hoboken, NJ.  All rights reserved.</a:t>
+            </a:r>
+          </a:p>
+        </p:txBody>
+      </p:sp>
+      <p:sp>
+        <p:nvSpPr>
+          <p:cNvPr id="5" name="Slide Number Placeholder 4">
+            <a:extLst>
+              <a:ext uri="{FF2B5EF4-FFF2-40B4-BE49-F238E27FC236}">
+                <a16:creationId xmlns:a16="http://schemas.microsoft.com/office/drawing/2014/main" id="{CF225639-41CB-C84A-A45E-6B54E69D6EA2}"/>
+              </a:ext>
+            </a:extLst>
+          </p:cNvPr>
+          <p:cNvSpPr>
+            <a:spLocks noGrp="1"/>
+          </p:cNvSpPr>
+          <p:nvPr>
+            <p:ph type="sldNum" sz="quarter" idx="12"/>
+          </p:nvPr>
+        </p:nvSpPr>
+        <p:spPr/>
+        <p:txBody>
+          <a:bodyPr/>
+          <a:lstStyle/>
+          <a:p>
+            <a:fld id="{85A8DA42-601D-40A8-83CA-2F2CBDE5F9F0}" type="slidenum">
+              <a:rPr lang="en-US" smtClean="0"/>
+              <a:t>30</a:t>
+            </a:fld>
+            <a:endParaRPr lang="en-US"/>
+          </a:p>
+        </p:txBody>
+      </p:sp>
+      <p:sp>
+        <p:nvSpPr>
+          <p:cNvPr id="6" name="TextBox 5">
+            <a:extLst>
+              <a:ext uri="{FF2B5EF4-FFF2-40B4-BE49-F238E27FC236}">
+                <a16:creationId xmlns:a16="http://schemas.microsoft.com/office/drawing/2014/main" id="{50DC082E-8F94-D042-9C36-A979691D14ED}"/>
+              </a:ext>
+            </a:extLst>
+          </p:cNvPr>
+          <p:cNvSpPr txBox="1"/>
+          <p:nvPr/>
+        </p:nvSpPr>
+        <p:spPr>
+          <a:xfrm>
+            <a:off x="0" y="1295400"/>
+            <a:ext cx="5334000" cy="6063198"/>
+          </a:xfrm>
+          <a:prstGeom prst="rect">
+            <a:avLst/>
+          </a:prstGeom>
+          <a:noFill/>
+        </p:spPr>
+        <p:txBody>
+          <a:bodyPr wrap="square" lIns="91440" tIns="45720" rIns="91440" bIns="45720" rtlCol="0" anchor="t">
+            <a:spAutoFit/>
+          </a:bodyPr>
+          <a:lstStyle/>
+          <a:p>
+            <a:r>
+              <a:rPr lang="en-US" sz="2400" dirty="0">
+                <a:solidFill>
+                  <a:srgbClr val="000000"/>
+                </a:solidFill>
+                <a:effectLst/>
+                <a:latin typeface="Menlo" panose="020B0609030804020204" pitchFamily="49" charset="0"/>
+              </a:rPr>
+              <a:t>void </a:t>
+            </a:r>
+            <a:r>
+              <a:rPr lang="en-US" sz="2400" dirty="0" err="1">
+                <a:solidFill>
+                  <a:srgbClr val="000000"/>
+                </a:solidFill>
+                <a:effectLst/>
+                <a:latin typeface="Menlo" panose="020B0609030804020204" pitchFamily="49" charset="0"/>
+              </a:rPr>
+              <a:t>fill_array</a:t>
+            </a:r>
+            <a:r>
+              <a:rPr lang="en-US" sz="2400" dirty="0">
+                <a:solidFill>
+                  <a:srgbClr val="000000"/>
+                </a:solidFill>
+                <a:effectLst/>
+                <a:latin typeface="Menlo" panose="020B0609030804020204" pitchFamily="49" charset="0"/>
+              </a:rPr>
+              <a:t>(</a:t>
+            </a:r>
+          </a:p>
+          <a:p>
+            <a:r>
+              <a:rPr lang="en-US" sz="2400" dirty="0">
+                <a:solidFill>
+                  <a:srgbClr val="000000"/>
+                </a:solidFill>
+                <a:latin typeface="Menlo" panose="020B0609030804020204" pitchFamily="49" charset="0"/>
+              </a:rPr>
+              <a:t>      </a:t>
+            </a:r>
+            <a:r>
+              <a:rPr lang="en-US" sz="2400" dirty="0">
+                <a:solidFill>
+                  <a:srgbClr val="000000"/>
+                </a:solidFill>
+                <a:effectLst/>
+                <a:latin typeface="Menlo" panose="020B0609030804020204" pitchFamily="49" charset="0"/>
+              </a:rPr>
+              <a:t>int list[],</a:t>
+            </a:r>
+          </a:p>
+          <a:p>
+            <a:r>
+              <a:rPr lang="en-US" sz="2400" dirty="0">
+                <a:solidFill>
+                  <a:srgbClr val="000000"/>
+                </a:solidFill>
+                <a:latin typeface="Menlo" panose="020B0609030804020204" pitchFamily="49" charset="0"/>
+              </a:rPr>
+              <a:t>	</a:t>
+            </a:r>
+            <a:r>
+              <a:rPr lang="en-US" sz="2400" dirty="0">
+                <a:solidFill>
+                  <a:srgbClr val="000000"/>
+                </a:solidFill>
+                <a:effectLst/>
+                <a:latin typeface="Menlo" panose="020B0609030804020204" pitchFamily="49" charset="0"/>
+              </a:rPr>
+              <a:t> int n, </a:t>
+            </a:r>
+          </a:p>
+          <a:p>
+            <a:r>
+              <a:rPr lang="en-US" sz="2400" dirty="0">
+                <a:solidFill>
+                  <a:srgbClr val="000000"/>
+                </a:solidFill>
+                <a:latin typeface="Menlo" panose="020B0609030804020204" pitchFamily="49" charset="0"/>
+              </a:rPr>
+              <a:t>	 </a:t>
+            </a:r>
+            <a:r>
+              <a:rPr lang="en-US" sz="2400" dirty="0">
+                <a:solidFill>
+                  <a:srgbClr val="000000"/>
+                </a:solidFill>
+                <a:effectLst/>
+                <a:latin typeface="Menlo" panose="020B0609030804020204" pitchFamily="49" charset="0"/>
+              </a:rPr>
+              <a:t>int </a:t>
+            </a:r>
+            <a:r>
+              <a:rPr lang="en-US" sz="2400" dirty="0" err="1">
+                <a:solidFill>
+                  <a:srgbClr val="000000"/>
+                </a:solidFill>
+                <a:effectLst/>
+                <a:latin typeface="Menlo" panose="020B0609030804020204" pitchFamily="49" charset="0"/>
+              </a:rPr>
+              <a:t>in_value</a:t>
+            </a:r>
+            <a:r>
+              <a:rPr lang="en-US" sz="2400" dirty="0">
+                <a:solidFill>
+                  <a:srgbClr val="000000"/>
+                </a:solidFill>
+                <a:effectLst/>
+                <a:latin typeface="Menlo" panose="020B0609030804020204" pitchFamily="49" charset="0"/>
+              </a:rPr>
+              <a:t>) {</a:t>
+            </a:r>
+          </a:p>
+          <a:p>
+            <a:r>
+              <a:rPr lang="en-US" sz="2400" dirty="0">
+                <a:solidFill>
+                  <a:srgbClr val="000000"/>
+                </a:solidFill>
+                <a:effectLst/>
+                <a:latin typeface="Menlo" panose="020B0609030804020204" pitchFamily="49" charset="0"/>
+              </a:rPr>
+              <a:t>    int </a:t>
+            </a:r>
+            <a:r>
+              <a:rPr lang="en-US" sz="2400" dirty="0" err="1">
+                <a:solidFill>
+                  <a:srgbClr val="000000"/>
+                </a:solidFill>
+                <a:effectLst/>
+                <a:latin typeface="Menlo" panose="020B0609030804020204" pitchFamily="49" charset="0"/>
+              </a:rPr>
+              <a:t>i</a:t>
+            </a:r>
+            <a:r>
+              <a:rPr lang="en-US" sz="2400" dirty="0">
+                <a:solidFill>
+                  <a:srgbClr val="000000"/>
+                </a:solidFill>
+                <a:effectLst/>
+                <a:latin typeface="Menlo" panose="020B0609030804020204" pitchFamily="49" charset="0"/>
+              </a:rPr>
+              <a:t>;</a:t>
+            </a:r>
+          </a:p>
+          <a:p>
+            <a:r>
+              <a:rPr lang="en-US" sz="2400" dirty="0">
+                <a:solidFill>
+                  <a:srgbClr val="000000"/>
+                </a:solidFill>
+                <a:effectLst/>
+                <a:latin typeface="Menlo" panose="020B0609030804020204" pitchFamily="49" charset="0"/>
+              </a:rPr>
+              <a:t>    for (</a:t>
+            </a:r>
+            <a:r>
+              <a:rPr lang="en-US" sz="2400" dirty="0" err="1">
+                <a:solidFill>
+                  <a:srgbClr val="000000"/>
+                </a:solidFill>
+                <a:effectLst/>
+                <a:latin typeface="Menlo" panose="020B0609030804020204" pitchFamily="49" charset="0"/>
+              </a:rPr>
+              <a:t>i</a:t>
+            </a:r>
+            <a:r>
+              <a:rPr lang="en-US" sz="2400" dirty="0">
+                <a:solidFill>
+                  <a:srgbClr val="000000"/>
+                </a:solidFill>
+                <a:effectLst/>
+                <a:latin typeface="Menlo" panose="020B0609030804020204" pitchFamily="49" charset="0"/>
+              </a:rPr>
+              <a:t> = 0; </a:t>
+            </a:r>
+          </a:p>
+          <a:p>
+            <a:r>
+              <a:rPr lang="en-US" sz="2400" dirty="0">
+                <a:solidFill>
+                  <a:srgbClr val="000000"/>
+                </a:solidFill>
+                <a:latin typeface="Menlo" panose="020B0609030804020204" pitchFamily="49" charset="0"/>
+              </a:rPr>
+              <a:t>         </a:t>
+            </a:r>
+            <a:r>
+              <a:rPr lang="en-US" sz="2400" dirty="0" err="1">
+                <a:solidFill>
+                  <a:srgbClr val="000000"/>
+                </a:solidFill>
+                <a:effectLst/>
+                <a:latin typeface="Menlo" panose="020B0609030804020204" pitchFamily="49" charset="0"/>
+              </a:rPr>
+              <a:t>i</a:t>
+            </a:r>
+            <a:r>
+              <a:rPr lang="en-US" sz="2400" dirty="0">
+                <a:solidFill>
+                  <a:srgbClr val="000000"/>
+                </a:solidFill>
+                <a:effectLst/>
+                <a:latin typeface="Menlo" panose="020B0609030804020204" pitchFamily="49" charset="0"/>
+              </a:rPr>
+              <a:t> &lt; n; ++</a:t>
+            </a:r>
+            <a:r>
+              <a:rPr lang="en-US" sz="2400" dirty="0" err="1">
+                <a:solidFill>
+                  <a:srgbClr val="000000"/>
+                </a:solidFill>
+                <a:effectLst/>
+                <a:latin typeface="Menlo" panose="020B0609030804020204" pitchFamily="49" charset="0"/>
+              </a:rPr>
+              <a:t>i</a:t>
+            </a:r>
+            <a:r>
+              <a:rPr lang="en-US" sz="2400" dirty="0">
+                <a:solidFill>
+                  <a:srgbClr val="000000"/>
+                </a:solidFill>
+                <a:effectLst/>
+                <a:latin typeface="Menlo" panose="020B0609030804020204" pitchFamily="49" charset="0"/>
+              </a:rPr>
+              <a:t>) {</a:t>
+            </a:r>
+          </a:p>
+          <a:p>
+            <a:r>
+              <a:rPr lang="en-US" sz="2400" dirty="0">
+                <a:solidFill>
+                  <a:srgbClr val="000000"/>
+                </a:solidFill>
+                <a:effectLst/>
+                <a:latin typeface="Menlo" panose="020B0609030804020204" pitchFamily="49" charset="0"/>
+              </a:rPr>
+              <a:t>        list[</a:t>
+            </a:r>
+            <a:r>
+              <a:rPr lang="en-US" sz="2400" dirty="0" err="1">
+                <a:solidFill>
+                  <a:srgbClr val="000000"/>
+                </a:solidFill>
+                <a:effectLst/>
+                <a:latin typeface="Menlo" panose="020B0609030804020204" pitchFamily="49" charset="0"/>
+              </a:rPr>
+              <a:t>i</a:t>
+            </a:r>
+            <a:r>
+              <a:rPr lang="en-US" sz="2400" dirty="0">
+                <a:solidFill>
+                  <a:srgbClr val="000000"/>
+                </a:solidFill>
+                <a:effectLst/>
+                <a:latin typeface="Menlo" panose="020B0609030804020204" pitchFamily="49" charset="0"/>
+              </a:rPr>
+              <a:t>] = </a:t>
+            </a:r>
+            <a:r>
+              <a:rPr lang="en-US" sz="2400" dirty="0" err="1">
+                <a:solidFill>
+                  <a:srgbClr val="000000"/>
+                </a:solidFill>
+                <a:effectLst/>
+                <a:latin typeface="Menlo" panose="020B0609030804020204" pitchFamily="49" charset="0"/>
+              </a:rPr>
+              <a:t>in_value</a:t>
+            </a:r>
+            <a:r>
+              <a:rPr lang="en-US" sz="2400" dirty="0">
+                <a:solidFill>
+                  <a:srgbClr val="000000"/>
+                </a:solidFill>
+                <a:effectLst/>
+                <a:latin typeface="Menlo" panose="020B0609030804020204" pitchFamily="49" charset="0"/>
+              </a:rPr>
+              <a:t>;</a:t>
+            </a:r>
+          </a:p>
+          <a:p>
+            <a:r>
+              <a:rPr lang="en-US" sz="2400" dirty="0">
+                <a:solidFill>
+                  <a:srgbClr val="000000"/>
+                </a:solidFill>
+                <a:effectLst/>
+                <a:latin typeface="Menlo" panose="020B0609030804020204" pitchFamily="49" charset="0"/>
+              </a:rPr>
+              <a:t>    }</a:t>
+            </a:r>
+          </a:p>
+          <a:p>
+            <a:r>
+              <a:rPr lang="en-US" sz="2400" dirty="0">
+                <a:solidFill>
+                  <a:srgbClr val="000000"/>
+                </a:solidFill>
+                <a:effectLst/>
+                <a:latin typeface="Menlo" panose="020B0609030804020204" pitchFamily="49" charset="0"/>
+              </a:rPr>
+              <a:t>}</a:t>
+            </a:r>
+          </a:p>
+          <a:p>
+            <a:r>
+              <a:rPr lang="en-US" sz="2400" dirty="0">
+                <a:solidFill>
+                  <a:srgbClr val="000000"/>
+                </a:solidFill>
+                <a:effectLst/>
+                <a:latin typeface="Menlo" panose="020B0609030804020204" pitchFamily="49" charset="0"/>
+              </a:rPr>
+              <a:t>int main(void) {</a:t>
+            </a:r>
+          </a:p>
+          <a:p>
+            <a:r>
+              <a:rPr lang="en-US" sz="2400" dirty="0">
+                <a:solidFill>
+                  <a:srgbClr val="000000"/>
+                </a:solidFill>
+                <a:effectLst/>
+                <a:latin typeface="Menlo" panose="020B0609030804020204" pitchFamily="49" charset="0"/>
+              </a:rPr>
+              <a:t>    int </a:t>
+            </a:r>
+            <a:r>
+              <a:rPr lang="en-US" sz="2400" dirty="0" err="1">
+                <a:solidFill>
+                  <a:srgbClr val="000000"/>
+                </a:solidFill>
+                <a:effectLst/>
+                <a:latin typeface="Menlo" panose="020B0609030804020204" pitchFamily="49" charset="0"/>
+              </a:rPr>
+              <a:t>arr</a:t>
+            </a:r>
+            <a:r>
+              <a:rPr lang="en-US" sz="2400" dirty="0">
+                <a:solidFill>
+                  <a:srgbClr val="000000"/>
+                </a:solidFill>
+                <a:effectLst/>
+                <a:latin typeface="Menlo" panose="020B0609030804020204" pitchFamily="49" charset="0"/>
+              </a:rPr>
+              <a:t>[10];</a:t>
+            </a:r>
+          </a:p>
+          <a:p>
+            <a:r>
+              <a:rPr lang="en-US" sz="2400" dirty="0">
+                <a:solidFill>
+                  <a:srgbClr val="000000"/>
+                </a:solidFill>
+                <a:effectLst/>
+                <a:latin typeface="Menlo" panose="020B0609030804020204" pitchFamily="49" charset="0"/>
+              </a:rPr>
+              <a:t>    </a:t>
+            </a:r>
+            <a:r>
+              <a:rPr lang="en-US" sz="2400" dirty="0" err="1">
+                <a:solidFill>
+                  <a:srgbClr val="000000"/>
+                </a:solidFill>
+                <a:effectLst/>
+                <a:latin typeface="Menlo" panose="020B0609030804020204" pitchFamily="49" charset="0"/>
+              </a:rPr>
+              <a:t>fill_array</a:t>
+            </a:r>
+            <a:r>
+              <a:rPr lang="en-US" sz="2400" dirty="0">
+                <a:solidFill>
+                  <a:srgbClr val="000000"/>
+                </a:solidFill>
+                <a:effectLst/>
+                <a:latin typeface="Menlo" panose="020B0609030804020204" pitchFamily="49" charset="0"/>
+              </a:rPr>
+              <a:t>(</a:t>
+            </a:r>
+            <a:r>
+              <a:rPr lang="en-US" sz="2400" dirty="0" err="1">
+                <a:solidFill>
+                  <a:srgbClr val="000000"/>
+                </a:solidFill>
+                <a:effectLst/>
+                <a:latin typeface="Menlo" panose="020B0609030804020204" pitchFamily="49" charset="0"/>
+              </a:rPr>
+              <a:t>arr</a:t>
+            </a:r>
+            <a:r>
+              <a:rPr lang="en-US" sz="2400" dirty="0">
+                <a:solidFill>
+                  <a:srgbClr val="000000"/>
+                </a:solidFill>
+                <a:effectLst/>
+                <a:latin typeface="Menlo" panose="020B0609030804020204" pitchFamily="49" charset="0"/>
+              </a:rPr>
+              <a:t>, 5, 1);</a:t>
+            </a:r>
+          </a:p>
+          <a:p>
+            <a:r>
+              <a:rPr lang="en-US" sz="2400" dirty="0">
+                <a:solidFill>
+                  <a:srgbClr val="000000"/>
+                </a:solidFill>
+                <a:effectLst/>
+                <a:latin typeface="Menlo" panose="020B0609030804020204" pitchFamily="49" charset="0"/>
+              </a:rPr>
+              <a:t>}</a:t>
+            </a:r>
+          </a:p>
+          <a:p>
+            <a:endParaRPr lang="en-US" sz="2400" dirty="0">
+              <a:solidFill>
+                <a:srgbClr val="000000"/>
+              </a:solidFill>
+              <a:effectLst/>
+              <a:latin typeface="Menlo" panose="020B0609030804020204" pitchFamily="49" charset="0"/>
+            </a:endParaRPr>
+          </a:p>
+          <a:p>
+            <a:endParaRPr lang="en-US" sz="2800" dirty="0"/>
+          </a:p>
+        </p:txBody>
+      </p:sp>
+      <p:sp>
+        <p:nvSpPr>
+          <p:cNvPr id="10" name="TextBox 9">
+            <a:extLst>
+              <a:ext uri="{FF2B5EF4-FFF2-40B4-BE49-F238E27FC236}">
+                <a16:creationId xmlns:a16="http://schemas.microsoft.com/office/drawing/2014/main" id="{3B56C694-A236-ED47-9EFF-95E8E47DAC0D}"/>
+              </a:ext>
+            </a:extLst>
+          </p:cNvPr>
+          <p:cNvSpPr txBox="1"/>
+          <p:nvPr/>
+        </p:nvSpPr>
+        <p:spPr>
+          <a:xfrm>
+            <a:off x="5851635" y="1569107"/>
+            <a:ext cx="2012730" cy="707886"/>
+          </a:xfrm>
+          <a:prstGeom prst="rect">
+            <a:avLst/>
+          </a:prstGeom>
+          <a:noFill/>
+        </p:spPr>
+        <p:txBody>
+          <a:bodyPr wrap="none" rtlCol="0">
+            <a:spAutoFit/>
+          </a:bodyPr>
+          <a:lstStyle/>
+          <a:p>
+            <a:r>
+              <a:rPr lang="en-US" sz="4000" b="1" dirty="0"/>
+              <a:t>Memory</a:t>
+            </a:r>
+          </a:p>
+        </p:txBody>
+      </p:sp>
+      <p:pic>
+        <p:nvPicPr>
+          <p:cNvPr id="12" name="Picture 11">
+            <a:extLst>
+              <a:ext uri="{FF2B5EF4-FFF2-40B4-BE49-F238E27FC236}">
+                <a16:creationId xmlns:a16="http://schemas.microsoft.com/office/drawing/2014/main" id="{634D96A3-D02E-2B47-BBA1-85EB85814E6C}"/>
+              </a:ext>
+            </a:extLst>
+          </p:cNvPr>
+          <p:cNvPicPr>
+            <a:picLocks noChangeAspect="1"/>
+          </p:cNvPicPr>
+          <p:nvPr/>
+        </p:nvPicPr>
+        <p:blipFill>
+          <a:blip r:embed="rId2"/>
+          <a:stretch>
+            <a:fillRect/>
+          </a:stretch>
+        </p:blipFill>
+        <p:spPr>
+          <a:xfrm>
+            <a:off x="5410200" y="178341"/>
+            <a:ext cx="3340100" cy="1358900"/>
+          </a:xfrm>
+          <a:prstGeom prst="rect">
+            <a:avLst/>
+          </a:prstGeom>
+        </p:spPr>
+      </p:pic>
+      <p:sp>
+        <p:nvSpPr>
+          <p:cNvPr id="13" name="Rectangle 12">
+            <a:extLst>
+              <a:ext uri="{FF2B5EF4-FFF2-40B4-BE49-F238E27FC236}">
+                <a16:creationId xmlns:a16="http://schemas.microsoft.com/office/drawing/2014/main" id="{129AE26D-6811-D54C-82DF-27CBAF9889CF}"/>
+              </a:ext>
+            </a:extLst>
+          </p:cNvPr>
+          <p:cNvSpPr/>
+          <p:nvPr/>
+        </p:nvSpPr>
+        <p:spPr>
+          <a:xfrm>
+            <a:off x="5410200" y="2286000"/>
+            <a:ext cx="3340100" cy="3726656"/>
+          </a:xfrm>
+          <a:prstGeom prst="rect">
+            <a:avLst/>
+          </a:prstGeom>
+          <a:solidFill>
+            <a:srgbClr val="3A92FC">
+              <a:alpha val="36863"/>
+            </a:srgbClr>
+          </a:solidFill>
+        </p:spPr>
+        <p:style>
+          <a:lnRef idx="2">
+            <a:schemeClr val="accent1">
+              <a:shade val="50000"/>
+            </a:schemeClr>
+          </a:lnRef>
+          <a:fillRef idx="1">
+            <a:schemeClr val="accent1"/>
+          </a:fillRef>
+          <a:effectRef idx="0">
+            <a:schemeClr val="accent1"/>
+          </a:effectRef>
+          <a:fontRef idx="minor">
+            <a:schemeClr val="lt1"/>
+          </a:fontRef>
+        </p:style>
+        <p:txBody>
+          <a:bodyPr rtlCol="0" anchor="ctr"/>
+          <a:lstStyle/>
+          <a:p>
+            <a:pPr algn="ctr"/>
+            <a:endParaRPr lang="en-US"/>
+          </a:p>
+        </p:txBody>
+      </p:sp>
+    </p:spTree>
+    <p:extLst>
+      <p:ext uri="{BB962C8B-B14F-4D97-AF65-F5344CB8AC3E}">
+        <p14:creationId xmlns:p14="http://schemas.microsoft.com/office/powerpoint/2010/main" val="2759250621"/>
+      </p:ext>
+    </p:extLst>
+  </p:cSld>
+  <p:clrMapOvr>
+    <a:masterClrMapping/>
+  </p:clrMapOvr>
+</p:sld>
+</file>
+
+<file path=ppt/slides/slide31.xml><?xml version="1.0" encoding="utf-8"?>
+<p:sld xmlns:a="http://schemas.openxmlformats.org/drawingml/2006/main" xmlns:r="http://schemas.openxmlformats.org/officeDocument/2006/relationships" xmlns:p="http://schemas.openxmlformats.org/presentationml/2006/main">
+  <p:cSld>
+    <p:spTree>
+      <p:nvGrpSpPr>
+        <p:cNvPr id="1" name=""/>
+        <p:cNvGrpSpPr/>
+        <p:nvPr/>
+      </p:nvGrpSpPr>
+      <p:grpSpPr>
+        <a:xfrm>
+          <a:off x="0" y="0"/>
+          <a:ext cx="0" cy="0"/>
+          <a:chOff x="0" y="0"/>
+          <a:chExt cx="0" cy="0"/>
+        </a:xfrm>
+      </p:grpSpPr>
+      <p:sp>
+        <p:nvSpPr>
+          <p:cNvPr id="2" name="Title 1">
+            <a:extLst>
+              <a:ext uri="{FF2B5EF4-FFF2-40B4-BE49-F238E27FC236}">
+                <a16:creationId xmlns:a16="http://schemas.microsoft.com/office/drawing/2014/main" id="{5BA53607-33FD-F54D-8702-AE3D19476B4D}"/>
+              </a:ext>
+            </a:extLst>
+          </p:cNvPr>
+          <p:cNvSpPr>
+            <a:spLocks noGrp="1"/>
+          </p:cNvSpPr>
+          <p:nvPr>
+            <p:ph type="title"/>
+          </p:nvPr>
+        </p:nvSpPr>
+        <p:spPr>
+          <a:xfrm>
+            <a:off x="152400" y="228600"/>
+            <a:ext cx="5791200" cy="1143000"/>
+          </a:xfrm>
+        </p:spPr>
+        <p:txBody>
+          <a:bodyPr>
+            <a:normAutofit fontScale="90000"/>
+          </a:bodyPr>
+          <a:lstStyle/>
+          <a:p>
+            <a:pPr algn="l"/>
+            <a:r>
+              <a:rPr lang="en-US" dirty="0"/>
+              <a:t>What happens when we run our executable file?</a:t>
+            </a:r>
+          </a:p>
+        </p:txBody>
+      </p:sp>
+      <p:sp>
+        <p:nvSpPr>
+          <p:cNvPr id="4" name="Footer Placeholder 3">
+            <a:extLst>
+              <a:ext uri="{FF2B5EF4-FFF2-40B4-BE49-F238E27FC236}">
+                <a16:creationId xmlns:a16="http://schemas.microsoft.com/office/drawing/2014/main" id="{EC46FAB2-42F5-EA47-B9F9-FA24D3A6BABC}"/>
+              </a:ext>
+            </a:extLst>
+          </p:cNvPr>
+          <p:cNvSpPr>
+            <a:spLocks noGrp="1"/>
+          </p:cNvSpPr>
+          <p:nvPr>
+            <p:ph type="ftr" sz="quarter" idx="11"/>
+          </p:nvPr>
+        </p:nvSpPr>
+        <p:spPr/>
+        <p:txBody>
+          <a:bodyPr/>
+          <a:lstStyle/>
+          <a:p>
+            <a:r>
+              <a:rPr lang="en-US"/>
+              <a:t>© 2016 Pearson Education, Inc., Hoboken, NJ.  All rights reserved.</a:t>
+            </a:r>
+          </a:p>
+        </p:txBody>
+      </p:sp>
+      <p:sp>
+        <p:nvSpPr>
+          <p:cNvPr id="5" name="Slide Number Placeholder 4">
+            <a:extLst>
+              <a:ext uri="{FF2B5EF4-FFF2-40B4-BE49-F238E27FC236}">
+                <a16:creationId xmlns:a16="http://schemas.microsoft.com/office/drawing/2014/main" id="{CF225639-41CB-C84A-A45E-6B54E69D6EA2}"/>
+              </a:ext>
+            </a:extLst>
+          </p:cNvPr>
+          <p:cNvSpPr>
+            <a:spLocks noGrp="1"/>
+          </p:cNvSpPr>
+          <p:nvPr>
+            <p:ph type="sldNum" sz="quarter" idx="12"/>
+          </p:nvPr>
+        </p:nvSpPr>
+        <p:spPr/>
+        <p:txBody>
+          <a:bodyPr/>
+          <a:lstStyle/>
+          <a:p>
+            <a:fld id="{85A8DA42-601D-40A8-83CA-2F2CBDE5F9F0}" type="slidenum">
+              <a:rPr lang="en-US" smtClean="0"/>
+              <a:t>31</a:t>
+            </a:fld>
+            <a:endParaRPr lang="en-US"/>
+          </a:p>
+        </p:txBody>
+      </p:sp>
+      <p:sp>
+        <p:nvSpPr>
+          <p:cNvPr id="6" name="TextBox 5">
+            <a:extLst>
+              <a:ext uri="{FF2B5EF4-FFF2-40B4-BE49-F238E27FC236}">
+                <a16:creationId xmlns:a16="http://schemas.microsoft.com/office/drawing/2014/main" id="{50DC082E-8F94-D042-9C36-A979691D14ED}"/>
+              </a:ext>
+            </a:extLst>
+          </p:cNvPr>
+          <p:cNvSpPr txBox="1"/>
+          <p:nvPr/>
+        </p:nvSpPr>
+        <p:spPr>
+          <a:xfrm>
+            <a:off x="0" y="1295400"/>
+            <a:ext cx="5334000" cy="6063198"/>
+          </a:xfrm>
+          <a:prstGeom prst="rect">
+            <a:avLst/>
+          </a:prstGeom>
+          <a:noFill/>
+        </p:spPr>
+        <p:txBody>
+          <a:bodyPr wrap="square" lIns="91440" tIns="45720" rIns="91440" bIns="45720" rtlCol="0" anchor="t">
+            <a:spAutoFit/>
+          </a:bodyPr>
+          <a:lstStyle/>
+          <a:p>
+            <a:r>
+              <a:rPr lang="en-US" sz="2400" dirty="0">
+                <a:solidFill>
+                  <a:srgbClr val="000000"/>
+                </a:solidFill>
+                <a:effectLst/>
+                <a:latin typeface="Menlo" panose="020B0609030804020204" pitchFamily="49" charset="0"/>
+              </a:rPr>
+              <a:t>void </a:t>
+            </a:r>
+            <a:r>
+              <a:rPr lang="en-US" sz="2400" dirty="0" err="1">
+                <a:solidFill>
+                  <a:srgbClr val="000000"/>
+                </a:solidFill>
+                <a:effectLst/>
+                <a:latin typeface="Menlo" panose="020B0609030804020204" pitchFamily="49" charset="0"/>
+              </a:rPr>
+              <a:t>fill_array</a:t>
+            </a:r>
+            <a:r>
+              <a:rPr lang="en-US" sz="2400" dirty="0">
+                <a:solidFill>
+                  <a:srgbClr val="000000"/>
+                </a:solidFill>
+                <a:effectLst/>
+                <a:latin typeface="Menlo" panose="020B0609030804020204" pitchFamily="49" charset="0"/>
+              </a:rPr>
+              <a:t>(</a:t>
+            </a:r>
+          </a:p>
+          <a:p>
+            <a:r>
+              <a:rPr lang="en-US" sz="2400" dirty="0">
+                <a:solidFill>
+                  <a:srgbClr val="000000"/>
+                </a:solidFill>
+                <a:latin typeface="Menlo" panose="020B0609030804020204" pitchFamily="49" charset="0"/>
+              </a:rPr>
+              <a:t>      </a:t>
+            </a:r>
+            <a:r>
+              <a:rPr lang="en-US" sz="2400" dirty="0">
+                <a:solidFill>
+                  <a:srgbClr val="000000"/>
+                </a:solidFill>
+                <a:effectLst/>
+                <a:latin typeface="Menlo" panose="020B0609030804020204" pitchFamily="49" charset="0"/>
+              </a:rPr>
+              <a:t>int list[],</a:t>
+            </a:r>
+          </a:p>
+          <a:p>
+            <a:r>
+              <a:rPr lang="en-US" sz="2400" dirty="0">
+                <a:solidFill>
+                  <a:srgbClr val="000000"/>
+                </a:solidFill>
+                <a:latin typeface="Menlo" panose="020B0609030804020204" pitchFamily="49" charset="0"/>
+              </a:rPr>
+              <a:t>	</a:t>
+            </a:r>
+            <a:r>
+              <a:rPr lang="en-US" sz="2400" dirty="0">
+                <a:solidFill>
+                  <a:srgbClr val="000000"/>
+                </a:solidFill>
+                <a:effectLst/>
+                <a:latin typeface="Menlo" panose="020B0609030804020204" pitchFamily="49" charset="0"/>
+              </a:rPr>
+              <a:t> int n, </a:t>
+            </a:r>
+          </a:p>
+          <a:p>
+            <a:r>
+              <a:rPr lang="en-US" sz="2400" dirty="0">
+                <a:solidFill>
+                  <a:srgbClr val="000000"/>
+                </a:solidFill>
+                <a:latin typeface="Menlo" panose="020B0609030804020204" pitchFamily="49" charset="0"/>
+              </a:rPr>
+              <a:t>	 </a:t>
+            </a:r>
+            <a:r>
+              <a:rPr lang="en-US" sz="2400" dirty="0">
+                <a:solidFill>
+                  <a:srgbClr val="000000"/>
+                </a:solidFill>
+                <a:effectLst/>
+                <a:latin typeface="Menlo" panose="020B0609030804020204" pitchFamily="49" charset="0"/>
+              </a:rPr>
+              <a:t>int </a:t>
+            </a:r>
+            <a:r>
+              <a:rPr lang="en-US" sz="2400" dirty="0" err="1">
+                <a:solidFill>
+                  <a:srgbClr val="000000"/>
+                </a:solidFill>
+                <a:effectLst/>
+                <a:latin typeface="Menlo" panose="020B0609030804020204" pitchFamily="49" charset="0"/>
+              </a:rPr>
+              <a:t>in_value</a:t>
+            </a:r>
+            <a:r>
+              <a:rPr lang="en-US" sz="2400" dirty="0">
+                <a:solidFill>
+                  <a:srgbClr val="000000"/>
+                </a:solidFill>
+                <a:effectLst/>
+                <a:latin typeface="Menlo" panose="020B0609030804020204" pitchFamily="49" charset="0"/>
+              </a:rPr>
+              <a:t>) {</a:t>
+            </a:r>
+          </a:p>
+          <a:p>
+            <a:r>
+              <a:rPr lang="en-US" sz="2400" dirty="0">
+                <a:solidFill>
+                  <a:srgbClr val="000000"/>
+                </a:solidFill>
+                <a:effectLst/>
+                <a:latin typeface="Menlo" panose="020B0609030804020204" pitchFamily="49" charset="0"/>
+              </a:rPr>
+              <a:t>    int </a:t>
+            </a:r>
+            <a:r>
+              <a:rPr lang="en-US" sz="2400" dirty="0" err="1">
+                <a:solidFill>
+                  <a:srgbClr val="000000"/>
+                </a:solidFill>
+                <a:effectLst/>
+                <a:latin typeface="Menlo" panose="020B0609030804020204" pitchFamily="49" charset="0"/>
+              </a:rPr>
+              <a:t>i</a:t>
+            </a:r>
+            <a:r>
+              <a:rPr lang="en-US" sz="2400" dirty="0">
+                <a:solidFill>
+                  <a:srgbClr val="000000"/>
+                </a:solidFill>
+                <a:effectLst/>
+                <a:latin typeface="Menlo" panose="020B0609030804020204" pitchFamily="49" charset="0"/>
+              </a:rPr>
+              <a:t>;</a:t>
+            </a:r>
+          </a:p>
+          <a:p>
+            <a:r>
+              <a:rPr lang="en-US" sz="2400" dirty="0">
+                <a:solidFill>
+                  <a:srgbClr val="000000"/>
+                </a:solidFill>
+                <a:effectLst/>
+                <a:latin typeface="Menlo" panose="020B0609030804020204" pitchFamily="49" charset="0"/>
+              </a:rPr>
+              <a:t>    for (</a:t>
+            </a:r>
+            <a:r>
+              <a:rPr lang="en-US" sz="2400" dirty="0" err="1">
+                <a:solidFill>
+                  <a:srgbClr val="000000"/>
+                </a:solidFill>
+                <a:effectLst/>
+                <a:latin typeface="Menlo" panose="020B0609030804020204" pitchFamily="49" charset="0"/>
+              </a:rPr>
+              <a:t>i</a:t>
+            </a:r>
+            <a:r>
+              <a:rPr lang="en-US" sz="2400" dirty="0">
+                <a:solidFill>
+                  <a:srgbClr val="000000"/>
+                </a:solidFill>
+                <a:effectLst/>
+                <a:latin typeface="Menlo" panose="020B0609030804020204" pitchFamily="49" charset="0"/>
+              </a:rPr>
+              <a:t> = 0; </a:t>
+            </a:r>
+          </a:p>
+          <a:p>
+            <a:r>
+              <a:rPr lang="en-US" sz="2400" dirty="0">
+                <a:solidFill>
+                  <a:srgbClr val="000000"/>
+                </a:solidFill>
+                <a:latin typeface="Menlo" panose="020B0609030804020204" pitchFamily="49" charset="0"/>
+              </a:rPr>
+              <a:t>         </a:t>
+            </a:r>
+            <a:r>
+              <a:rPr lang="en-US" sz="2400" dirty="0" err="1">
+                <a:solidFill>
+                  <a:srgbClr val="000000"/>
+                </a:solidFill>
+                <a:effectLst/>
+                <a:latin typeface="Menlo" panose="020B0609030804020204" pitchFamily="49" charset="0"/>
+              </a:rPr>
+              <a:t>i</a:t>
+            </a:r>
+            <a:r>
+              <a:rPr lang="en-US" sz="2400" dirty="0">
+                <a:solidFill>
+                  <a:srgbClr val="000000"/>
+                </a:solidFill>
+                <a:effectLst/>
+                <a:latin typeface="Menlo" panose="020B0609030804020204" pitchFamily="49" charset="0"/>
+              </a:rPr>
+              <a:t> &lt; n; ++</a:t>
+            </a:r>
+            <a:r>
+              <a:rPr lang="en-US" sz="2400" dirty="0" err="1">
+                <a:solidFill>
+                  <a:srgbClr val="000000"/>
+                </a:solidFill>
+                <a:effectLst/>
+                <a:latin typeface="Menlo" panose="020B0609030804020204" pitchFamily="49" charset="0"/>
+              </a:rPr>
+              <a:t>i</a:t>
+            </a:r>
+            <a:r>
+              <a:rPr lang="en-US" sz="2400" dirty="0">
+                <a:solidFill>
+                  <a:srgbClr val="000000"/>
+                </a:solidFill>
+                <a:effectLst/>
+                <a:latin typeface="Menlo" panose="020B0609030804020204" pitchFamily="49" charset="0"/>
+              </a:rPr>
+              <a:t>) {</a:t>
+            </a:r>
+          </a:p>
+          <a:p>
+            <a:r>
+              <a:rPr lang="en-US" sz="2400" dirty="0">
+                <a:solidFill>
+                  <a:srgbClr val="000000"/>
+                </a:solidFill>
+                <a:effectLst/>
+                <a:latin typeface="Menlo" panose="020B0609030804020204" pitchFamily="49" charset="0"/>
+              </a:rPr>
+              <a:t>        list[</a:t>
+            </a:r>
+            <a:r>
+              <a:rPr lang="en-US" sz="2400" dirty="0" err="1">
+                <a:solidFill>
+                  <a:srgbClr val="000000"/>
+                </a:solidFill>
+                <a:effectLst/>
+                <a:latin typeface="Menlo" panose="020B0609030804020204" pitchFamily="49" charset="0"/>
+              </a:rPr>
+              <a:t>i</a:t>
+            </a:r>
+            <a:r>
+              <a:rPr lang="en-US" sz="2400" dirty="0">
+                <a:solidFill>
+                  <a:srgbClr val="000000"/>
+                </a:solidFill>
+                <a:effectLst/>
+                <a:latin typeface="Menlo" panose="020B0609030804020204" pitchFamily="49" charset="0"/>
+              </a:rPr>
+              <a:t>] = </a:t>
+            </a:r>
+            <a:r>
+              <a:rPr lang="en-US" sz="2400" dirty="0" err="1">
+                <a:solidFill>
+                  <a:srgbClr val="000000"/>
+                </a:solidFill>
+                <a:effectLst/>
+                <a:latin typeface="Menlo" panose="020B0609030804020204" pitchFamily="49" charset="0"/>
+              </a:rPr>
+              <a:t>in_value</a:t>
+            </a:r>
+            <a:r>
+              <a:rPr lang="en-US" sz="2400" dirty="0">
+                <a:solidFill>
+                  <a:srgbClr val="000000"/>
+                </a:solidFill>
+                <a:effectLst/>
+                <a:latin typeface="Menlo" panose="020B0609030804020204" pitchFamily="49" charset="0"/>
+              </a:rPr>
+              <a:t>;</a:t>
+            </a:r>
+          </a:p>
+          <a:p>
+            <a:r>
+              <a:rPr lang="en-US" sz="2400" dirty="0">
+                <a:solidFill>
+                  <a:srgbClr val="000000"/>
+                </a:solidFill>
+                <a:effectLst/>
+                <a:latin typeface="Menlo" panose="020B0609030804020204" pitchFamily="49" charset="0"/>
+              </a:rPr>
+              <a:t>    }</a:t>
+            </a:r>
+          </a:p>
+          <a:p>
+            <a:r>
+              <a:rPr lang="en-US" sz="2400" dirty="0">
+                <a:solidFill>
+                  <a:srgbClr val="000000"/>
+                </a:solidFill>
+                <a:effectLst/>
+                <a:latin typeface="Menlo" panose="020B0609030804020204" pitchFamily="49" charset="0"/>
+              </a:rPr>
+              <a:t>}</a:t>
+            </a:r>
+          </a:p>
+          <a:p>
+            <a:r>
+              <a:rPr lang="en-US" sz="2400" b="1" dirty="0">
+                <a:solidFill>
+                  <a:srgbClr val="000000"/>
+                </a:solidFill>
+                <a:effectLst/>
+                <a:latin typeface="Menlo" panose="020B0609030804020204" pitchFamily="49" charset="0"/>
+              </a:rPr>
+              <a:t>int main(void) {</a:t>
+            </a:r>
+          </a:p>
+          <a:p>
+            <a:r>
+              <a:rPr lang="en-US" sz="2400" b="1" dirty="0">
+                <a:solidFill>
+                  <a:srgbClr val="000000"/>
+                </a:solidFill>
+                <a:effectLst/>
+                <a:latin typeface="Menlo" panose="020B0609030804020204" pitchFamily="49" charset="0"/>
+              </a:rPr>
+              <a:t>    int </a:t>
+            </a:r>
+            <a:r>
+              <a:rPr lang="en-US" sz="2400" b="1" dirty="0" err="1">
+                <a:solidFill>
+                  <a:srgbClr val="000000"/>
+                </a:solidFill>
+                <a:effectLst/>
+                <a:latin typeface="Menlo" panose="020B0609030804020204" pitchFamily="49" charset="0"/>
+              </a:rPr>
+              <a:t>arr</a:t>
+            </a:r>
+            <a:r>
+              <a:rPr lang="en-US" sz="2400" b="1" dirty="0">
+                <a:solidFill>
+                  <a:srgbClr val="000000"/>
+                </a:solidFill>
+                <a:effectLst/>
+                <a:latin typeface="Menlo" panose="020B0609030804020204" pitchFamily="49" charset="0"/>
+              </a:rPr>
+              <a:t>[10];</a:t>
+            </a:r>
+          </a:p>
+          <a:p>
+            <a:r>
+              <a:rPr lang="en-US" sz="2400" dirty="0">
+                <a:solidFill>
+                  <a:srgbClr val="000000"/>
+                </a:solidFill>
+                <a:effectLst/>
+                <a:latin typeface="Menlo" panose="020B0609030804020204" pitchFamily="49" charset="0"/>
+              </a:rPr>
+              <a:t>    </a:t>
+            </a:r>
+            <a:r>
+              <a:rPr lang="en-US" sz="2400" dirty="0" err="1">
+                <a:solidFill>
+                  <a:srgbClr val="000000"/>
+                </a:solidFill>
+                <a:effectLst/>
+                <a:latin typeface="Menlo" panose="020B0609030804020204" pitchFamily="49" charset="0"/>
+              </a:rPr>
+              <a:t>fill_array</a:t>
+            </a:r>
+            <a:r>
+              <a:rPr lang="en-US" sz="2400" dirty="0">
+                <a:solidFill>
+                  <a:srgbClr val="000000"/>
+                </a:solidFill>
+                <a:effectLst/>
+                <a:latin typeface="Menlo" panose="020B0609030804020204" pitchFamily="49" charset="0"/>
+              </a:rPr>
+              <a:t>(</a:t>
+            </a:r>
+            <a:r>
+              <a:rPr lang="en-US" sz="2400" dirty="0" err="1">
+                <a:solidFill>
+                  <a:srgbClr val="000000"/>
+                </a:solidFill>
+                <a:effectLst/>
+                <a:latin typeface="Menlo" panose="020B0609030804020204" pitchFamily="49" charset="0"/>
+              </a:rPr>
+              <a:t>arr</a:t>
+            </a:r>
+            <a:r>
+              <a:rPr lang="en-US" sz="2400" dirty="0">
+                <a:solidFill>
+                  <a:srgbClr val="000000"/>
+                </a:solidFill>
+                <a:effectLst/>
+                <a:latin typeface="Menlo" panose="020B0609030804020204" pitchFamily="49" charset="0"/>
+              </a:rPr>
+              <a:t>, 5, 1);</a:t>
+            </a:r>
+          </a:p>
+          <a:p>
+            <a:r>
+              <a:rPr lang="en-US" sz="2400" dirty="0">
+                <a:solidFill>
+                  <a:srgbClr val="000000"/>
+                </a:solidFill>
+                <a:effectLst/>
+                <a:latin typeface="Menlo" panose="020B0609030804020204" pitchFamily="49" charset="0"/>
+              </a:rPr>
+              <a:t>}</a:t>
+            </a:r>
+          </a:p>
+          <a:p>
+            <a:endParaRPr lang="en-US" sz="2400" dirty="0">
+              <a:solidFill>
+                <a:srgbClr val="000000"/>
+              </a:solidFill>
+              <a:effectLst/>
+              <a:latin typeface="Menlo" panose="020B0609030804020204" pitchFamily="49" charset="0"/>
+            </a:endParaRPr>
+          </a:p>
+          <a:p>
+            <a:endParaRPr lang="en-US" sz="2800" dirty="0"/>
+          </a:p>
+        </p:txBody>
+      </p:sp>
+      <p:sp>
+        <p:nvSpPr>
+          <p:cNvPr id="10" name="TextBox 9">
+            <a:extLst>
+              <a:ext uri="{FF2B5EF4-FFF2-40B4-BE49-F238E27FC236}">
+                <a16:creationId xmlns:a16="http://schemas.microsoft.com/office/drawing/2014/main" id="{3B56C694-A236-ED47-9EFF-95E8E47DAC0D}"/>
+              </a:ext>
+            </a:extLst>
+          </p:cNvPr>
+          <p:cNvSpPr txBox="1"/>
+          <p:nvPr/>
+        </p:nvSpPr>
+        <p:spPr>
+          <a:xfrm>
+            <a:off x="5851635" y="1569107"/>
+            <a:ext cx="2012730" cy="707886"/>
+          </a:xfrm>
+          <a:prstGeom prst="rect">
+            <a:avLst/>
+          </a:prstGeom>
+          <a:noFill/>
+        </p:spPr>
+        <p:txBody>
+          <a:bodyPr wrap="none" rtlCol="0">
+            <a:spAutoFit/>
+          </a:bodyPr>
+          <a:lstStyle/>
+          <a:p>
+            <a:r>
+              <a:rPr lang="en-US" sz="4000" b="1" dirty="0"/>
+              <a:t>Memory</a:t>
+            </a:r>
+          </a:p>
+        </p:txBody>
+      </p:sp>
+      <p:pic>
+        <p:nvPicPr>
+          <p:cNvPr id="12" name="Picture 11">
+            <a:extLst>
+              <a:ext uri="{FF2B5EF4-FFF2-40B4-BE49-F238E27FC236}">
+                <a16:creationId xmlns:a16="http://schemas.microsoft.com/office/drawing/2014/main" id="{634D96A3-D02E-2B47-BBA1-85EB85814E6C}"/>
+              </a:ext>
+            </a:extLst>
+          </p:cNvPr>
+          <p:cNvPicPr>
+            <a:picLocks noChangeAspect="1"/>
+          </p:cNvPicPr>
+          <p:nvPr/>
+        </p:nvPicPr>
+        <p:blipFill>
+          <a:blip r:embed="rId2"/>
+          <a:stretch>
+            <a:fillRect/>
+          </a:stretch>
+        </p:blipFill>
+        <p:spPr>
+          <a:xfrm>
+            <a:off x="5410200" y="178341"/>
+            <a:ext cx="3340100" cy="1358900"/>
+          </a:xfrm>
+          <a:prstGeom prst="rect">
+            <a:avLst/>
+          </a:prstGeom>
+        </p:spPr>
+      </p:pic>
+      <p:sp>
+        <p:nvSpPr>
+          <p:cNvPr id="13" name="Rectangle 12">
+            <a:extLst>
+              <a:ext uri="{FF2B5EF4-FFF2-40B4-BE49-F238E27FC236}">
+                <a16:creationId xmlns:a16="http://schemas.microsoft.com/office/drawing/2014/main" id="{129AE26D-6811-D54C-82DF-27CBAF9889CF}"/>
+              </a:ext>
+            </a:extLst>
+          </p:cNvPr>
+          <p:cNvSpPr/>
+          <p:nvPr/>
+        </p:nvSpPr>
+        <p:spPr>
+          <a:xfrm>
+            <a:off x="5410200" y="2286000"/>
+            <a:ext cx="3340100" cy="3726656"/>
+          </a:xfrm>
+          <a:prstGeom prst="rect">
+            <a:avLst/>
+          </a:prstGeom>
+          <a:solidFill>
+            <a:srgbClr val="3A92FC">
+              <a:alpha val="36863"/>
+            </a:srgbClr>
+          </a:solidFill>
+        </p:spPr>
+        <p:style>
+          <a:lnRef idx="2">
+            <a:schemeClr val="accent1">
+              <a:shade val="50000"/>
+            </a:schemeClr>
+          </a:lnRef>
+          <a:fillRef idx="1">
+            <a:schemeClr val="accent1"/>
+          </a:fillRef>
+          <a:effectRef idx="0">
+            <a:schemeClr val="accent1"/>
+          </a:effectRef>
+          <a:fontRef idx="minor">
+            <a:schemeClr val="lt1"/>
+          </a:fontRef>
+        </p:style>
+        <p:txBody>
+          <a:bodyPr rtlCol="0" anchor="ctr"/>
+          <a:lstStyle/>
+          <a:p>
+            <a:pPr algn="ctr"/>
+            <a:endParaRPr lang="en-US"/>
+          </a:p>
+        </p:txBody>
+      </p:sp>
+      <p:sp>
+        <p:nvSpPr>
+          <p:cNvPr id="11" name="Rectangle 10">
+            <a:extLst>
+              <a:ext uri="{FF2B5EF4-FFF2-40B4-BE49-F238E27FC236}">
+                <a16:creationId xmlns:a16="http://schemas.microsoft.com/office/drawing/2014/main" id="{9A458B72-847C-4B4E-AE68-73F2BA34F5AF}"/>
+              </a:ext>
+            </a:extLst>
+          </p:cNvPr>
+          <p:cNvSpPr/>
+          <p:nvPr/>
+        </p:nvSpPr>
+        <p:spPr>
+          <a:xfrm>
+            <a:off x="5562600" y="2360118"/>
+            <a:ext cx="3048000" cy="1302544"/>
+          </a:xfrm>
+          <a:prstGeom prst="rect">
+            <a:avLst/>
+          </a:prstGeom>
+        </p:spPr>
+        <p:style>
+          <a:lnRef idx="2">
+            <a:schemeClr val="accent1">
+              <a:shade val="50000"/>
+            </a:schemeClr>
+          </a:lnRef>
+          <a:fillRef idx="1">
+            <a:schemeClr val="accent1"/>
+          </a:fillRef>
+          <a:effectRef idx="0">
+            <a:schemeClr val="accent1"/>
+          </a:effectRef>
+          <a:fontRef idx="minor">
+            <a:schemeClr val="lt1"/>
+          </a:fontRef>
+        </p:style>
+        <p:txBody>
+          <a:bodyPr rtlCol="0" anchor="ctr"/>
+          <a:lstStyle/>
+          <a:p>
+            <a:r>
+              <a:rPr lang="en-US" sz="3200" dirty="0"/>
+              <a:t>main</a:t>
+            </a:r>
+          </a:p>
+          <a:p>
+            <a:r>
+              <a:rPr lang="en-US" sz="3200" dirty="0"/>
+              <a:t>   </a:t>
+            </a:r>
+            <a:r>
+              <a:rPr lang="en-US" sz="3200" dirty="0" err="1"/>
+              <a:t>arr</a:t>
+            </a:r>
+            <a:r>
+              <a:rPr lang="en-US" sz="3200" dirty="0"/>
+              <a:t>:</a:t>
+            </a:r>
+            <a:br>
+              <a:rPr lang="en-US" sz="3200" dirty="0"/>
+            </a:br>
+            <a:endParaRPr lang="en-US" sz="3200" dirty="0"/>
+          </a:p>
+        </p:txBody>
+      </p:sp>
+      <p:cxnSp>
+        <p:nvCxnSpPr>
+          <p:cNvPr id="7" name="Straight Arrow Connector 6">
+            <a:extLst>
+              <a:ext uri="{FF2B5EF4-FFF2-40B4-BE49-F238E27FC236}">
+                <a16:creationId xmlns:a16="http://schemas.microsoft.com/office/drawing/2014/main" id="{A4BD005B-0D27-C148-9972-1E23CF472140}"/>
+              </a:ext>
+            </a:extLst>
+          </p:cNvPr>
+          <p:cNvCxnSpPr>
+            <a:cxnSpLocks/>
+          </p:cNvCxnSpPr>
+          <p:nvPr/>
+        </p:nvCxnSpPr>
+        <p:spPr>
+          <a:xfrm>
+            <a:off x="6680915" y="3048000"/>
+            <a:ext cx="329485" cy="228600"/>
+          </a:xfrm>
+          <a:prstGeom prst="straightConnector1">
+            <a:avLst/>
+          </a:prstGeom>
+          <a:ln w="38100">
+            <a:solidFill>
+              <a:schemeClr val="bg1"/>
+            </a:solidFill>
+            <a:tailEnd type="triangle"/>
+          </a:ln>
+        </p:spPr>
+        <p:style>
+          <a:lnRef idx="1">
+            <a:schemeClr val="accent1"/>
+          </a:lnRef>
+          <a:fillRef idx="0">
+            <a:schemeClr val="accent1"/>
+          </a:fillRef>
+          <a:effectRef idx="0">
+            <a:schemeClr val="accent1"/>
+          </a:effectRef>
+          <a:fontRef idx="minor">
+            <a:schemeClr val="tx1"/>
+          </a:fontRef>
+        </p:style>
+      </p:cxnSp>
+      <p:sp>
+        <p:nvSpPr>
+          <p:cNvPr id="16" name="Rectangle 15">
+            <a:extLst>
+              <a:ext uri="{FF2B5EF4-FFF2-40B4-BE49-F238E27FC236}">
+                <a16:creationId xmlns:a16="http://schemas.microsoft.com/office/drawing/2014/main" id="{68AF5C9D-4FD1-544D-827E-6C2CE3A9EC5A}"/>
+              </a:ext>
+            </a:extLst>
+          </p:cNvPr>
+          <p:cNvSpPr/>
+          <p:nvPr/>
+        </p:nvSpPr>
+        <p:spPr>
+          <a:xfrm>
+            <a:off x="7086600" y="3127800"/>
+            <a:ext cx="1191730" cy="336424"/>
+          </a:xfrm>
+          <a:prstGeom prst="rect">
+            <a:avLst/>
+          </a:prstGeom>
+        </p:spPr>
+        <p:style>
+          <a:lnRef idx="2">
+            <a:schemeClr val="accent1">
+              <a:shade val="50000"/>
+            </a:schemeClr>
+          </a:lnRef>
+          <a:fillRef idx="1">
+            <a:schemeClr val="accent1"/>
+          </a:fillRef>
+          <a:effectRef idx="0">
+            <a:schemeClr val="accent1"/>
+          </a:effectRef>
+          <a:fontRef idx="minor">
+            <a:schemeClr val="lt1"/>
+          </a:fontRef>
+        </p:style>
+        <p:txBody>
+          <a:bodyPr rtlCol="0" anchor="ctr"/>
+          <a:lstStyle/>
+          <a:p>
+            <a:pPr algn="ctr"/>
+            <a:endParaRPr lang="en-US"/>
+          </a:p>
+        </p:txBody>
+      </p:sp>
+    </p:spTree>
+    <p:extLst>
+      <p:ext uri="{BB962C8B-B14F-4D97-AF65-F5344CB8AC3E}">
+        <p14:creationId xmlns:p14="http://schemas.microsoft.com/office/powerpoint/2010/main" val="2373035032"/>
+      </p:ext>
+    </p:extLst>
+  </p:cSld>
+  <p:clrMapOvr>
+    <a:masterClrMapping/>
+  </p:clrMapOvr>
+</p:sld>
+</file>
+
+<file path=ppt/slides/slide32.xml><?xml version="1.0" encoding="utf-8"?>
+<p:sld xmlns:a="http://schemas.openxmlformats.org/drawingml/2006/main" xmlns:r="http://schemas.openxmlformats.org/officeDocument/2006/relationships" xmlns:p="http://schemas.openxmlformats.org/presentationml/2006/main">
+  <p:cSld>
+    <p:spTree>
+      <p:nvGrpSpPr>
+        <p:cNvPr id="1" name=""/>
+        <p:cNvGrpSpPr/>
+        <p:nvPr/>
+      </p:nvGrpSpPr>
+      <p:grpSpPr>
+        <a:xfrm>
+          <a:off x="0" y="0"/>
+          <a:ext cx="0" cy="0"/>
+          <a:chOff x="0" y="0"/>
+          <a:chExt cx="0" cy="0"/>
+        </a:xfrm>
+      </p:grpSpPr>
+      <p:sp>
+        <p:nvSpPr>
+          <p:cNvPr id="2" name="Title 1">
+            <a:extLst>
+              <a:ext uri="{FF2B5EF4-FFF2-40B4-BE49-F238E27FC236}">
+                <a16:creationId xmlns:a16="http://schemas.microsoft.com/office/drawing/2014/main" id="{5BA53607-33FD-F54D-8702-AE3D19476B4D}"/>
+              </a:ext>
+            </a:extLst>
+          </p:cNvPr>
+          <p:cNvSpPr>
+            <a:spLocks noGrp="1"/>
+          </p:cNvSpPr>
+          <p:nvPr>
+            <p:ph type="title"/>
+          </p:nvPr>
+        </p:nvSpPr>
+        <p:spPr>
+          <a:xfrm>
+            <a:off x="152400" y="228600"/>
+            <a:ext cx="5791200" cy="1143000"/>
+          </a:xfrm>
+        </p:spPr>
+        <p:txBody>
+          <a:bodyPr>
+            <a:normAutofit fontScale="90000"/>
+          </a:bodyPr>
+          <a:lstStyle/>
+          <a:p>
+            <a:pPr algn="l"/>
+            <a:r>
+              <a:rPr lang="en-US" dirty="0"/>
+              <a:t>What happens when we run our executable file?</a:t>
+            </a:r>
+          </a:p>
+        </p:txBody>
+      </p:sp>
+      <p:sp>
+        <p:nvSpPr>
+          <p:cNvPr id="4" name="Footer Placeholder 3">
+            <a:extLst>
+              <a:ext uri="{FF2B5EF4-FFF2-40B4-BE49-F238E27FC236}">
+                <a16:creationId xmlns:a16="http://schemas.microsoft.com/office/drawing/2014/main" id="{EC46FAB2-42F5-EA47-B9F9-FA24D3A6BABC}"/>
+              </a:ext>
+            </a:extLst>
+          </p:cNvPr>
+          <p:cNvSpPr>
+            <a:spLocks noGrp="1"/>
+          </p:cNvSpPr>
+          <p:nvPr>
+            <p:ph type="ftr" sz="quarter" idx="11"/>
+          </p:nvPr>
+        </p:nvSpPr>
+        <p:spPr/>
+        <p:txBody>
+          <a:bodyPr/>
+          <a:lstStyle/>
+          <a:p>
+            <a:r>
+              <a:rPr lang="en-US"/>
+              <a:t>© 2016 Pearson Education, Inc., Hoboken, NJ.  All rights reserved.</a:t>
+            </a:r>
+          </a:p>
+        </p:txBody>
+      </p:sp>
+      <p:sp>
+        <p:nvSpPr>
+          <p:cNvPr id="5" name="Slide Number Placeholder 4">
+            <a:extLst>
+              <a:ext uri="{FF2B5EF4-FFF2-40B4-BE49-F238E27FC236}">
+                <a16:creationId xmlns:a16="http://schemas.microsoft.com/office/drawing/2014/main" id="{CF225639-41CB-C84A-A45E-6B54E69D6EA2}"/>
+              </a:ext>
+            </a:extLst>
+          </p:cNvPr>
+          <p:cNvSpPr>
+            <a:spLocks noGrp="1"/>
+          </p:cNvSpPr>
+          <p:nvPr>
+            <p:ph type="sldNum" sz="quarter" idx="12"/>
+          </p:nvPr>
+        </p:nvSpPr>
+        <p:spPr/>
+        <p:txBody>
+          <a:bodyPr/>
+          <a:lstStyle/>
+          <a:p>
+            <a:fld id="{85A8DA42-601D-40A8-83CA-2F2CBDE5F9F0}" type="slidenum">
+              <a:rPr lang="en-US" smtClean="0"/>
+              <a:t>32</a:t>
+            </a:fld>
+            <a:endParaRPr lang="en-US"/>
+          </a:p>
+        </p:txBody>
+      </p:sp>
+      <p:sp>
+        <p:nvSpPr>
+          <p:cNvPr id="6" name="TextBox 5">
+            <a:extLst>
+              <a:ext uri="{FF2B5EF4-FFF2-40B4-BE49-F238E27FC236}">
+                <a16:creationId xmlns:a16="http://schemas.microsoft.com/office/drawing/2014/main" id="{50DC082E-8F94-D042-9C36-A979691D14ED}"/>
+              </a:ext>
+            </a:extLst>
+          </p:cNvPr>
+          <p:cNvSpPr txBox="1"/>
+          <p:nvPr/>
+        </p:nvSpPr>
+        <p:spPr>
+          <a:xfrm>
+            <a:off x="0" y="1295400"/>
+            <a:ext cx="5334000" cy="6063198"/>
+          </a:xfrm>
+          <a:prstGeom prst="rect">
+            <a:avLst/>
+          </a:prstGeom>
+          <a:noFill/>
+        </p:spPr>
+        <p:txBody>
+          <a:bodyPr wrap="square" lIns="91440" tIns="45720" rIns="91440" bIns="45720" rtlCol="0" anchor="t">
+            <a:spAutoFit/>
+          </a:bodyPr>
+          <a:lstStyle/>
+          <a:p>
+            <a:r>
+              <a:rPr lang="en-US" sz="2400" b="1" dirty="0">
+                <a:solidFill>
+                  <a:srgbClr val="000000"/>
+                </a:solidFill>
+                <a:effectLst/>
+                <a:latin typeface="Menlo" panose="020B0609030804020204" pitchFamily="49" charset="0"/>
+              </a:rPr>
+              <a:t>void </a:t>
+            </a:r>
+            <a:r>
+              <a:rPr lang="en-US" sz="2400" b="1" dirty="0" err="1">
+                <a:solidFill>
+                  <a:srgbClr val="000000"/>
+                </a:solidFill>
+                <a:effectLst/>
+                <a:latin typeface="Menlo" panose="020B0609030804020204" pitchFamily="49" charset="0"/>
+              </a:rPr>
+              <a:t>fill_array</a:t>
+            </a:r>
+            <a:r>
+              <a:rPr lang="en-US" sz="2400" b="1" dirty="0">
+                <a:solidFill>
+                  <a:srgbClr val="000000"/>
+                </a:solidFill>
+                <a:effectLst/>
+                <a:latin typeface="Menlo" panose="020B0609030804020204" pitchFamily="49" charset="0"/>
+              </a:rPr>
+              <a:t>(</a:t>
+            </a:r>
+          </a:p>
+          <a:p>
+            <a:r>
+              <a:rPr lang="en-US" sz="2400" b="1" dirty="0">
+                <a:solidFill>
+                  <a:srgbClr val="000000"/>
+                </a:solidFill>
+                <a:latin typeface="Menlo" panose="020B0609030804020204" pitchFamily="49" charset="0"/>
+              </a:rPr>
+              <a:t>      </a:t>
+            </a:r>
+            <a:r>
+              <a:rPr lang="en-US" sz="2400" b="1" dirty="0">
+                <a:solidFill>
+                  <a:srgbClr val="000000"/>
+                </a:solidFill>
+                <a:effectLst/>
+                <a:latin typeface="Menlo" panose="020B0609030804020204" pitchFamily="49" charset="0"/>
+              </a:rPr>
+              <a:t>int list[],</a:t>
+            </a:r>
+          </a:p>
+          <a:p>
+            <a:r>
+              <a:rPr lang="en-US" sz="2400" b="1" dirty="0">
+                <a:solidFill>
+                  <a:srgbClr val="000000"/>
+                </a:solidFill>
+                <a:latin typeface="Menlo" panose="020B0609030804020204" pitchFamily="49" charset="0"/>
+              </a:rPr>
+              <a:t>	</a:t>
+            </a:r>
+            <a:r>
+              <a:rPr lang="en-US" sz="2400" b="1" dirty="0">
+                <a:solidFill>
+                  <a:srgbClr val="000000"/>
+                </a:solidFill>
+                <a:effectLst/>
+                <a:latin typeface="Menlo" panose="020B0609030804020204" pitchFamily="49" charset="0"/>
+              </a:rPr>
+              <a:t> int n, </a:t>
+            </a:r>
+          </a:p>
+          <a:p>
+            <a:r>
+              <a:rPr lang="en-US" sz="2400" b="1" dirty="0">
+                <a:solidFill>
+                  <a:srgbClr val="000000"/>
+                </a:solidFill>
+                <a:latin typeface="Menlo" panose="020B0609030804020204" pitchFamily="49" charset="0"/>
+              </a:rPr>
+              <a:t>	 </a:t>
+            </a:r>
+            <a:r>
+              <a:rPr lang="en-US" sz="2400" b="1" dirty="0">
+                <a:solidFill>
+                  <a:srgbClr val="000000"/>
+                </a:solidFill>
+                <a:effectLst/>
+                <a:latin typeface="Menlo" panose="020B0609030804020204" pitchFamily="49" charset="0"/>
+              </a:rPr>
+              <a:t>int </a:t>
+            </a:r>
+            <a:r>
+              <a:rPr lang="en-US" sz="2400" b="1" dirty="0" err="1">
+                <a:solidFill>
+                  <a:srgbClr val="000000"/>
+                </a:solidFill>
+                <a:effectLst/>
+                <a:latin typeface="Menlo" panose="020B0609030804020204" pitchFamily="49" charset="0"/>
+              </a:rPr>
+              <a:t>in_value</a:t>
+            </a:r>
+            <a:r>
+              <a:rPr lang="en-US" sz="2400" b="1" dirty="0">
+                <a:solidFill>
+                  <a:srgbClr val="000000"/>
+                </a:solidFill>
+                <a:effectLst/>
+                <a:latin typeface="Menlo" panose="020B0609030804020204" pitchFamily="49" charset="0"/>
+              </a:rPr>
+              <a:t>) {</a:t>
+            </a:r>
+          </a:p>
+          <a:p>
+            <a:r>
+              <a:rPr lang="en-US" sz="2400" dirty="0">
+                <a:solidFill>
+                  <a:srgbClr val="000000"/>
+                </a:solidFill>
+                <a:effectLst/>
+                <a:latin typeface="Menlo" panose="020B0609030804020204" pitchFamily="49" charset="0"/>
+              </a:rPr>
+              <a:t>    int </a:t>
+            </a:r>
+            <a:r>
+              <a:rPr lang="en-US" sz="2400" dirty="0" err="1">
+                <a:solidFill>
+                  <a:srgbClr val="000000"/>
+                </a:solidFill>
+                <a:effectLst/>
+                <a:latin typeface="Menlo" panose="020B0609030804020204" pitchFamily="49" charset="0"/>
+              </a:rPr>
+              <a:t>i</a:t>
+            </a:r>
+            <a:r>
+              <a:rPr lang="en-US" sz="2400" dirty="0">
+                <a:solidFill>
+                  <a:srgbClr val="000000"/>
+                </a:solidFill>
+                <a:effectLst/>
+                <a:latin typeface="Menlo" panose="020B0609030804020204" pitchFamily="49" charset="0"/>
+              </a:rPr>
+              <a:t>;</a:t>
+            </a:r>
+          </a:p>
+          <a:p>
+            <a:r>
+              <a:rPr lang="en-US" sz="2400" dirty="0">
+                <a:solidFill>
+                  <a:srgbClr val="000000"/>
+                </a:solidFill>
+                <a:effectLst/>
+                <a:latin typeface="Menlo" panose="020B0609030804020204" pitchFamily="49" charset="0"/>
+              </a:rPr>
+              <a:t>    for (</a:t>
+            </a:r>
+            <a:r>
+              <a:rPr lang="en-US" sz="2400" dirty="0" err="1">
+                <a:solidFill>
+                  <a:srgbClr val="000000"/>
+                </a:solidFill>
+                <a:effectLst/>
+                <a:latin typeface="Menlo" panose="020B0609030804020204" pitchFamily="49" charset="0"/>
+              </a:rPr>
+              <a:t>i</a:t>
+            </a:r>
+            <a:r>
+              <a:rPr lang="en-US" sz="2400" dirty="0">
+                <a:solidFill>
+                  <a:srgbClr val="000000"/>
+                </a:solidFill>
+                <a:effectLst/>
+                <a:latin typeface="Menlo" panose="020B0609030804020204" pitchFamily="49" charset="0"/>
+              </a:rPr>
+              <a:t> = 0; </a:t>
+            </a:r>
+          </a:p>
+          <a:p>
+            <a:r>
+              <a:rPr lang="en-US" sz="2400" dirty="0">
+                <a:solidFill>
+                  <a:srgbClr val="000000"/>
+                </a:solidFill>
+                <a:latin typeface="Menlo" panose="020B0609030804020204" pitchFamily="49" charset="0"/>
+              </a:rPr>
+              <a:t>         </a:t>
+            </a:r>
+            <a:r>
+              <a:rPr lang="en-US" sz="2400" dirty="0" err="1">
+                <a:solidFill>
+                  <a:srgbClr val="000000"/>
+                </a:solidFill>
+                <a:effectLst/>
+                <a:latin typeface="Menlo" panose="020B0609030804020204" pitchFamily="49" charset="0"/>
+              </a:rPr>
+              <a:t>i</a:t>
+            </a:r>
+            <a:r>
+              <a:rPr lang="en-US" sz="2400" dirty="0">
+                <a:solidFill>
+                  <a:srgbClr val="000000"/>
+                </a:solidFill>
+                <a:effectLst/>
+                <a:latin typeface="Menlo" panose="020B0609030804020204" pitchFamily="49" charset="0"/>
+              </a:rPr>
+              <a:t> &lt; n; ++</a:t>
+            </a:r>
+            <a:r>
+              <a:rPr lang="en-US" sz="2400" dirty="0" err="1">
+                <a:solidFill>
+                  <a:srgbClr val="000000"/>
+                </a:solidFill>
+                <a:effectLst/>
+                <a:latin typeface="Menlo" panose="020B0609030804020204" pitchFamily="49" charset="0"/>
+              </a:rPr>
+              <a:t>i</a:t>
+            </a:r>
+            <a:r>
+              <a:rPr lang="en-US" sz="2400" dirty="0">
+                <a:solidFill>
+                  <a:srgbClr val="000000"/>
+                </a:solidFill>
+                <a:effectLst/>
+                <a:latin typeface="Menlo" panose="020B0609030804020204" pitchFamily="49" charset="0"/>
+              </a:rPr>
+              <a:t>) {</a:t>
+            </a:r>
+          </a:p>
+          <a:p>
+            <a:r>
+              <a:rPr lang="en-US" sz="2400" dirty="0">
+                <a:solidFill>
+                  <a:srgbClr val="000000"/>
+                </a:solidFill>
+                <a:effectLst/>
+                <a:latin typeface="Menlo" panose="020B0609030804020204" pitchFamily="49" charset="0"/>
+              </a:rPr>
+              <a:t>        list[</a:t>
+            </a:r>
+            <a:r>
+              <a:rPr lang="en-US" sz="2400" dirty="0" err="1">
+                <a:solidFill>
+                  <a:srgbClr val="000000"/>
+                </a:solidFill>
+                <a:effectLst/>
+                <a:latin typeface="Menlo" panose="020B0609030804020204" pitchFamily="49" charset="0"/>
+              </a:rPr>
+              <a:t>i</a:t>
+            </a:r>
+            <a:r>
+              <a:rPr lang="en-US" sz="2400" dirty="0">
+                <a:solidFill>
+                  <a:srgbClr val="000000"/>
+                </a:solidFill>
+                <a:effectLst/>
+                <a:latin typeface="Menlo" panose="020B0609030804020204" pitchFamily="49" charset="0"/>
+              </a:rPr>
+              <a:t>] = </a:t>
+            </a:r>
+            <a:r>
+              <a:rPr lang="en-US" sz="2400" dirty="0" err="1">
+                <a:solidFill>
+                  <a:srgbClr val="000000"/>
+                </a:solidFill>
+                <a:effectLst/>
+                <a:latin typeface="Menlo" panose="020B0609030804020204" pitchFamily="49" charset="0"/>
+              </a:rPr>
+              <a:t>in_value</a:t>
+            </a:r>
+            <a:r>
+              <a:rPr lang="en-US" sz="2400" dirty="0">
+                <a:solidFill>
+                  <a:srgbClr val="000000"/>
+                </a:solidFill>
+                <a:effectLst/>
+                <a:latin typeface="Menlo" panose="020B0609030804020204" pitchFamily="49" charset="0"/>
+              </a:rPr>
+              <a:t>;</a:t>
+            </a:r>
+          </a:p>
+          <a:p>
+            <a:r>
+              <a:rPr lang="en-US" sz="2400" dirty="0">
+                <a:solidFill>
+                  <a:srgbClr val="000000"/>
+                </a:solidFill>
+                <a:effectLst/>
+                <a:latin typeface="Menlo" panose="020B0609030804020204" pitchFamily="49" charset="0"/>
+              </a:rPr>
+              <a:t>    }</a:t>
+            </a:r>
+          </a:p>
+          <a:p>
+            <a:r>
+              <a:rPr lang="en-US" sz="2400" dirty="0">
+                <a:solidFill>
+                  <a:srgbClr val="000000"/>
+                </a:solidFill>
+                <a:effectLst/>
+                <a:latin typeface="Menlo" panose="020B0609030804020204" pitchFamily="49" charset="0"/>
+              </a:rPr>
+              <a:t>}</a:t>
+            </a:r>
+          </a:p>
+          <a:p>
+            <a:r>
+              <a:rPr lang="en-US" sz="2400" b="1" dirty="0">
+                <a:solidFill>
+                  <a:srgbClr val="000000"/>
+                </a:solidFill>
+                <a:effectLst/>
+                <a:latin typeface="Menlo" panose="020B0609030804020204" pitchFamily="49" charset="0"/>
+              </a:rPr>
+              <a:t>int main(void) {</a:t>
+            </a:r>
+          </a:p>
+          <a:p>
+            <a:r>
+              <a:rPr lang="en-US" sz="2400" b="1" dirty="0">
+                <a:solidFill>
+                  <a:srgbClr val="000000"/>
+                </a:solidFill>
+                <a:effectLst/>
+                <a:latin typeface="Menlo" panose="020B0609030804020204" pitchFamily="49" charset="0"/>
+              </a:rPr>
+              <a:t>    int </a:t>
+            </a:r>
+            <a:r>
+              <a:rPr lang="en-US" sz="2400" b="1" dirty="0" err="1">
+                <a:solidFill>
+                  <a:srgbClr val="000000"/>
+                </a:solidFill>
+                <a:effectLst/>
+                <a:latin typeface="Menlo" panose="020B0609030804020204" pitchFamily="49" charset="0"/>
+              </a:rPr>
+              <a:t>arr</a:t>
+            </a:r>
+            <a:r>
+              <a:rPr lang="en-US" sz="2400" b="1" dirty="0">
+                <a:solidFill>
+                  <a:srgbClr val="000000"/>
+                </a:solidFill>
+                <a:effectLst/>
+                <a:latin typeface="Menlo" panose="020B0609030804020204" pitchFamily="49" charset="0"/>
+              </a:rPr>
+              <a:t>[10];</a:t>
+            </a:r>
+          </a:p>
+          <a:p>
+            <a:r>
+              <a:rPr lang="en-US" sz="2400" dirty="0">
+                <a:solidFill>
+                  <a:srgbClr val="000000"/>
+                </a:solidFill>
+                <a:effectLst/>
+                <a:latin typeface="Menlo" panose="020B0609030804020204" pitchFamily="49" charset="0"/>
+              </a:rPr>
+              <a:t>    </a:t>
+            </a:r>
+            <a:r>
+              <a:rPr lang="en-US" sz="2400" dirty="0" err="1">
+                <a:solidFill>
+                  <a:srgbClr val="000000"/>
+                </a:solidFill>
+                <a:effectLst/>
+                <a:latin typeface="Menlo" panose="020B0609030804020204" pitchFamily="49" charset="0"/>
+              </a:rPr>
+              <a:t>fill_array</a:t>
+            </a:r>
+            <a:r>
+              <a:rPr lang="en-US" sz="2400" dirty="0">
+                <a:solidFill>
+                  <a:srgbClr val="000000"/>
+                </a:solidFill>
+                <a:effectLst/>
+                <a:latin typeface="Menlo" panose="020B0609030804020204" pitchFamily="49" charset="0"/>
+              </a:rPr>
+              <a:t>(</a:t>
+            </a:r>
+            <a:r>
+              <a:rPr lang="en-US" sz="2400" dirty="0" err="1">
+                <a:solidFill>
+                  <a:srgbClr val="000000"/>
+                </a:solidFill>
+                <a:effectLst/>
+                <a:latin typeface="Menlo" panose="020B0609030804020204" pitchFamily="49" charset="0"/>
+              </a:rPr>
+              <a:t>arr</a:t>
+            </a:r>
+            <a:r>
+              <a:rPr lang="en-US" sz="2400" dirty="0">
+                <a:solidFill>
+                  <a:srgbClr val="000000"/>
+                </a:solidFill>
+                <a:effectLst/>
+                <a:latin typeface="Menlo" panose="020B0609030804020204" pitchFamily="49" charset="0"/>
+              </a:rPr>
+              <a:t>, 5, 1);</a:t>
+            </a:r>
+          </a:p>
+          <a:p>
+            <a:r>
+              <a:rPr lang="en-US" sz="2400" dirty="0">
+                <a:solidFill>
+                  <a:srgbClr val="000000"/>
+                </a:solidFill>
+                <a:effectLst/>
+                <a:latin typeface="Menlo" panose="020B0609030804020204" pitchFamily="49" charset="0"/>
+              </a:rPr>
+              <a:t>}</a:t>
+            </a:r>
+          </a:p>
+          <a:p>
+            <a:endParaRPr lang="en-US" sz="2400" dirty="0">
+              <a:solidFill>
+                <a:srgbClr val="000000"/>
+              </a:solidFill>
+              <a:effectLst/>
+              <a:latin typeface="Menlo" panose="020B0609030804020204" pitchFamily="49" charset="0"/>
+            </a:endParaRPr>
+          </a:p>
+          <a:p>
+            <a:endParaRPr lang="en-US" sz="2800" dirty="0"/>
+          </a:p>
+        </p:txBody>
+      </p:sp>
+      <p:sp>
+        <p:nvSpPr>
+          <p:cNvPr id="10" name="TextBox 9">
+            <a:extLst>
+              <a:ext uri="{FF2B5EF4-FFF2-40B4-BE49-F238E27FC236}">
+                <a16:creationId xmlns:a16="http://schemas.microsoft.com/office/drawing/2014/main" id="{3B56C694-A236-ED47-9EFF-95E8E47DAC0D}"/>
+              </a:ext>
+            </a:extLst>
+          </p:cNvPr>
+          <p:cNvSpPr txBox="1"/>
+          <p:nvPr/>
+        </p:nvSpPr>
+        <p:spPr>
+          <a:xfrm>
+            <a:off x="5851635" y="1569107"/>
+            <a:ext cx="2012730" cy="707886"/>
+          </a:xfrm>
+          <a:prstGeom prst="rect">
+            <a:avLst/>
+          </a:prstGeom>
+          <a:noFill/>
+        </p:spPr>
+        <p:txBody>
+          <a:bodyPr wrap="none" rtlCol="0">
+            <a:spAutoFit/>
+          </a:bodyPr>
+          <a:lstStyle/>
+          <a:p>
+            <a:r>
+              <a:rPr lang="en-US" sz="4000" b="1" dirty="0"/>
+              <a:t>Memory</a:t>
+            </a:r>
+          </a:p>
+        </p:txBody>
+      </p:sp>
+      <p:pic>
+        <p:nvPicPr>
+          <p:cNvPr id="12" name="Picture 11">
+            <a:extLst>
+              <a:ext uri="{FF2B5EF4-FFF2-40B4-BE49-F238E27FC236}">
+                <a16:creationId xmlns:a16="http://schemas.microsoft.com/office/drawing/2014/main" id="{634D96A3-D02E-2B47-BBA1-85EB85814E6C}"/>
+              </a:ext>
+            </a:extLst>
+          </p:cNvPr>
+          <p:cNvPicPr>
+            <a:picLocks noChangeAspect="1"/>
+          </p:cNvPicPr>
+          <p:nvPr/>
+        </p:nvPicPr>
+        <p:blipFill>
+          <a:blip r:embed="rId2"/>
+          <a:stretch>
+            <a:fillRect/>
+          </a:stretch>
+        </p:blipFill>
+        <p:spPr>
+          <a:xfrm>
+            <a:off x="5410200" y="178341"/>
+            <a:ext cx="3340100" cy="1358900"/>
+          </a:xfrm>
+          <a:prstGeom prst="rect">
+            <a:avLst/>
+          </a:prstGeom>
+        </p:spPr>
+      </p:pic>
+      <p:sp>
+        <p:nvSpPr>
+          <p:cNvPr id="13" name="Rectangle 12">
+            <a:extLst>
+              <a:ext uri="{FF2B5EF4-FFF2-40B4-BE49-F238E27FC236}">
+                <a16:creationId xmlns:a16="http://schemas.microsoft.com/office/drawing/2014/main" id="{129AE26D-6811-D54C-82DF-27CBAF9889CF}"/>
+              </a:ext>
+            </a:extLst>
+          </p:cNvPr>
+          <p:cNvSpPr/>
+          <p:nvPr/>
+        </p:nvSpPr>
+        <p:spPr>
+          <a:xfrm>
+            <a:off x="5410200" y="2286000"/>
+            <a:ext cx="3340100" cy="3726656"/>
+          </a:xfrm>
+          <a:prstGeom prst="rect">
+            <a:avLst/>
+          </a:prstGeom>
+          <a:solidFill>
+            <a:srgbClr val="3A92FC">
+              <a:alpha val="36863"/>
+            </a:srgbClr>
+          </a:solidFill>
+        </p:spPr>
+        <p:style>
+          <a:lnRef idx="2">
+            <a:schemeClr val="accent1">
+              <a:shade val="50000"/>
+            </a:schemeClr>
+          </a:lnRef>
+          <a:fillRef idx="1">
+            <a:schemeClr val="accent1"/>
+          </a:fillRef>
+          <a:effectRef idx="0">
+            <a:schemeClr val="accent1"/>
+          </a:effectRef>
+          <a:fontRef idx="minor">
+            <a:schemeClr val="lt1"/>
+          </a:fontRef>
+        </p:style>
+        <p:txBody>
+          <a:bodyPr rtlCol="0" anchor="ctr"/>
+          <a:lstStyle/>
+          <a:p>
+            <a:pPr algn="ctr"/>
+            <a:endParaRPr lang="en-US"/>
+          </a:p>
+        </p:txBody>
+      </p:sp>
+      <p:sp>
+        <p:nvSpPr>
+          <p:cNvPr id="11" name="Rectangle 10">
+            <a:extLst>
+              <a:ext uri="{FF2B5EF4-FFF2-40B4-BE49-F238E27FC236}">
+                <a16:creationId xmlns:a16="http://schemas.microsoft.com/office/drawing/2014/main" id="{9A458B72-847C-4B4E-AE68-73F2BA34F5AF}"/>
+              </a:ext>
+            </a:extLst>
+          </p:cNvPr>
+          <p:cNvSpPr/>
+          <p:nvPr/>
+        </p:nvSpPr>
+        <p:spPr>
+          <a:xfrm>
+            <a:off x="5562600" y="2360118"/>
+            <a:ext cx="3048000" cy="1302544"/>
+          </a:xfrm>
+          <a:prstGeom prst="rect">
+            <a:avLst/>
+          </a:prstGeom>
+        </p:spPr>
+        <p:style>
+          <a:lnRef idx="2">
+            <a:schemeClr val="accent1">
+              <a:shade val="50000"/>
+            </a:schemeClr>
+          </a:lnRef>
+          <a:fillRef idx="1">
+            <a:schemeClr val="accent1"/>
+          </a:fillRef>
+          <a:effectRef idx="0">
+            <a:schemeClr val="accent1"/>
+          </a:effectRef>
+          <a:fontRef idx="minor">
+            <a:schemeClr val="lt1"/>
+          </a:fontRef>
+        </p:style>
+        <p:txBody>
+          <a:bodyPr rtlCol="0" anchor="ctr"/>
+          <a:lstStyle/>
+          <a:p>
+            <a:r>
+              <a:rPr lang="en-US" sz="3200" dirty="0"/>
+              <a:t>main</a:t>
+            </a:r>
+          </a:p>
+          <a:p>
+            <a:r>
+              <a:rPr lang="en-US" sz="3200" dirty="0"/>
+              <a:t>   </a:t>
+            </a:r>
+            <a:r>
+              <a:rPr lang="en-US" sz="3200" dirty="0" err="1"/>
+              <a:t>arr</a:t>
+            </a:r>
+            <a:r>
+              <a:rPr lang="en-US" sz="3200" dirty="0"/>
+              <a:t>:</a:t>
+            </a:r>
+            <a:br>
+              <a:rPr lang="en-US" sz="3200" dirty="0"/>
+            </a:br>
+            <a:endParaRPr lang="en-US" sz="3200" dirty="0"/>
+          </a:p>
+        </p:txBody>
+      </p:sp>
+      <p:cxnSp>
+        <p:nvCxnSpPr>
+          <p:cNvPr id="7" name="Straight Arrow Connector 6">
+            <a:extLst>
+              <a:ext uri="{FF2B5EF4-FFF2-40B4-BE49-F238E27FC236}">
+                <a16:creationId xmlns:a16="http://schemas.microsoft.com/office/drawing/2014/main" id="{A4BD005B-0D27-C148-9972-1E23CF472140}"/>
+              </a:ext>
+            </a:extLst>
+          </p:cNvPr>
+          <p:cNvCxnSpPr>
+            <a:cxnSpLocks/>
+          </p:cNvCxnSpPr>
+          <p:nvPr/>
+        </p:nvCxnSpPr>
+        <p:spPr>
+          <a:xfrm>
+            <a:off x="6680915" y="3048000"/>
+            <a:ext cx="329485" cy="228600"/>
+          </a:xfrm>
+          <a:prstGeom prst="straightConnector1">
+            <a:avLst/>
+          </a:prstGeom>
+          <a:ln w="38100">
+            <a:solidFill>
+              <a:schemeClr val="bg1"/>
+            </a:solidFill>
+            <a:tailEnd type="triangle"/>
+          </a:ln>
+        </p:spPr>
+        <p:style>
+          <a:lnRef idx="1">
+            <a:schemeClr val="accent1"/>
+          </a:lnRef>
+          <a:fillRef idx="0">
+            <a:schemeClr val="accent1"/>
+          </a:fillRef>
+          <a:effectRef idx="0">
+            <a:schemeClr val="accent1"/>
+          </a:effectRef>
+          <a:fontRef idx="minor">
+            <a:schemeClr val="tx1"/>
+          </a:fontRef>
+        </p:style>
+      </p:cxnSp>
+      <p:sp>
+        <p:nvSpPr>
+          <p:cNvPr id="16" name="Rectangle 15">
+            <a:extLst>
+              <a:ext uri="{FF2B5EF4-FFF2-40B4-BE49-F238E27FC236}">
+                <a16:creationId xmlns:a16="http://schemas.microsoft.com/office/drawing/2014/main" id="{68AF5C9D-4FD1-544D-827E-6C2CE3A9EC5A}"/>
+              </a:ext>
+            </a:extLst>
+          </p:cNvPr>
+          <p:cNvSpPr/>
+          <p:nvPr/>
+        </p:nvSpPr>
+        <p:spPr>
+          <a:xfrm>
+            <a:off x="7086600" y="3127800"/>
+            <a:ext cx="1191730" cy="336424"/>
+          </a:xfrm>
+          <a:prstGeom prst="rect">
+            <a:avLst/>
+          </a:prstGeom>
+          <a:noFill/>
+          <a:ln>
+            <a:solidFill>
+              <a:schemeClr val="bg1"/>
+            </a:solidFill>
+          </a:ln>
+        </p:spPr>
+        <p:style>
+          <a:lnRef idx="2">
+            <a:schemeClr val="accent1">
+              <a:shade val="50000"/>
+            </a:schemeClr>
+          </a:lnRef>
+          <a:fillRef idx="1">
+            <a:schemeClr val="accent1"/>
+          </a:fillRef>
+          <a:effectRef idx="0">
+            <a:schemeClr val="accent1"/>
+          </a:effectRef>
+          <a:fontRef idx="minor">
+            <a:schemeClr val="lt1"/>
+          </a:fontRef>
+        </p:style>
+        <p:txBody>
+          <a:bodyPr rtlCol="0" anchor="ctr"/>
+          <a:lstStyle/>
+          <a:p>
+            <a:pPr algn="ctr"/>
+            <a:endParaRPr lang="en-US"/>
+          </a:p>
+        </p:txBody>
+      </p:sp>
+      <p:sp>
+        <p:nvSpPr>
+          <p:cNvPr id="14" name="Rectangle 13">
+            <a:extLst>
+              <a:ext uri="{FF2B5EF4-FFF2-40B4-BE49-F238E27FC236}">
+                <a16:creationId xmlns:a16="http://schemas.microsoft.com/office/drawing/2014/main" id="{14B5B3B1-A3C2-CB43-A0D3-CE43C31EFD65}"/>
+              </a:ext>
+            </a:extLst>
+          </p:cNvPr>
+          <p:cNvSpPr/>
+          <p:nvPr/>
+        </p:nvSpPr>
+        <p:spPr>
+          <a:xfrm>
+            <a:off x="5562600" y="3735564"/>
+            <a:ext cx="2487925" cy="2277092"/>
+          </a:xfrm>
+          <a:prstGeom prst="rect">
+            <a:avLst/>
+          </a:prstGeom>
+        </p:spPr>
+        <p:style>
+          <a:lnRef idx="2">
+            <a:schemeClr val="accent1">
+              <a:shade val="50000"/>
+            </a:schemeClr>
+          </a:lnRef>
+          <a:fillRef idx="1">
+            <a:schemeClr val="accent1"/>
+          </a:fillRef>
+          <a:effectRef idx="0">
+            <a:schemeClr val="accent1"/>
+          </a:effectRef>
+          <a:fontRef idx="minor">
+            <a:schemeClr val="lt1"/>
+          </a:fontRef>
+        </p:style>
+        <p:txBody>
+          <a:bodyPr rtlCol="0" anchor="ctr"/>
+          <a:lstStyle/>
+          <a:p>
+            <a:r>
+              <a:rPr lang="en-US" sz="3200" dirty="0" err="1"/>
+              <a:t>fill_array</a:t>
+            </a:r>
+            <a:endParaRPr lang="en-US" sz="3200" dirty="0"/>
+          </a:p>
+          <a:p>
+            <a:r>
+              <a:rPr lang="en-US" sz="3200" dirty="0"/>
+              <a:t>    list:</a:t>
+            </a:r>
+          </a:p>
+          <a:p>
+            <a:r>
+              <a:rPr lang="en-US" sz="3200" dirty="0"/>
+              <a:t>    n: 5</a:t>
+            </a:r>
+          </a:p>
+          <a:p>
+            <a:r>
+              <a:rPr lang="en-US" sz="3200" dirty="0"/>
+              <a:t>    </a:t>
+            </a:r>
+            <a:r>
+              <a:rPr lang="en-US" sz="3200" dirty="0" err="1"/>
+              <a:t>in_value</a:t>
+            </a:r>
+            <a:r>
+              <a:rPr lang="en-US" sz="3200" dirty="0"/>
+              <a:t>: 1 </a:t>
+            </a:r>
+          </a:p>
+          <a:p>
+            <a:endParaRPr lang="en-US" sz="3200" dirty="0"/>
+          </a:p>
+        </p:txBody>
+      </p:sp>
+      <p:cxnSp>
+        <p:nvCxnSpPr>
+          <p:cNvPr id="15" name="Straight Arrow Connector 14">
+            <a:extLst>
+              <a:ext uri="{FF2B5EF4-FFF2-40B4-BE49-F238E27FC236}">
+                <a16:creationId xmlns:a16="http://schemas.microsoft.com/office/drawing/2014/main" id="{E1E646AC-C91D-E547-839A-C429AB5D6330}"/>
+              </a:ext>
+            </a:extLst>
+          </p:cNvPr>
+          <p:cNvCxnSpPr>
+            <a:cxnSpLocks/>
+          </p:cNvCxnSpPr>
+          <p:nvPr/>
+        </p:nvCxnSpPr>
+        <p:spPr>
+          <a:xfrm flipV="1">
+            <a:off x="6680915" y="3391872"/>
+            <a:ext cx="329485" cy="1019549"/>
+          </a:xfrm>
+          <a:prstGeom prst="straightConnector1">
+            <a:avLst/>
+          </a:prstGeom>
+          <a:ln w="38100">
+            <a:solidFill>
+              <a:schemeClr val="bg1"/>
+            </a:solidFill>
+            <a:tailEnd type="triangle"/>
+          </a:ln>
+        </p:spPr>
+        <p:style>
+          <a:lnRef idx="1">
+            <a:schemeClr val="accent1"/>
+          </a:lnRef>
+          <a:fillRef idx="0">
+            <a:schemeClr val="accent1"/>
+          </a:fillRef>
+          <a:effectRef idx="0">
+            <a:schemeClr val="accent1"/>
+          </a:effectRef>
+          <a:fontRef idx="minor">
+            <a:schemeClr val="tx1"/>
+          </a:fontRef>
+        </p:style>
+      </p:cxnSp>
+    </p:spTree>
+    <p:extLst>
+      <p:ext uri="{BB962C8B-B14F-4D97-AF65-F5344CB8AC3E}">
+        <p14:creationId xmlns:p14="http://schemas.microsoft.com/office/powerpoint/2010/main" val="3403088980"/>
+      </p:ext>
+    </p:extLst>
+  </p:cSld>
+  <p:clrMapOvr>
+    <a:masterClrMapping/>
+  </p:clrMapOvr>
+</p:sld>
+</file>
+
+<file path=ppt/slides/slide33.xml><?xml version="1.0" encoding="utf-8"?>
+<p:sld xmlns:a="http://schemas.openxmlformats.org/drawingml/2006/main" xmlns:r="http://schemas.openxmlformats.org/officeDocument/2006/relationships" xmlns:p="http://schemas.openxmlformats.org/presentationml/2006/main">
+  <p:cSld>
+    <p:spTree>
+      <p:nvGrpSpPr>
+        <p:cNvPr id="1" name=""/>
+        <p:cNvGrpSpPr/>
+        <p:nvPr/>
+      </p:nvGrpSpPr>
+      <p:grpSpPr>
+        <a:xfrm>
+          <a:off x="0" y="0"/>
+          <a:ext cx="0" cy="0"/>
+          <a:chOff x="0" y="0"/>
+          <a:chExt cx="0" cy="0"/>
+        </a:xfrm>
+      </p:grpSpPr>
+      <p:sp>
+        <p:nvSpPr>
+          <p:cNvPr id="2" name="Footer Placeholder 1"/>
+          <p:cNvSpPr>
+            <a:spLocks noGrp="1"/>
+          </p:cNvSpPr>
+          <p:nvPr>
+            <p:ph type="ftr" sz="quarter" idx="11"/>
+          </p:nvPr>
+        </p:nvSpPr>
+        <p:spPr/>
+        <p:txBody>
+          <a:bodyPr/>
+          <a:lstStyle/>
+          <a:p>
+            <a:r>
+              <a:rPr lang="en-US"/>
+              <a:t>© 2016 Pearson Education, Inc., Hoboken, NJ.  All rights reserved.</a:t>
+            </a:r>
+          </a:p>
+        </p:txBody>
+      </p:sp>
+      <p:sp>
+        <p:nvSpPr>
+          <p:cNvPr id="3" name="Slide Number Placeholder 2"/>
+          <p:cNvSpPr>
+            <a:spLocks noGrp="1"/>
+          </p:cNvSpPr>
+          <p:nvPr>
+            <p:ph type="sldNum" sz="quarter" idx="12"/>
+          </p:nvPr>
+        </p:nvSpPr>
+        <p:spPr/>
+        <p:txBody>
+          <a:bodyPr/>
+          <a:lstStyle/>
+          <a:p>
+            <a:fld id="{85A8DA42-601D-40A8-83CA-2F2CBDE5F9F0}" type="slidenum">
+              <a:rPr lang="en-US" smtClean="0"/>
+              <a:t>33</a:t>
             </a:fld>
             <a:endParaRPr lang="en-US"/>
           </a:p>
@@ -5309,7 +12361,7 @@
 </p:sld>
 </file>
 
-<file path=ppt/slides/slide2.xml><?xml version="1.0" encoding="utf-8"?>
+<file path=ppt/slides/slide34.xml><?xml version="1.0" encoding="utf-8"?>
 <p:sld xmlns:a="http://schemas.openxmlformats.org/drawingml/2006/main" xmlns:r="http://schemas.openxmlformats.org/officeDocument/2006/relationships" xmlns:p="http://schemas.openxmlformats.org/presentationml/2006/main">
   <p:cSld>
     <p:spTree>
@@ -5328,65 +12380,7 @@
       </p:grpSpPr>
       <p:sp>
         <p:nvSpPr>
-          <p:cNvPr id="2" name="Title 1"/>
-          <p:cNvSpPr>
-            <a:spLocks noGrp="1"/>
-          </p:cNvSpPr>
-          <p:nvPr>
-            <p:ph type="title"/>
-          </p:nvPr>
-        </p:nvSpPr>
-        <p:spPr/>
-        <p:txBody>
-          <a:bodyPr/>
-          <a:lstStyle/>
-          <a:p>
-            <a:r>
-              <a:rPr lang="en-US" dirty="0"/>
-              <a:t>Chapter Objectives</a:t>
-            </a:r>
-          </a:p>
-        </p:txBody>
-      </p:sp>
-      <p:sp>
-        <p:nvSpPr>
-          <p:cNvPr id="3" name="Content Placeholder 2"/>
-          <p:cNvSpPr>
-            <a:spLocks noGrp="1"/>
-          </p:cNvSpPr>
-          <p:nvPr>
-            <p:ph idx="1"/>
-          </p:nvPr>
-        </p:nvSpPr>
-        <p:spPr/>
-        <p:txBody>
-          <a:bodyPr>
-            <a:normAutofit/>
-          </a:bodyPr>
-          <a:lstStyle/>
-          <a:p>
-            <a:r>
-              <a:rPr lang="en-US" dirty="0"/>
-              <a:t>To learn how to declare and use arrays for storing collections of values of the same type</a:t>
-            </a:r>
-          </a:p>
-          <a:p>
-            <a:r>
-              <a:rPr lang="en-US" dirty="0"/>
-              <a:t>To understand how to use a subscript to reference the individual values in an array</a:t>
-            </a:r>
-          </a:p>
-          <a:p>
-            <a:r>
-              <a:rPr lang="en-US" dirty="0"/>
-              <a:t>To learn how to process the elements of an array in sequential order using loops</a:t>
-            </a:r>
-          </a:p>
-        </p:txBody>
-      </p:sp>
-      <p:sp>
-        <p:nvSpPr>
-          <p:cNvPr id="4" name="Footer Placeholder 3"/>
+          <p:cNvPr id="2" name="Footer Placeholder 1"/>
           <p:cNvSpPr>
             <a:spLocks noGrp="1"/>
           </p:cNvSpPr>
@@ -5408,7 +12402,7 @@
       </p:sp>
       <p:sp>
         <p:nvSpPr>
-          <p:cNvPr id="5" name="Slide Number Placeholder 4"/>
+          <p:cNvPr id="3" name="Slide Number Placeholder 2"/>
           <p:cNvSpPr>
             <a:spLocks noGrp="1"/>
           </p:cNvSpPr>
@@ -5423,82 +12417,7 @@
           <a:p>
             <a:fld id="{85A8DA42-601D-40A8-83CA-2F2CBDE5F9F0}" type="slidenum">
               <a:rPr lang="en-US" smtClean="0"/>
-              <a:t>2</a:t>
-            </a:fld>
-            <a:endParaRPr lang="en-US"/>
-          </a:p>
-        </p:txBody>
-      </p:sp>
-    </p:spTree>
-    <p:extLst>
-      <p:ext uri="{BB962C8B-B14F-4D97-AF65-F5344CB8AC3E}">
-        <p14:creationId xmlns:p14="http://schemas.microsoft.com/office/powerpoint/2010/main" val="2944743484"/>
-      </p:ext>
-    </p:extLst>
-  </p:cSld>
-  <p:clrMapOvr>
-    <a:masterClrMapping/>
-  </p:clrMapOvr>
-</p:sld>
-</file>
-
-<file path=ppt/slides/slide20.xml><?xml version="1.0" encoding="utf-8"?>
-<p:sld xmlns:a="http://schemas.openxmlformats.org/drawingml/2006/main" xmlns:r="http://schemas.openxmlformats.org/officeDocument/2006/relationships" xmlns:p="http://schemas.openxmlformats.org/presentationml/2006/main">
-  <p:cSld>
-    <p:spTree>
-      <p:nvGrpSpPr>
-        <p:cNvPr id="1" name=""/>
-        <p:cNvGrpSpPr/>
-        <p:nvPr/>
-      </p:nvGrpSpPr>
-      <p:grpSpPr>
-        <a:xfrm>
-          <a:off x="0" y="0"/>
-          <a:ext cx="0" cy="0"/>
-          <a:chOff x="0" y="0"/>
-          <a:chExt cx="0" cy="0"/>
-        </a:xfrm>
-      </p:grpSpPr>
-      <p:sp>
-        <p:nvSpPr>
-          <p:cNvPr id="2" name="Footer Placeholder 1"/>
-          <p:cNvSpPr>
-            <a:spLocks noGrp="1"/>
-          </p:cNvSpPr>
-          <p:nvPr>
-            <p:ph type="ftr" sz="quarter" idx="11"/>
-          </p:nvPr>
-        </p:nvSpPr>
-        <p:spPr/>
-        <p:txBody>
-          <a:bodyPr/>
-          <a:lstStyle/>
-          <a:p>
-            <a:r>
-              <a:rPr lang="en-US"/>
-              <a:t>© 2016 Pearson Education, Inc., Hoboken, NJ.  All rights reserved.</a:t>
-            </a:r>
-          </a:p>
-        </p:txBody>
-      </p:sp>
-      <p:sp>
-        <p:nvSpPr>
-          <p:cNvPr id="3" name="Slide Number Placeholder 2"/>
-          <p:cNvSpPr>
-            <a:spLocks noGrp="1"/>
-          </p:cNvSpPr>
-          <p:nvPr>
-            <p:ph type="sldNum" sz="quarter" idx="12"/>
-          </p:nvPr>
-        </p:nvSpPr>
-        <p:spPr/>
-        <p:txBody>
-          <a:bodyPr/>
-          <a:lstStyle/>
-          <a:p>
-            <a:fld id="{85A8DA42-601D-40A8-83CA-2F2CBDE5F9F0}" type="slidenum">
-              <a:rPr lang="en-US" smtClean="0"/>
-              <a:t>20</a:t>
+              <a:t>34</a:t>
             </a:fld>
             <a:endParaRPr lang="en-US"/>
           </a:p>
@@ -5571,7 +12490,7 @@
 </p:sld>
 </file>
 
-<file path=ppt/slides/slide21.xml><?xml version="1.0" encoding="utf-8"?>
+<file path=ppt/slides/slide35.xml><?xml version="1.0" encoding="utf-8"?>
 <p:sld xmlns:a="http://schemas.openxmlformats.org/drawingml/2006/main" xmlns:r="http://schemas.openxmlformats.org/officeDocument/2006/relationships" xmlns:p="http://schemas.openxmlformats.org/presentationml/2006/main">
   <p:cSld>
     <p:spTree>
@@ -5623,14 +12542,14 @@
         <p:spPr/>
         <p:txBody>
           <a:bodyPr>
-            <a:normAutofit lnSpcReduction="10000"/>
+            <a:normAutofit/>
           </a:bodyPr>
           <a:lstStyle/>
           <a:p>
-            <a:r>
-              <a:rPr lang="en-US" dirty="0"/>
-              <a:t>ANSI C provides a qualifier that we can include in the declaration of the array formal parameter in order to notify the C compiler that the array is only an input to the function and the function does not intend to modify the array.</a:t>
-            </a:r>
+            <a:pPr marL="0" indent="0">
+              <a:buNone/>
+            </a:pPr>
+            <a:endParaRPr lang="en-US" dirty="0"/>
           </a:p>
           <a:p>
             <a:r>
@@ -5699,7 +12618,7 @@
           <a:p>
             <a:fld id="{85A8DA42-601D-40A8-83CA-2F2CBDE5F9F0}" type="slidenum">
               <a:rPr lang="en-US" smtClean="0"/>
-              <a:t>21</a:t>
+              <a:t>35</a:t>
             </a:fld>
             <a:endParaRPr lang="en-US"/>
           </a:p>
@@ -5718,7 +12637,7 @@
 </p:sld>
 </file>
 
-<file path=ppt/slides/slide22.xml><?xml version="1.0" encoding="utf-8"?>
+<file path=ppt/slides/slide36.xml><?xml version="1.0" encoding="utf-8"?>
 <p:sld xmlns:a="http://schemas.openxmlformats.org/drawingml/2006/main" xmlns:r="http://schemas.openxmlformats.org/officeDocument/2006/relationships" xmlns:p="http://schemas.openxmlformats.org/presentationml/2006/main">
   <p:cSld>
     <p:spTree>
@@ -5774,7 +12693,7 @@
           <a:p>
             <a:fld id="{85A8DA42-601D-40A8-83CA-2F2CBDE5F9F0}" type="slidenum">
               <a:rPr lang="en-US" smtClean="0"/>
-              <a:t>22</a:t>
+              <a:t>36</a:t>
             </a:fld>
             <a:endParaRPr lang="en-US"/>
           </a:p>
@@ -5883,7 +12802,7 @@
 </p:sld>
 </file>
 
-<file path=ppt/slides/slide23.xml><?xml version="1.0" encoding="utf-8"?>
+<file path=ppt/slides/slide37.xml><?xml version="1.0" encoding="utf-8"?>
 <p:sld xmlns:a="http://schemas.openxmlformats.org/drawingml/2006/main" xmlns:r="http://schemas.openxmlformats.org/officeDocument/2006/relationships" xmlns:p="http://schemas.openxmlformats.org/presentationml/2006/main">
   <p:cSld>
     <p:spTree>
@@ -5994,7 +12913,7 @@
           <a:p>
             <a:fld id="{85A8DA42-601D-40A8-83CA-2F2CBDE5F9F0}" type="slidenum">
               <a:rPr lang="en-US" smtClean="0"/>
-              <a:t>23</a:t>
+              <a:t>37</a:t>
             </a:fld>
             <a:endParaRPr lang="en-US"/>
           </a:p>
@@ -6067,7 +12986,7 @@
 </p:sld>
 </file>
 
-<file path=ppt/slides/slide24.xml><?xml version="1.0" encoding="utf-8"?>
+<file path=ppt/slides/slide38.xml><?xml version="1.0" encoding="utf-8"?>
 <p:sld xmlns:a="http://schemas.openxmlformats.org/drawingml/2006/main" xmlns:r="http://schemas.openxmlformats.org/officeDocument/2006/relationships" xmlns:p="http://schemas.openxmlformats.org/presentationml/2006/main">
   <p:cSld>
     <p:spTree>
@@ -6123,7 +13042,7 @@
           <a:p>
             <a:fld id="{85A8DA42-601D-40A8-83CA-2F2CBDE5F9F0}" type="slidenum">
               <a:rPr lang="en-US" smtClean="0"/>
-              <a:t>24</a:t>
+              <a:t>38</a:t>
             </a:fld>
             <a:endParaRPr lang="en-US"/>
           </a:p>
@@ -6196,7 +13115,7 @@
 </p:sld>
 </file>
 
-<file path=ppt/slides/slide25.xml><?xml version="1.0" encoding="utf-8"?>
+<file path=ppt/slides/slide39.xml><?xml version="1.0" encoding="utf-8"?>
 <p:sld xmlns:a="http://schemas.openxmlformats.org/drawingml/2006/main" xmlns:r="http://schemas.openxmlformats.org/officeDocument/2006/relationships" xmlns:p="http://schemas.openxmlformats.org/presentationml/2006/main">
   <p:cSld>
     <p:spTree>
@@ -6252,7 +13171,7 @@
           <a:p>
             <a:fld id="{85A8DA42-601D-40A8-83CA-2F2CBDE5F9F0}" type="slidenum">
               <a:rPr lang="en-US" smtClean="0"/>
-              <a:t>25</a:t>
+              <a:t>39</a:t>
             </a:fld>
             <a:endParaRPr lang="en-US"/>
           </a:p>
@@ -6325,7 +13244,7 @@
 </p:sld>
 </file>
 
-<file path=ppt/slides/slide26.xml><?xml version="1.0" encoding="utf-8"?>
+<file path=ppt/slides/slide4.xml><?xml version="1.0" encoding="utf-8"?>
 <p:sld xmlns:a="http://schemas.openxmlformats.org/drawingml/2006/main" xmlns:r="http://schemas.openxmlformats.org/officeDocument/2006/relationships" xmlns:p="http://schemas.openxmlformats.org/presentationml/2006/main">
   <p:cSld>
     <p:spTree>
@@ -6352,21 +13271,14 @@
             <p:ph type="title"/>
           </p:nvPr>
         </p:nvSpPr>
-        <p:spPr>
-          <a:xfrm>
-            <a:off x="457200" y="228600"/>
-            <a:ext cx="8229600" cy="715962"/>
-          </a:xfrm>
-        </p:spPr>
-        <p:txBody>
-          <a:bodyPr>
-            <a:normAutofit/>
-          </a:bodyPr>
-          <a:lstStyle/>
-          <a:p>
-            <a:r>
-              <a:rPr lang="en-US" sz="3600" dirty="0"/>
-              <a:t>Array Search</a:t>
+        <p:spPr/>
+        <p:txBody>
+          <a:bodyPr/>
+          <a:lstStyle/>
+          <a:p>
+            <a:r>
+              <a:rPr lang="en-US" dirty="0"/>
+              <a:t>Basic Terminology</a:t>
             </a:r>
           </a:p>
         </p:txBody>
@@ -6381,131 +13293,39 @@
             <p:ph idx="1"/>
           </p:nvPr>
         </p:nvSpPr>
-        <p:spPr>
-          <a:xfrm>
-            <a:off x="457200" y="914400"/>
-            <a:ext cx="8229600" cy="5211763"/>
-          </a:xfrm>
-        </p:spPr>
-        <p:txBody>
-          <a:bodyPr>
-            <a:normAutofit fontScale="92500" lnSpcReduction="20000"/>
-          </a:bodyPr>
-          <a:lstStyle/>
-          <a:p>
-            <a:pPr marL="514350" indent="-514350">
-              <a:buFont typeface="+mj-lt"/>
-              <a:buAutoNum type="arabicPeriod"/>
-            </a:pPr>
+        <p:spPr/>
+        <p:txBody>
+          <a:bodyPr/>
+          <a:lstStyle/>
+          <a:p>
             <a:r>
               <a:rPr lang="en-US" dirty="0"/>
-              <a:t>Assume the target has not been found.</a:t>
-            </a:r>
-          </a:p>
-          <a:p>
-            <a:pPr marL="514350" indent="-514350">
-              <a:buFont typeface="+mj-lt"/>
-              <a:buAutoNum type="arabicPeriod"/>
-            </a:pPr>
+              <a:t>data structure</a:t>
+            </a:r>
+          </a:p>
+          <a:p>
+            <a:pPr lvl="1"/>
             <a:r>
               <a:rPr lang="en-US" dirty="0"/>
-              <a:t>Start with the initial array element.</a:t>
-            </a:r>
-          </a:p>
-          <a:p>
-            <a:pPr marL="514350" indent="-514350">
-              <a:buFont typeface="+mj-lt"/>
-              <a:buAutoNum type="arabicPeriod"/>
-            </a:pPr>
+              <a:t>a composite of related data items stored under the same name</a:t>
+            </a:r>
+          </a:p>
+          <a:p>
+            <a:pPr lvl="1"/>
+            <a:endParaRPr lang="en-US" dirty="0"/>
+          </a:p>
+          <a:p>
             <a:r>
               <a:rPr lang="en-US" dirty="0"/>
-              <a:t>repeat while the target is not found and there are more array elements</a:t>
-            </a:r>
-          </a:p>
-          <a:p>
-            <a:pPr marL="914400" lvl="1" indent="-514350">
-              <a:buFont typeface="+mj-lt"/>
-              <a:buAutoNum type="arabicPeriod" startAt="4"/>
-            </a:pPr>
+              <a:t>array</a:t>
+            </a:r>
+          </a:p>
+          <a:p>
+            <a:pPr lvl="1"/>
             <a:r>
               <a:rPr lang="en-US" dirty="0"/>
-              <a:t>if the current element matches the target</a:t>
-            </a:r>
-          </a:p>
-          <a:p>
-            <a:pPr marL="1314450" lvl="2" indent="-514350">
-              <a:buFont typeface="+mj-lt"/>
-              <a:buAutoNum type="arabicPeriod" startAt="5"/>
-            </a:pPr>
-            <a:r>
-              <a:rPr lang="en-US" dirty="0"/>
-              <a:t>Set a flag to indicate that the target has been found</a:t>
-            </a:r>
-          </a:p>
-          <a:p>
-            <a:pPr marL="800100" lvl="2" indent="0">
-              <a:buNone/>
-            </a:pPr>
-            <a:r>
-              <a:rPr lang="en-US" dirty="0"/>
-              <a:t>else</a:t>
-            </a:r>
-          </a:p>
-          <a:p>
-            <a:pPr marL="1257300" lvl="2" indent="-457200">
-              <a:buFont typeface="+mj-lt"/>
-              <a:buAutoNum type="arabicPeriod" startAt="6"/>
-            </a:pPr>
-            <a:r>
-              <a:rPr lang="en-US" dirty="0"/>
-              <a:t>Advance to the next array element.</a:t>
-            </a:r>
-          </a:p>
-          <a:p>
-            <a:pPr marL="514350" indent="-514350">
-              <a:buFont typeface="+mj-lt"/>
-              <a:buAutoNum type="arabicPeriod" startAt="7"/>
-            </a:pPr>
-            <a:r>
-              <a:rPr lang="en-US" dirty="0"/>
-              <a:t>if the target was found</a:t>
-            </a:r>
-          </a:p>
-          <a:p>
-            <a:pPr marL="914400" lvl="1" indent="-514350">
-              <a:buFont typeface="+mj-lt"/>
-              <a:buAutoNum type="arabicPeriod" startAt="8"/>
-            </a:pPr>
-            <a:r>
-              <a:rPr lang="en-US" dirty="0"/>
-              <a:t>Return the target index as the search result</a:t>
-            </a:r>
-          </a:p>
-          <a:p>
-            <a:pPr marL="400050" lvl="1" indent="0">
-              <a:buNone/>
-            </a:pPr>
-            <a:r>
-              <a:rPr lang="en-US" dirty="0"/>
-              <a:t>else</a:t>
-            </a:r>
-          </a:p>
-          <a:p>
-            <a:pPr marL="914400" lvl="1" indent="-514350">
-              <a:buFont typeface="+mj-lt"/>
-              <a:buAutoNum type="arabicPeriod" startAt="9"/>
-            </a:pPr>
-            <a:r>
-              <a:rPr lang="en-US" dirty="0"/>
-              <a:t>Return -1 as the search result.</a:t>
-            </a:r>
-          </a:p>
-          <a:p>
-            <a:pPr marL="1314450" lvl="2" indent="-514350">
-              <a:buFont typeface="+mj-lt"/>
-              <a:buAutoNum type="arabicPeriod" startAt="5"/>
-            </a:pPr>
-            <a:endParaRPr lang="en-US" dirty="0"/>
+              <a:t>a collection of data items of the same type</a:t>
+            </a:r>
           </a:p>
         </p:txBody>
       </p:sp>
@@ -6548,7 +13368,7 @@
           <a:p>
             <a:fld id="{85A8DA42-601D-40A8-83CA-2F2CBDE5F9F0}" type="slidenum">
               <a:rPr lang="en-US" smtClean="0"/>
-              <a:t>26</a:t>
+              <a:t>4</a:t>
             </a:fld>
             <a:endParaRPr lang="en-US"/>
           </a:p>
@@ -6557,7 +13377,7 @@
     </p:spTree>
     <p:extLst>
       <p:ext uri="{BB962C8B-B14F-4D97-AF65-F5344CB8AC3E}">
-        <p14:creationId xmlns:p14="http://schemas.microsoft.com/office/powerpoint/2010/main" val="2835748219"/>
+        <p14:creationId xmlns:p14="http://schemas.microsoft.com/office/powerpoint/2010/main" val="57200644"/>
       </p:ext>
     </p:extLst>
   </p:cSld>
@@ -6567,7 +13387,7 @@
 </p:sld>
 </file>
 
-<file path=ppt/slides/slide27.xml><?xml version="1.0" encoding="utf-8"?>
+<file path=ppt/slides/slide40.xml><?xml version="1.0" encoding="utf-8"?>
 <p:sld xmlns:a="http://schemas.openxmlformats.org/drawingml/2006/main" xmlns:r="http://schemas.openxmlformats.org/officeDocument/2006/relationships" xmlns:p="http://schemas.openxmlformats.org/presentationml/2006/main">
   <p:cSld>
     <p:spTree>
@@ -6594,14 +13414,21 @@
             <p:ph type="title"/>
           </p:nvPr>
         </p:nvSpPr>
-        <p:spPr/>
-        <p:txBody>
-          <a:bodyPr/>
-          <a:lstStyle/>
-          <a:p>
-            <a:r>
-              <a:rPr lang="en-US" dirty="0"/>
-              <a:t>Selection Sort</a:t>
+        <p:spPr>
+          <a:xfrm>
+            <a:off x="457200" y="228600"/>
+            <a:ext cx="8229600" cy="715962"/>
+          </a:xfrm>
+        </p:spPr>
+        <p:txBody>
+          <a:bodyPr>
+            <a:normAutofit/>
+          </a:bodyPr>
+          <a:lstStyle/>
+          <a:p>
+            <a:r>
+              <a:rPr lang="en-US" sz="3600" dirty="0"/>
+              <a:t>Array Search</a:t>
             </a:r>
           </a:p>
         </p:txBody>
@@ -6616,9 +13443,16 @@
             <p:ph idx="1"/>
           </p:nvPr>
         </p:nvSpPr>
-        <p:spPr/>
-        <p:txBody>
-          <a:bodyPr/>
+        <p:spPr>
+          <a:xfrm>
+            <a:off x="457200" y="914400"/>
+            <a:ext cx="8229600" cy="5211763"/>
+          </a:xfrm>
+        </p:spPr>
+        <p:txBody>
+          <a:bodyPr>
+            <a:normAutofit fontScale="92500" lnSpcReduction="20000"/>
+          </a:bodyPr>
           <a:lstStyle/>
           <a:p>
             <a:pPr marL="514350" indent="-514350">
@@ -6627,163 +13461,113 @@
             </a:pPr>
             <a:r>
               <a:rPr lang="en-US" dirty="0"/>
-              <a:t>for each value of </a:t>
-            </a:r>
-            <a:r>
-              <a:rPr lang="en-US" dirty="0">
-                <a:solidFill>
-                  <a:srgbClr val="7030A0"/>
-                </a:solidFill>
-                <a:latin typeface="Cambria" panose="02040503050406030204" pitchFamily="18" charset="0"/>
-              </a:rPr>
-              <a:t>fill</a:t>
-            </a:r>
-            <a:r>
-              <a:rPr lang="en-US" dirty="0">
-                <a:solidFill>
-                  <a:srgbClr val="7030A0"/>
-                </a:solidFill>
-              </a:rPr>
-              <a:t> </a:t>
-            </a:r>
+              <a:t>Assume the target has not been found.</a:t>
+            </a:r>
+          </a:p>
+          <a:p>
+            <a:pPr marL="514350" indent="-514350">
+              <a:buFont typeface="+mj-lt"/>
+              <a:buAutoNum type="arabicPeriod"/>
+            </a:pPr>
             <a:r>
               <a:rPr lang="en-US" dirty="0"/>
-              <a:t>from </a:t>
-            </a:r>
-            <a:r>
-              <a:rPr lang="en-US" dirty="0">
-                <a:solidFill>
-                  <a:srgbClr val="7030A0"/>
-                </a:solidFill>
-                <a:latin typeface="Cambria" panose="02040503050406030204" pitchFamily="18" charset="0"/>
-              </a:rPr>
-              <a:t>0</a:t>
-            </a:r>
+              <a:t>Start with the initial array element.</a:t>
+            </a:r>
+          </a:p>
+          <a:p>
+            <a:pPr marL="514350" indent="-514350">
+              <a:buFont typeface="+mj-lt"/>
+              <a:buAutoNum type="arabicPeriod"/>
+            </a:pPr>
             <a:r>
               <a:rPr lang="en-US" dirty="0"/>
-              <a:t> to </a:t>
-            </a:r>
-            <a:r>
-              <a:rPr lang="en-US" dirty="0">
-                <a:solidFill>
-                  <a:srgbClr val="7030A0"/>
-                </a:solidFill>
-                <a:latin typeface="Cambria" panose="02040503050406030204" pitchFamily="18" charset="0"/>
-              </a:rPr>
-              <a:t>n-2</a:t>
+              <a:t>repeat while the target is not found and there are more array elements</a:t>
             </a:r>
           </a:p>
           <a:p>
             <a:pPr marL="914400" lvl="1" indent="-514350">
-              <a:buFont typeface="+mj-lt"/>
-              <a:buAutoNum type="arabicPeriod" startAt="2"/>
-            </a:pPr>
-            <a:r>
-              <a:rPr lang="en-US" dirty="0"/>
-              <a:t>Find </a:t>
-            </a:r>
-            <a:r>
-              <a:rPr lang="en-US" dirty="0" err="1">
-                <a:solidFill>
-                  <a:srgbClr val="7030A0"/>
-                </a:solidFill>
-                <a:latin typeface="Cambria" panose="02040503050406030204" pitchFamily="18" charset="0"/>
-              </a:rPr>
-              <a:t>index_of_min</a:t>
-            </a:r>
-            <a:r>
-              <a:rPr lang="en-US" dirty="0"/>
-              <a:t>, the index of the smallest element in the unsorted subarray </a:t>
-            </a:r>
-            <a:r>
-              <a:rPr lang="en-US" dirty="0">
-                <a:solidFill>
-                  <a:srgbClr val="7030A0"/>
-                </a:solidFill>
-                <a:latin typeface="Cambria" panose="02040503050406030204" pitchFamily="18" charset="0"/>
-              </a:rPr>
-              <a:t>list[fill]</a:t>
-            </a:r>
-            <a:r>
-              <a:rPr lang="en-US" dirty="0">
-                <a:solidFill>
-                  <a:srgbClr val="7030A0"/>
-                </a:solidFill>
-              </a:rPr>
-              <a:t> </a:t>
-            </a:r>
-            <a:r>
-              <a:rPr lang="en-US" dirty="0"/>
-              <a:t>through </a:t>
-            </a:r>
-            <a:r>
-              <a:rPr lang="en-US" dirty="0">
-                <a:solidFill>
-                  <a:srgbClr val="7030A0"/>
-                </a:solidFill>
-                <a:latin typeface="Cambria" panose="02040503050406030204" pitchFamily="18" charset="0"/>
-              </a:rPr>
-              <a:t>list[n-1]</a:t>
-            </a:r>
-          </a:p>
-          <a:p>
-            <a:pPr marL="914400" lvl="1" indent="-514350">
-              <a:buFont typeface="+mj-lt"/>
-              <a:buAutoNum type="arabicPeriod" startAt="2"/>
-            </a:pPr>
-            <a:r>
-              <a:rPr lang="en-US" dirty="0"/>
-              <a:t>if </a:t>
-            </a:r>
-            <a:r>
-              <a:rPr lang="en-US" dirty="0">
-                <a:solidFill>
-                  <a:srgbClr val="7030A0"/>
-                </a:solidFill>
-                <a:latin typeface="Cambria" panose="02040503050406030204" pitchFamily="18" charset="0"/>
-              </a:rPr>
-              <a:t>fill</a:t>
-            </a:r>
-            <a:r>
-              <a:rPr lang="en-US" dirty="0"/>
-              <a:t> is not the position of the smallest element (</a:t>
-            </a:r>
-            <a:r>
-              <a:rPr lang="en-US" dirty="0" err="1">
-                <a:solidFill>
-                  <a:srgbClr val="7030A0"/>
-                </a:solidFill>
-                <a:latin typeface="Cambria" panose="02040503050406030204" pitchFamily="18" charset="0"/>
-              </a:rPr>
-              <a:t>index_of_min</a:t>
-            </a:r>
-            <a:r>
-              <a:rPr lang="en-US" dirty="0"/>
-              <a:t>)</a:t>
-            </a:r>
-          </a:p>
-          <a:p>
-            <a:pPr marL="1314450" lvl="2" indent="-514350">
               <a:buFont typeface="+mj-lt"/>
               <a:buAutoNum type="arabicPeriod" startAt="4"/>
             </a:pPr>
             <a:r>
               <a:rPr lang="en-US" dirty="0"/>
-              <a:t>Exchange the smallest element with the one at position </a:t>
-            </a:r>
-            <a:r>
-              <a:rPr lang="en-US" dirty="0">
-                <a:solidFill>
-                  <a:srgbClr val="7030A0"/>
-                </a:solidFill>
-                <a:latin typeface="Cambria" panose="02040503050406030204" pitchFamily="18" charset="0"/>
-              </a:rPr>
-              <a:t>fill</a:t>
-            </a:r>
+              <a:t>if the current element matches the target</a:t>
+            </a:r>
+          </a:p>
+          <a:p>
+            <a:pPr marL="1314450" lvl="2" indent="-514350">
+              <a:buFont typeface="+mj-lt"/>
+              <a:buAutoNum type="arabicPeriod" startAt="5"/>
+            </a:pPr>
             <a:r>
               <a:rPr lang="en-US" dirty="0"/>
-              <a:t>.</a:t>
-            </a:r>
+              <a:t>Set a flag to indicate that the target has been found</a:t>
+            </a:r>
+          </a:p>
+          <a:p>
+            <a:pPr marL="800100" lvl="2" indent="0">
+              <a:buNone/>
+            </a:pPr>
+            <a:r>
+              <a:rPr lang="en-US" dirty="0"/>
+              <a:t>else</a:t>
+            </a:r>
+          </a:p>
+          <a:p>
+            <a:pPr marL="1257300" lvl="2" indent="-457200">
+              <a:buFont typeface="+mj-lt"/>
+              <a:buAutoNum type="arabicPeriod" startAt="6"/>
+            </a:pPr>
+            <a:r>
+              <a:rPr lang="en-US" dirty="0"/>
+              <a:t>Advance to the next array element.</a:t>
+            </a:r>
+          </a:p>
+          <a:p>
+            <a:pPr marL="514350" indent="-514350">
+              <a:buFont typeface="+mj-lt"/>
+              <a:buAutoNum type="arabicPeriod" startAt="7"/>
+            </a:pPr>
+            <a:r>
+              <a:rPr lang="en-US" dirty="0"/>
+              <a:t>if the target was found</a:t>
+            </a:r>
+          </a:p>
+          <a:p>
+            <a:pPr marL="914400" lvl="1" indent="-514350">
+              <a:buFont typeface="+mj-lt"/>
+              <a:buAutoNum type="arabicPeriod" startAt="8"/>
+            </a:pPr>
+            <a:r>
+              <a:rPr lang="en-US" dirty="0"/>
+              <a:t>Return the target index as the search result</a:t>
+            </a:r>
+          </a:p>
+          <a:p>
+            <a:pPr marL="400050" lvl="1" indent="0">
+              <a:buNone/>
+            </a:pPr>
+            <a:r>
+              <a:rPr lang="en-US" dirty="0"/>
+              <a:t>else</a:t>
+            </a:r>
+          </a:p>
+          <a:p>
+            <a:pPr marL="914400" lvl="1" indent="-514350">
+              <a:buFont typeface="+mj-lt"/>
+              <a:buAutoNum type="arabicPeriod" startAt="9"/>
+            </a:pPr>
+            <a:r>
+              <a:rPr lang="en-US" dirty="0"/>
+              <a:t>Return -1 as the search result.</a:t>
+            </a:r>
+          </a:p>
+          <a:p>
+            <a:pPr marL="1314450" lvl="2" indent="-514350">
+              <a:buFont typeface="+mj-lt"/>
+              <a:buAutoNum type="arabicPeriod" startAt="5"/>
+            </a:pPr>
+            <a:endParaRPr lang="en-US" dirty="0"/>
           </a:p>
         </p:txBody>
       </p:sp>
@@ -6826,7 +13610,7 @@
           <a:p>
             <a:fld id="{85A8DA42-601D-40A8-83CA-2F2CBDE5F9F0}" type="slidenum">
               <a:rPr lang="en-US" smtClean="0"/>
-              <a:t>27</a:t>
+              <a:t>40</a:t>
             </a:fld>
             <a:endParaRPr lang="en-US"/>
           </a:p>
@@ -6835,7 +13619,7 @@
     </p:spTree>
     <p:extLst>
       <p:ext uri="{BB962C8B-B14F-4D97-AF65-F5344CB8AC3E}">
-        <p14:creationId xmlns:p14="http://schemas.microsoft.com/office/powerpoint/2010/main" val="1101985771"/>
+        <p14:creationId xmlns:p14="http://schemas.microsoft.com/office/powerpoint/2010/main" val="2835748219"/>
       </p:ext>
     </p:extLst>
   </p:cSld>
@@ -6845,7 +13629,7 @@
 </p:sld>
 </file>
 
-<file path=ppt/slides/slide28.xml><?xml version="1.0" encoding="utf-8"?>
+<file path=ppt/slides/slide41.xml><?xml version="1.0" encoding="utf-8"?>
 <p:sld xmlns:a="http://schemas.openxmlformats.org/drawingml/2006/main" xmlns:r="http://schemas.openxmlformats.org/officeDocument/2006/relationships" xmlns:p="http://schemas.openxmlformats.org/presentationml/2006/main">
   <p:cSld>
     <p:spTree>
@@ -6864,7 +13648,210 @@
       </p:grpSpPr>
       <p:sp>
         <p:nvSpPr>
-          <p:cNvPr id="2" name="Footer Placeholder 1"/>
+          <p:cNvPr id="2" name="Title 1"/>
+          <p:cNvSpPr>
+            <a:spLocks noGrp="1"/>
+          </p:cNvSpPr>
+          <p:nvPr>
+            <p:ph type="title"/>
+          </p:nvPr>
+        </p:nvSpPr>
+        <p:spPr/>
+        <p:txBody>
+          <a:bodyPr/>
+          <a:lstStyle/>
+          <a:p>
+            <a:r>
+              <a:rPr lang="en-US" dirty="0"/>
+              <a:t>Selection Sort</a:t>
+            </a:r>
+          </a:p>
+        </p:txBody>
+      </p:sp>
+      <p:sp>
+        <p:nvSpPr>
+          <p:cNvPr id="3" name="Content Placeholder 2"/>
+          <p:cNvSpPr>
+            <a:spLocks noGrp="1"/>
+          </p:cNvSpPr>
+          <p:nvPr>
+            <p:ph idx="1"/>
+          </p:nvPr>
+        </p:nvSpPr>
+        <p:spPr/>
+        <p:txBody>
+          <a:bodyPr/>
+          <a:lstStyle/>
+          <a:p>
+            <a:pPr marL="514350" indent="-514350">
+              <a:buFont typeface="+mj-lt"/>
+              <a:buAutoNum type="arabicPeriod"/>
+            </a:pPr>
+            <a:r>
+              <a:rPr lang="en-US" dirty="0"/>
+              <a:t>for each value of </a:t>
+            </a:r>
+            <a:r>
+              <a:rPr lang="en-US" dirty="0">
+                <a:solidFill>
+                  <a:srgbClr val="7030A0"/>
+                </a:solidFill>
+                <a:latin typeface="Cambria" panose="02040503050406030204" pitchFamily="18" charset="0"/>
+              </a:rPr>
+              <a:t>fill</a:t>
+            </a:r>
+            <a:r>
+              <a:rPr lang="en-US" dirty="0">
+                <a:solidFill>
+                  <a:srgbClr val="7030A0"/>
+                </a:solidFill>
+              </a:rPr>
+              <a:t> </a:t>
+            </a:r>
+            <a:r>
+              <a:rPr lang="en-US" dirty="0"/>
+              <a:t>from </a:t>
+            </a:r>
+            <a:r>
+              <a:rPr lang="en-US" dirty="0">
+                <a:solidFill>
+                  <a:srgbClr val="7030A0"/>
+                </a:solidFill>
+                <a:latin typeface="Cambria" panose="02040503050406030204" pitchFamily="18" charset="0"/>
+              </a:rPr>
+              <a:t>0</a:t>
+            </a:r>
+            <a:r>
+              <a:rPr lang="en-US" dirty="0"/>
+              <a:t> to </a:t>
+            </a:r>
+            <a:r>
+              <a:rPr lang="en-US" dirty="0">
+                <a:solidFill>
+                  <a:srgbClr val="7030A0"/>
+                </a:solidFill>
+                <a:latin typeface="Cambria" panose="02040503050406030204" pitchFamily="18" charset="0"/>
+              </a:rPr>
+              <a:t>n-2</a:t>
+            </a:r>
+          </a:p>
+          <a:p>
+            <a:pPr marL="914400" lvl="1" indent="-514350">
+              <a:buFont typeface="+mj-lt"/>
+              <a:buAutoNum type="arabicPeriod" startAt="2"/>
+            </a:pPr>
+            <a:r>
+              <a:rPr lang="en-US" dirty="0"/>
+              <a:t>Find </a:t>
+            </a:r>
+            <a:r>
+              <a:rPr lang="en-US" dirty="0" err="1">
+                <a:solidFill>
+                  <a:srgbClr val="7030A0"/>
+                </a:solidFill>
+                <a:latin typeface="Cambria" panose="02040503050406030204" pitchFamily="18" charset="0"/>
+              </a:rPr>
+              <a:t>index_of_min</a:t>
+            </a:r>
+            <a:r>
+              <a:rPr lang="en-US" dirty="0"/>
+              <a:t>, the index of the smallest element in the unsorted subarray </a:t>
+            </a:r>
+            <a:r>
+              <a:rPr lang="en-US" dirty="0">
+                <a:solidFill>
+                  <a:srgbClr val="7030A0"/>
+                </a:solidFill>
+                <a:latin typeface="Cambria" panose="02040503050406030204" pitchFamily="18" charset="0"/>
+              </a:rPr>
+              <a:t>list[fill]</a:t>
+            </a:r>
+            <a:r>
+              <a:rPr lang="en-US" dirty="0">
+                <a:solidFill>
+                  <a:srgbClr val="7030A0"/>
+                </a:solidFill>
+              </a:rPr>
+              <a:t> </a:t>
+            </a:r>
+            <a:r>
+              <a:rPr lang="en-US" dirty="0"/>
+              <a:t>through </a:t>
+            </a:r>
+            <a:r>
+              <a:rPr lang="en-US" dirty="0">
+                <a:solidFill>
+                  <a:srgbClr val="7030A0"/>
+                </a:solidFill>
+                <a:latin typeface="Cambria" panose="02040503050406030204" pitchFamily="18" charset="0"/>
+              </a:rPr>
+              <a:t>list[n-1]</a:t>
+            </a:r>
+          </a:p>
+          <a:p>
+            <a:pPr marL="914400" lvl="1" indent="-514350">
+              <a:buFont typeface="+mj-lt"/>
+              <a:buAutoNum type="arabicPeriod" startAt="2"/>
+            </a:pPr>
+            <a:r>
+              <a:rPr lang="en-US" dirty="0"/>
+              <a:t>if </a:t>
+            </a:r>
+            <a:r>
+              <a:rPr lang="en-US" dirty="0">
+                <a:solidFill>
+                  <a:srgbClr val="7030A0"/>
+                </a:solidFill>
+                <a:latin typeface="Cambria" panose="02040503050406030204" pitchFamily="18" charset="0"/>
+              </a:rPr>
+              <a:t>fill</a:t>
+            </a:r>
+            <a:r>
+              <a:rPr lang="en-US" dirty="0"/>
+              <a:t> is not the position of the smallest element (</a:t>
+            </a:r>
+            <a:r>
+              <a:rPr lang="en-US" dirty="0" err="1">
+                <a:solidFill>
+                  <a:srgbClr val="7030A0"/>
+                </a:solidFill>
+                <a:latin typeface="Cambria" panose="02040503050406030204" pitchFamily="18" charset="0"/>
+              </a:rPr>
+              <a:t>index_of_min</a:t>
+            </a:r>
+            <a:r>
+              <a:rPr lang="en-US" dirty="0"/>
+              <a:t>)</a:t>
+            </a:r>
+          </a:p>
+          <a:p>
+            <a:pPr marL="1314450" lvl="2" indent="-514350">
+              <a:buFont typeface="+mj-lt"/>
+              <a:buAutoNum type="arabicPeriod" startAt="4"/>
+            </a:pPr>
+            <a:r>
+              <a:rPr lang="en-US" dirty="0"/>
+              <a:t>Exchange the smallest element with the one at position </a:t>
+            </a:r>
+            <a:r>
+              <a:rPr lang="en-US" dirty="0">
+                <a:solidFill>
+                  <a:srgbClr val="7030A0"/>
+                </a:solidFill>
+                <a:latin typeface="Cambria" panose="02040503050406030204" pitchFamily="18" charset="0"/>
+              </a:rPr>
+              <a:t>fill</a:t>
+            </a:r>
+            <a:r>
+              <a:rPr lang="en-US" dirty="0"/>
+              <a:t>.</a:t>
+            </a:r>
+          </a:p>
+        </p:txBody>
+      </p:sp>
+      <p:sp>
+        <p:nvSpPr>
+          <p:cNvPr id="4" name="Footer Placeholder 3"/>
           <p:cNvSpPr>
             <a:spLocks noGrp="1"/>
           </p:cNvSpPr>
@@ -6886,7 +13873,7 @@
       </p:sp>
       <p:sp>
         <p:nvSpPr>
-          <p:cNvPr id="3" name="Slide Number Placeholder 2"/>
+          <p:cNvPr id="5" name="Slide Number Placeholder 4"/>
           <p:cNvSpPr>
             <a:spLocks noGrp="1"/>
           </p:cNvSpPr>
@@ -6901,7 +13888,82 @@
           <a:p>
             <a:fld id="{85A8DA42-601D-40A8-83CA-2F2CBDE5F9F0}" type="slidenum">
               <a:rPr lang="en-US" smtClean="0"/>
-              <a:t>28</a:t>
+              <a:t>41</a:t>
+            </a:fld>
+            <a:endParaRPr lang="en-US"/>
+          </a:p>
+        </p:txBody>
+      </p:sp>
+    </p:spTree>
+    <p:extLst>
+      <p:ext uri="{BB962C8B-B14F-4D97-AF65-F5344CB8AC3E}">
+        <p14:creationId xmlns:p14="http://schemas.microsoft.com/office/powerpoint/2010/main" val="1101985771"/>
+      </p:ext>
+    </p:extLst>
+  </p:cSld>
+  <p:clrMapOvr>
+    <a:masterClrMapping/>
+  </p:clrMapOvr>
+</p:sld>
+</file>
+
+<file path=ppt/slides/slide42.xml><?xml version="1.0" encoding="utf-8"?>
+<p:sld xmlns:a="http://schemas.openxmlformats.org/drawingml/2006/main" xmlns:r="http://schemas.openxmlformats.org/officeDocument/2006/relationships" xmlns:p="http://schemas.openxmlformats.org/presentationml/2006/main">
+  <p:cSld>
+    <p:spTree>
+      <p:nvGrpSpPr>
+        <p:cNvPr id="1" name=""/>
+        <p:cNvGrpSpPr/>
+        <p:nvPr/>
+      </p:nvGrpSpPr>
+      <p:grpSpPr>
+        <a:xfrm>
+          <a:off x="0" y="0"/>
+          <a:ext cx="0" cy="0"/>
+          <a:chOff x="0" y="0"/>
+          <a:chExt cx="0" cy="0"/>
+        </a:xfrm>
+      </p:grpSpPr>
+      <p:sp>
+        <p:nvSpPr>
+          <p:cNvPr id="2" name="Footer Placeholder 1"/>
+          <p:cNvSpPr>
+            <a:spLocks noGrp="1"/>
+          </p:cNvSpPr>
+          <p:nvPr>
+            <p:ph type="ftr" sz="quarter" idx="11"/>
+          </p:nvPr>
+        </p:nvSpPr>
+        <p:spPr/>
+        <p:txBody>
+          <a:bodyPr/>
+          <a:lstStyle/>
+          <a:p>
+            <a:r>
+              <a:rPr lang="en-US"/>
+              <a:t>© 2016 Pearson Education, Inc., Hoboken, NJ.  All rights reserved.</a:t>
+            </a:r>
+          </a:p>
+        </p:txBody>
+      </p:sp>
+      <p:sp>
+        <p:nvSpPr>
+          <p:cNvPr id="3" name="Slide Number Placeholder 2"/>
+          <p:cNvSpPr>
+            <a:spLocks noGrp="1"/>
+          </p:cNvSpPr>
+          <p:nvPr>
+            <p:ph type="sldNum" sz="quarter" idx="12"/>
+          </p:nvPr>
+        </p:nvSpPr>
+        <p:spPr/>
+        <p:txBody>
+          <a:bodyPr/>
+          <a:lstStyle/>
+          <a:p>
+            <a:fld id="{85A8DA42-601D-40A8-83CA-2F2CBDE5F9F0}" type="slidenum">
+              <a:rPr lang="en-US" smtClean="0"/>
+              <a:t>42</a:t>
             </a:fld>
             <a:endParaRPr lang="en-US"/>
           </a:p>
@@ -6974,7 +14036,7 @@
 </p:sld>
 </file>
 
-<file path=ppt/slides/slide29.xml><?xml version="1.0" encoding="utf-8"?>
+<file path=ppt/slides/slide43.xml><?xml version="1.0" encoding="utf-8"?>
 <p:sld xmlns:a="http://schemas.openxmlformats.org/drawingml/2006/main" xmlns:r="http://schemas.openxmlformats.org/officeDocument/2006/relationships" xmlns:p="http://schemas.openxmlformats.org/presentationml/2006/main">
   <p:cSld>
     <p:spTree>
@@ -7088,7 +14150,7 @@
           <a:p>
             <a:fld id="{85A8DA42-601D-40A8-83CA-2F2CBDE5F9F0}" type="slidenum">
               <a:rPr lang="en-US" smtClean="0"/>
-              <a:t>29</a:t>
+              <a:t>43</a:t>
             </a:fld>
             <a:endParaRPr lang="en-US"/>
           </a:p>
@@ -7098,300 +14160,6 @@
     <p:extLst>
       <p:ext uri="{BB962C8B-B14F-4D97-AF65-F5344CB8AC3E}">
         <p14:creationId xmlns:p14="http://schemas.microsoft.com/office/powerpoint/2010/main" val="3142733257"/>
-      </p:ext>
-    </p:extLst>
-  </p:cSld>
-  <p:clrMapOvr>
-    <a:masterClrMapping/>
-  </p:clrMapOvr>
-</p:sld>
-</file>
-
-<file path=ppt/slides/slide3.xml><?xml version="1.0" encoding="utf-8"?>
-<p:sld xmlns:a="http://schemas.openxmlformats.org/drawingml/2006/main" xmlns:r="http://schemas.openxmlformats.org/officeDocument/2006/relationships" xmlns:p="http://schemas.openxmlformats.org/presentationml/2006/main">
-  <p:cSld>
-    <p:spTree>
-      <p:nvGrpSpPr>
-        <p:cNvPr id="1" name=""/>
-        <p:cNvGrpSpPr/>
-        <p:nvPr/>
-      </p:nvGrpSpPr>
-      <p:grpSpPr>
-        <a:xfrm>
-          <a:off x="0" y="0"/>
-          <a:ext cx="0" cy="0"/>
-          <a:chOff x="0" y="0"/>
-          <a:chExt cx="0" cy="0"/>
-        </a:xfrm>
-      </p:grpSpPr>
-      <p:sp>
-        <p:nvSpPr>
-          <p:cNvPr id="2" name="Title 1"/>
-          <p:cNvSpPr>
-            <a:spLocks noGrp="1"/>
-          </p:cNvSpPr>
-          <p:nvPr>
-            <p:ph type="title"/>
-          </p:nvPr>
-        </p:nvSpPr>
-        <p:spPr/>
-        <p:txBody>
-          <a:bodyPr/>
-          <a:lstStyle/>
-          <a:p>
-            <a:r>
-              <a:rPr lang="en-US" dirty="0"/>
-              <a:t>Chapter Objectives</a:t>
-            </a:r>
-          </a:p>
-        </p:txBody>
-      </p:sp>
-      <p:sp>
-        <p:nvSpPr>
-          <p:cNvPr id="3" name="Content Placeholder 2"/>
-          <p:cNvSpPr>
-            <a:spLocks noGrp="1"/>
-          </p:cNvSpPr>
-          <p:nvPr>
-            <p:ph idx="1"/>
-          </p:nvPr>
-        </p:nvSpPr>
-        <p:spPr/>
-        <p:txBody>
-          <a:bodyPr>
-            <a:normAutofit fontScale="92500" lnSpcReduction="20000"/>
-          </a:bodyPr>
-          <a:lstStyle/>
-          <a:p>
-            <a:r>
-              <a:rPr lang="en-US" dirty="0"/>
-              <a:t>To understand how to pass individual array elements and entire arrays through function arguments</a:t>
-            </a:r>
-          </a:p>
-          <a:p>
-            <a:r>
-              <a:rPr lang="en-US" dirty="0"/>
-              <a:t>To learn a method for searching an array</a:t>
-            </a:r>
-          </a:p>
-          <a:p>
-            <a:r>
-              <a:rPr lang="en-US" dirty="0"/>
-              <a:t>To learn a method for sorting an array</a:t>
-            </a:r>
-          </a:p>
-          <a:p>
-            <a:r>
-              <a:rPr lang="en-US" dirty="0"/>
-              <a:t>To learn how to use multidimensional arrays for storing tables of data</a:t>
-            </a:r>
-          </a:p>
-          <a:p>
-            <a:r>
-              <a:rPr lang="en-US" dirty="0"/>
-              <a:t>To understand the concept of parallel arrays</a:t>
-            </a:r>
-          </a:p>
-          <a:p>
-            <a:r>
-              <a:rPr lang="en-US" dirty="0"/>
-              <a:t>To learn how to declare and use your own data types</a:t>
-            </a:r>
-          </a:p>
-        </p:txBody>
-      </p:sp>
-      <p:sp>
-        <p:nvSpPr>
-          <p:cNvPr id="4" name="Footer Placeholder 3"/>
-          <p:cNvSpPr>
-            <a:spLocks noGrp="1"/>
-          </p:cNvSpPr>
-          <p:nvPr>
-            <p:ph type="ftr" sz="quarter" idx="11"/>
-          </p:nvPr>
-        </p:nvSpPr>
-        <p:spPr/>
-        <p:txBody>
-          <a:bodyPr/>
-          <a:lstStyle/>
-          <a:p>
-            <a:r>
-              <a:rPr lang="en-US"/>
-              <a:t>© 2016 Pearson Education, Inc., Hoboken, NJ.  All rights reserved.</a:t>
-            </a:r>
-          </a:p>
-        </p:txBody>
-      </p:sp>
-      <p:sp>
-        <p:nvSpPr>
-          <p:cNvPr id="5" name="Slide Number Placeholder 4"/>
-          <p:cNvSpPr>
-            <a:spLocks noGrp="1"/>
-          </p:cNvSpPr>
-          <p:nvPr>
-            <p:ph type="sldNum" sz="quarter" idx="12"/>
-          </p:nvPr>
-        </p:nvSpPr>
-        <p:spPr/>
-        <p:txBody>
-          <a:bodyPr/>
-          <a:lstStyle/>
-          <a:p>
-            <a:fld id="{85A8DA42-601D-40A8-83CA-2F2CBDE5F9F0}" type="slidenum">
-              <a:rPr lang="en-US" smtClean="0"/>
-              <a:t>3</a:t>
-            </a:fld>
-            <a:endParaRPr lang="en-US"/>
-          </a:p>
-        </p:txBody>
-      </p:sp>
-    </p:spTree>
-    <p:extLst>
-      <p:ext uri="{BB962C8B-B14F-4D97-AF65-F5344CB8AC3E}">
-        <p14:creationId xmlns:p14="http://schemas.microsoft.com/office/powerpoint/2010/main" val="4092185238"/>
-      </p:ext>
-    </p:extLst>
-  </p:cSld>
-  <p:clrMapOvr>
-    <a:masterClrMapping/>
-  </p:clrMapOvr>
-</p:sld>
-</file>
-
-<file path=ppt/slides/slide4.xml><?xml version="1.0" encoding="utf-8"?>
-<p:sld xmlns:a="http://schemas.openxmlformats.org/drawingml/2006/main" xmlns:r="http://schemas.openxmlformats.org/officeDocument/2006/relationships" xmlns:p="http://schemas.openxmlformats.org/presentationml/2006/main">
-  <p:cSld>
-    <p:spTree>
-      <p:nvGrpSpPr>
-        <p:cNvPr id="1" name=""/>
-        <p:cNvGrpSpPr/>
-        <p:nvPr/>
-      </p:nvGrpSpPr>
-      <p:grpSpPr>
-        <a:xfrm>
-          <a:off x="0" y="0"/>
-          <a:ext cx="0" cy="0"/>
-          <a:chOff x="0" y="0"/>
-          <a:chExt cx="0" cy="0"/>
-        </a:xfrm>
-      </p:grpSpPr>
-      <p:sp>
-        <p:nvSpPr>
-          <p:cNvPr id="2" name="Title 1"/>
-          <p:cNvSpPr>
-            <a:spLocks noGrp="1"/>
-          </p:cNvSpPr>
-          <p:nvPr>
-            <p:ph type="title"/>
-          </p:nvPr>
-        </p:nvSpPr>
-        <p:spPr/>
-        <p:txBody>
-          <a:bodyPr/>
-          <a:lstStyle/>
-          <a:p>
-            <a:r>
-              <a:rPr lang="en-US" dirty="0"/>
-              <a:t>Basic Terminology</a:t>
-            </a:r>
-          </a:p>
-        </p:txBody>
-      </p:sp>
-      <p:sp>
-        <p:nvSpPr>
-          <p:cNvPr id="3" name="Content Placeholder 2"/>
-          <p:cNvSpPr>
-            <a:spLocks noGrp="1"/>
-          </p:cNvSpPr>
-          <p:nvPr>
-            <p:ph idx="1"/>
-          </p:nvPr>
-        </p:nvSpPr>
-        <p:spPr/>
-        <p:txBody>
-          <a:bodyPr/>
-          <a:lstStyle/>
-          <a:p>
-            <a:r>
-              <a:rPr lang="en-US" dirty="0"/>
-              <a:t>data structure</a:t>
-            </a:r>
-          </a:p>
-          <a:p>
-            <a:pPr lvl="1"/>
-            <a:r>
-              <a:rPr lang="en-US" dirty="0"/>
-              <a:t>a composite of related data items stored under the same name</a:t>
-            </a:r>
-          </a:p>
-          <a:p>
-            <a:pPr lvl="1"/>
-            <a:endParaRPr lang="en-US" dirty="0"/>
-          </a:p>
-          <a:p>
-            <a:r>
-              <a:rPr lang="en-US" dirty="0"/>
-              <a:t>array</a:t>
-            </a:r>
-          </a:p>
-          <a:p>
-            <a:pPr lvl="1"/>
-            <a:r>
-              <a:rPr lang="en-US" dirty="0"/>
-              <a:t>a collection of data items of the same type</a:t>
-            </a:r>
-          </a:p>
-        </p:txBody>
-      </p:sp>
-      <p:sp>
-        <p:nvSpPr>
-          <p:cNvPr id="4" name="Footer Placeholder 3"/>
-          <p:cNvSpPr>
-            <a:spLocks noGrp="1"/>
-          </p:cNvSpPr>
-          <p:nvPr>
-            <p:ph type="ftr" sz="quarter" idx="11"/>
-          </p:nvPr>
-        </p:nvSpPr>
-        <p:spPr/>
-        <p:txBody>
-          <a:bodyPr/>
-          <a:lstStyle/>
-          <a:p>
-            <a:r>
-              <a:rPr lang="en-US"/>
-              <a:t>© 2016 Pearson Education, Inc., Hoboken, NJ.  All rights reserved.</a:t>
-            </a:r>
-          </a:p>
-        </p:txBody>
-      </p:sp>
-      <p:sp>
-        <p:nvSpPr>
-          <p:cNvPr id="5" name="Slide Number Placeholder 4"/>
-          <p:cNvSpPr>
-            <a:spLocks noGrp="1"/>
-          </p:cNvSpPr>
-          <p:nvPr>
-            <p:ph type="sldNum" sz="quarter" idx="12"/>
-          </p:nvPr>
-        </p:nvSpPr>
-        <p:spPr/>
-        <p:txBody>
-          <a:bodyPr/>
-          <a:lstStyle/>
-          <a:p>
-            <a:fld id="{85A8DA42-601D-40A8-83CA-2F2CBDE5F9F0}" type="slidenum">
-              <a:rPr lang="en-US" smtClean="0"/>
-              <a:t>4</a:t>
-            </a:fld>
-            <a:endParaRPr lang="en-US"/>
-          </a:p>
-        </p:txBody>
-      </p:sp>
-    </p:spTree>
-    <p:extLst>
-      <p:ext uri="{BB962C8B-B14F-4D97-AF65-F5344CB8AC3E}">
-        <p14:creationId xmlns:p14="http://schemas.microsoft.com/office/powerpoint/2010/main" val="57200644"/>
       </p:ext>
     </p:extLst>
   </p:cSld>

--- a/_teaching/csci112-fall-2023/lectures/ppts/Chapter7.pptx
+++ b/_teaching/csci112-fall-2023/lectures/ppts/Chapter7.pptx
@@ -9834,7 +9834,7 @@
         </p:nvSpPr>
         <p:spPr>
           <a:xfrm>
-            <a:off x="0" y="1295400"/>
+            <a:off x="0" y="1524000"/>
             <a:ext cx="5334000" cy="6063198"/>
           </a:xfrm>
           <a:prstGeom prst="rect">
@@ -10528,7 +10528,7 @@
         </p:nvSpPr>
         <p:spPr>
           <a:xfrm>
-            <a:off x="0" y="1295400"/>
+            <a:off x="0" y="1524000"/>
             <a:ext cx="5334000" cy="6063198"/>
           </a:xfrm>
           <a:prstGeom prst="rect">
@@ -11215,6 +11215,12 @@
           <a:prstGeom prst="rect">
             <a:avLst/>
           </a:prstGeom>
+          <a:noFill/>
+          <a:ln>
+            <a:solidFill>
+              <a:schemeClr val="bg1"/>
+            </a:solidFill>
+          </a:ln>
         </p:spPr>
         <p:style>
           <a:lnRef idx="2">
@@ -11378,7 +11384,7 @@
         </p:nvSpPr>
         <p:spPr>
           <a:xfrm>
-            <a:off x="0" y="1295400"/>
+            <a:off x="0" y="1524000"/>
             <a:ext cx="5334000" cy="6063198"/>
           </a:xfrm>
           <a:prstGeom prst="rect">
